--- a/bigCloudAi/bigCloudAi.pptx
+++ b/bigCloudAi/bigCloudAi.pptx
@@ -4,9 +4,18 @@
   <p:sldMasterIdLst>
     <p:sldMasterId id="2147483648" r:id="rId1"/>
   </p:sldMasterIdLst>
+  <p:notesMasterIdLst>
+    <p:notesMasterId r:id="rId5"/>
+  </p:notesMasterIdLst>
   <p:sldIdLst>
     <p:sldId id="256" r:id="rId3"/>
-    <p:sldId id="257" r:id="rId4"/>
+    <p:sldId id="258" r:id="rId4"/>
+    <p:sldId id="262" r:id="rId6"/>
+    <p:sldId id="263" r:id="rId7"/>
+    <p:sldId id="260" r:id="rId8"/>
+    <p:sldId id="261" r:id="rId9"/>
+    <p:sldId id="259" r:id="rId10"/>
+    <p:sldId id="257" r:id="rId11"/>
   </p:sldIdLst>
   <p:sldSz cx="12192000" cy="6858000"/>
   <p:notesSz cx="6858000" cy="9144000"/>
@@ -108,9 +117,14 @@
 </p:presentation>
 </file>
 
-<file path=ppt/slideLayouts/slideLayout1.xml><?xml version="1.0" encoding="utf-8"?>
-<p:sldLayout xmlns:a="http://schemas.openxmlformats.org/drawingml/2006/main" xmlns:r="http://schemas.openxmlformats.org/officeDocument/2006/relationships" xmlns:p="http://schemas.openxmlformats.org/presentationml/2006/main" type="title" preserve="1">
-  <p:cSld name="标题幻灯片">
+<file path=ppt/notesMasters/notesMaster1.xml><?xml version="1.0" encoding="utf-8"?>
+<p:notesMaster xmlns:a="http://schemas.openxmlformats.org/drawingml/2006/main" xmlns:r="http://schemas.openxmlformats.org/officeDocument/2006/relationships" xmlns:p="http://schemas.openxmlformats.org/presentationml/2006/main">
+  <p:cSld>
+    <p:bg>
+      <p:bgRef idx="1001">
+        <a:schemeClr val="bg1"/>
+      </p:bgRef>
+    </p:bg>
     <p:spTree>
       <p:nvGrpSpPr>
         <p:cNvPr id="1" name=""/>
@@ -127,6 +141,830 @@
       </p:grpSpPr>
       <p:sp>
         <p:nvSpPr>
+          <p:cNvPr id="2" name="页眉占位符 1"/>
+          <p:cNvSpPr>
+            <a:spLocks noGrp="1"/>
+          </p:cNvSpPr>
+          <p:nvPr>
+            <p:ph type="hdr" sz="quarter"/>
+          </p:nvPr>
+        </p:nvSpPr>
+        <p:spPr>
+          <a:xfrm>
+            <a:off x="0" y="0"/>
+            <a:ext cx="2971800" cy="458788"/>
+          </a:xfrm>
+          <a:prstGeom prst="rect">
+            <a:avLst/>
+          </a:prstGeom>
+        </p:spPr>
+        <p:txBody>
+          <a:bodyPr vert="horz" lIns="91440" tIns="45720" rIns="91440" bIns="45720" rtlCol="0"/>
+          <a:lstStyle>
+            <a:lvl1pPr algn="l">
+              <a:defRPr sz="1200"/>
+            </a:lvl1pPr>
+          </a:lstStyle>
+          <a:p>
+            <a:endParaRPr lang="zh-CN" altLang="en-US"/>
+          </a:p>
+        </p:txBody>
+      </p:sp>
+      <p:sp>
+        <p:nvSpPr>
+          <p:cNvPr id="3" name="日期占位符 2"/>
+          <p:cNvSpPr>
+            <a:spLocks noGrp="1"/>
+          </p:cNvSpPr>
+          <p:nvPr>
+            <p:ph type="dt" idx="1"/>
+          </p:nvPr>
+        </p:nvSpPr>
+        <p:spPr>
+          <a:xfrm>
+            <a:off x="3884613" y="0"/>
+            <a:ext cx="2971800" cy="458788"/>
+          </a:xfrm>
+          <a:prstGeom prst="rect">
+            <a:avLst/>
+          </a:prstGeom>
+        </p:spPr>
+        <p:txBody>
+          <a:bodyPr vert="horz" lIns="91440" tIns="45720" rIns="91440" bIns="45720" rtlCol="0"/>
+          <a:lstStyle>
+            <a:lvl1pPr algn="r">
+              <a:defRPr sz="1200"/>
+            </a:lvl1pPr>
+          </a:lstStyle>
+          <a:p>
+            <a:fld id="{D2A48B96-639E-45A3-A0BA-2464DFDB1FAA}" type="datetimeFigureOut">
+              <a:rPr lang="zh-CN" altLang="en-US" smtClean="0"/>
+            </a:fld>
+            <a:endParaRPr lang="zh-CN" altLang="en-US"/>
+          </a:p>
+        </p:txBody>
+      </p:sp>
+      <p:sp>
+        <p:nvSpPr>
+          <p:cNvPr id="4" name="幻灯片图像占位符 3"/>
+          <p:cNvSpPr>
+            <a:spLocks noGrp="1" noRot="1" noChangeAspect="1"/>
+          </p:cNvSpPr>
+          <p:nvPr>
+            <p:ph type="sldImg" idx="2"/>
+          </p:nvPr>
+        </p:nvSpPr>
+        <p:spPr>
+          <a:xfrm>
+            <a:off x="685800" y="1143000"/>
+            <a:ext cx="5486400" cy="3086100"/>
+          </a:xfrm>
+          <a:prstGeom prst="rect">
+            <a:avLst/>
+          </a:prstGeom>
+          <a:noFill/>
+          <a:ln w="12700">
+            <a:solidFill>
+              <a:prstClr val="black"/>
+            </a:solidFill>
+          </a:ln>
+        </p:spPr>
+        <p:txBody>
+          <a:bodyPr vert="horz" lIns="91440" tIns="45720" rIns="91440" bIns="45720" rtlCol="0" anchor="ctr"/>
+          <a:lstStyle/>
+          <a:p>
+            <a:endParaRPr lang="zh-CN" altLang="en-US"/>
+          </a:p>
+        </p:txBody>
+      </p:sp>
+      <p:sp>
+        <p:nvSpPr>
+          <p:cNvPr id="5" name="备注占位符 4"/>
+          <p:cNvSpPr>
+            <a:spLocks noGrp="1"/>
+          </p:cNvSpPr>
+          <p:nvPr>
+            <p:ph type="body" sz="quarter" idx="3"/>
+          </p:nvPr>
+        </p:nvSpPr>
+        <p:spPr>
+          <a:xfrm>
+            <a:off x="685800" y="4400550"/>
+            <a:ext cx="5486400" cy="3600450"/>
+          </a:xfrm>
+          <a:prstGeom prst="rect">
+            <a:avLst/>
+          </a:prstGeom>
+        </p:spPr>
+        <p:txBody>
+          <a:bodyPr vert="horz" lIns="91440" tIns="45720" rIns="91440" bIns="45720" rtlCol="0"/>
+          <a:lstStyle/>
+          <a:p>
+            <a:pPr lvl="0"/>
+            <a:r>
+              <a:rPr lang="zh-CN" altLang="en-US" smtClean="0"/>
+              <a:t>单击此处编辑母版文本样式</a:t>
+            </a:r>
+            <a:endParaRPr lang="zh-CN" altLang="en-US" smtClean="0"/>
+          </a:p>
+          <a:p>
+            <a:pPr lvl="1"/>
+            <a:r>
+              <a:rPr lang="zh-CN" altLang="en-US" smtClean="0"/>
+              <a:t>第二级</a:t>
+            </a:r>
+            <a:endParaRPr lang="zh-CN" altLang="en-US" smtClean="0"/>
+          </a:p>
+          <a:p>
+            <a:pPr lvl="2"/>
+            <a:r>
+              <a:rPr lang="zh-CN" altLang="en-US" smtClean="0"/>
+              <a:t>第三级</a:t>
+            </a:r>
+            <a:endParaRPr lang="zh-CN" altLang="en-US" smtClean="0"/>
+          </a:p>
+          <a:p>
+            <a:pPr lvl="3"/>
+            <a:r>
+              <a:rPr lang="zh-CN" altLang="en-US" smtClean="0"/>
+              <a:t>第四级</a:t>
+            </a:r>
+            <a:endParaRPr lang="zh-CN" altLang="en-US" smtClean="0"/>
+          </a:p>
+          <a:p>
+            <a:pPr lvl="4"/>
+            <a:r>
+              <a:rPr lang="zh-CN" altLang="en-US" smtClean="0"/>
+              <a:t>第五级</a:t>
+            </a:r>
+            <a:endParaRPr lang="zh-CN" altLang="en-US"/>
+          </a:p>
+        </p:txBody>
+      </p:sp>
+      <p:sp>
+        <p:nvSpPr>
+          <p:cNvPr id="6" name="页脚占位符 5"/>
+          <p:cNvSpPr>
+            <a:spLocks noGrp="1"/>
+          </p:cNvSpPr>
+          <p:nvPr>
+            <p:ph type="ftr" sz="quarter" idx="4"/>
+          </p:nvPr>
+        </p:nvSpPr>
+        <p:spPr>
+          <a:xfrm>
+            <a:off x="0" y="8685213"/>
+            <a:ext cx="2971800" cy="458787"/>
+          </a:xfrm>
+          <a:prstGeom prst="rect">
+            <a:avLst/>
+          </a:prstGeom>
+        </p:spPr>
+        <p:txBody>
+          <a:bodyPr vert="horz" lIns="91440" tIns="45720" rIns="91440" bIns="45720" rtlCol="0" anchor="b"/>
+          <a:lstStyle>
+            <a:lvl1pPr algn="l">
+              <a:defRPr sz="1200"/>
+            </a:lvl1pPr>
+          </a:lstStyle>
+          <a:p>
+            <a:endParaRPr lang="zh-CN" altLang="en-US"/>
+          </a:p>
+        </p:txBody>
+      </p:sp>
+      <p:sp>
+        <p:nvSpPr>
+          <p:cNvPr id="7" name="灯片编号占位符 6"/>
+          <p:cNvSpPr>
+            <a:spLocks noGrp="1"/>
+          </p:cNvSpPr>
+          <p:nvPr>
+            <p:ph type="sldNum" sz="quarter" idx="5"/>
+          </p:nvPr>
+        </p:nvSpPr>
+        <p:spPr>
+          <a:xfrm>
+            <a:off x="3884613" y="8685213"/>
+            <a:ext cx="2971800" cy="458787"/>
+          </a:xfrm>
+          <a:prstGeom prst="rect">
+            <a:avLst/>
+          </a:prstGeom>
+        </p:spPr>
+        <p:txBody>
+          <a:bodyPr vert="horz" lIns="91440" tIns="45720" rIns="91440" bIns="45720" rtlCol="0" anchor="b"/>
+          <a:lstStyle>
+            <a:lvl1pPr algn="r">
+              <a:defRPr sz="1200"/>
+            </a:lvl1pPr>
+          </a:lstStyle>
+          <a:p>
+            <a:fld id="{A6837353-30EB-4A48-80EB-173D804AEFBD}" type="slidenum">
+              <a:rPr lang="zh-CN" altLang="en-US" smtClean="0"/>
+            </a:fld>
+            <a:endParaRPr lang="zh-CN" altLang="en-US"/>
+          </a:p>
+        </p:txBody>
+      </p:sp>
+    </p:spTree>
+  </p:cSld>
+  <p:clrMap bg1="lt1" tx1="dk1" bg2="lt2" tx2="dk2" accent1="accent1" accent2="accent2" accent3="accent3" accent4="accent4" accent5="accent5" accent6="accent6" hlink="hlink" folHlink="folHlink"/>
+  <p:notesStyle>
+    <a:lvl1pPr marL="0" algn="l" defTabSz="914400" rtl="0" eaLnBrk="1" latinLnBrk="0" hangingPunct="1">
+      <a:defRPr sz="1200" kern="1200">
+        <a:solidFill>
+          <a:schemeClr val="tx1"/>
+        </a:solidFill>
+        <a:latin typeface="+mn-lt"/>
+        <a:ea typeface="+mn-ea"/>
+        <a:cs typeface="+mn-cs"/>
+      </a:defRPr>
+    </a:lvl1pPr>
+    <a:lvl2pPr marL="457200" algn="l" defTabSz="914400" rtl="0" eaLnBrk="1" latinLnBrk="0" hangingPunct="1">
+      <a:defRPr sz="1200" kern="1200">
+        <a:solidFill>
+          <a:schemeClr val="tx1"/>
+        </a:solidFill>
+        <a:latin typeface="+mn-lt"/>
+        <a:ea typeface="+mn-ea"/>
+        <a:cs typeface="+mn-cs"/>
+      </a:defRPr>
+    </a:lvl2pPr>
+    <a:lvl3pPr marL="914400" algn="l" defTabSz="914400" rtl="0" eaLnBrk="1" latinLnBrk="0" hangingPunct="1">
+      <a:defRPr sz="1200" kern="1200">
+        <a:solidFill>
+          <a:schemeClr val="tx1"/>
+        </a:solidFill>
+        <a:latin typeface="+mn-lt"/>
+        <a:ea typeface="+mn-ea"/>
+        <a:cs typeface="+mn-cs"/>
+      </a:defRPr>
+    </a:lvl3pPr>
+    <a:lvl4pPr marL="1371600" algn="l" defTabSz="914400" rtl="0" eaLnBrk="1" latinLnBrk="0" hangingPunct="1">
+      <a:defRPr sz="1200" kern="1200">
+        <a:solidFill>
+          <a:schemeClr val="tx1"/>
+        </a:solidFill>
+        <a:latin typeface="+mn-lt"/>
+        <a:ea typeface="+mn-ea"/>
+        <a:cs typeface="+mn-cs"/>
+      </a:defRPr>
+    </a:lvl4pPr>
+    <a:lvl5pPr marL="1828800" algn="l" defTabSz="914400" rtl="0" eaLnBrk="1" latinLnBrk="0" hangingPunct="1">
+      <a:defRPr sz="1200" kern="1200">
+        <a:solidFill>
+          <a:schemeClr val="tx1"/>
+        </a:solidFill>
+        <a:latin typeface="+mn-lt"/>
+        <a:ea typeface="+mn-ea"/>
+        <a:cs typeface="+mn-cs"/>
+      </a:defRPr>
+    </a:lvl5pPr>
+    <a:lvl6pPr marL="2286000" algn="l" defTabSz="914400" rtl="0" eaLnBrk="1" latinLnBrk="0" hangingPunct="1">
+      <a:defRPr sz="1200" kern="1200">
+        <a:solidFill>
+          <a:schemeClr val="tx1"/>
+        </a:solidFill>
+        <a:latin typeface="+mn-lt"/>
+        <a:ea typeface="+mn-ea"/>
+        <a:cs typeface="+mn-cs"/>
+      </a:defRPr>
+    </a:lvl6pPr>
+    <a:lvl7pPr marL="2743200" algn="l" defTabSz="914400" rtl="0" eaLnBrk="1" latinLnBrk="0" hangingPunct="1">
+      <a:defRPr sz="1200" kern="1200">
+        <a:solidFill>
+          <a:schemeClr val="tx1"/>
+        </a:solidFill>
+        <a:latin typeface="+mn-lt"/>
+        <a:ea typeface="+mn-ea"/>
+        <a:cs typeface="+mn-cs"/>
+      </a:defRPr>
+    </a:lvl7pPr>
+    <a:lvl8pPr marL="3200400" algn="l" defTabSz="914400" rtl="0" eaLnBrk="1" latinLnBrk="0" hangingPunct="1">
+      <a:defRPr sz="1200" kern="1200">
+        <a:solidFill>
+          <a:schemeClr val="tx1"/>
+        </a:solidFill>
+        <a:latin typeface="+mn-lt"/>
+        <a:ea typeface="+mn-ea"/>
+        <a:cs typeface="+mn-cs"/>
+      </a:defRPr>
+    </a:lvl8pPr>
+    <a:lvl9pPr marL="3657600" algn="l" defTabSz="914400" rtl="0" eaLnBrk="1" latinLnBrk="0" hangingPunct="1">
+      <a:defRPr sz="1200" kern="1200">
+        <a:solidFill>
+          <a:schemeClr val="tx1"/>
+        </a:solidFill>
+        <a:latin typeface="+mn-lt"/>
+        <a:ea typeface="+mn-ea"/>
+        <a:cs typeface="+mn-cs"/>
+      </a:defRPr>
+    </a:lvl9pPr>
+  </p:notesStyle>
+</p:notesMaster>
+</file>
+
+<file path=ppt/notesSlides/notesSlide1.xml><?xml version="1.0" encoding="utf-8"?>
+<p:notes xmlns:a="http://schemas.openxmlformats.org/drawingml/2006/main" xmlns:r="http://schemas.openxmlformats.org/officeDocument/2006/relationships" xmlns:p="http://schemas.openxmlformats.org/presentationml/2006/main">
+  <p:cSld>
+    <p:spTree>
+      <p:nvGrpSpPr>
+        <p:cNvPr id="1" name=""/>
+        <p:cNvGrpSpPr/>
+        <p:nvPr/>
+      </p:nvGrpSpPr>
+      <p:grpSpPr>
+        <a:xfrm>
+          <a:off x="0" y="0"/>
+          <a:ext cx="0" cy="0"/>
+          <a:chOff x="0" y="0"/>
+          <a:chExt cx="0" cy="0"/>
+        </a:xfrm>
+      </p:grpSpPr>
+      <p:sp>
+        <p:nvSpPr>
+          <p:cNvPr id="2" name="幻灯片图像占位符 1"/>
+          <p:cNvSpPr>
+            <a:spLocks noGrp="1" noRot="1" noChangeAspect="1"/>
+          </p:cNvSpPr>
+          <p:nvPr>
+            <p:ph type="sldImg"/>
+          </p:nvPr>
+        </p:nvSpPr>
+        <p:spPr/>
+      </p:sp>
+      <p:sp>
+        <p:nvSpPr>
+          <p:cNvPr id="3" name="备注占位符 2"/>
+          <p:cNvSpPr>
+            <a:spLocks noGrp="1"/>
+          </p:cNvSpPr>
+          <p:nvPr>
+            <p:ph type="body" idx="1"/>
+          </p:nvPr>
+        </p:nvSpPr>
+        <p:spPr/>
+        <p:txBody>
+          <a:bodyPr/>
+          <a:lstStyle/>
+          <a:p>
+            <a:endParaRPr lang="zh-CN" altLang="en-US"/>
+          </a:p>
+        </p:txBody>
+      </p:sp>
+      <p:sp>
+        <p:nvSpPr>
+          <p:cNvPr id="4" name="灯片编号占位符 3"/>
+          <p:cNvSpPr>
+            <a:spLocks noGrp="1"/>
+          </p:cNvSpPr>
+          <p:nvPr>
+            <p:ph type="sldNum" sz="quarter" idx="10"/>
+          </p:nvPr>
+        </p:nvSpPr>
+        <p:spPr/>
+        <p:txBody>
+          <a:bodyPr/>
+          <a:lstStyle/>
+          <a:p>
+            <a:fld id="{CFE6508D-EA78-480B-8754-7566540D899C}" type="slidenum">
+              <a:rPr lang="zh-CN" altLang="en-US" smtClean="0"/>
+            </a:fld>
+            <a:endParaRPr lang="zh-CN" altLang="en-US"/>
+          </a:p>
+        </p:txBody>
+      </p:sp>
+    </p:spTree>
+  </p:cSld>
+  <p:clrMapOvr>
+    <a:masterClrMapping/>
+  </p:clrMapOvr>
+</p:notes>
+</file>
+
+<file path=ppt/notesSlides/notesSlide2.xml><?xml version="1.0" encoding="utf-8"?>
+<p:notes xmlns:a="http://schemas.openxmlformats.org/drawingml/2006/main" xmlns:r="http://schemas.openxmlformats.org/officeDocument/2006/relationships" xmlns:p="http://schemas.openxmlformats.org/presentationml/2006/main">
+  <p:cSld>
+    <p:spTree>
+      <p:nvGrpSpPr>
+        <p:cNvPr id="1" name=""/>
+        <p:cNvGrpSpPr/>
+        <p:nvPr/>
+      </p:nvGrpSpPr>
+      <p:grpSpPr>
+        <a:xfrm>
+          <a:off x="0" y="0"/>
+          <a:ext cx="0" cy="0"/>
+          <a:chOff x="0" y="0"/>
+          <a:chExt cx="0" cy="0"/>
+        </a:xfrm>
+      </p:grpSpPr>
+      <p:sp>
+        <p:nvSpPr>
+          <p:cNvPr id="2" name="幻灯片图像占位符 1"/>
+          <p:cNvSpPr>
+            <a:spLocks noGrp="1" noRot="1" noChangeAspect="1"/>
+          </p:cNvSpPr>
+          <p:nvPr>
+            <p:ph type="sldImg"/>
+          </p:nvPr>
+        </p:nvSpPr>
+        <p:spPr/>
+      </p:sp>
+      <p:sp>
+        <p:nvSpPr>
+          <p:cNvPr id="3" name="备注占位符 2"/>
+          <p:cNvSpPr>
+            <a:spLocks noGrp="1"/>
+          </p:cNvSpPr>
+          <p:nvPr>
+            <p:ph type="body" idx="1"/>
+          </p:nvPr>
+        </p:nvSpPr>
+        <p:spPr/>
+        <p:txBody>
+          <a:bodyPr/>
+          <a:lstStyle/>
+          <a:p>
+            <a:endParaRPr lang="zh-CN" altLang="en-US"/>
+          </a:p>
+        </p:txBody>
+      </p:sp>
+      <p:sp>
+        <p:nvSpPr>
+          <p:cNvPr id="4" name="灯片编号占位符 3"/>
+          <p:cNvSpPr>
+            <a:spLocks noGrp="1"/>
+          </p:cNvSpPr>
+          <p:nvPr>
+            <p:ph type="sldNum" sz="quarter" idx="10"/>
+          </p:nvPr>
+        </p:nvSpPr>
+        <p:spPr/>
+        <p:txBody>
+          <a:bodyPr/>
+          <a:lstStyle/>
+          <a:p>
+            <a:fld id="{CFE6508D-EA78-480B-8754-7566540D899C}" type="slidenum">
+              <a:rPr lang="zh-CN" altLang="en-US" smtClean="0"/>
+            </a:fld>
+            <a:endParaRPr lang="zh-CN" altLang="en-US"/>
+          </a:p>
+        </p:txBody>
+      </p:sp>
+    </p:spTree>
+  </p:cSld>
+  <p:clrMapOvr>
+    <a:masterClrMapping/>
+  </p:clrMapOvr>
+</p:notes>
+</file>
+
+<file path=ppt/notesSlides/notesSlide3.xml><?xml version="1.0" encoding="utf-8"?>
+<p:notes xmlns:a="http://schemas.openxmlformats.org/drawingml/2006/main" xmlns:r="http://schemas.openxmlformats.org/officeDocument/2006/relationships" xmlns:p="http://schemas.openxmlformats.org/presentationml/2006/main">
+  <p:cSld>
+    <p:spTree>
+      <p:nvGrpSpPr>
+        <p:cNvPr id="1" name=""/>
+        <p:cNvGrpSpPr/>
+        <p:nvPr/>
+      </p:nvGrpSpPr>
+      <p:grpSpPr>
+        <a:xfrm>
+          <a:off x="0" y="0"/>
+          <a:ext cx="0" cy="0"/>
+          <a:chOff x="0" y="0"/>
+          <a:chExt cx="0" cy="0"/>
+        </a:xfrm>
+      </p:grpSpPr>
+      <p:sp>
+        <p:nvSpPr>
+          <p:cNvPr id="2" name="幻灯片图像占位符 1"/>
+          <p:cNvSpPr>
+            <a:spLocks noGrp="1" noRot="1" noChangeAspect="1"/>
+          </p:cNvSpPr>
+          <p:nvPr>
+            <p:ph type="sldImg"/>
+          </p:nvPr>
+        </p:nvSpPr>
+        <p:spPr/>
+      </p:sp>
+      <p:sp>
+        <p:nvSpPr>
+          <p:cNvPr id="3" name="备注占位符 2"/>
+          <p:cNvSpPr>
+            <a:spLocks noGrp="1"/>
+          </p:cNvSpPr>
+          <p:nvPr>
+            <p:ph type="body" idx="1"/>
+          </p:nvPr>
+        </p:nvSpPr>
+        <p:spPr/>
+        <p:txBody>
+          <a:bodyPr/>
+          <a:lstStyle/>
+          <a:p>
+            <a:endParaRPr lang="zh-CN" altLang="en-US"/>
+          </a:p>
+        </p:txBody>
+      </p:sp>
+      <p:sp>
+        <p:nvSpPr>
+          <p:cNvPr id="4" name="灯片编号占位符 3"/>
+          <p:cNvSpPr>
+            <a:spLocks noGrp="1"/>
+          </p:cNvSpPr>
+          <p:nvPr>
+            <p:ph type="sldNum" sz="quarter" idx="10"/>
+          </p:nvPr>
+        </p:nvSpPr>
+        <p:spPr/>
+        <p:txBody>
+          <a:bodyPr/>
+          <a:lstStyle/>
+          <a:p>
+            <a:fld id="{CFE6508D-EA78-480B-8754-7566540D899C}" type="slidenum">
+              <a:rPr lang="zh-CN" altLang="en-US" smtClean="0"/>
+            </a:fld>
+            <a:endParaRPr lang="zh-CN" altLang="en-US"/>
+          </a:p>
+        </p:txBody>
+      </p:sp>
+    </p:spTree>
+  </p:cSld>
+  <p:clrMapOvr>
+    <a:masterClrMapping/>
+  </p:clrMapOvr>
+</p:notes>
+</file>
+
+<file path=ppt/notesSlides/notesSlide4.xml><?xml version="1.0" encoding="utf-8"?>
+<p:notes xmlns:a="http://schemas.openxmlformats.org/drawingml/2006/main" xmlns:r="http://schemas.openxmlformats.org/officeDocument/2006/relationships" xmlns:p="http://schemas.openxmlformats.org/presentationml/2006/main">
+  <p:cSld>
+    <p:spTree>
+      <p:nvGrpSpPr>
+        <p:cNvPr id="1" name=""/>
+        <p:cNvGrpSpPr/>
+        <p:nvPr/>
+      </p:nvGrpSpPr>
+      <p:grpSpPr>
+        <a:xfrm>
+          <a:off x="0" y="0"/>
+          <a:ext cx="0" cy="0"/>
+          <a:chOff x="0" y="0"/>
+          <a:chExt cx="0" cy="0"/>
+        </a:xfrm>
+      </p:grpSpPr>
+      <p:sp>
+        <p:nvSpPr>
+          <p:cNvPr id="2" name="幻灯片图像占位符 1"/>
+          <p:cNvSpPr>
+            <a:spLocks noGrp="1" noRot="1" noChangeAspect="1"/>
+          </p:cNvSpPr>
+          <p:nvPr>
+            <p:ph type="sldImg"/>
+          </p:nvPr>
+        </p:nvSpPr>
+        <p:spPr/>
+      </p:sp>
+      <p:sp>
+        <p:nvSpPr>
+          <p:cNvPr id="3" name="备注占位符 2"/>
+          <p:cNvSpPr>
+            <a:spLocks noGrp="1"/>
+          </p:cNvSpPr>
+          <p:nvPr>
+            <p:ph type="body" idx="1"/>
+          </p:nvPr>
+        </p:nvSpPr>
+        <p:spPr/>
+        <p:txBody>
+          <a:bodyPr/>
+          <a:lstStyle/>
+          <a:p>
+            <a:endParaRPr lang="zh-CN" altLang="en-US"/>
+          </a:p>
+        </p:txBody>
+      </p:sp>
+      <p:sp>
+        <p:nvSpPr>
+          <p:cNvPr id="4" name="灯片编号占位符 3"/>
+          <p:cNvSpPr>
+            <a:spLocks noGrp="1"/>
+          </p:cNvSpPr>
+          <p:nvPr>
+            <p:ph type="sldNum" sz="quarter" idx="10"/>
+          </p:nvPr>
+        </p:nvSpPr>
+        <p:spPr/>
+        <p:txBody>
+          <a:bodyPr/>
+          <a:lstStyle/>
+          <a:p>
+            <a:fld id="{CFE6508D-EA78-480B-8754-7566540D899C}" type="slidenum">
+              <a:rPr lang="zh-CN" altLang="en-US" smtClean="0"/>
+            </a:fld>
+            <a:endParaRPr lang="zh-CN" altLang="en-US"/>
+          </a:p>
+        </p:txBody>
+      </p:sp>
+    </p:spTree>
+  </p:cSld>
+  <p:clrMapOvr>
+    <a:masterClrMapping/>
+  </p:clrMapOvr>
+</p:notes>
+</file>
+
+<file path=ppt/notesSlides/notesSlide5.xml><?xml version="1.0" encoding="utf-8"?>
+<p:notes xmlns:a="http://schemas.openxmlformats.org/drawingml/2006/main" xmlns:r="http://schemas.openxmlformats.org/officeDocument/2006/relationships" xmlns:p="http://schemas.openxmlformats.org/presentationml/2006/main">
+  <p:cSld>
+    <p:spTree>
+      <p:nvGrpSpPr>
+        <p:cNvPr id="1" name=""/>
+        <p:cNvGrpSpPr/>
+        <p:nvPr/>
+      </p:nvGrpSpPr>
+      <p:grpSpPr>
+        <a:xfrm>
+          <a:off x="0" y="0"/>
+          <a:ext cx="0" cy="0"/>
+          <a:chOff x="0" y="0"/>
+          <a:chExt cx="0" cy="0"/>
+        </a:xfrm>
+      </p:grpSpPr>
+      <p:sp>
+        <p:nvSpPr>
+          <p:cNvPr id="2" name="幻灯片图像占位符 1"/>
+          <p:cNvSpPr>
+            <a:spLocks noGrp="1" noRot="1" noChangeAspect="1"/>
+          </p:cNvSpPr>
+          <p:nvPr>
+            <p:ph type="sldImg"/>
+          </p:nvPr>
+        </p:nvSpPr>
+        <p:spPr/>
+      </p:sp>
+      <p:sp>
+        <p:nvSpPr>
+          <p:cNvPr id="3" name="备注占位符 2"/>
+          <p:cNvSpPr>
+            <a:spLocks noGrp="1"/>
+          </p:cNvSpPr>
+          <p:nvPr>
+            <p:ph type="body" idx="1"/>
+          </p:nvPr>
+        </p:nvSpPr>
+        <p:spPr/>
+        <p:txBody>
+          <a:bodyPr/>
+          <a:lstStyle/>
+          <a:p>
+            <a:endParaRPr lang="zh-CN" altLang="en-US"/>
+          </a:p>
+        </p:txBody>
+      </p:sp>
+      <p:sp>
+        <p:nvSpPr>
+          <p:cNvPr id="4" name="灯片编号占位符 3"/>
+          <p:cNvSpPr>
+            <a:spLocks noGrp="1"/>
+          </p:cNvSpPr>
+          <p:nvPr>
+            <p:ph type="sldNum" sz="quarter" idx="10"/>
+          </p:nvPr>
+        </p:nvSpPr>
+        <p:spPr/>
+        <p:txBody>
+          <a:bodyPr/>
+          <a:lstStyle/>
+          <a:p>
+            <a:fld id="{CFE6508D-EA78-480B-8754-7566540D899C}" type="slidenum">
+              <a:rPr lang="zh-CN" altLang="en-US" smtClean="0"/>
+            </a:fld>
+            <a:endParaRPr lang="zh-CN" altLang="en-US"/>
+          </a:p>
+        </p:txBody>
+      </p:sp>
+    </p:spTree>
+  </p:cSld>
+  <p:clrMapOvr>
+    <a:masterClrMapping/>
+  </p:clrMapOvr>
+</p:notes>
+</file>
+
+<file path=ppt/notesSlides/notesSlide6.xml><?xml version="1.0" encoding="utf-8"?>
+<p:notes xmlns:a="http://schemas.openxmlformats.org/drawingml/2006/main" xmlns:r="http://schemas.openxmlformats.org/officeDocument/2006/relationships" xmlns:p="http://schemas.openxmlformats.org/presentationml/2006/main">
+  <p:cSld>
+    <p:spTree>
+      <p:nvGrpSpPr>
+        <p:cNvPr id="1" name=""/>
+        <p:cNvGrpSpPr/>
+        <p:nvPr/>
+      </p:nvGrpSpPr>
+      <p:grpSpPr>
+        <a:xfrm>
+          <a:off x="0" y="0"/>
+          <a:ext cx="0" cy="0"/>
+          <a:chOff x="0" y="0"/>
+          <a:chExt cx="0" cy="0"/>
+        </a:xfrm>
+      </p:grpSpPr>
+      <p:sp>
+        <p:nvSpPr>
+          <p:cNvPr id="2" name="幻灯片图像占位符 1"/>
+          <p:cNvSpPr>
+            <a:spLocks noGrp="1" noRot="1" noChangeAspect="1"/>
+          </p:cNvSpPr>
+          <p:nvPr>
+            <p:ph type="sldImg"/>
+          </p:nvPr>
+        </p:nvSpPr>
+        <p:spPr/>
+      </p:sp>
+      <p:sp>
+        <p:nvSpPr>
+          <p:cNvPr id="3" name="备注占位符 2"/>
+          <p:cNvSpPr>
+            <a:spLocks noGrp="1"/>
+          </p:cNvSpPr>
+          <p:nvPr>
+            <p:ph type="body" idx="1"/>
+          </p:nvPr>
+        </p:nvSpPr>
+        <p:spPr/>
+        <p:txBody>
+          <a:bodyPr/>
+          <a:lstStyle/>
+          <a:p>
+            <a:endParaRPr lang="zh-CN" altLang="en-US"/>
+          </a:p>
+        </p:txBody>
+      </p:sp>
+      <p:sp>
+        <p:nvSpPr>
+          <p:cNvPr id="4" name="灯片编号占位符 3"/>
+          <p:cNvSpPr>
+            <a:spLocks noGrp="1"/>
+          </p:cNvSpPr>
+          <p:nvPr>
+            <p:ph type="sldNum" sz="quarter" idx="10"/>
+          </p:nvPr>
+        </p:nvSpPr>
+        <p:spPr/>
+        <p:txBody>
+          <a:bodyPr/>
+          <a:lstStyle/>
+          <a:p>
+            <a:fld id="{CFE6508D-EA78-480B-8754-7566540D899C}" type="slidenum">
+              <a:rPr lang="zh-CN" altLang="en-US" smtClean="0"/>
+            </a:fld>
+            <a:endParaRPr lang="zh-CN" altLang="en-US"/>
+          </a:p>
+        </p:txBody>
+      </p:sp>
+    </p:spTree>
+  </p:cSld>
+  <p:clrMapOvr>
+    <a:masterClrMapping/>
+  </p:clrMapOvr>
+</p:notes>
+</file>
+
+<file path=ppt/slideLayouts/slideLayout1.xml><?xml version="1.0" encoding="utf-8"?>
+<p:sldLayout xmlns:a="http://schemas.openxmlformats.org/drawingml/2006/main" xmlns:r="http://schemas.openxmlformats.org/officeDocument/2006/relationships" xmlns:p="http://schemas.openxmlformats.org/presentationml/2006/main" type="title" preserve="1">
+  <p:cSld name="标题幻灯片">
+    <p:bg>
+      <p:bgPr>
+        <a:blipFill dpi="0" rotWithShape="1">
+          <a:blip r:embed="rId2" cstate="email">
+            <a:lum/>
+          </a:blip>
+          <a:srcRect/>
+          <a:stretch>
+            <a:fillRect/>
+          </a:stretch>
+        </a:blipFill>
+        <a:effectLst/>
+      </p:bgPr>
+    </p:bg>
+    <p:spTree>
+      <p:nvGrpSpPr>
+        <p:cNvPr id="1" name=""/>
+        <p:cNvGrpSpPr/>
+        <p:nvPr/>
+      </p:nvGrpSpPr>
+      <p:grpSpPr>
+        <a:xfrm>
+          <a:off x="0" y="0"/>
+          <a:ext cx="0" cy="0"/>
+          <a:chOff x="0" y="0"/>
+          <a:chExt cx="0" cy="0"/>
+        </a:xfrm>
+      </p:grpSpPr>
+      <p:sp>
+        <p:nvSpPr>
           <p:cNvPr id="2" name="标题 1"/>
           <p:cNvSpPr>
             <a:spLocks noGrp="1"/>
@@ -137,7 +975,7 @@
         </p:nvSpPr>
         <p:spPr>
           <a:xfrm>
-            <a:off x="1524000" y="1122363"/>
+            <a:off x="1524000" y="912020"/>
             <a:ext cx="9144000" cy="2387600"/>
           </a:xfrm>
         </p:spPr>
@@ -145,15 +983,19 @@
           <a:bodyPr anchor="b"/>
           <a:lstStyle>
             <a:lvl1pPr algn="ctr">
-              <a:defRPr sz="6000"/>
+              <a:defRPr sz="6000">
+                <a:solidFill>
+                  <a:schemeClr val="accent1"/>
+                </a:solidFill>
+              </a:defRPr>
             </a:lvl1pPr>
           </a:lstStyle>
           <a:p>
             <a:r>
-              <a:rPr lang="zh-CN" altLang="en-US" smtClean="0"/>
+              <a:rPr lang="zh-CN" altLang="en-US" dirty="0" smtClean="0"/>
               <a:t>单击此处编辑母版标题样式</a:t>
             </a:r>
-            <a:endParaRPr lang="zh-CN" altLang="en-US"/>
+            <a:endParaRPr lang="zh-CN" altLang="en-US" dirty="0"/>
           </a:p>
         </p:txBody>
       </p:sp>
@@ -169,16 +1011,22 @@
         </p:nvSpPr>
         <p:spPr>
           <a:xfrm>
-            <a:off x="1524000" y="3602038"/>
-            <a:ext cx="9144000" cy="1655762"/>
+            <a:off x="4162424" y="4687888"/>
+            <a:ext cx="6505575" cy="665162"/>
           </a:xfrm>
         </p:spPr>
         <p:txBody>
-          <a:bodyPr/>
+          <a:bodyPr>
+            <a:normAutofit/>
+          </a:bodyPr>
           <a:lstStyle>
             <a:lvl1pPr marL="0" indent="0" algn="ctr">
               <a:buNone/>
-              <a:defRPr sz="2400"/>
+              <a:defRPr sz="2800">
+                <a:solidFill>
+                  <a:schemeClr val="bg1"/>
+                </a:solidFill>
+              </a:defRPr>
             </a:lvl1pPr>
             <a:lvl2pPr marL="457200" indent="0" algn="ctr">
               <a:buNone/>
@@ -215,10 +1063,10 @@
           </a:lstStyle>
           <a:p>
             <a:r>
-              <a:rPr lang="zh-CN" altLang="en-US" smtClean="0"/>
+              <a:rPr lang="zh-CN" altLang="en-US" dirty="0" smtClean="0"/>
               <a:t>单击此处编辑母版副标题样式</a:t>
             </a:r>
-            <a:endParaRPr lang="zh-CN" altLang="en-US"/>
+            <a:endParaRPr lang="zh-CN" altLang="en-US" dirty="0"/>
           </a:p>
         </p:txBody>
       </p:sp>
@@ -237,7 +1085,7 @@
           <a:bodyPr/>
           <a:lstStyle/>
           <a:p>
-            <a:fld id="{D997B5FA-0921-464F-AAE1-844C04324D75}" type="datetimeFigureOut">
+            <a:fld id="{2AB19064-D9A4-4469-B266-E6B5E6331BE8}" type="datetimeFigureOut">
               <a:rPr lang="zh-CN" altLang="en-US" smtClean="0"/>
             </a:fld>
             <a:endParaRPr lang="zh-CN" altLang="en-US"/>
@@ -278,7 +1126,7 @@
           <a:bodyPr/>
           <a:lstStyle/>
           <a:p>
-            <a:fld id="{565CE74E-AB26-4998-AD42-012C4C1AD076}" type="slidenum">
+            <a:fld id="{439EFCA8-4685-4D72-9793-08BF8EB4EF6F}" type="slidenum">
               <a:rPr lang="zh-CN" altLang="en-US" smtClean="0"/>
             </a:fld>
             <a:endParaRPr lang="zh-CN" altLang="en-US"/>
@@ -290,12 +1138,19 @@
   <p:clrMapOvr>
     <a:masterClrMapping/>
   </p:clrMapOvr>
+  <p:timing>
+    <p:tnLst>
+      <p:par>
+        <p:cTn id="1" dur="indefinite" restart="never" nodeType="tmRoot"/>
+      </p:par>
+    </p:tnLst>
+  </p:timing>
 </p:sldLayout>
 </file>
 
 <file path=ppt/slideLayouts/slideLayout10.xml><?xml version="1.0" encoding="utf-8"?>
-<p:sldLayout xmlns:a="http://schemas.openxmlformats.org/drawingml/2006/main" xmlns:r="http://schemas.openxmlformats.org/officeDocument/2006/relationships" xmlns:p="http://schemas.openxmlformats.org/presentationml/2006/main" type="vertTx" preserve="1">
-  <p:cSld name="标题和竖排文字">
+<p:sldLayout xmlns:a="http://schemas.openxmlformats.org/drawingml/2006/main" xmlns:r="http://schemas.openxmlformats.org/officeDocument/2006/relationships" xmlns:p="http://schemas.openxmlformats.org/presentationml/2006/main" preserve="1" userDrawn="1">
+  <p:cSld name="内容">
     <p:spTree>
       <p:nvGrpSpPr>
         <p:cNvPr id="1" name=""/>
@@ -312,86 +1167,7 @@
       </p:grpSpPr>
       <p:sp>
         <p:nvSpPr>
-          <p:cNvPr id="2" name="标题 1"/>
-          <p:cNvSpPr>
-            <a:spLocks noGrp="1"/>
-          </p:cNvSpPr>
-          <p:nvPr>
-            <p:ph type="title"/>
-          </p:nvPr>
-        </p:nvSpPr>
-        <p:spPr/>
-        <p:txBody>
-          <a:bodyPr/>
-          <a:lstStyle/>
-          <a:p>
-            <a:r>
-              <a:rPr lang="zh-CN" altLang="en-US" smtClean="0"/>
-              <a:t>单击此处编辑母版标题样式</a:t>
-            </a:r>
-            <a:endParaRPr lang="zh-CN" altLang="en-US"/>
-          </a:p>
-        </p:txBody>
-      </p:sp>
-      <p:sp>
-        <p:nvSpPr>
-          <p:cNvPr id="3" name="竖排文字占位符 2"/>
-          <p:cNvSpPr>
-            <a:spLocks noGrp="1"/>
-          </p:cNvSpPr>
-          <p:nvPr>
-            <p:ph type="body" orient="vert" idx="1"/>
-          </p:nvPr>
-        </p:nvSpPr>
-        <p:spPr/>
-        <p:txBody>
-          <a:bodyPr vert="eaVert"/>
-          <a:lstStyle/>
-          <a:p>
-            <a:pPr lvl="0"/>
-            <a:r>
-              <a:rPr lang="zh-CN" altLang="en-US" smtClean="0"/>
-              <a:t>单击此处编辑母版文本样式</a:t>
-            </a:r>
-            <a:endParaRPr lang="zh-CN" altLang="en-US" smtClean="0"/>
-          </a:p>
-          <a:p>
-            <a:pPr lvl="1"/>
-            <a:r>
-              <a:rPr lang="zh-CN" altLang="en-US" smtClean="0"/>
-              <a:t>第二级</a:t>
-            </a:r>
-            <a:endParaRPr lang="zh-CN" altLang="en-US" smtClean="0"/>
-          </a:p>
-          <a:p>
-            <a:pPr lvl="2"/>
-            <a:r>
-              <a:rPr lang="zh-CN" altLang="en-US" smtClean="0"/>
-              <a:t>第三级</a:t>
-            </a:r>
-            <a:endParaRPr lang="zh-CN" altLang="en-US" smtClean="0"/>
-          </a:p>
-          <a:p>
-            <a:pPr lvl="3"/>
-            <a:r>
-              <a:rPr lang="zh-CN" altLang="en-US" smtClean="0"/>
-              <a:t>第四级</a:t>
-            </a:r>
-            <a:endParaRPr lang="zh-CN" altLang="en-US" smtClean="0"/>
-          </a:p>
-          <a:p>
-            <a:pPr lvl="4"/>
-            <a:r>
-              <a:rPr lang="zh-CN" altLang="en-US" smtClean="0"/>
-              <a:t>第五级</a:t>
-            </a:r>
-            <a:endParaRPr lang="zh-CN" altLang="en-US"/>
-          </a:p>
-        </p:txBody>
-      </p:sp>
-      <p:sp>
-        <p:nvSpPr>
-          <p:cNvPr id="4" name="日期占位符 3"/>
+          <p:cNvPr id="3" name="日期占位符 2"/>
           <p:cNvSpPr>
             <a:spLocks noGrp="1"/>
           </p:cNvSpPr>
@@ -404,7 +1180,7 @@
           <a:bodyPr/>
           <a:lstStyle/>
           <a:p>
-            <a:fld id="{D997B5FA-0921-464F-AAE1-844C04324D75}" type="datetimeFigureOut">
+            <a:fld id="{9EFD9D74-47D9-4702-A33C-335B63B48DBF}" type="datetimeFigureOut">
               <a:rPr lang="zh-CN" altLang="en-US" smtClean="0"/>
             </a:fld>
             <a:endParaRPr lang="zh-CN" altLang="en-US"/>
@@ -413,7 +1189,7 @@
       </p:sp>
       <p:sp>
         <p:nvSpPr>
-          <p:cNvPr id="5" name="页脚占位符 4"/>
+          <p:cNvPr id="4" name="页脚占位符 3"/>
           <p:cNvSpPr>
             <a:spLocks noGrp="1"/>
           </p:cNvSpPr>
@@ -432,7 +1208,7 @@
       </p:sp>
       <p:sp>
         <p:nvSpPr>
-          <p:cNvPr id="6" name="灯片编号占位符 5"/>
+          <p:cNvPr id="5" name="灯片编号占位符 4"/>
           <p:cNvSpPr>
             <a:spLocks noGrp="1"/>
           </p:cNvSpPr>
@@ -445,187 +1221,71 @@
           <a:bodyPr/>
           <a:lstStyle/>
           <a:p>
-            <a:fld id="{565CE74E-AB26-4998-AD42-012C4C1AD076}" type="slidenum">
+            <a:fld id="{FABC47A4-756D-490B-A52F-7D9E2C9FC05F}" type="slidenum">
               <a:rPr lang="zh-CN" altLang="en-US" smtClean="0"/>
             </a:fld>
             <a:endParaRPr lang="zh-CN" altLang="en-US"/>
           </a:p>
         </p:txBody>
       </p:sp>
-    </p:spTree>
-  </p:cSld>
-  <p:clrMapOvr>
-    <a:masterClrMapping/>
-  </p:clrMapOvr>
-</p:sldLayout>
-</file>
-
-<file path=ppt/slideLayouts/slideLayout11.xml><?xml version="1.0" encoding="utf-8"?>
-<p:sldLayout xmlns:a="http://schemas.openxmlformats.org/drawingml/2006/main" xmlns:r="http://schemas.openxmlformats.org/officeDocument/2006/relationships" xmlns:p="http://schemas.openxmlformats.org/presentationml/2006/main" type="vertTitleAndTx" preserve="1">
-  <p:cSld name="垂直排列标题与&#10;文本">
-    <p:spTree>
-      <p:nvGrpSpPr>
-        <p:cNvPr id="1" name=""/>
-        <p:cNvGrpSpPr/>
-        <p:nvPr/>
-      </p:nvGrpSpPr>
-      <p:grpSpPr>
-        <a:xfrm>
-          <a:off x="0" y="0"/>
-          <a:ext cx="0" cy="0"/>
-          <a:chOff x="0" y="0"/>
-          <a:chExt cx="0" cy="0"/>
-        </a:xfrm>
-      </p:grpSpPr>
-      <p:sp>
-        <p:nvSpPr>
-          <p:cNvPr id="2" name="竖排标题 1"/>
+      <p:sp>
+        <p:nvSpPr>
+          <p:cNvPr id="7" name="内容占位符 6"/>
           <p:cNvSpPr>
             <a:spLocks noGrp="1"/>
           </p:cNvSpPr>
           <p:nvPr>
-            <p:ph type="title" orient="vert"/>
+            <p:ph sz="quarter" idx="13"/>
           </p:nvPr>
         </p:nvSpPr>
         <p:spPr>
           <a:xfrm>
-            <a:off x="8724900" y="365125"/>
-            <a:ext cx="2628900" cy="5811838"/>
+            <a:off x="838200" y="1302327"/>
+            <a:ext cx="10515600" cy="4801835"/>
           </a:xfrm>
         </p:spPr>
         <p:txBody>
-          <a:bodyPr vert="eaVert"/>
-          <a:lstStyle/>
-          <a:p>
-            <a:r>
-              <a:rPr lang="zh-CN" altLang="en-US" smtClean="0"/>
-              <a:t>单击此处编辑母版标题样式</a:t>
-            </a:r>
-            <a:endParaRPr lang="zh-CN" altLang="en-US"/>
-          </a:p>
-        </p:txBody>
-      </p:sp>
-      <p:sp>
-        <p:nvSpPr>
-          <p:cNvPr id="3" name="竖排文字占位符 2"/>
-          <p:cNvSpPr>
-            <a:spLocks noGrp="1"/>
-          </p:cNvSpPr>
-          <p:nvPr>
-            <p:ph type="body" orient="vert" idx="1"/>
-          </p:nvPr>
-        </p:nvSpPr>
-        <p:spPr>
-          <a:xfrm>
-            <a:off x="838200" y="365125"/>
-            <a:ext cx="7734300" cy="5811838"/>
-          </a:xfrm>
-        </p:spPr>
-        <p:txBody>
-          <a:bodyPr vert="eaVert"/>
-          <a:lstStyle/>
-          <a:p>
-            <a:pPr lvl="0"/>
-            <a:r>
-              <a:rPr lang="zh-CN" altLang="en-US" smtClean="0"/>
-              <a:t>单击此处编辑母版文本样式</a:t>
-            </a:r>
-            <a:endParaRPr lang="zh-CN" altLang="en-US" smtClean="0"/>
-          </a:p>
-          <a:p>
-            <a:pPr lvl="1"/>
-            <a:r>
-              <a:rPr lang="zh-CN" altLang="en-US" smtClean="0"/>
-              <a:t>第二级</a:t>
-            </a:r>
-            <a:endParaRPr lang="zh-CN" altLang="en-US" smtClean="0"/>
-          </a:p>
-          <a:p>
-            <a:pPr lvl="2"/>
-            <a:r>
-              <a:rPr lang="zh-CN" altLang="en-US" smtClean="0"/>
-              <a:t>第三级</a:t>
-            </a:r>
-            <a:endParaRPr lang="zh-CN" altLang="en-US" smtClean="0"/>
-          </a:p>
-          <a:p>
-            <a:pPr lvl="3"/>
-            <a:r>
-              <a:rPr lang="zh-CN" altLang="en-US" smtClean="0"/>
-              <a:t>第四级</a:t>
-            </a:r>
-            <a:endParaRPr lang="zh-CN" altLang="en-US" smtClean="0"/>
-          </a:p>
-          <a:p>
-            <a:pPr lvl="4"/>
-            <a:r>
-              <a:rPr lang="zh-CN" altLang="en-US" smtClean="0"/>
-              <a:t>第五级</a:t>
-            </a:r>
-            <a:endParaRPr lang="zh-CN" altLang="en-US"/>
-          </a:p>
-        </p:txBody>
-      </p:sp>
-      <p:sp>
-        <p:nvSpPr>
-          <p:cNvPr id="4" name="日期占位符 3"/>
-          <p:cNvSpPr>
-            <a:spLocks noGrp="1"/>
-          </p:cNvSpPr>
-          <p:nvPr>
-            <p:ph type="dt" sz="half" idx="10"/>
-          </p:nvPr>
-        </p:nvSpPr>
-        <p:spPr/>
-        <p:txBody>
           <a:bodyPr/>
           <a:lstStyle/>
           <a:p>
-            <a:fld id="{D997B5FA-0921-464F-AAE1-844C04324D75}" type="datetimeFigureOut">
-              <a:rPr lang="zh-CN" altLang="en-US" smtClean="0"/>
-            </a:fld>
-            <a:endParaRPr lang="zh-CN" altLang="en-US"/>
-          </a:p>
-        </p:txBody>
-      </p:sp>
-      <p:sp>
-        <p:nvSpPr>
-          <p:cNvPr id="5" name="页脚占位符 4"/>
-          <p:cNvSpPr>
-            <a:spLocks noGrp="1"/>
-          </p:cNvSpPr>
-          <p:nvPr>
-            <p:ph type="ftr" sz="quarter" idx="11"/>
-          </p:nvPr>
-        </p:nvSpPr>
-        <p:spPr/>
-        <p:txBody>
-          <a:bodyPr/>
-          <a:lstStyle/>
-          <a:p>
-            <a:endParaRPr lang="zh-CN" altLang="en-US"/>
-          </a:p>
-        </p:txBody>
-      </p:sp>
-      <p:sp>
-        <p:nvSpPr>
-          <p:cNvPr id="6" name="灯片编号占位符 5"/>
-          <p:cNvSpPr>
-            <a:spLocks noGrp="1"/>
-          </p:cNvSpPr>
-          <p:nvPr>
-            <p:ph type="sldNum" sz="quarter" idx="12"/>
-          </p:nvPr>
-        </p:nvSpPr>
-        <p:spPr/>
-        <p:txBody>
-          <a:bodyPr/>
-          <a:lstStyle/>
-          <a:p>
-            <a:fld id="{565CE74E-AB26-4998-AD42-012C4C1AD076}" type="slidenum">
-              <a:rPr lang="zh-CN" altLang="en-US" smtClean="0"/>
-            </a:fld>
-            <a:endParaRPr lang="zh-CN" altLang="en-US"/>
+            <a:pPr lvl="0"/>
+            <a:r>
+              <a:rPr lang="zh-CN" altLang="en-US" dirty="0" smtClean="0"/>
+              <a:t>单击此处编辑母版文本样式</a:t>
+            </a:r>
+            <a:endParaRPr lang="zh-CN" altLang="en-US" dirty="0" smtClean="0"/>
+          </a:p>
+          <a:p>
+            <a:pPr lvl="1"/>
+            <a:r>
+              <a:rPr lang="zh-CN" altLang="en-US" dirty="0" smtClean="0"/>
+              <a:t>第二级</a:t>
+            </a:r>
+            <a:endParaRPr lang="zh-CN" altLang="en-US" dirty="0" smtClean="0"/>
+          </a:p>
+          <a:p>
+            <a:pPr lvl="2"/>
+            <a:r>
+              <a:rPr lang="zh-CN" altLang="en-US" dirty="0" smtClean="0"/>
+              <a:t>第三级</a:t>
+            </a:r>
+            <a:endParaRPr lang="zh-CN" altLang="en-US" dirty="0" smtClean="0"/>
+          </a:p>
+          <a:p>
+            <a:pPr lvl="3"/>
+            <a:r>
+              <a:rPr lang="zh-CN" altLang="en-US" dirty="0" smtClean="0"/>
+              <a:t>第四级</a:t>
+            </a:r>
+            <a:endParaRPr lang="zh-CN" altLang="en-US" dirty="0" smtClean="0"/>
+          </a:p>
+          <a:p>
+            <a:pPr lvl="4"/>
+            <a:r>
+              <a:rPr lang="zh-CN" altLang="en-US" dirty="0" smtClean="0"/>
+              <a:t>第五级</a:t>
+            </a:r>
+            <a:endParaRPr lang="zh-CN" altLang="en-US" dirty="0"/>
           </a:p>
         </p:txBody>
       </p:sp>
@@ -687,10 +1347,51 @@
             <p:ph idx="1"/>
           </p:nvPr>
         </p:nvSpPr>
-        <p:spPr/>
+        <p:spPr>
+          <a:xfrm>
+            <a:off x="1856508" y="1749024"/>
+            <a:ext cx="9497291" cy="4427939"/>
+          </a:xfrm>
+        </p:spPr>
         <p:txBody>
           <a:bodyPr/>
-          <a:lstStyle/>
+          <a:lstStyle>
+            <a:lvl1pPr>
+              <a:defRPr>
+                <a:solidFill>
+                  <a:schemeClr val="tx1"/>
+                </a:solidFill>
+              </a:defRPr>
+            </a:lvl1pPr>
+            <a:lvl2pPr>
+              <a:defRPr>
+                <a:solidFill>
+                  <a:schemeClr val="tx1"/>
+                </a:solidFill>
+              </a:defRPr>
+            </a:lvl2pPr>
+            <a:lvl3pPr>
+              <a:defRPr>
+                <a:solidFill>
+                  <a:schemeClr val="tx1"/>
+                </a:solidFill>
+              </a:defRPr>
+            </a:lvl3pPr>
+            <a:lvl4pPr>
+              <a:defRPr>
+                <a:solidFill>
+                  <a:schemeClr val="tx1"/>
+                </a:solidFill>
+              </a:defRPr>
+            </a:lvl4pPr>
+            <a:lvl5pPr>
+              <a:defRPr>
+                <a:solidFill>
+                  <a:schemeClr val="tx1"/>
+                </a:solidFill>
+              </a:defRPr>
+            </a:lvl5pPr>
+          </a:lstStyle>
           <a:p>
             <a:pPr lvl="0"/>
             <a:r>
@@ -748,7 +1449,7 @@
           <a:bodyPr/>
           <a:lstStyle/>
           <a:p>
-            <a:fld id="{D997B5FA-0921-464F-AAE1-844C04324D75}" type="datetimeFigureOut">
+            <a:fld id="{2AB19064-D9A4-4469-B266-E6B5E6331BE8}" type="datetimeFigureOut">
               <a:rPr lang="zh-CN" altLang="en-US" smtClean="0"/>
             </a:fld>
             <a:endParaRPr lang="zh-CN" altLang="en-US"/>
@@ -789,7 +1490,7 @@
           <a:bodyPr/>
           <a:lstStyle/>
           <a:p>
-            <a:fld id="{565CE74E-AB26-4998-AD42-012C4C1AD076}" type="slidenum">
+            <a:fld id="{439EFCA8-4685-4D72-9793-08BF8EB4EF6F}" type="slidenum">
               <a:rPr lang="zh-CN" altLang="en-US" smtClean="0"/>
             </a:fld>
             <a:endParaRPr lang="zh-CN" altLang="en-US"/>
@@ -807,6 +1508,20 @@
 <file path=ppt/slideLayouts/slideLayout3.xml><?xml version="1.0" encoding="utf-8"?>
 <p:sldLayout xmlns:a="http://schemas.openxmlformats.org/drawingml/2006/main" xmlns:r="http://schemas.openxmlformats.org/officeDocument/2006/relationships" xmlns:p="http://schemas.openxmlformats.org/presentationml/2006/main" type="secHead" preserve="1">
   <p:cSld name="节标题">
+    <p:bg>
+      <p:bgPr>
+        <a:blipFill dpi="0" rotWithShape="1">
+          <a:blip r:embed="rId2" cstate="email">
+            <a:lum/>
+          </a:blip>
+          <a:srcRect/>
+          <a:stretch>
+            <a:fillRect/>
+          </a:stretch>
+        </a:blipFill>
+        <a:effectLst/>
+      </p:bgPr>
+    </p:bg>
     <p:spTree>
       <p:nvGrpSpPr>
         <p:cNvPr id="1" name=""/>
@@ -833,23 +1548,27 @@
         </p:nvSpPr>
         <p:spPr>
           <a:xfrm>
-            <a:off x="831850" y="1709738"/>
-            <a:ext cx="10515600" cy="2852737"/>
+            <a:off x="4314825" y="2462289"/>
+            <a:ext cx="7032626" cy="1772637"/>
           </a:xfrm>
         </p:spPr>
         <p:txBody>
           <a:bodyPr anchor="b"/>
           <a:lstStyle>
             <a:lvl1pPr>
-              <a:defRPr sz="6000"/>
+              <a:defRPr sz="6000">
+                <a:solidFill>
+                  <a:schemeClr val="accent1"/>
+                </a:solidFill>
+              </a:defRPr>
             </a:lvl1pPr>
           </a:lstStyle>
           <a:p>
             <a:r>
-              <a:rPr lang="zh-CN" altLang="en-US" smtClean="0"/>
+              <a:rPr lang="zh-CN" altLang="en-US" dirty="0" smtClean="0"/>
               <a:t>单击此处编辑母版标题样式</a:t>
             </a:r>
-            <a:endParaRPr lang="zh-CN" altLang="en-US"/>
+            <a:endParaRPr lang="zh-CN" altLang="en-US" dirty="0"/>
           </a:p>
         </p:txBody>
       </p:sp>
@@ -865,20 +1584,23 @@
         </p:nvSpPr>
         <p:spPr>
           <a:xfrm>
-            <a:off x="831850" y="4589463"/>
-            <a:ext cx="10515600" cy="1500187"/>
+            <a:off x="4314825" y="4261915"/>
+            <a:ext cx="7032626" cy="620982"/>
           </a:xfrm>
         </p:spPr>
         <p:txBody>
-          <a:bodyPr/>
+          <a:bodyPr>
+            <a:normAutofit/>
+          </a:bodyPr>
           <a:lstStyle>
             <a:lvl1pPr marL="0" indent="0">
+              <a:spcBef>
+                <a:spcPts val="0"/>
+              </a:spcBef>
               <a:buNone/>
-              <a:defRPr sz="2400">
+              <a:defRPr sz="2800">
                 <a:solidFill>
-                  <a:schemeClr val="tx1">
-                    <a:tint val="75000"/>
-                  </a:schemeClr>
+                  <a:schemeClr val="bg1"/>
                 </a:solidFill>
               </a:defRPr>
             </a:lvl1pPr>
@@ -966,10 +1688,10 @@
           <a:p>
             <a:pPr lvl="0"/>
             <a:r>
-              <a:rPr lang="zh-CN" altLang="en-US" smtClean="0"/>
+              <a:rPr lang="zh-CN" altLang="en-US" dirty="0" smtClean="0"/>
               <a:t>单击此处编辑母版文本样式</a:t>
             </a:r>
-            <a:endParaRPr lang="zh-CN" altLang="en-US" smtClean="0"/>
+            <a:endParaRPr lang="zh-CN" altLang="en-US" dirty="0" smtClean="0"/>
           </a:p>
         </p:txBody>
       </p:sp>
@@ -988,7 +1710,7 @@
           <a:bodyPr/>
           <a:lstStyle/>
           <a:p>
-            <a:fld id="{D997B5FA-0921-464F-AAE1-844C04324D75}" type="datetimeFigureOut">
+            <a:fld id="{2AB19064-D9A4-4469-B266-E6B5E6331BE8}" type="datetimeFigureOut">
               <a:rPr lang="zh-CN" altLang="en-US" smtClean="0"/>
             </a:fld>
             <a:endParaRPr lang="zh-CN" altLang="en-US"/>
@@ -1029,7 +1751,7 @@
           <a:bodyPr/>
           <a:lstStyle/>
           <a:p>
-            <a:fld id="{565CE74E-AB26-4998-AD42-012C4C1AD076}" type="slidenum">
+            <a:fld id="{439EFCA8-4685-4D72-9793-08BF8EB4EF6F}" type="slidenum">
               <a:rPr lang="zh-CN" altLang="en-US" smtClean="0"/>
             </a:fld>
             <a:endParaRPr lang="zh-CN" altLang="en-US"/>
@@ -1096,13 +1818,49 @@
         </p:nvSpPr>
         <p:spPr>
           <a:xfrm>
-            <a:off x="838200" y="1825625"/>
-            <a:ext cx="5181600" cy="4351338"/>
+            <a:off x="1472457" y="1939636"/>
+            <a:ext cx="4408798" cy="4237327"/>
           </a:xfrm>
         </p:spPr>
         <p:txBody>
           <a:bodyPr/>
-          <a:lstStyle/>
+          <a:lstStyle>
+            <a:lvl1pPr>
+              <a:defRPr>
+                <a:solidFill>
+                  <a:schemeClr val="tx1"/>
+                </a:solidFill>
+              </a:defRPr>
+            </a:lvl1pPr>
+            <a:lvl2pPr>
+              <a:defRPr>
+                <a:solidFill>
+                  <a:schemeClr val="tx1"/>
+                </a:solidFill>
+              </a:defRPr>
+            </a:lvl2pPr>
+            <a:lvl3pPr>
+              <a:defRPr>
+                <a:solidFill>
+                  <a:schemeClr val="tx1"/>
+                </a:solidFill>
+              </a:defRPr>
+            </a:lvl3pPr>
+            <a:lvl4pPr>
+              <a:defRPr>
+                <a:solidFill>
+                  <a:schemeClr val="tx1"/>
+                </a:solidFill>
+              </a:defRPr>
+            </a:lvl4pPr>
+            <a:lvl5pPr>
+              <a:defRPr>
+                <a:solidFill>
+                  <a:schemeClr val="tx1"/>
+                </a:solidFill>
+              </a:defRPr>
+            </a:lvl5pPr>
+          </a:lstStyle>
           <a:p>
             <a:pPr lvl="0"/>
             <a:r>
@@ -1157,13 +1915,49 @@
         </p:nvSpPr>
         <p:spPr>
           <a:xfrm>
-            <a:off x="6172200" y="1825625"/>
-            <a:ext cx="5181600" cy="4351338"/>
+            <a:off x="6945002" y="1939636"/>
+            <a:ext cx="4408798" cy="4237327"/>
           </a:xfrm>
         </p:spPr>
         <p:txBody>
           <a:bodyPr/>
-          <a:lstStyle/>
+          <a:lstStyle>
+            <a:lvl1pPr>
+              <a:defRPr>
+                <a:solidFill>
+                  <a:schemeClr val="tx1"/>
+                </a:solidFill>
+              </a:defRPr>
+            </a:lvl1pPr>
+            <a:lvl2pPr>
+              <a:defRPr>
+                <a:solidFill>
+                  <a:schemeClr val="tx1"/>
+                </a:solidFill>
+              </a:defRPr>
+            </a:lvl2pPr>
+            <a:lvl3pPr>
+              <a:defRPr>
+                <a:solidFill>
+                  <a:schemeClr val="tx1"/>
+                </a:solidFill>
+              </a:defRPr>
+            </a:lvl3pPr>
+            <a:lvl4pPr>
+              <a:defRPr>
+                <a:solidFill>
+                  <a:schemeClr val="tx1"/>
+                </a:solidFill>
+              </a:defRPr>
+            </a:lvl4pPr>
+            <a:lvl5pPr>
+              <a:defRPr>
+                <a:solidFill>
+                  <a:schemeClr val="tx1"/>
+                </a:solidFill>
+              </a:defRPr>
+            </a:lvl5pPr>
+          </a:lstStyle>
           <a:p>
             <a:pPr lvl="0"/>
             <a:r>
@@ -1221,7 +2015,7 @@
           <a:bodyPr/>
           <a:lstStyle/>
           <a:p>
-            <a:fld id="{D997B5FA-0921-464F-AAE1-844C04324D75}" type="datetimeFigureOut">
+            <a:fld id="{2AB19064-D9A4-4469-B266-E6B5E6331BE8}" type="datetimeFigureOut">
               <a:rPr lang="zh-CN" altLang="en-US" smtClean="0"/>
             </a:fld>
             <a:endParaRPr lang="zh-CN" altLang="en-US"/>
@@ -1262,7 +2056,7 @@
           <a:bodyPr/>
           <a:lstStyle/>
           <a:p>
-            <a:fld id="{565CE74E-AB26-4998-AD42-012C4C1AD076}" type="slidenum">
+            <a:fld id="{439EFCA8-4685-4D72-9793-08BF8EB4EF6F}" type="slidenum">
               <a:rPr lang="zh-CN" altLang="en-US" smtClean="0"/>
             </a:fld>
             <a:endParaRPr lang="zh-CN" altLang="en-US"/>
@@ -1278,7 +2072,7 @@
 </file>
 
 <file path=ppt/slideLayouts/slideLayout5.xml><?xml version="1.0" encoding="utf-8"?>
-<p:sldLayout xmlns:a="http://schemas.openxmlformats.org/drawingml/2006/main" xmlns:r="http://schemas.openxmlformats.org/officeDocument/2006/relationships" xmlns:p="http://schemas.openxmlformats.org/presentationml/2006/main" type="twoTxTwoObj" preserve="1">
+<p:sldLayout xmlns:a="http://schemas.openxmlformats.org/drawingml/2006/main" xmlns:r="http://schemas.openxmlformats.org/officeDocument/2006/relationships" xmlns:p="http://schemas.openxmlformats.org/presentationml/2006/main" preserve="1" userDrawn="1">
   <p:cSld name="比较">
     <p:spTree>
       <p:nvGrpSpPr>
@@ -1296,34 +2090,6 @@
       </p:grpSpPr>
       <p:sp>
         <p:nvSpPr>
-          <p:cNvPr id="2" name="标题 1"/>
-          <p:cNvSpPr>
-            <a:spLocks noGrp="1"/>
-          </p:cNvSpPr>
-          <p:nvPr>
-            <p:ph type="title"/>
-          </p:nvPr>
-        </p:nvSpPr>
-        <p:spPr>
-          <a:xfrm>
-            <a:off x="839788" y="365125"/>
-            <a:ext cx="10515600" cy="1325563"/>
-          </a:xfrm>
-        </p:spPr>
-        <p:txBody>
-          <a:bodyPr/>
-          <a:lstStyle/>
-          <a:p>
-            <a:r>
-              <a:rPr lang="zh-CN" altLang="en-US" smtClean="0"/>
-              <a:t>单击此处编辑母版标题样式</a:t>
-            </a:r>
-            <a:endParaRPr lang="zh-CN" altLang="en-US"/>
-          </a:p>
-        </p:txBody>
-      </p:sp>
-      <p:sp>
-        <p:nvSpPr>
           <p:cNvPr id="3" name="文本占位符 2"/>
           <p:cNvSpPr>
             <a:spLocks noGrp="1"/>
@@ -1334,16 +2100,18 @@
         </p:nvSpPr>
         <p:spPr>
           <a:xfrm>
-            <a:off x="839788" y="1681163"/>
+            <a:off x="839789" y="1260539"/>
             <a:ext cx="5157787" cy="823912"/>
           </a:xfrm>
         </p:spPr>
         <p:txBody>
-          <a:bodyPr anchor="b"/>
+          <a:bodyPr anchor="b">
+            <a:normAutofit/>
+          </a:bodyPr>
           <a:lstStyle>
             <a:lvl1pPr marL="0" indent="0">
               <a:buNone/>
-              <a:defRPr sz="2400" b="1"/>
+              <a:defRPr sz="3200" b="1"/>
             </a:lvl1pPr>
             <a:lvl2pPr marL="457200" indent="0">
               <a:buNone/>
@@ -1400,8 +2168,8 @@
         </p:nvSpPr>
         <p:spPr>
           <a:xfrm>
-            <a:off x="839788" y="2505075"/>
-            <a:ext cx="5157787" cy="3684588"/>
+            <a:off x="839789" y="2084450"/>
+            <a:ext cx="5157787" cy="4042029"/>
           </a:xfrm>
         </p:spPr>
         <p:txBody>
@@ -1461,16 +2229,18 @@
         </p:nvSpPr>
         <p:spPr>
           <a:xfrm>
-            <a:off x="6172200" y="1681163"/>
+            <a:off x="6172201" y="1260539"/>
             <a:ext cx="5183188" cy="823912"/>
           </a:xfrm>
         </p:spPr>
         <p:txBody>
-          <a:bodyPr anchor="b"/>
+          <a:bodyPr anchor="b">
+            <a:normAutofit/>
+          </a:bodyPr>
           <a:lstStyle>
             <a:lvl1pPr marL="0" indent="0">
               <a:buNone/>
-              <a:defRPr sz="2400" b="1"/>
+              <a:defRPr sz="3200" b="1"/>
             </a:lvl1pPr>
             <a:lvl2pPr marL="457200" indent="0">
               <a:buNone/>
@@ -1527,8 +2297,8 @@
         </p:nvSpPr>
         <p:spPr>
           <a:xfrm>
-            <a:off x="6172200" y="2505075"/>
-            <a:ext cx="5183188" cy="3684588"/>
+            <a:off x="6172201" y="2084450"/>
+            <a:ext cx="5183188" cy="4042029"/>
           </a:xfrm>
         </p:spPr>
         <p:txBody>
@@ -1591,7 +2361,7 @@
           <a:bodyPr/>
           <a:lstStyle/>
           <a:p>
-            <a:fld id="{D997B5FA-0921-464F-AAE1-844C04324D75}" type="datetimeFigureOut">
+            <a:fld id="{2AB19064-D9A4-4469-B266-E6B5E6331BE8}" type="datetimeFigureOut">
               <a:rPr lang="zh-CN" altLang="en-US" smtClean="0"/>
             </a:fld>
             <a:endParaRPr lang="zh-CN" altLang="en-US"/>
@@ -1632,9 +2402,32 @@
           <a:bodyPr/>
           <a:lstStyle/>
           <a:p>
-            <a:fld id="{565CE74E-AB26-4998-AD42-012C4C1AD076}" type="slidenum">
+            <a:fld id="{439EFCA8-4685-4D72-9793-08BF8EB4EF6F}" type="slidenum">
               <a:rPr lang="zh-CN" altLang="en-US" smtClean="0"/>
             </a:fld>
+            <a:endParaRPr lang="zh-CN" altLang="en-US"/>
+          </a:p>
+        </p:txBody>
+      </p:sp>
+      <p:sp>
+        <p:nvSpPr>
+          <p:cNvPr id="10" name="标题 9"/>
+          <p:cNvSpPr>
+            <a:spLocks noGrp="1"/>
+          </p:cNvSpPr>
+          <p:nvPr>
+            <p:ph type="title"/>
+          </p:nvPr>
+        </p:nvSpPr>
+        <p:spPr/>
+        <p:txBody>
+          <a:bodyPr/>
+          <a:lstStyle/>
+          <a:p>
+            <a:r>
+              <a:rPr lang="zh-CN" altLang="en-US" smtClean="0"/>
+              <a:t>单击此处编辑母版标题样式</a:t>
+            </a:r>
             <a:endParaRPr lang="zh-CN" altLang="en-US"/>
           </a:p>
         </p:txBody>
@@ -1650,6 +2443,14 @@
 <file path=ppt/slideLayouts/slideLayout6.xml><?xml version="1.0" encoding="utf-8"?>
 <p:sldLayout xmlns:a="http://schemas.openxmlformats.org/drawingml/2006/main" xmlns:r="http://schemas.openxmlformats.org/officeDocument/2006/relationships" xmlns:p="http://schemas.openxmlformats.org/presentationml/2006/main" type="titleOnly" preserve="1">
   <p:cSld name="仅标题">
+    <p:bg>
+      <p:bgPr>
+        <a:solidFill>
+          <a:srgbClr val="21BECF"/>
+        </a:solidFill>
+        <a:effectLst/>
+      </p:bgPr>
+    </p:bg>
     <p:spTree>
       <p:nvGrpSpPr>
         <p:cNvPr id="1" name=""/>
@@ -1666,29 +2467,6 @@
       </p:grpSpPr>
       <p:sp>
         <p:nvSpPr>
-          <p:cNvPr id="2" name="标题 1"/>
-          <p:cNvSpPr>
-            <a:spLocks noGrp="1"/>
-          </p:cNvSpPr>
-          <p:nvPr>
-            <p:ph type="title"/>
-          </p:nvPr>
-        </p:nvSpPr>
-        <p:spPr/>
-        <p:txBody>
-          <a:bodyPr/>
-          <a:lstStyle/>
-          <a:p>
-            <a:r>
-              <a:rPr lang="zh-CN" altLang="en-US" smtClean="0"/>
-              <a:t>单击此处编辑母版标题样式</a:t>
-            </a:r>
-            <a:endParaRPr lang="zh-CN" altLang="en-US"/>
-          </a:p>
-        </p:txBody>
-      </p:sp>
-      <p:sp>
-        <p:nvSpPr>
           <p:cNvPr id="3" name="日期占位符 2"/>
           <p:cNvSpPr>
             <a:spLocks noGrp="1"/>
@@ -1699,10 +2477,12 @@
         </p:nvSpPr>
         <p:spPr/>
         <p:txBody>
-          <a:bodyPr/>
+          <a:bodyPr wrap="square">
+            <a:normAutofit/>
+          </a:bodyPr>
           <a:lstStyle/>
           <a:p>
-            <a:fld id="{D997B5FA-0921-464F-AAE1-844C04324D75}" type="datetimeFigureOut">
+            <a:fld id="{2AB19064-D9A4-4469-B266-E6B5E6331BE8}" type="datetimeFigureOut">
               <a:rPr lang="zh-CN" altLang="en-US" smtClean="0"/>
             </a:fld>
             <a:endParaRPr lang="zh-CN" altLang="en-US"/>
@@ -1721,7 +2501,9 @@
         </p:nvSpPr>
         <p:spPr/>
         <p:txBody>
-          <a:bodyPr/>
+          <a:bodyPr wrap="square">
+            <a:normAutofit/>
+          </a:bodyPr>
           <a:lstStyle/>
           <a:p>
             <a:endParaRPr lang="zh-CN" altLang="en-US"/>
@@ -1740,13 +2522,224 @@
         </p:nvSpPr>
         <p:spPr/>
         <p:txBody>
-          <a:bodyPr/>
+          <a:bodyPr wrap="square">
+            <a:normAutofit/>
+          </a:bodyPr>
           <a:lstStyle/>
           <a:p>
-            <a:fld id="{565CE74E-AB26-4998-AD42-012C4C1AD076}" type="slidenum">
+            <a:fld id="{439EFCA8-4685-4D72-9793-08BF8EB4EF6F}" type="slidenum">
               <a:rPr lang="zh-CN" altLang="en-US" smtClean="0"/>
             </a:fld>
             <a:endParaRPr lang="zh-CN" altLang="en-US"/>
+          </a:p>
+        </p:txBody>
+      </p:sp>
+      <p:sp>
+        <p:nvSpPr>
+          <p:cNvPr id="6" name="任意多边形 5"/>
+          <p:cNvSpPr/>
+          <p:nvPr/>
+        </p:nvSpPr>
+        <p:spPr>
+          <a:xfrm>
+            <a:off x="0" y="1656584"/>
+            <a:ext cx="10627032" cy="5201416"/>
+          </a:xfrm>
+          <a:custGeom>
+            <a:avLst/>
+            <a:gdLst>
+              <a:gd name="connsiteX0" fmla="*/ 1384909 w 10627032"/>
+              <a:gd name="connsiteY0" fmla="*/ 0 h 5201416"/>
+              <a:gd name="connsiteX1" fmla="*/ 10627032 w 10627032"/>
+              <a:gd name="connsiteY1" fmla="*/ 2750712 h 5201416"/>
+              <a:gd name="connsiteX2" fmla="*/ 9110391 w 10627032"/>
+              <a:gd name="connsiteY2" fmla="*/ 5201416 h 5201416"/>
+              <a:gd name="connsiteX3" fmla="*/ 0 w 10627032"/>
+              <a:gd name="connsiteY3" fmla="*/ 5201416 h 5201416"/>
+              <a:gd name="connsiteX4" fmla="*/ 0 w 10627032"/>
+              <a:gd name="connsiteY4" fmla="*/ 1919631 h 5201416"/>
+            </a:gdLst>
+            <a:ahLst/>
+            <a:cxnLst>
+              <a:cxn ang="0">
+                <a:pos x="connsiteX0" y="connsiteY0"/>
+              </a:cxn>
+              <a:cxn ang="0">
+                <a:pos x="connsiteX1" y="connsiteY1"/>
+              </a:cxn>
+              <a:cxn ang="0">
+                <a:pos x="connsiteX2" y="connsiteY2"/>
+              </a:cxn>
+              <a:cxn ang="0">
+                <a:pos x="connsiteX3" y="connsiteY3"/>
+              </a:cxn>
+              <a:cxn ang="0">
+                <a:pos x="connsiteX4" y="connsiteY4"/>
+              </a:cxn>
+            </a:cxnLst>
+            <a:rect l="l" t="t" r="r" b="b"/>
+            <a:pathLst>
+              <a:path w="10627032" h="5201416">
+                <a:moveTo>
+                  <a:pt x="1384909" y="0"/>
+                </a:moveTo>
+                <a:lnTo>
+                  <a:pt x="10627032" y="2750712"/>
+                </a:lnTo>
+                <a:lnTo>
+                  <a:pt x="9110391" y="5201416"/>
+                </a:lnTo>
+                <a:lnTo>
+                  <a:pt x="0" y="5201416"/>
+                </a:lnTo>
+                <a:lnTo>
+                  <a:pt x="0" y="1919631"/>
+                </a:lnTo>
+                <a:close/>
+              </a:path>
+            </a:pathLst>
+          </a:custGeom>
+          <a:gradFill flip="none" rotWithShape="0">
+            <a:gsLst>
+              <a:gs pos="0">
+                <a:schemeClr val="tx1">
+                  <a:alpha val="30000"/>
+                </a:schemeClr>
+              </a:gs>
+              <a:gs pos="100000">
+                <a:schemeClr val="tx1">
+                  <a:alpha val="0"/>
+                </a:schemeClr>
+              </a:gs>
+            </a:gsLst>
+            <a:lin ang="8100000" scaled="1"/>
+            <a:tileRect/>
+          </a:gradFill>
+          <a:ln>
+            <a:noFill/>
+          </a:ln>
+        </p:spPr>
+        <p:style>
+          <a:lnRef idx="2">
+            <a:schemeClr val="accent1">
+              <a:shade val="50000"/>
+            </a:schemeClr>
+          </a:lnRef>
+          <a:fillRef idx="1">
+            <a:schemeClr val="accent1"/>
+          </a:fillRef>
+          <a:effectRef idx="0">
+            <a:schemeClr val="accent1"/>
+          </a:effectRef>
+          <a:fontRef idx="minor">
+            <a:schemeClr val="lt1"/>
+          </a:fontRef>
+        </p:style>
+        <p:txBody>
+          <a:bodyPr wrap="square" rtlCol="0" anchor="ctr">
+            <a:normAutofit/>
+          </a:bodyPr>
+          <a:lstStyle/>
+          <a:p>
+            <a:pPr algn="ctr"/>
+            <a:endParaRPr lang="zh-CN" altLang="en-US">
+              <a:cs typeface="+mn-ea"/>
+              <a:sym typeface="+mn-lt"/>
+            </a:endParaRPr>
+          </a:p>
+        </p:txBody>
+      </p:sp>
+      <p:sp>
+        <p:nvSpPr>
+          <p:cNvPr id="7" name="圆角矩形 6"/>
+          <p:cNvSpPr/>
+          <p:nvPr/>
+        </p:nvSpPr>
+        <p:spPr>
+          <a:xfrm>
+            <a:off x="1320287" y="1333756"/>
+            <a:ext cx="9551427" cy="3103217"/>
+          </a:xfrm>
+          <a:prstGeom prst="roundRect">
+            <a:avLst>
+              <a:gd name="adj" fmla="val 5785"/>
+            </a:avLst>
+          </a:prstGeom>
+          <a:solidFill>
+            <a:schemeClr val="accent1"/>
+          </a:solidFill>
+          <a:ln>
+            <a:noFill/>
+          </a:ln>
+        </p:spPr>
+        <p:style>
+          <a:lnRef idx="2">
+            <a:schemeClr val="accent1">
+              <a:shade val="50000"/>
+            </a:schemeClr>
+          </a:lnRef>
+          <a:fillRef idx="1">
+            <a:schemeClr val="accent1"/>
+          </a:fillRef>
+          <a:effectRef idx="0">
+            <a:schemeClr val="accent1"/>
+          </a:effectRef>
+          <a:fontRef idx="minor">
+            <a:schemeClr val="lt1"/>
+          </a:fontRef>
+        </p:style>
+        <p:txBody>
+          <a:bodyPr wrap="square" rtlCol="0" anchor="ctr">
+            <a:normAutofit/>
+          </a:bodyPr>
+          <a:lstStyle/>
+          <a:p>
+            <a:pPr lvl="0" algn="ctr"/>
+            <a:endParaRPr lang="en-US" altLang="zh-CN" sz="11500" b="1" dirty="0">
+              <a:solidFill>
+                <a:srgbClr val="FFFFFF"/>
+              </a:solidFill>
+              <a:cs typeface="+mn-ea"/>
+              <a:sym typeface="+mn-lt"/>
+            </a:endParaRPr>
+          </a:p>
+        </p:txBody>
+      </p:sp>
+      <p:sp>
+        <p:nvSpPr>
+          <p:cNvPr id="2" name="标题 1"/>
+          <p:cNvSpPr>
+            <a:spLocks noGrp="1"/>
+          </p:cNvSpPr>
+          <p:nvPr>
+            <p:ph type="title" hasCustomPrompt="1"/>
+          </p:nvPr>
+        </p:nvSpPr>
+        <p:spPr>
+          <a:xfrm>
+            <a:off x="1320287" y="1333755"/>
+            <a:ext cx="9551428" cy="3103217"/>
+          </a:xfrm>
+        </p:spPr>
+        <p:txBody>
+          <a:bodyPr wrap="square">
+            <a:normAutofit/>
+          </a:bodyPr>
+          <a:lstStyle>
+            <a:lvl1pPr algn="ctr">
+              <a:defRPr sz="11500" b="1">
+                <a:solidFill>
+                  <a:schemeClr val="bg1"/>
+                </a:solidFill>
+              </a:defRPr>
+            </a:lvl1pPr>
+          </a:lstStyle>
+          <a:p>
+            <a:r>
+              <a:rPr lang="zh-CN" altLang="en-US" dirty="0" smtClean="0"/>
+              <a:t>编辑标题</a:t>
+            </a:r>
+            <a:endParaRPr lang="zh-CN" altLang="en-US" dirty="0"/>
           </a:p>
         </p:txBody>
       </p:sp>
@@ -1761,6 +2754,14 @@
 <file path=ppt/slideLayouts/slideLayout7.xml><?xml version="1.0" encoding="utf-8"?>
 <p:sldLayout xmlns:a="http://schemas.openxmlformats.org/drawingml/2006/main" xmlns:r="http://schemas.openxmlformats.org/officeDocument/2006/relationships" xmlns:p="http://schemas.openxmlformats.org/presentationml/2006/main" type="blank" preserve="1">
   <p:cSld name="空白">
+    <p:bg>
+      <p:bgPr>
+        <a:solidFill>
+          <a:srgbClr val="21BECF"/>
+        </a:solidFill>
+        <a:effectLst/>
+      </p:bgPr>
+    </p:bg>
     <p:spTree>
       <p:nvGrpSpPr>
         <p:cNvPr id="1" name=""/>
@@ -1790,7 +2791,7 @@
           <a:bodyPr/>
           <a:lstStyle/>
           <a:p>
-            <a:fld id="{D997B5FA-0921-464F-AAE1-844C04324D75}" type="datetimeFigureOut">
+            <a:fld id="{2AB19064-D9A4-4469-B266-E6B5E6331BE8}" type="datetimeFigureOut">
               <a:rPr lang="zh-CN" altLang="en-US" smtClean="0"/>
             </a:fld>
             <a:endParaRPr lang="zh-CN" altLang="en-US"/>
@@ -1831,7 +2832,7 @@
           <a:bodyPr/>
           <a:lstStyle/>
           <a:p>
-            <a:fld id="{565CE74E-AB26-4998-AD42-012C4C1AD076}" type="slidenum">
+            <a:fld id="{439EFCA8-4685-4D72-9793-08BF8EB4EF6F}" type="slidenum">
               <a:rPr lang="zh-CN" altLang="en-US" smtClean="0"/>
             </a:fld>
             <a:endParaRPr lang="zh-CN" altLang="en-US"/>
@@ -1847,282 +2848,7 @@
 </file>
 
 <file path=ppt/slideLayouts/slideLayout8.xml><?xml version="1.0" encoding="utf-8"?>
-<p:sldLayout xmlns:a="http://schemas.openxmlformats.org/drawingml/2006/main" xmlns:r="http://schemas.openxmlformats.org/officeDocument/2006/relationships" xmlns:p="http://schemas.openxmlformats.org/presentationml/2006/main" type="objTx" preserve="1">
-  <p:cSld name="内容与标题">
-    <p:spTree>
-      <p:nvGrpSpPr>
-        <p:cNvPr id="1" name=""/>
-        <p:cNvGrpSpPr/>
-        <p:nvPr/>
-      </p:nvGrpSpPr>
-      <p:grpSpPr>
-        <a:xfrm>
-          <a:off x="0" y="0"/>
-          <a:ext cx="0" cy="0"/>
-          <a:chOff x="0" y="0"/>
-          <a:chExt cx="0" cy="0"/>
-        </a:xfrm>
-      </p:grpSpPr>
-      <p:sp>
-        <p:nvSpPr>
-          <p:cNvPr id="2" name="标题 1"/>
-          <p:cNvSpPr>
-            <a:spLocks noGrp="1"/>
-          </p:cNvSpPr>
-          <p:nvPr>
-            <p:ph type="title"/>
-          </p:nvPr>
-        </p:nvSpPr>
-        <p:spPr>
-          <a:xfrm>
-            <a:off x="839788" y="457200"/>
-            <a:ext cx="3932237" cy="1600200"/>
-          </a:xfrm>
-        </p:spPr>
-        <p:txBody>
-          <a:bodyPr anchor="b"/>
-          <a:lstStyle>
-            <a:lvl1pPr>
-              <a:defRPr sz="3200"/>
-            </a:lvl1pPr>
-          </a:lstStyle>
-          <a:p>
-            <a:r>
-              <a:rPr lang="zh-CN" altLang="en-US" smtClean="0"/>
-              <a:t>单击此处编辑母版标题样式</a:t>
-            </a:r>
-            <a:endParaRPr lang="zh-CN" altLang="en-US"/>
-          </a:p>
-        </p:txBody>
-      </p:sp>
-      <p:sp>
-        <p:nvSpPr>
-          <p:cNvPr id="3" name="内容占位符 2"/>
-          <p:cNvSpPr>
-            <a:spLocks noGrp="1"/>
-          </p:cNvSpPr>
-          <p:nvPr>
-            <p:ph idx="1"/>
-          </p:nvPr>
-        </p:nvSpPr>
-        <p:spPr>
-          <a:xfrm>
-            <a:off x="5183188" y="987425"/>
-            <a:ext cx="6172200" cy="4873625"/>
-          </a:xfrm>
-        </p:spPr>
-        <p:txBody>
-          <a:bodyPr/>
-          <a:lstStyle>
-            <a:lvl1pPr>
-              <a:defRPr sz="3200"/>
-            </a:lvl1pPr>
-            <a:lvl2pPr>
-              <a:defRPr sz="2800"/>
-            </a:lvl2pPr>
-            <a:lvl3pPr>
-              <a:defRPr sz="2400"/>
-            </a:lvl3pPr>
-            <a:lvl4pPr>
-              <a:defRPr sz="2000"/>
-            </a:lvl4pPr>
-            <a:lvl5pPr>
-              <a:defRPr sz="2000"/>
-            </a:lvl5pPr>
-            <a:lvl6pPr>
-              <a:defRPr sz="2000"/>
-            </a:lvl6pPr>
-            <a:lvl7pPr>
-              <a:defRPr sz="2000"/>
-            </a:lvl7pPr>
-            <a:lvl8pPr>
-              <a:defRPr sz="2000"/>
-            </a:lvl8pPr>
-            <a:lvl9pPr>
-              <a:defRPr sz="2000"/>
-            </a:lvl9pPr>
-          </a:lstStyle>
-          <a:p>
-            <a:pPr lvl="0"/>
-            <a:r>
-              <a:rPr lang="zh-CN" altLang="en-US" smtClean="0"/>
-              <a:t>单击此处编辑母版文本样式</a:t>
-            </a:r>
-            <a:endParaRPr lang="zh-CN" altLang="en-US" smtClean="0"/>
-          </a:p>
-          <a:p>
-            <a:pPr lvl="1"/>
-            <a:r>
-              <a:rPr lang="zh-CN" altLang="en-US" smtClean="0"/>
-              <a:t>第二级</a:t>
-            </a:r>
-            <a:endParaRPr lang="zh-CN" altLang="en-US" smtClean="0"/>
-          </a:p>
-          <a:p>
-            <a:pPr lvl="2"/>
-            <a:r>
-              <a:rPr lang="zh-CN" altLang="en-US" smtClean="0"/>
-              <a:t>第三级</a:t>
-            </a:r>
-            <a:endParaRPr lang="zh-CN" altLang="en-US" smtClean="0"/>
-          </a:p>
-          <a:p>
-            <a:pPr lvl="3"/>
-            <a:r>
-              <a:rPr lang="zh-CN" altLang="en-US" smtClean="0"/>
-              <a:t>第四级</a:t>
-            </a:r>
-            <a:endParaRPr lang="zh-CN" altLang="en-US" smtClean="0"/>
-          </a:p>
-          <a:p>
-            <a:pPr lvl="4"/>
-            <a:r>
-              <a:rPr lang="zh-CN" altLang="en-US" smtClean="0"/>
-              <a:t>第五级</a:t>
-            </a:r>
-            <a:endParaRPr lang="zh-CN" altLang="en-US"/>
-          </a:p>
-        </p:txBody>
-      </p:sp>
-      <p:sp>
-        <p:nvSpPr>
-          <p:cNvPr id="4" name="文本占位符 3"/>
-          <p:cNvSpPr>
-            <a:spLocks noGrp="1"/>
-          </p:cNvSpPr>
-          <p:nvPr>
-            <p:ph type="body" sz="half" idx="2"/>
-          </p:nvPr>
-        </p:nvSpPr>
-        <p:spPr>
-          <a:xfrm>
-            <a:off x="839788" y="2057400"/>
-            <a:ext cx="3932237" cy="3811588"/>
-          </a:xfrm>
-        </p:spPr>
-        <p:txBody>
-          <a:bodyPr/>
-          <a:lstStyle>
-            <a:lvl1pPr marL="0" indent="0">
-              <a:buNone/>
-              <a:defRPr sz="1600"/>
-            </a:lvl1pPr>
-            <a:lvl2pPr marL="457200" indent="0">
-              <a:buNone/>
-              <a:defRPr sz="1400"/>
-            </a:lvl2pPr>
-            <a:lvl3pPr marL="914400" indent="0">
-              <a:buNone/>
-              <a:defRPr sz="1200"/>
-            </a:lvl3pPr>
-            <a:lvl4pPr marL="1371600" indent="0">
-              <a:buNone/>
-              <a:defRPr sz="1000"/>
-            </a:lvl4pPr>
-            <a:lvl5pPr marL="1828800" indent="0">
-              <a:buNone/>
-              <a:defRPr sz="1000"/>
-            </a:lvl5pPr>
-            <a:lvl6pPr marL="2286000" indent="0">
-              <a:buNone/>
-              <a:defRPr sz="1000"/>
-            </a:lvl6pPr>
-            <a:lvl7pPr marL="2743200" indent="0">
-              <a:buNone/>
-              <a:defRPr sz="1000"/>
-            </a:lvl7pPr>
-            <a:lvl8pPr marL="3200400" indent="0">
-              <a:buNone/>
-              <a:defRPr sz="1000"/>
-            </a:lvl8pPr>
-            <a:lvl9pPr marL="3657600" indent="0">
-              <a:buNone/>
-              <a:defRPr sz="1000"/>
-            </a:lvl9pPr>
-          </a:lstStyle>
-          <a:p>
-            <a:pPr lvl="0"/>
-            <a:r>
-              <a:rPr lang="zh-CN" altLang="en-US" smtClean="0"/>
-              <a:t>单击此处编辑母版文本样式</a:t>
-            </a:r>
-            <a:endParaRPr lang="zh-CN" altLang="en-US" smtClean="0"/>
-          </a:p>
-        </p:txBody>
-      </p:sp>
-      <p:sp>
-        <p:nvSpPr>
-          <p:cNvPr id="5" name="日期占位符 4"/>
-          <p:cNvSpPr>
-            <a:spLocks noGrp="1"/>
-          </p:cNvSpPr>
-          <p:nvPr>
-            <p:ph type="dt" sz="half" idx="10"/>
-          </p:nvPr>
-        </p:nvSpPr>
-        <p:spPr/>
-        <p:txBody>
-          <a:bodyPr/>
-          <a:lstStyle/>
-          <a:p>
-            <a:fld id="{D997B5FA-0921-464F-AAE1-844C04324D75}" type="datetimeFigureOut">
-              <a:rPr lang="zh-CN" altLang="en-US" smtClean="0"/>
-            </a:fld>
-            <a:endParaRPr lang="zh-CN" altLang="en-US"/>
-          </a:p>
-        </p:txBody>
-      </p:sp>
-      <p:sp>
-        <p:nvSpPr>
-          <p:cNvPr id="6" name="页脚占位符 5"/>
-          <p:cNvSpPr>
-            <a:spLocks noGrp="1"/>
-          </p:cNvSpPr>
-          <p:nvPr>
-            <p:ph type="ftr" sz="quarter" idx="11"/>
-          </p:nvPr>
-        </p:nvSpPr>
-        <p:spPr/>
-        <p:txBody>
-          <a:bodyPr/>
-          <a:lstStyle/>
-          <a:p>
-            <a:endParaRPr lang="zh-CN" altLang="en-US"/>
-          </a:p>
-        </p:txBody>
-      </p:sp>
-      <p:sp>
-        <p:nvSpPr>
-          <p:cNvPr id="7" name="灯片编号占位符 6"/>
-          <p:cNvSpPr>
-            <a:spLocks noGrp="1"/>
-          </p:cNvSpPr>
-          <p:nvPr>
-            <p:ph type="sldNum" sz="quarter" idx="12"/>
-          </p:nvPr>
-        </p:nvSpPr>
-        <p:spPr/>
-        <p:txBody>
-          <a:bodyPr/>
-          <a:lstStyle/>
-          <a:p>
-            <a:fld id="{565CE74E-AB26-4998-AD42-012C4C1AD076}" type="slidenum">
-              <a:rPr lang="zh-CN" altLang="en-US" smtClean="0"/>
-            </a:fld>
-            <a:endParaRPr lang="zh-CN" altLang="en-US"/>
-          </a:p>
-        </p:txBody>
-      </p:sp>
-    </p:spTree>
-  </p:cSld>
-  <p:clrMapOvr>
-    <a:masterClrMapping/>
-  </p:clrMapOvr>
-</p:sldLayout>
-</file>
-
-<file path=ppt/slideLayouts/slideLayout9.xml><?xml version="1.0" encoding="utf-8"?>
-<p:sldLayout xmlns:a="http://schemas.openxmlformats.org/drawingml/2006/main" xmlns:r="http://schemas.openxmlformats.org/officeDocument/2006/relationships" xmlns:p="http://schemas.openxmlformats.org/presentationml/2006/main" type="picTx" preserve="1">
+<p:sldLayout xmlns:a="http://schemas.openxmlformats.org/drawingml/2006/main" xmlns:r="http://schemas.openxmlformats.org/officeDocument/2006/relationships" xmlns:p="http://schemas.openxmlformats.org/presentationml/2006/main" preserve="1" userDrawn="1">
   <p:cSld name="图片与标题">
     <p:spTree>
       <p:nvGrpSpPr>
@@ -2140,38 +2866,6 @@
       </p:grpSpPr>
       <p:sp>
         <p:nvSpPr>
-          <p:cNvPr id="2" name="标题 1"/>
-          <p:cNvSpPr>
-            <a:spLocks noGrp="1"/>
-          </p:cNvSpPr>
-          <p:nvPr>
-            <p:ph type="title"/>
-          </p:nvPr>
-        </p:nvSpPr>
-        <p:spPr>
-          <a:xfrm>
-            <a:off x="839788" y="457200"/>
-            <a:ext cx="3932237" cy="1600200"/>
-          </a:xfrm>
-        </p:spPr>
-        <p:txBody>
-          <a:bodyPr anchor="b"/>
-          <a:lstStyle>
-            <a:lvl1pPr>
-              <a:defRPr sz="3200"/>
-            </a:lvl1pPr>
-          </a:lstStyle>
-          <a:p>
-            <a:r>
-              <a:rPr lang="zh-CN" altLang="en-US" smtClean="0"/>
-              <a:t>单击此处编辑母版标题样式</a:t>
-            </a:r>
-            <a:endParaRPr lang="zh-CN" altLang="en-US"/>
-          </a:p>
-        </p:txBody>
-      </p:sp>
-      <p:sp>
-        <p:nvSpPr>
           <p:cNvPr id="3" name="图片占位符 2"/>
           <p:cNvSpPr>
             <a:spLocks noGrp="1"/>
@@ -2182,8 +2876,8 @@
         </p:nvSpPr>
         <p:spPr>
           <a:xfrm>
-            <a:off x="5183188" y="987425"/>
-            <a:ext cx="6172200" cy="4873625"/>
+            <a:off x="2005200" y="1479600"/>
+            <a:ext cx="8182800" cy="3880800"/>
           </a:xfrm>
         </p:spPr>
         <p:txBody>
@@ -2243,16 +2937,22 @@
         </p:nvSpPr>
         <p:spPr>
           <a:xfrm>
-            <a:off x="839788" y="2057400"/>
-            <a:ext cx="3932237" cy="3811588"/>
+            <a:off x="1314000" y="5598000"/>
+            <a:ext cx="9561600" cy="756000"/>
           </a:xfrm>
         </p:spPr>
         <p:txBody>
-          <a:bodyPr/>
+          <a:bodyPr>
+            <a:normAutofit/>
+          </a:bodyPr>
           <a:lstStyle>
             <a:lvl1pPr marL="0" indent="0">
               <a:buNone/>
-              <a:defRPr sz="1600"/>
+              <a:defRPr sz="1800">
+                <a:solidFill>
+                  <a:schemeClr val="tx1"/>
+                </a:solidFill>
+              </a:defRPr>
             </a:lvl1pPr>
             <a:lvl2pPr marL="457200" indent="0">
               <a:buNone/>
@@ -2312,7 +3012,7 @@
           <a:bodyPr/>
           <a:lstStyle/>
           <a:p>
-            <a:fld id="{D997B5FA-0921-464F-AAE1-844C04324D75}" type="datetimeFigureOut">
+            <a:fld id="{2AB19064-D9A4-4469-B266-E6B5E6331BE8}" type="datetimeFigureOut">
               <a:rPr lang="zh-CN" altLang="en-US" smtClean="0"/>
             </a:fld>
             <a:endParaRPr lang="zh-CN" altLang="en-US"/>
@@ -2353,7 +3053,215 @@
           <a:bodyPr/>
           <a:lstStyle/>
           <a:p>
-            <a:fld id="{565CE74E-AB26-4998-AD42-012C4C1AD076}" type="slidenum">
+            <a:fld id="{439EFCA8-4685-4D72-9793-08BF8EB4EF6F}" type="slidenum">
+              <a:rPr lang="zh-CN" altLang="en-US" smtClean="0"/>
+            </a:fld>
+            <a:endParaRPr lang="zh-CN" altLang="en-US"/>
+          </a:p>
+        </p:txBody>
+      </p:sp>
+      <p:sp>
+        <p:nvSpPr>
+          <p:cNvPr id="8" name="标题 7"/>
+          <p:cNvSpPr>
+            <a:spLocks noGrp="1"/>
+          </p:cNvSpPr>
+          <p:nvPr>
+            <p:ph type="title"/>
+          </p:nvPr>
+        </p:nvSpPr>
+        <p:spPr/>
+        <p:txBody>
+          <a:bodyPr/>
+          <a:lstStyle/>
+          <a:p>
+            <a:r>
+              <a:rPr lang="zh-CN" altLang="en-US" smtClean="0"/>
+              <a:t>单击此处编辑母版标题样式</a:t>
+            </a:r>
+            <a:endParaRPr lang="zh-CN" altLang="en-US"/>
+          </a:p>
+        </p:txBody>
+      </p:sp>
+    </p:spTree>
+  </p:cSld>
+  <p:clrMapOvr>
+    <a:masterClrMapping/>
+  </p:clrMapOvr>
+</p:sldLayout>
+</file>
+
+<file path=ppt/slideLayouts/slideLayout9.xml><?xml version="1.0" encoding="utf-8"?>
+<p:sldLayout xmlns:a="http://schemas.openxmlformats.org/drawingml/2006/main" xmlns:r="http://schemas.openxmlformats.org/officeDocument/2006/relationships" xmlns:p="http://schemas.openxmlformats.org/presentationml/2006/main" type="vertTitleAndTx" preserve="1">
+  <p:cSld name="垂直排列标题与&#10;文本">
+    <p:spTree>
+      <p:nvGrpSpPr>
+        <p:cNvPr id="1" name=""/>
+        <p:cNvGrpSpPr/>
+        <p:nvPr/>
+      </p:nvGrpSpPr>
+      <p:grpSpPr>
+        <a:xfrm>
+          <a:off x="0" y="0"/>
+          <a:ext cx="0" cy="0"/>
+          <a:chOff x="0" y="0"/>
+          <a:chExt cx="0" cy="0"/>
+        </a:xfrm>
+      </p:grpSpPr>
+      <p:sp>
+        <p:nvSpPr>
+          <p:cNvPr id="2" name="竖排标题 1"/>
+          <p:cNvSpPr>
+            <a:spLocks noGrp="1"/>
+          </p:cNvSpPr>
+          <p:nvPr>
+            <p:ph type="title" orient="vert"/>
+          </p:nvPr>
+        </p:nvSpPr>
+        <p:spPr>
+          <a:xfrm>
+            <a:off x="9864435" y="1191491"/>
+            <a:ext cx="1489365" cy="4985472"/>
+          </a:xfrm>
+        </p:spPr>
+        <p:txBody>
+          <a:bodyPr vert="eaVert"/>
+          <a:lstStyle>
+            <a:lvl1pPr>
+              <a:defRPr>
+                <a:solidFill>
+                  <a:schemeClr val="tx1"/>
+                </a:solidFill>
+              </a:defRPr>
+            </a:lvl1pPr>
+          </a:lstStyle>
+          <a:p>
+            <a:r>
+              <a:rPr lang="zh-CN" altLang="en-US" smtClean="0"/>
+              <a:t>单击此处编辑母版标题样式</a:t>
+            </a:r>
+            <a:endParaRPr lang="zh-CN" altLang="en-US"/>
+          </a:p>
+        </p:txBody>
+      </p:sp>
+      <p:sp>
+        <p:nvSpPr>
+          <p:cNvPr id="3" name="竖排文字占位符 2"/>
+          <p:cNvSpPr>
+            <a:spLocks noGrp="1"/>
+          </p:cNvSpPr>
+          <p:nvPr>
+            <p:ph type="body" orient="vert" idx="1"/>
+          </p:nvPr>
+        </p:nvSpPr>
+        <p:spPr>
+          <a:xfrm>
+            <a:off x="838200" y="1191491"/>
+            <a:ext cx="8721435" cy="4985472"/>
+          </a:xfrm>
+        </p:spPr>
+        <p:txBody>
+          <a:bodyPr vert="eaVert"/>
+          <a:lstStyle/>
+          <a:p>
+            <a:pPr lvl="0"/>
+            <a:r>
+              <a:rPr lang="zh-CN" altLang="en-US" smtClean="0"/>
+              <a:t>单击此处编辑母版文本样式</a:t>
+            </a:r>
+            <a:endParaRPr lang="zh-CN" altLang="en-US" smtClean="0"/>
+          </a:p>
+          <a:p>
+            <a:pPr lvl="1"/>
+            <a:r>
+              <a:rPr lang="zh-CN" altLang="en-US" smtClean="0"/>
+              <a:t>第二级</a:t>
+            </a:r>
+            <a:endParaRPr lang="zh-CN" altLang="en-US" smtClean="0"/>
+          </a:p>
+          <a:p>
+            <a:pPr lvl="2"/>
+            <a:r>
+              <a:rPr lang="zh-CN" altLang="en-US" smtClean="0"/>
+              <a:t>第三级</a:t>
+            </a:r>
+            <a:endParaRPr lang="zh-CN" altLang="en-US" smtClean="0"/>
+          </a:p>
+          <a:p>
+            <a:pPr lvl="3"/>
+            <a:r>
+              <a:rPr lang="zh-CN" altLang="en-US" smtClean="0"/>
+              <a:t>第四级</a:t>
+            </a:r>
+            <a:endParaRPr lang="zh-CN" altLang="en-US" smtClean="0"/>
+          </a:p>
+          <a:p>
+            <a:pPr lvl="4"/>
+            <a:r>
+              <a:rPr lang="zh-CN" altLang="en-US" smtClean="0"/>
+              <a:t>第五级</a:t>
+            </a:r>
+            <a:endParaRPr lang="zh-CN" altLang="en-US"/>
+          </a:p>
+        </p:txBody>
+      </p:sp>
+      <p:sp>
+        <p:nvSpPr>
+          <p:cNvPr id="4" name="日期占位符 3"/>
+          <p:cNvSpPr>
+            <a:spLocks noGrp="1"/>
+          </p:cNvSpPr>
+          <p:nvPr>
+            <p:ph type="dt" sz="half" idx="10"/>
+          </p:nvPr>
+        </p:nvSpPr>
+        <p:spPr/>
+        <p:txBody>
+          <a:bodyPr/>
+          <a:lstStyle/>
+          <a:p>
+            <a:fld id="{2AB19064-D9A4-4469-B266-E6B5E6331BE8}" type="datetimeFigureOut">
+              <a:rPr lang="zh-CN" altLang="en-US" smtClean="0"/>
+            </a:fld>
+            <a:endParaRPr lang="zh-CN" altLang="en-US"/>
+          </a:p>
+        </p:txBody>
+      </p:sp>
+      <p:sp>
+        <p:nvSpPr>
+          <p:cNvPr id="5" name="页脚占位符 4"/>
+          <p:cNvSpPr>
+            <a:spLocks noGrp="1"/>
+          </p:cNvSpPr>
+          <p:nvPr>
+            <p:ph type="ftr" sz="quarter" idx="11"/>
+          </p:nvPr>
+        </p:nvSpPr>
+        <p:spPr/>
+        <p:txBody>
+          <a:bodyPr/>
+          <a:lstStyle/>
+          <a:p>
+            <a:endParaRPr lang="zh-CN" altLang="en-US"/>
+          </a:p>
+        </p:txBody>
+      </p:sp>
+      <p:sp>
+        <p:nvSpPr>
+          <p:cNvPr id="6" name="灯片编号占位符 5"/>
+          <p:cNvSpPr>
+            <a:spLocks noGrp="1"/>
+          </p:cNvSpPr>
+          <p:nvPr>
+            <p:ph type="sldNum" sz="quarter" idx="12"/>
+          </p:nvPr>
+        </p:nvSpPr>
+        <p:spPr/>
+        <p:txBody>
+          <a:bodyPr/>
+          <a:lstStyle/>
+          <a:p>
+            <a:fld id="{439EFCA8-4685-4D72-9793-08BF8EB4EF6F}" type="slidenum">
               <a:rPr lang="zh-CN" altLang="en-US" smtClean="0"/>
             </a:fld>
             <a:endParaRPr lang="zh-CN" altLang="en-US"/>
@@ -2372,9 +3280,18 @@
 <p:sldMaster xmlns:a="http://schemas.openxmlformats.org/drawingml/2006/main" xmlns:r="http://schemas.openxmlformats.org/officeDocument/2006/relationships" xmlns:p="http://schemas.openxmlformats.org/presentationml/2006/main">
   <p:cSld>
     <p:bg>
-      <p:bgRef idx="1001">
-        <a:schemeClr val="bg1"/>
-      </p:bgRef>
+      <p:bgPr>
+        <a:blipFill dpi="0" rotWithShape="1">
+          <a:blip r:embed="rId11" cstate="email">
+            <a:lum/>
+          </a:blip>
+          <a:srcRect/>
+          <a:stretch>
+            <a:fillRect/>
+          </a:stretch>
+        </a:blipFill>
+        <a:effectLst/>
+      </p:bgPr>
     </p:bg>
     <p:spTree>
       <p:nvGrpSpPr>
@@ -2398,12 +3315,15 @@
           </p:cNvSpPr>
           <p:nvPr>
             <p:ph type="title"/>
+            <p:custDataLst>
+              <p:tags r:id="rId12"/>
+            </p:custDataLst>
           </p:nvPr>
         </p:nvSpPr>
         <p:spPr>
           <a:xfrm>
-            <a:off x="838200" y="365125"/>
-            <a:ext cx="10515600" cy="1325563"/>
+            <a:off x="838200" y="161925"/>
+            <a:ext cx="10515600" cy="704851"/>
           </a:xfrm>
           <a:prstGeom prst="rect">
             <a:avLst/>
@@ -2416,10 +3336,10 @@
           <a:lstStyle/>
           <a:p>
             <a:r>
-              <a:rPr lang="zh-CN" altLang="en-US" smtClean="0"/>
+              <a:rPr lang="zh-CN" altLang="en-US" dirty="0" smtClean="0"/>
               <a:t>单击此处编辑母版标题样式</a:t>
             </a:r>
-            <a:endParaRPr lang="zh-CN" altLang="en-US"/>
+            <a:endParaRPr lang="zh-CN" altLang="en-US" dirty="0"/>
           </a:p>
         </p:txBody>
       </p:sp>
@@ -2431,12 +3351,15 @@
           </p:cNvSpPr>
           <p:nvPr>
             <p:ph type="body" idx="1"/>
+            <p:custDataLst>
+              <p:tags r:id="rId13"/>
+            </p:custDataLst>
           </p:nvPr>
         </p:nvSpPr>
         <p:spPr>
           <a:xfrm>
-            <a:off x="838200" y="1825625"/>
-            <a:ext cx="10515600" cy="4351338"/>
+            <a:off x="838200" y="1238250"/>
+            <a:ext cx="10515600" cy="4938713"/>
           </a:xfrm>
           <a:prstGeom prst="rect">
             <a:avLst/>
@@ -2450,42 +3373,42 @@
           <a:p>
             <a:pPr lvl="0"/>
             <a:r>
-              <a:rPr lang="zh-CN" altLang="en-US" smtClean="0"/>
+              <a:rPr lang="zh-CN" altLang="en-US" dirty="0" smtClean="0"/>
               <a:t>单击此处编辑母版文本样式</a:t>
             </a:r>
-            <a:endParaRPr lang="zh-CN" altLang="en-US" smtClean="0"/>
+            <a:endParaRPr lang="zh-CN" altLang="en-US" dirty="0" smtClean="0"/>
           </a:p>
           <a:p>
             <a:pPr lvl="1"/>
             <a:r>
-              <a:rPr lang="zh-CN" altLang="en-US" smtClean="0"/>
+              <a:rPr lang="zh-CN" altLang="en-US" dirty="0" smtClean="0"/>
               <a:t>第二级</a:t>
             </a:r>
-            <a:endParaRPr lang="zh-CN" altLang="en-US" smtClean="0"/>
+            <a:endParaRPr lang="zh-CN" altLang="en-US" dirty="0" smtClean="0"/>
           </a:p>
           <a:p>
             <a:pPr lvl="2"/>
             <a:r>
-              <a:rPr lang="zh-CN" altLang="en-US" smtClean="0"/>
+              <a:rPr lang="zh-CN" altLang="en-US" dirty="0" smtClean="0"/>
               <a:t>第三级</a:t>
             </a:r>
-            <a:endParaRPr lang="zh-CN" altLang="en-US" smtClean="0"/>
+            <a:endParaRPr lang="zh-CN" altLang="en-US" dirty="0" smtClean="0"/>
           </a:p>
           <a:p>
             <a:pPr lvl="3"/>
             <a:r>
-              <a:rPr lang="zh-CN" altLang="en-US" smtClean="0"/>
+              <a:rPr lang="zh-CN" altLang="en-US" dirty="0" smtClean="0"/>
               <a:t>第四级</a:t>
             </a:r>
-            <a:endParaRPr lang="zh-CN" altLang="en-US" smtClean="0"/>
+            <a:endParaRPr lang="zh-CN" altLang="en-US" dirty="0" smtClean="0"/>
           </a:p>
           <a:p>
             <a:pPr lvl="4"/>
             <a:r>
-              <a:rPr lang="zh-CN" altLang="en-US" smtClean="0"/>
+              <a:rPr lang="zh-CN" altLang="en-US" dirty="0" smtClean="0"/>
               <a:t>第五级</a:t>
             </a:r>
-            <a:endParaRPr lang="zh-CN" altLang="en-US"/>
+            <a:endParaRPr lang="zh-CN" altLang="en-US" dirty="0"/>
           </a:p>
         </p:txBody>
       </p:sp>
@@ -2501,28 +3424,28 @@
         </p:nvSpPr>
         <p:spPr>
           <a:xfrm>
-            <a:off x="838200" y="6356350"/>
-            <a:ext cx="2743200" cy="365125"/>
+            <a:off x="838200" y="6548437"/>
+            <a:ext cx="2743200" cy="296865"/>
           </a:xfrm>
           <a:prstGeom prst="rect">
             <a:avLst/>
           </a:prstGeom>
         </p:spPr>
         <p:txBody>
-          <a:bodyPr vert="horz" lIns="91440" tIns="45720" rIns="91440" bIns="45720" rtlCol="0" anchor="ctr"/>
+          <a:bodyPr vert="horz" lIns="91440" tIns="45720" rIns="91440" bIns="45720" rtlCol="0" anchor="ctr">
+            <a:normAutofit/>
+          </a:bodyPr>
           <a:lstStyle>
             <a:lvl1pPr algn="l">
               <a:defRPr sz="1200">
                 <a:solidFill>
-                  <a:schemeClr val="tx1">
-                    <a:tint val="75000"/>
-                  </a:schemeClr>
+                  <a:schemeClr val="bg1"/>
                 </a:solidFill>
               </a:defRPr>
             </a:lvl1pPr>
           </a:lstStyle>
           <a:p>
-            <a:fld id="{D997B5FA-0921-464F-AAE1-844C04324D75}" type="datetimeFigureOut">
+            <a:fld id="{2AB19064-D9A4-4469-B266-E6B5E6331BE8}" type="datetimeFigureOut">
               <a:rPr lang="zh-CN" altLang="en-US" smtClean="0"/>
             </a:fld>
             <a:endParaRPr lang="zh-CN" altLang="en-US"/>
@@ -2541,22 +3464,22 @@
         </p:nvSpPr>
         <p:spPr>
           <a:xfrm>
-            <a:off x="4038600" y="6356350"/>
-            <a:ext cx="4114800" cy="365125"/>
+            <a:off x="4038600" y="6548437"/>
+            <a:ext cx="4114800" cy="296865"/>
           </a:xfrm>
           <a:prstGeom prst="rect">
             <a:avLst/>
           </a:prstGeom>
         </p:spPr>
         <p:txBody>
-          <a:bodyPr vert="horz" lIns="91440" tIns="45720" rIns="91440" bIns="45720" rtlCol="0" anchor="ctr"/>
+          <a:bodyPr vert="horz" lIns="91440" tIns="45720" rIns="91440" bIns="45720" rtlCol="0" anchor="ctr">
+            <a:normAutofit/>
+          </a:bodyPr>
           <a:lstStyle>
             <a:lvl1pPr algn="ctr">
               <a:defRPr sz="1200">
                 <a:solidFill>
-                  <a:schemeClr val="tx1">
-                    <a:tint val="75000"/>
-                  </a:schemeClr>
+                  <a:schemeClr val="bg1"/>
                 </a:solidFill>
               </a:defRPr>
             </a:lvl1pPr>
@@ -2578,28 +3501,28 @@
         </p:nvSpPr>
         <p:spPr>
           <a:xfrm>
-            <a:off x="8610600" y="6356350"/>
-            <a:ext cx="2743200" cy="365125"/>
+            <a:off x="8610600" y="6548437"/>
+            <a:ext cx="2743200" cy="296865"/>
           </a:xfrm>
           <a:prstGeom prst="rect">
             <a:avLst/>
           </a:prstGeom>
         </p:spPr>
         <p:txBody>
-          <a:bodyPr vert="horz" lIns="91440" tIns="45720" rIns="91440" bIns="45720" rtlCol="0" anchor="ctr"/>
+          <a:bodyPr vert="horz" lIns="91440" tIns="45720" rIns="91440" bIns="45720" rtlCol="0" anchor="ctr">
+            <a:normAutofit/>
+          </a:bodyPr>
           <a:lstStyle>
             <a:lvl1pPr algn="r">
               <a:defRPr sz="1200">
                 <a:solidFill>
-                  <a:schemeClr val="tx1">
-                    <a:tint val="75000"/>
-                  </a:schemeClr>
+                  <a:schemeClr val="bg1"/>
                 </a:solidFill>
               </a:defRPr>
             </a:lvl1pPr>
           </a:lstStyle>
           <a:p>
-            <a:fld id="{565CE74E-AB26-4998-AD42-012C4C1AD076}" type="slidenum">
+            <a:fld id="{439EFCA8-4685-4D72-9793-08BF8EB4EF6F}" type="slidenum">
               <a:rPr lang="zh-CN" altLang="en-US" smtClean="0"/>
             </a:fld>
             <a:endParaRPr lang="zh-CN" altLang="en-US"/>
@@ -2620,8 +3543,14 @@
     <p:sldLayoutId id="2147483656" r:id="rId8"/>
     <p:sldLayoutId id="2147483657" r:id="rId9"/>
     <p:sldLayoutId id="2147483658" r:id="rId10"/>
-    <p:sldLayoutId id="2147483659" r:id="rId11"/>
   </p:sldLayoutIdLst>
+  <p:timing>
+    <p:tnLst>
+      <p:par>
+        <p:cTn id="1" dur="indefinite" restart="never" nodeType="tmRoot"/>
+      </p:par>
+    </p:tnLst>
+  </p:timing>
   <p:txStyles>
     <p:titleStyle>
       <a:lvl1pPr algn="l" defTabSz="914400" rtl="0" eaLnBrk="1" latinLnBrk="0" hangingPunct="1">
@@ -2632,9 +3561,9 @@
           <a:spcPct val="0"/>
         </a:spcBef>
         <a:buNone/>
-        <a:defRPr sz="4400" kern="1200">
+        <a:defRPr sz="4000" kern="1200">
           <a:solidFill>
-            <a:schemeClr val="tx1"/>
+            <a:schemeClr val="bg1"/>
           </a:solidFill>
           <a:latin typeface="+mj-lt"/>
           <a:ea typeface="+mj-ea"/>
@@ -2643,25 +3572,43 @@
       </a:lvl1pPr>
     </p:titleStyle>
     <p:bodyStyle>
-      <a:lvl1pPr marL="228600" indent="-228600" algn="l" defTabSz="914400" rtl="0" eaLnBrk="1" latinLnBrk="0" hangingPunct="1">
+      <a:lvl1pPr marL="360045" indent="-360045" algn="just" defTabSz="914400" rtl="0" eaLnBrk="1" latinLnBrk="0" hangingPunct="1">
         <a:lnSpc>
-          <a:spcPct val="90000"/>
+          <a:spcPct val="130000"/>
         </a:lnSpc>
         <a:spcBef>
-          <a:spcPts val="1000"/>
+          <a:spcPts val="1200"/>
         </a:spcBef>
-        <a:buFont typeface="Arial" panose="020B0604020202020204" pitchFamily="34" charset="0"/>
-        <a:buChar char="•"/>
-        <a:defRPr sz="2800" kern="1200">
+        <a:buFont typeface="Wingdings" panose="05000000000000000000" pitchFamily="2" charset="2"/>
+        <a:buChar char="±"/>
+        <a:defRPr sz="2400" kern="1200">
           <a:solidFill>
-            <a:schemeClr val="tx1"/>
+            <a:schemeClr val="accent1"/>
           </a:solidFill>
           <a:latin typeface="+mn-lt"/>
           <a:ea typeface="+mn-ea"/>
           <a:cs typeface="+mn-cs"/>
         </a:defRPr>
       </a:lvl1pPr>
-      <a:lvl2pPr marL="685800" indent="-228600" algn="l" defTabSz="914400" rtl="0" eaLnBrk="1" latinLnBrk="0" hangingPunct="1">
+      <a:lvl2pPr marL="702945" indent="-342900" algn="just" defTabSz="914400" rtl="0" eaLnBrk="1" latinLnBrk="0" hangingPunct="1">
+        <a:lnSpc>
+          <a:spcPct val="120000"/>
+        </a:lnSpc>
+        <a:spcBef>
+          <a:spcPts val="600"/>
+        </a:spcBef>
+        <a:buFont typeface="Arial" panose="020B0604020202020204" pitchFamily="34" charset="0"/>
+        <a:buChar char="•"/>
+        <a:defRPr sz="2000" kern="1200">
+          <a:solidFill>
+            <a:schemeClr val="accent1"/>
+          </a:solidFill>
+          <a:latin typeface="+mn-lt"/>
+          <a:ea typeface="+mn-ea"/>
+          <a:cs typeface="+mn-cs"/>
+        </a:defRPr>
+      </a:lvl2pPr>
+      <a:lvl3pPr marL="1143000" indent="-228600" algn="just" defTabSz="914400" rtl="0" eaLnBrk="1" latinLnBrk="0" hangingPunct="1">
         <a:lnSpc>
           <a:spcPct val="90000"/>
         </a:lnSpc>
@@ -2670,16 +3617,16 @@
         </a:spcBef>
         <a:buFont typeface="Arial" panose="020B0604020202020204" pitchFamily="34" charset="0"/>
         <a:buChar char="•"/>
-        <a:defRPr sz="2400" kern="1200">
+        <a:defRPr sz="1800" kern="1200" baseline="0">
           <a:solidFill>
-            <a:schemeClr val="tx1"/>
+            <a:schemeClr val="accent1"/>
           </a:solidFill>
           <a:latin typeface="+mn-lt"/>
           <a:ea typeface="+mn-ea"/>
           <a:cs typeface="+mn-cs"/>
         </a:defRPr>
-      </a:lvl2pPr>
-      <a:lvl3pPr marL="1143000" indent="-228600" algn="l" defTabSz="914400" rtl="0" eaLnBrk="1" latinLnBrk="0" hangingPunct="1">
+      </a:lvl3pPr>
+      <a:lvl4pPr marL="1600200" indent="-228600" algn="just" defTabSz="914400" rtl="0" eaLnBrk="1" latinLnBrk="0" hangingPunct="1">
         <a:lnSpc>
           <a:spcPct val="90000"/>
         </a:lnSpc>
@@ -2688,16 +3635,16 @@
         </a:spcBef>
         <a:buFont typeface="Arial" panose="020B0604020202020204" pitchFamily="34" charset="0"/>
         <a:buChar char="•"/>
-        <a:defRPr sz="2000" kern="1200">
+        <a:defRPr sz="1800" kern="1200" baseline="0">
           <a:solidFill>
-            <a:schemeClr val="tx1"/>
+            <a:schemeClr val="accent1"/>
           </a:solidFill>
           <a:latin typeface="+mn-lt"/>
           <a:ea typeface="+mn-ea"/>
           <a:cs typeface="+mn-cs"/>
         </a:defRPr>
-      </a:lvl3pPr>
-      <a:lvl4pPr marL="1600200" indent="-228600" algn="l" defTabSz="914400" rtl="0" eaLnBrk="1" latinLnBrk="0" hangingPunct="1">
+      </a:lvl4pPr>
+      <a:lvl5pPr marL="2057400" indent="-228600" algn="just" defTabSz="914400" rtl="0" eaLnBrk="1" latinLnBrk="0" hangingPunct="1">
         <a:lnSpc>
           <a:spcPct val="90000"/>
         </a:lnSpc>
@@ -2706,27 +3653,9 @@
         </a:spcBef>
         <a:buFont typeface="Arial" panose="020B0604020202020204" pitchFamily="34" charset="0"/>
         <a:buChar char="•"/>
-        <a:defRPr sz="1800" kern="1200">
+        <a:defRPr sz="1800" kern="1200" baseline="0">
           <a:solidFill>
-            <a:schemeClr val="tx1"/>
-          </a:solidFill>
-          <a:latin typeface="+mn-lt"/>
-          <a:ea typeface="+mn-ea"/>
-          <a:cs typeface="+mn-cs"/>
-        </a:defRPr>
-      </a:lvl4pPr>
-      <a:lvl5pPr marL="2057400" indent="-228600" algn="l" defTabSz="914400" rtl="0" eaLnBrk="1" latinLnBrk="0" hangingPunct="1">
-        <a:lnSpc>
-          <a:spcPct val="90000"/>
-        </a:lnSpc>
-        <a:spcBef>
-          <a:spcPts val="500"/>
-        </a:spcBef>
-        <a:buFont typeface="Arial" panose="020B0604020202020204" pitchFamily="34" charset="0"/>
-        <a:buChar char="•"/>
-        <a:defRPr sz="1800" kern="1200">
-          <a:solidFill>
-            <a:schemeClr val="tx1"/>
+            <a:schemeClr val="accent1"/>
           </a:solidFill>
           <a:latin typeface="+mn-lt"/>
           <a:ea typeface="+mn-ea"/>
@@ -2915,7 +3844,40 @@
         <p:nvPr/>
       </p:nvGrpSpPr>
       <p:grpSpPr/>
+      <p:sp>
+        <p:nvSpPr>
+          <p:cNvPr id="2" name="文本框 1"/>
+          <p:cNvSpPr txBox="1"/>
+          <p:nvPr/>
+        </p:nvSpPr>
+        <p:spPr>
+          <a:xfrm>
+            <a:off x="836295" y="2105660"/>
+            <a:ext cx="10341610" cy="1106805"/>
+          </a:xfrm>
+          <a:prstGeom prst="rect">
+            <a:avLst/>
+          </a:prstGeom>
+          <a:noFill/>
+        </p:spPr>
+        <p:txBody>
+          <a:bodyPr wrap="square" rtlCol="0">
+            <a:spAutoFit/>
+          </a:bodyPr>
+          <a:p>
+            <a:pPr algn="ctr"/>
+            <a:r>
+              <a:rPr lang="en-US" altLang="zh-CN" sz="6600"/>
+              <a:t>bigCloudAi</a:t>
+            </a:r>
+            <a:endParaRPr lang="en-US" altLang="zh-CN" sz="6600"/>
+          </a:p>
+        </p:txBody>
+      </p:sp>
     </p:spTree>
+    <p:custDataLst>
+      <p:tags r:id="rId1"/>
+    </p:custDataLst>
   </p:cSld>
   <p:clrMapOvr>
     <a:masterClrMapping/>
@@ -2924,6 +3886,4509 @@
 </file>
 
 <file path=ppt/slides/slide2.xml><?xml version="1.0" encoding="utf-8"?>
+<p:sld xmlns:a="http://schemas.openxmlformats.org/drawingml/2006/main" xmlns:r="http://schemas.openxmlformats.org/officeDocument/2006/relationships" xmlns:p="http://schemas.openxmlformats.org/presentationml/2006/main">
+  <p:cSld>
+    <p:spTree>
+      <p:nvGrpSpPr>
+        <p:cNvPr id="1" name=""/>
+        <p:cNvGrpSpPr/>
+        <p:nvPr/>
+      </p:nvGrpSpPr>
+      <p:grpSpPr>
+        <a:xfrm>
+          <a:off x="0" y="0"/>
+          <a:ext cx="0" cy="0"/>
+          <a:chOff x="0" y="0"/>
+          <a:chExt cx="0" cy="0"/>
+        </a:xfrm>
+      </p:grpSpPr>
+      <p:sp>
+        <p:nvSpPr>
+          <p:cNvPr id="2" name="文本框 1"/>
+          <p:cNvSpPr txBox="1"/>
+          <p:nvPr/>
+        </p:nvSpPr>
+        <p:spPr>
+          <a:xfrm>
+            <a:off x="428625" y="66040"/>
+            <a:ext cx="4831080" cy="829945"/>
+          </a:xfrm>
+          <a:prstGeom prst="rect">
+            <a:avLst/>
+          </a:prstGeom>
+          <a:noFill/>
+        </p:spPr>
+        <p:txBody>
+          <a:bodyPr wrap="square" rtlCol="0">
+            <a:spAutoFit/>
+          </a:bodyPr>
+          <a:p>
+            <a:r>
+              <a:rPr lang="en-US" altLang="zh-CN" sz="4800">
+                <a:solidFill>
+                  <a:schemeClr val="bg2"/>
+                </a:solidFill>
+              </a:rPr>
+              <a:t>BigCloudAi</a:t>
+            </a:r>
+            <a:endParaRPr lang="en-US" altLang="zh-CN" sz="4800">
+              <a:solidFill>
+                <a:schemeClr val="bg2"/>
+              </a:solidFill>
+            </a:endParaRPr>
+          </a:p>
+        </p:txBody>
+      </p:sp>
+      <p:sp>
+        <p:nvSpPr>
+          <p:cNvPr id="6" name="圆角矩形 5"/>
+          <p:cNvSpPr/>
+          <p:nvPr/>
+        </p:nvSpPr>
+        <p:spPr>
+          <a:xfrm>
+            <a:off x="883920" y="1204595"/>
+            <a:ext cx="5784850" cy="1500505"/>
+          </a:xfrm>
+          <a:prstGeom prst="roundRect">
+            <a:avLst/>
+          </a:prstGeom>
+        </p:spPr>
+        <p:style>
+          <a:lnRef idx="1">
+            <a:schemeClr val="accent4"/>
+          </a:lnRef>
+          <a:fillRef idx="2">
+            <a:schemeClr val="accent4"/>
+          </a:fillRef>
+          <a:effectRef idx="1">
+            <a:schemeClr val="accent4"/>
+          </a:effectRef>
+          <a:fontRef idx="minor">
+            <a:schemeClr val="dk1"/>
+          </a:fontRef>
+        </p:style>
+        <p:txBody>
+          <a:bodyPr rtlCol="0" anchor="ctr"/>
+          <a:p>
+            <a:pPr algn="ctr"/>
+            <a:r>
+              <a:rPr lang="en-US" altLang="zh-CN">
+                <a:solidFill>
+                  <a:schemeClr val="bg2"/>
+                </a:solidFill>
+              </a:rPr>
+              <a:t>aiApp</a:t>
+            </a:r>
+            <a:endParaRPr lang="en-US" altLang="zh-CN">
+              <a:solidFill>
+                <a:schemeClr val="bg2"/>
+              </a:solidFill>
+            </a:endParaRPr>
+          </a:p>
+        </p:txBody>
+      </p:sp>
+      <p:sp>
+        <p:nvSpPr>
+          <p:cNvPr id="8" name="圆角矩形 7"/>
+          <p:cNvSpPr/>
+          <p:nvPr/>
+        </p:nvSpPr>
+        <p:spPr>
+          <a:xfrm>
+            <a:off x="883285" y="4394835"/>
+            <a:ext cx="4364355" cy="1500505"/>
+          </a:xfrm>
+          <a:prstGeom prst="roundRect">
+            <a:avLst/>
+          </a:prstGeom>
+        </p:spPr>
+        <p:style>
+          <a:lnRef idx="1">
+            <a:schemeClr val="accent4"/>
+          </a:lnRef>
+          <a:fillRef idx="2">
+            <a:schemeClr val="accent4"/>
+          </a:fillRef>
+          <a:effectRef idx="1">
+            <a:schemeClr val="accent4"/>
+          </a:effectRef>
+          <a:fontRef idx="minor">
+            <a:schemeClr val="dk1"/>
+          </a:fontRef>
+        </p:style>
+        <p:txBody>
+          <a:bodyPr rtlCol="0" anchor="ctr"/>
+          <a:p>
+            <a:pPr algn="ctr"/>
+            <a:r>
+              <a:rPr lang="en-US" altLang="zh-CN">
+                <a:solidFill>
+                  <a:schemeClr val="bg2"/>
+                </a:solidFill>
+              </a:rPr>
+              <a:t>bigFs</a:t>
+            </a:r>
+            <a:endParaRPr lang="en-US" altLang="zh-CN">
+              <a:solidFill>
+                <a:schemeClr val="bg2"/>
+              </a:solidFill>
+            </a:endParaRPr>
+          </a:p>
+        </p:txBody>
+      </p:sp>
+      <p:sp>
+        <p:nvSpPr>
+          <p:cNvPr id="10" name="L 形 9"/>
+          <p:cNvSpPr/>
+          <p:nvPr/>
+        </p:nvSpPr>
+        <p:spPr>
+          <a:xfrm rot="10800000">
+            <a:off x="883920" y="2839085"/>
+            <a:ext cx="5784215" cy="3056255"/>
+          </a:xfrm>
+          <a:prstGeom prst="corner">
+            <a:avLst>
+              <a:gd name="adj1" fmla="val 46519"/>
+              <a:gd name="adj2" fmla="val 41948"/>
+            </a:avLst>
+          </a:prstGeom>
+        </p:spPr>
+        <p:style>
+          <a:lnRef idx="1">
+            <a:schemeClr val="accent4"/>
+          </a:lnRef>
+          <a:fillRef idx="2">
+            <a:schemeClr val="accent4"/>
+          </a:fillRef>
+          <a:effectRef idx="1">
+            <a:schemeClr val="accent4"/>
+          </a:effectRef>
+          <a:fontRef idx="minor">
+            <a:schemeClr val="dk1"/>
+          </a:fontRef>
+        </p:style>
+        <p:txBody>
+          <a:bodyPr rtlCol="0" anchor="ctr"/>
+          <a:p>
+            <a:pPr algn="ctr"/>
+            <a:endParaRPr lang="en-US" altLang="zh-CN"/>
+          </a:p>
+        </p:txBody>
+      </p:sp>
+      <p:sp>
+        <p:nvSpPr>
+          <p:cNvPr id="11" name="文本框 10"/>
+          <p:cNvSpPr txBox="1"/>
+          <p:nvPr/>
+        </p:nvSpPr>
+        <p:spPr>
+          <a:xfrm>
+            <a:off x="3265170" y="3366135"/>
+            <a:ext cx="1021080" cy="368300"/>
+          </a:xfrm>
+          <a:prstGeom prst="rect">
+            <a:avLst/>
+          </a:prstGeom>
+          <a:noFill/>
+        </p:spPr>
+        <p:txBody>
+          <a:bodyPr wrap="none" rtlCol="0">
+            <a:spAutoFit/>
+          </a:bodyPr>
+          <a:p>
+            <a:r>
+              <a:rPr lang="en-US" altLang="zh-CN">
+                <a:solidFill>
+                  <a:schemeClr val="bg2"/>
+                </a:solidFill>
+              </a:rPr>
+              <a:t>cloudOs</a:t>
+            </a:r>
+            <a:endParaRPr lang="en-US" altLang="zh-CN">
+              <a:solidFill>
+                <a:schemeClr val="bg2"/>
+              </a:solidFill>
+            </a:endParaRPr>
+          </a:p>
+        </p:txBody>
+      </p:sp>
+      <p:sp>
+        <p:nvSpPr>
+          <p:cNvPr id="12" name="文本框 11"/>
+          <p:cNvSpPr txBox="1"/>
+          <p:nvPr/>
+        </p:nvSpPr>
+        <p:spPr>
+          <a:xfrm>
+            <a:off x="6865620" y="1411605"/>
+            <a:ext cx="2595880" cy="1198880"/>
+          </a:xfrm>
+          <a:prstGeom prst="rect">
+            <a:avLst/>
+          </a:prstGeom>
+          <a:noFill/>
+        </p:spPr>
+        <p:txBody>
+          <a:bodyPr wrap="none" rtlCol="0">
+            <a:spAutoFit/>
+          </a:bodyPr>
+          <a:p>
+            <a:r>
+              <a:rPr lang="zh-CN" altLang="en-US"/>
+              <a:t>一</a:t>
+            </a:r>
+            <a:r>
+              <a:rPr lang="en-US" altLang="zh-CN"/>
+              <a:t>.</a:t>
+            </a:r>
+            <a:r>
+              <a:rPr lang="en-US" altLang="zh-CN"/>
+              <a:t>aiApp</a:t>
+            </a:r>
+            <a:r>
+              <a:rPr lang="zh-CN" altLang="en-US"/>
+              <a:t>智能学习应用</a:t>
+            </a:r>
+            <a:endParaRPr lang="zh-CN" altLang="en-US"/>
+          </a:p>
+          <a:p>
+            <a:r>
+              <a:rPr lang="zh-CN" altLang="zh-CN"/>
+              <a:t>（</a:t>
+            </a:r>
+            <a:r>
+              <a:rPr lang="en-US" altLang="zh-CN"/>
+              <a:t>1</a:t>
+            </a:r>
+            <a:r>
+              <a:rPr lang="zh-CN" altLang="zh-CN"/>
+              <a:t>）机器学习应用</a:t>
+            </a:r>
+            <a:endParaRPr lang="zh-CN" altLang="zh-CN"/>
+          </a:p>
+          <a:p>
+            <a:r>
+              <a:rPr lang="zh-CN" altLang="zh-CN"/>
+              <a:t>（</a:t>
+            </a:r>
+            <a:r>
+              <a:rPr lang="en-US" altLang="zh-CN"/>
+              <a:t>2</a:t>
+            </a:r>
+            <a:r>
+              <a:rPr lang="zh-CN" altLang="zh-CN"/>
+              <a:t>）神经网络模型训练</a:t>
+            </a:r>
+            <a:endParaRPr lang="zh-CN" altLang="zh-CN"/>
+          </a:p>
+          <a:p>
+            <a:r>
+              <a:rPr lang="zh-CN" altLang="zh-CN"/>
+              <a:t>（</a:t>
+            </a:r>
+            <a:r>
+              <a:rPr lang="en-US" altLang="zh-CN"/>
+              <a:t>3</a:t>
+            </a:r>
+            <a:r>
+              <a:rPr lang="zh-CN" altLang="zh-CN"/>
+              <a:t>）数据挖掘</a:t>
+            </a:r>
+            <a:endParaRPr lang="zh-CN" altLang="zh-CN"/>
+          </a:p>
+        </p:txBody>
+      </p:sp>
+      <p:sp>
+        <p:nvSpPr>
+          <p:cNvPr id="13" name="文本框 12"/>
+          <p:cNvSpPr txBox="1"/>
+          <p:nvPr/>
+        </p:nvSpPr>
+        <p:spPr>
+          <a:xfrm>
+            <a:off x="6865620" y="2705100"/>
+            <a:ext cx="4983480" cy="1753235"/>
+          </a:xfrm>
+          <a:prstGeom prst="rect">
+            <a:avLst/>
+          </a:prstGeom>
+          <a:noFill/>
+        </p:spPr>
+        <p:txBody>
+          <a:bodyPr wrap="none" rtlCol="0">
+            <a:spAutoFit/>
+          </a:bodyPr>
+          <a:p>
+            <a:r>
+              <a:rPr lang="zh-CN" altLang="en-US"/>
+              <a:t>二</a:t>
+            </a:r>
+            <a:r>
+              <a:rPr lang="en-US" altLang="zh-CN"/>
+              <a:t>.</a:t>
+            </a:r>
+            <a:r>
+              <a:rPr lang="en-US" altLang="zh-CN"/>
+              <a:t>cloudOs</a:t>
+            </a:r>
+            <a:r>
+              <a:rPr lang="zh-CN" altLang="zh-CN"/>
+              <a:t>提供</a:t>
+            </a:r>
+            <a:r>
+              <a:rPr lang="en-US" altLang="zh-CN"/>
+              <a:t>aiApp</a:t>
+            </a:r>
+            <a:r>
+              <a:rPr lang="zh-CN" altLang="en-US"/>
+              <a:t>运行环境：</a:t>
+            </a:r>
+            <a:endParaRPr lang="zh-CN" altLang="en-US"/>
+          </a:p>
+          <a:p>
+            <a:r>
+              <a:rPr lang="zh-CN" altLang="en-US"/>
+              <a:t>（</a:t>
+            </a:r>
+            <a:r>
+              <a:rPr lang="en-US" altLang="zh-CN"/>
+              <a:t>1</a:t>
+            </a:r>
+            <a:r>
+              <a:rPr lang="zh-CN" altLang="en-US"/>
+              <a:t>）计算资源管理</a:t>
+            </a:r>
+            <a:endParaRPr lang="zh-CN" altLang="en-US"/>
+          </a:p>
+          <a:p>
+            <a:r>
+              <a:rPr lang="zh-CN" altLang="en-US"/>
+              <a:t>（</a:t>
+            </a:r>
+            <a:r>
+              <a:rPr lang="en-US" altLang="zh-CN"/>
+              <a:t>2</a:t>
+            </a:r>
+            <a:r>
+              <a:rPr lang="zh-CN" altLang="en-US"/>
+              <a:t>）网络管理</a:t>
+            </a:r>
+            <a:endParaRPr lang="zh-CN" altLang="en-US"/>
+          </a:p>
+          <a:p>
+            <a:r>
+              <a:rPr lang="zh-CN" altLang="en-US"/>
+              <a:t>（</a:t>
+            </a:r>
+            <a:r>
+              <a:rPr lang="en-US" altLang="zh-CN"/>
+              <a:t>3</a:t>
+            </a:r>
+            <a:r>
+              <a:rPr lang="zh-CN" altLang="en-US"/>
+              <a:t>）依靠</a:t>
+            </a:r>
+            <a:r>
+              <a:rPr lang="en-US" altLang="zh-CN"/>
+              <a:t>bigFs</a:t>
+            </a:r>
+            <a:r>
+              <a:rPr lang="zh-CN" altLang="en-US"/>
+              <a:t>提供文件系统，基于该文件系统</a:t>
+            </a:r>
+            <a:endParaRPr lang="zh-CN" altLang="en-US"/>
+          </a:p>
+          <a:p>
+            <a:r>
+              <a:rPr lang="zh-CN" altLang="en-US"/>
+              <a:t>完成存储管理，计算资源分配等</a:t>
+            </a:r>
+            <a:endParaRPr lang="zh-CN" altLang="en-US"/>
+          </a:p>
+          <a:p>
+            <a:endParaRPr lang="zh-CN" altLang="en-US"/>
+          </a:p>
+        </p:txBody>
+      </p:sp>
+      <p:sp>
+        <p:nvSpPr>
+          <p:cNvPr id="15" name="文本框 14"/>
+          <p:cNvSpPr txBox="1"/>
+          <p:nvPr/>
+        </p:nvSpPr>
+        <p:spPr>
+          <a:xfrm>
+            <a:off x="6865620" y="4344670"/>
+            <a:ext cx="4881880" cy="1753235"/>
+          </a:xfrm>
+          <a:prstGeom prst="rect">
+            <a:avLst/>
+          </a:prstGeom>
+          <a:noFill/>
+        </p:spPr>
+        <p:txBody>
+          <a:bodyPr wrap="none" rtlCol="0">
+            <a:spAutoFit/>
+          </a:bodyPr>
+          <a:p>
+            <a:pPr algn="l"/>
+            <a:r>
+              <a:rPr lang="zh-CN" altLang="en-US"/>
+              <a:t>三</a:t>
+            </a:r>
+            <a:r>
+              <a:rPr lang="en-US" altLang="zh-CN"/>
+              <a:t>.</a:t>
+            </a:r>
+            <a:r>
+              <a:rPr lang="en-US" altLang="zh-CN"/>
+              <a:t>bigFs</a:t>
+            </a:r>
+            <a:r>
+              <a:rPr lang="zh-CN" altLang="zh-CN"/>
+              <a:t>提供</a:t>
+            </a:r>
+            <a:r>
+              <a:rPr lang="en-US" altLang="zh-CN"/>
+              <a:t>cloudOs</a:t>
+            </a:r>
+            <a:r>
+              <a:rPr lang="zh-CN" altLang="en-US"/>
+              <a:t>文件系统：</a:t>
+            </a:r>
+            <a:endParaRPr lang="zh-CN" altLang="en-US"/>
+          </a:p>
+          <a:p>
+            <a:pPr algn="l"/>
+            <a:r>
+              <a:rPr lang="zh-CN" altLang="en-US"/>
+              <a:t>（</a:t>
+            </a:r>
+            <a:r>
+              <a:rPr lang="en-US" altLang="zh-CN"/>
+              <a:t>1</a:t>
+            </a:r>
+            <a:r>
+              <a:rPr lang="zh-CN" altLang="en-US"/>
+              <a:t>）区块链无中心，</a:t>
+            </a:r>
+            <a:r>
+              <a:rPr lang="zh-CN" altLang="en-US">
+                <a:sym typeface="+mn-ea"/>
+              </a:rPr>
+              <a:t>存储，计算，网络统一账</a:t>
+            </a:r>
+            <a:endParaRPr lang="zh-CN" altLang="en-US">
+              <a:sym typeface="+mn-ea"/>
+            </a:endParaRPr>
+          </a:p>
+          <a:p>
+            <a:pPr algn="l"/>
+            <a:r>
+              <a:rPr lang="zh-CN" altLang="en-US">
+                <a:sym typeface="+mn-ea"/>
+              </a:rPr>
+              <a:t>本管理</a:t>
+            </a:r>
+            <a:endParaRPr lang="zh-CN" altLang="en-US"/>
+          </a:p>
+          <a:p>
+            <a:pPr algn="l"/>
+            <a:r>
+              <a:rPr lang="zh-CN" altLang="en-US"/>
+              <a:t>（</a:t>
+            </a:r>
+            <a:r>
+              <a:rPr lang="en-US" altLang="zh-CN"/>
+              <a:t>2</a:t>
+            </a:r>
+            <a:r>
+              <a:rPr lang="zh-CN" altLang="en-US"/>
+              <a:t>）参考</a:t>
+            </a:r>
+            <a:r>
+              <a:rPr lang="en-US" altLang="zh-CN"/>
+              <a:t>hdfs</a:t>
+            </a:r>
+            <a:r>
+              <a:rPr lang="zh-CN" altLang="en-US"/>
+              <a:t>实现</a:t>
+            </a:r>
+            <a:endParaRPr lang="zh-CN" altLang="en-US"/>
+          </a:p>
+          <a:p>
+            <a:pPr algn="l"/>
+            <a:endParaRPr lang="zh-CN" altLang="en-US"/>
+          </a:p>
+          <a:p>
+            <a:endParaRPr lang="zh-CN" altLang="en-US"/>
+          </a:p>
+        </p:txBody>
+      </p:sp>
+    </p:spTree>
+    <p:custDataLst>
+      <p:tags r:id="rId1"/>
+    </p:custDataLst>
+  </p:cSld>
+  <p:clrMapOvr>
+    <a:masterClrMapping/>
+  </p:clrMapOvr>
+</p:sld>
+</file>
+
+<file path=ppt/slides/slide3.xml><?xml version="1.0" encoding="utf-8"?>
+<p:sld xmlns:a="http://schemas.openxmlformats.org/drawingml/2006/main" xmlns:r="http://schemas.openxmlformats.org/officeDocument/2006/relationships" xmlns:p="http://schemas.openxmlformats.org/presentationml/2006/main">
+  <p:cSld>
+    <p:spTree>
+      <p:nvGrpSpPr>
+        <p:cNvPr id="1" name=""/>
+        <p:cNvGrpSpPr/>
+        <p:nvPr/>
+      </p:nvGrpSpPr>
+      <p:grpSpPr>
+        <a:xfrm>
+          <a:off x="0" y="0"/>
+          <a:ext cx="0" cy="0"/>
+          <a:chOff x="0" y="0"/>
+          <a:chExt cx="0" cy="0"/>
+        </a:xfrm>
+      </p:grpSpPr>
+      <p:sp>
+        <p:nvSpPr>
+          <p:cNvPr id="2" name="文本框 1"/>
+          <p:cNvSpPr txBox="1"/>
+          <p:nvPr/>
+        </p:nvSpPr>
+        <p:spPr>
+          <a:xfrm>
+            <a:off x="428625" y="66040"/>
+            <a:ext cx="4831080" cy="829945"/>
+          </a:xfrm>
+          <a:prstGeom prst="rect">
+            <a:avLst/>
+          </a:prstGeom>
+          <a:noFill/>
+        </p:spPr>
+        <p:txBody>
+          <a:bodyPr wrap="square" rtlCol="0">
+            <a:spAutoFit/>
+          </a:bodyPr>
+          <a:p>
+            <a:r>
+              <a:rPr lang="en-US" altLang="zh-CN" sz="4800">
+                <a:solidFill>
+                  <a:schemeClr val="bg2"/>
+                </a:solidFill>
+              </a:rPr>
+              <a:t>BigFs</a:t>
+            </a:r>
+            <a:endParaRPr lang="en-US" altLang="zh-CN" sz="4800">
+              <a:solidFill>
+                <a:schemeClr val="bg2"/>
+              </a:solidFill>
+            </a:endParaRPr>
+          </a:p>
+        </p:txBody>
+      </p:sp>
+      <p:sp>
+        <p:nvSpPr>
+          <p:cNvPr id="8" name="圆角矩形 7"/>
+          <p:cNvSpPr/>
+          <p:nvPr/>
+        </p:nvSpPr>
+        <p:spPr>
+          <a:xfrm>
+            <a:off x="544830" y="2343785"/>
+            <a:ext cx="11102975" cy="4060190"/>
+          </a:xfrm>
+          <a:prstGeom prst="roundRect">
+            <a:avLst/>
+          </a:prstGeom>
+        </p:spPr>
+        <p:style>
+          <a:lnRef idx="1">
+            <a:schemeClr val="accent4"/>
+          </a:lnRef>
+          <a:fillRef idx="2">
+            <a:schemeClr val="accent4"/>
+          </a:fillRef>
+          <a:effectRef idx="1">
+            <a:schemeClr val="accent4"/>
+          </a:effectRef>
+          <a:fontRef idx="minor">
+            <a:schemeClr val="dk1"/>
+          </a:fontRef>
+        </p:style>
+        <p:txBody>
+          <a:bodyPr rtlCol="0" anchor="ctr"/>
+          <a:p>
+            <a:pPr algn="ctr"/>
+            <a:endParaRPr lang="en-US" altLang="zh-CN">
+              <a:solidFill>
+                <a:schemeClr val="bg2"/>
+              </a:solidFill>
+            </a:endParaRPr>
+          </a:p>
+        </p:txBody>
+      </p:sp>
+      <p:sp>
+        <p:nvSpPr>
+          <p:cNvPr id="4" name="椭圆 3"/>
+          <p:cNvSpPr/>
+          <p:nvPr/>
+        </p:nvSpPr>
+        <p:spPr>
+          <a:xfrm>
+            <a:off x="2319655" y="2359660"/>
+            <a:ext cx="1909445" cy="1737360"/>
+          </a:xfrm>
+          <a:prstGeom prst="ellipse">
+            <a:avLst/>
+          </a:prstGeom>
+        </p:spPr>
+        <p:style>
+          <a:lnRef idx="3">
+            <a:schemeClr val="lt1"/>
+          </a:lnRef>
+          <a:fillRef idx="1">
+            <a:schemeClr val="accent6"/>
+          </a:fillRef>
+          <a:effectRef idx="1">
+            <a:schemeClr val="accent6"/>
+          </a:effectRef>
+          <a:fontRef idx="minor">
+            <a:schemeClr val="lt1"/>
+          </a:fontRef>
+        </p:style>
+        <p:txBody>
+          <a:bodyPr vertOverflow="overflow" horzOverflow="overflow" vert="horz" wrap="square" numCol="1" spcCol="0" rtlCol="0" fromWordArt="0" anchor="ctr" anchorCtr="0" forceAA="0" compatLnSpc="1">
+            <a:noAutofit/>
+          </a:bodyPr>
+          <a:p>
+            <a:pPr lvl="0" algn="ctr"/>
+            <a:endParaRPr lang="zh-CN" altLang="en-US">
+              <a:sym typeface="+mn-ea"/>
+            </a:endParaRPr>
+          </a:p>
+        </p:txBody>
+      </p:sp>
+      <p:sp>
+        <p:nvSpPr>
+          <p:cNvPr id="5" name="椭圆 4"/>
+          <p:cNvSpPr/>
+          <p:nvPr/>
+        </p:nvSpPr>
+        <p:spPr>
+          <a:xfrm>
+            <a:off x="4229100" y="2334260"/>
+            <a:ext cx="1909445" cy="1737360"/>
+          </a:xfrm>
+          <a:prstGeom prst="ellipse">
+            <a:avLst/>
+          </a:prstGeom>
+        </p:spPr>
+        <p:style>
+          <a:lnRef idx="3">
+            <a:schemeClr val="lt1"/>
+          </a:lnRef>
+          <a:fillRef idx="1">
+            <a:schemeClr val="accent6"/>
+          </a:fillRef>
+          <a:effectRef idx="1">
+            <a:schemeClr val="accent6"/>
+          </a:effectRef>
+          <a:fontRef idx="minor">
+            <a:schemeClr val="lt1"/>
+          </a:fontRef>
+        </p:style>
+        <p:txBody>
+          <a:bodyPr vertOverflow="overflow" horzOverflow="overflow" vert="horz" wrap="square" numCol="1" spcCol="0" rtlCol="0" fromWordArt="0" anchor="ctr" anchorCtr="0" forceAA="0" compatLnSpc="1">
+            <a:noAutofit/>
+          </a:bodyPr>
+          <a:p>
+            <a:pPr lvl="0" algn="ctr"/>
+            <a:endParaRPr lang="zh-CN" altLang="en-US">
+              <a:sym typeface="+mn-ea"/>
+            </a:endParaRPr>
+          </a:p>
+        </p:txBody>
+      </p:sp>
+      <p:sp>
+        <p:nvSpPr>
+          <p:cNvPr id="10" name="椭圆 9"/>
+          <p:cNvSpPr/>
+          <p:nvPr/>
+        </p:nvSpPr>
+        <p:spPr>
+          <a:xfrm>
+            <a:off x="2340610" y="4657090"/>
+            <a:ext cx="1909445" cy="1737360"/>
+          </a:xfrm>
+          <a:prstGeom prst="ellipse">
+            <a:avLst/>
+          </a:prstGeom>
+        </p:spPr>
+        <p:style>
+          <a:lnRef idx="3">
+            <a:schemeClr val="lt1"/>
+          </a:lnRef>
+          <a:fillRef idx="1">
+            <a:schemeClr val="accent6"/>
+          </a:fillRef>
+          <a:effectRef idx="1">
+            <a:schemeClr val="accent6"/>
+          </a:effectRef>
+          <a:fontRef idx="minor">
+            <a:schemeClr val="lt1"/>
+          </a:fontRef>
+        </p:style>
+        <p:txBody>
+          <a:bodyPr vertOverflow="overflow" horzOverflow="overflow" vert="horz" wrap="square" numCol="1" spcCol="0" rtlCol="0" fromWordArt="0" anchor="ctr" anchorCtr="0" forceAA="0" compatLnSpc="1">
+            <a:noAutofit/>
+          </a:bodyPr>
+          <a:p>
+            <a:pPr lvl="0" algn="ctr"/>
+            <a:endParaRPr lang="zh-CN" altLang="en-US">
+              <a:sym typeface="+mn-ea"/>
+            </a:endParaRPr>
+          </a:p>
+        </p:txBody>
+      </p:sp>
+      <p:sp>
+        <p:nvSpPr>
+          <p:cNvPr id="11" name="椭圆 10"/>
+          <p:cNvSpPr/>
+          <p:nvPr/>
+        </p:nvSpPr>
+        <p:spPr>
+          <a:xfrm>
+            <a:off x="4250055" y="4672330"/>
+            <a:ext cx="1909445" cy="1737360"/>
+          </a:xfrm>
+          <a:prstGeom prst="ellipse">
+            <a:avLst/>
+          </a:prstGeom>
+        </p:spPr>
+        <p:style>
+          <a:lnRef idx="3">
+            <a:schemeClr val="lt1"/>
+          </a:lnRef>
+          <a:fillRef idx="1">
+            <a:schemeClr val="accent6"/>
+          </a:fillRef>
+          <a:effectRef idx="1">
+            <a:schemeClr val="accent6"/>
+          </a:effectRef>
+          <a:fontRef idx="minor">
+            <a:schemeClr val="lt1"/>
+          </a:fontRef>
+        </p:style>
+        <p:txBody>
+          <a:bodyPr vertOverflow="overflow" horzOverflow="overflow" vert="horz" wrap="square" numCol="1" spcCol="0" rtlCol="0" fromWordArt="0" anchor="ctr" anchorCtr="0" forceAA="0" compatLnSpc="1">
+            <a:noAutofit/>
+          </a:bodyPr>
+          <a:p>
+            <a:pPr lvl="0" algn="ctr"/>
+            <a:endParaRPr lang="zh-CN" altLang="en-US">
+              <a:sym typeface="+mn-ea"/>
+            </a:endParaRPr>
+          </a:p>
+        </p:txBody>
+      </p:sp>
+      <p:sp>
+        <p:nvSpPr>
+          <p:cNvPr id="12" name="椭圆 11"/>
+          <p:cNvSpPr/>
+          <p:nvPr/>
+        </p:nvSpPr>
+        <p:spPr>
+          <a:xfrm>
+            <a:off x="5557520" y="3556000"/>
+            <a:ext cx="1909445" cy="1737360"/>
+          </a:xfrm>
+          <a:prstGeom prst="ellipse">
+            <a:avLst/>
+          </a:prstGeom>
+        </p:spPr>
+        <p:style>
+          <a:lnRef idx="3">
+            <a:schemeClr val="lt1"/>
+          </a:lnRef>
+          <a:fillRef idx="1">
+            <a:schemeClr val="accent6"/>
+          </a:fillRef>
+          <a:effectRef idx="1">
+            <a:schemeClr val="accent6"/>
+          </a:effectRef>
+          <a:fontRef idx="minor">
+            <a:schemeClr val="lt1"/>
+          </a:fontRef>
+        </p:style>
+        <p:txBody>
+          <a:bodyPr vertOverflow="overflow" horzOverflow="overflow" vert="horz" wrap="square" numCol="1" spcCol="0" rtlCol="0" fromWordArt="0" anchor="ctr" anchorCtr="0" forceAA="0" compatLnSpc="1">
+            <a:noAutofit/>
+          </a:bodyPr>
+          <a:p>
+            <a:pPr lvl="0" algn="ctr"/>
+            <a:endParaRPr lang="zh-CN" altLang="en-US">
+              <a:sym typeface="+mn-ea"/>
+            </a:endParaRPr>
+          </a:p>
+        </p:txBody>
+      </p:sp>
+      <p:sp>
+        <p:nvSpPr>
+          <p:cNvPr id="13" name="折角形 12"/>
+          <p:cNvSpPr/>
+          <p:nvPr/>
+        </p:nvSpPr>
+        <p:spPr>
+          <a:xfrm>
+            <a:off x="3392805" y="3644900"/>
+            <a:ext cx="1602105" cy="1539240"/>
+          </a:xfrm>
+          <a:prstGeom prst="foldedCorner">
+            <a:avLst/>
+          </a:prstGeom>
+        </p:spPr>
+        <p:style>
+          <a:lnRef idx="2">
+            <a:schemeClr val="accent1">
+              <a:shade val="50000"/>
+            </a:schemeClr>
+          </a:lnRef>
+          <a:fillRef idx="1">
+            <a:schemeClr val="accent1"/>
+          </a:fillRef>
+          <a:effectRef idx="0">
+            <a:schemeClr val="accent1"/>
+          </a:effectRef>
+          <a:fontRef idx="minor">
+            <a:schemeClr val="lt1"/>
+          </a:fontRef>
+        </p:style>
+        <p:txBody>
+          <a:bodyPr rtlCol="0" anchor="ctr"/>
+          <a:p>
+            <a:pPr algn="ctr"/>
+            <a:endParaRPr lang="zh-CN" altLang="en-US"/>
+          </a:p>
+        </p:txBody>
+      </p:sp>
+      <p:cxnSp>
+        <p:nvCxnSpPr>
+          <p:cNvPr id="14" name="直接箭头连接符 13"/>
+          <p:cNvCxnSpPr/>
+          <p:nvPr/>
+        </p:nvCxnSpPr>
+        <p:spPr>
+          <a:xfrm>
+            <a:off x="1605915" y="3027045"/>
+            <a:ext cx="0" cy="0"/>
+          </a:xfrm>
+          <a:prstGeom prst="straightConnector1">
+            <a:avLst/>
+          </a:prstGeom>
+          <a:ln>
+            <a:tailEnd type="arrow"/>
+          </a:ln>
+        </p:spPr>
+        <p:style>
+          <a:lnRef idx="1">
+            <a:schemeClr val="accent1"/>
+          </a:lnRef>
+          <a:fillRef idx="0">
+            <a:schemeClr val="accent1"/>
+          </a:fillRef>
+          <a:effectRef idx="0">
+            <a:schemeClr val="accent1"/>
+          </a:effectRef>
+          <a:fontRef idx="minor">
+            <a:schemeClr val="tx1"/>
+          </a:fontRef>
+        </p:style>
+      </p:cxnSp>
+      <p:sp>
+        <p:nvSpPr>
+          <p:cNvPr id="9" name="椭圆 8"/>
+          <p:cNvSpPr/>
+          <p:nvPr/>
+        </p:nvSpPr>
+        <p:spPr>
+          <a:xfrm>
+            <a:off x="930275" y="3556000"/>
+            <a:ext cx="1909445" cy="1737360"/>
+          </a:xfrm>
+          <a:prstGeom prst="ellipse">
+            <a:avLst/>
+          </a:prstGeom>
+        </p:spPr>
+        <p:style>
+          <a:lnRef idx="3">
+            <a:schemeClr val="lt1"/>
+          </a:lnRef>
+          <a:fillRef idx="1">
+            <a:schemeClr val="accent6"/>
+          </a:fillRef>
+          <a:effectRef idx="1">
+            <a:schemeClr val="accent6"/>
+          </a:effectRef>
+          <a:fontRef idx="minor">
+            <a:schemeClr val="lt1"/>
+          </a:fontRef>
+        </p:style>
+        <p:txBody>
+          <a:bodyPr rtlCol="0" anchor="ctr"/>
+          <a:p>
+            <a:pPr algn="ctr"/>
+            <a:endParaRPr lang="zh-CN" altLang="en-US"/>
+          </a:p>
+        </p:txBody>
+      </p:sp>
+      <p:sp>
+        <p:nvSpPr>
+          <p:cNvPr id="23" name="上下箭头 22"/>
+          <p:cNvSpPr/>
+          <p:nvPr/>
+        </p:nvSpPr>
+        <p:spPr>
+          <a:xfrm>
+            <a:off x="3803015" y="1668145"/>
+            <a:ext cx="644525" cy="895985"/>
+          </a:xfrm>
+          <a:prstGeom prst="upDownArrow">
+            <a:avLst/>
+          </a:prstGeom>
+        </p:spPr>
+        <p:style>
+          <a:lnRef idx="2">
+            <a:schemeClr val="dk1">
+              <a:shade val="50000"/>
+            </a:schemeClr>
+          </a:lnRef>
+          <a:fillRef idx="1">
+            <a:schemeClr val="dk1"/>
+          </a:fillRef>
+          <a:effectRef idx="0">
+            <a:schemeClr val="dk1"/>
+          </a:effectRef>
+          <a:fontRef idx="minor">
+            <a:schemeClr val="lt1"/>
+          </a:fontRef>
+        </p:style>
+        <p:txBody>
+          <a:bodyPr rtlCol="0" anchor="ctr"/>
+          <a:p>
+            <a:pPr algn="ctr"/>
+            <a:endParaRPr lang="zh-CN" altLang="en-US"/>
+          </a:p>
+        </p:txBody>
+      </p:sp>
+      <p:sp>
+        <p:nvSpPr>
+          <p:cNvPr id="222" name=" 222"/>
+          <p:cNvSpPr/>
+          <p:nvPr/>
+        </p:nvSpPr>
+        <p:spPr>
+          <a:xfrm>
+            <a:off x="2839720" y="3027045"/>
+            <a:ext cx="776605" cy="697865"/>
+          </a:xfrm>
+          <a:custGeom>
+            <a:avLst/>
+            <a:gdLst/>
+            <a:ahLst/>
+            <a:cxnLst/>
+            <a:rect l="l" t="t" r="r" b="b"/>
+            <a:pathLst>
+              <a:path w="801878" h="692519">
+                <a:moveTo>
+                  <a:pt x="409945" y="0"/>
+                </a:moveTo>
+                <a:cubicBezTo>
+                  <a:pt x="438516" y="279320"/>
+                  <a:pt x="585358" y="523617"/>
+                  <a:pt x="801878" y="678893"/>
+                </a:cubicBezTo>
+                <a:cubicBezTo>
+                  <a:pt x="683463" y="627007"/>
+                  <a:pt x="552608" y="598449"/>
+                  <a:pt x="415082" y="598449"/>
+                </a:cubicBezTo>
+                <a:cubicBezTo>
+                  <a:pt x="266403" y="598449"/>
+                  <a:pt x="125520" y="631827"/>
+                  <a:pt x="0" y="692519"/>
+                </a:cubicBezTo>
+                <a:cubicBezTo>
+                  <a:pt x="226112" y="537440"/>
+                  <a:pt x="380565" y="287238"/>
+                  <a:pt x="409945" y="0"/>
+                </a:cubicBezTo>
+                <a:close/>
+              </a:path>
+            </a:pathLst>
+          </a:custGeom>
+        </p:spPr>
+        <p:style>
+          <a:lnRef idx="2">
+            <a:schemeClr val="dk1">
+              <a:shade val="50000"/>
+            </a:schemeClr>
+          </a:lnRef>
+          <a:fillRef idx="1">
+            <a:schemeClr val="dk1"/>
+          </a:fillRef>
+          <a:effectRef idx="0">
+            <a:schemeClr val="dk1"/>
+          </a:effectRef>
+          <a:fontRef idx="minor">
+            <a:schemeClr val="lt1"/>
+          </a:fontRef>
+        </p:style>
+        <p:txBody>
+          <a:bodyPr anchor="ctr"/>
+          <a:lstStyle>
+            <a:defPPr>
+              <a:defRPr lang="zh-CN"/>
+            </a:defPPr>
+            <a:lvl1pPr algn="l" rtl="0" eaLnBrk="0" fontAlgn="base" hangingPunct="0">
+              <a:spcBef>
+                <a:spcPct val="0"/>
+              </a:spcBef>
+              <a:spcAft>
+                <a:spcPct val="0"/>
+              </a:spcAft>
+              <a:defRPr kern="1200">
+                <a:solidFill>
+                  <a:schemeClr val="lt1"/>
+                </a:solidFill>
+                <a:latin typeface="+mn-lt"/>
+                <a:ea typeface="+mn-ea"/>
+                <a:cs typeface="+mn-cs"/>
+              </a:defRPr>
+            </a:lvl1pPr>
+            <a:lvl2pPr marL="457200" algn="l" rtl="0" eaLnBrk="0" fontAlgn="base" hangingPunct="0">
+              <a:spcBef>
+                <a:spcPct val="0"/>
+              </a:spcBef>
+              <a:spcAft>
+                <a:spcPct val="0"/>
+              </a:spcAft>
+              <a:defRPr kern="1200">
+                <a:solidFill>
+                  <a:schemeClr val="lt1"/>
+                </a:solidFill>
+                <a:latin typeface="+mn-lt"/>
+                <a:ea typeface="+mn-ea"/>
+                <a:cs typeface="+mn-cs"/>
+              </a:defRPr>
+            </a:lvl2pPr>
+            <a:lvl3pPr marL="914400" algn="l" rtl="0" eaLnBrk="0" fontAlgn="base" hangingPunct="0">
+              <a:spcBef>
+                <a:spcPct val="0"/>
+              </a:spcBef>
+              <a:spcAft>
+                <a:spcPct val="0"/>
+              </a:spcAft>
+              <a:defRPr kern="1200">
+                <a:solidFill>
+                  <a:schemeClr val="lt1"/>
+                </a:solidFill>
+                <a:latin typeface="+mn-lt"/>
+                <a:ea typeface="+mn-ea"/>
+                <a:cs typeface="+mn-cs"/>
+              </a:defRPr>
+            </a:lvl3pPr>
+            <a:lvl4pPr marL="1371600" algn="l" rtl="0" eaLnBrk="0" fontAlgn="base" hangingPunct="0">
+              <a:spcBef>
+                <a:spcPct val="0"/>
+              </a:spcBef>
+              <a:spcAft>
+                <a:spcPct val="0"/>
+              </a:spcAft>
+              <a:defRPr kern="1200">
+                <a:solidFill>
+                  <a:schemeClr val="lt1"/>
+                </a:solidFill>
+                <a:latin typeface="+mn-lt"/>
+                <a:ea typeface="+mn-ea"/>
+                <a:cs typeface="+mn-cs"/>
+              </a:defRPr>
+            </a:lvl4pPr>
+            <a:lvl5pPr marL="1828800" algn="l" rtl="0" eaLnBrk="0" fontAlgn="base" hangingPunct="0">
+              <a:spcBef>
+                <a:spcPct val="0"/>
+              </a:spcBef>
+              <a:spcAft>
+                <a:spcPct val="0"/>
+              </a:spcAft>
+              <a:defRPr kern="1200">
+                <a:solidFill>
+                  <a:schemeClr val="lt1"/>
+                </a:solidFill>
+                <a:latin typeface="+mn-lt"/>
+                <a:ea typeface="+mn-ea"/>
+                <a:cs typeface="+mn-cs"/>
+              </a:defRPr>
+            </a:lvl5pPr>
+            <a:lvl6pPr marL="2286000" algn="l" defTabSz="914400" rtl="0" eaLnBrk="1" latinLnBrk="0" hangingPunct="1">
+              <a:defRPr kern="1200">
+                <a:solidFill>
+                  <a:schemeClr val="lt1"/>
+                </a:solidFill>
+                <a:latin typeface="+mn-lt"/>
+                <a:ea typeface="+mn-ea"/>
+                <a:cs typeface="+mn-cs"/>
+              </a:defRPr>
+            </a:lvl6pPr>
+            <a:lvl7pPr marL="2743200" algn="l" defTabSz="914400" rtl="0" eaLnBrk="1" latinLnBrk="0" hangingPunct="1">
+              <a:defRPr kern="1200">
+                <a:solidFill>
+                  <a:schemeClr val="lt1"/>
+                </a:solidFill>
+                <a:latin typeface="+mn-lt"/>
+                <a:ea typeface="+mn-ea"/>
+                <a:cs typeface="+mn-cs"/>
+              </a:defRPr>
+            </a:lvl7pPr>
+            <a:lvl8pPr marL="3200400" algn="l" defTabSz="914400" rtl="0" eaLnBrk="1" latinLnBrk="0" hangingPunct="1">
+              <a:defRPr kern="1200">
+                <a:solidFill>
+                  <a:schemeClr val="lt1"/>
+                </a:solidFill>
+                <a:latin typeface="+mn-lt"/>
+                <a:ea typeface="+mn-ea"/>
+                <a:cs typeface="+mn-cs"/>
+              </a:defRPr>
+            </a:lvl8pPr>
+            <a:lvl9pPr marL="3657600" algn="l" defTabSz="914400" rtl="0" eaLnBrk="1" latinLnBrk="0" hangingPunct="1">
+              <a:defRPr kern="1200">
+                <a:solidFill>
+                  <a:schemeClr val="lt1"/>
+                </a:solidFill>
+                <a:latin typeface="+mn-lt"/>
+                <a:ea typeface="+mn-ea"/>
+                <a:cs typeface="+mn-cs"/>
+              </a:defRPr>
+            </a:lvl9pPr>
+          </a:lstStyle>
+          <a:p>
+            <a:pPr algn="ctr" eaLnBrk="1" fontAlgn="auto" hangingPunct="1">
+              <a:spcBef>
+                <a:spcPts val="0"/>
+              </a:spcBef>
+              <a:spcAft>
+                <a:spcPts val="0"/>
+              </a:spcAft>
+              <a:defRPr/>
+            </a:pPr>
+            <a:endParaRPr lang="zh-CN" altLang="en-US">
+              <a:solidFill>
+                <a:srgbClr val="FFFFFF"/>
+              </a:solidFill>
+            </a:endParaRPr>
+          </a:p>
+        </p:txBody>
+      </p:sp>
+      <p:sp>
+        <p:nvSpPr>
+          <p:cNvPr id="24" name=" 222"/>
+          <p:cNvSpPr/>
+          <p:nvPr/>
+        </p:nvSpPr>
+        <p:spPr>
+          <a:xfrm>
+            <a:off x="2033905" y="3898265"/>
+            <a:ext cx="776605" cy="697865"/>
+          </a:xfrm>
+          <a:custGeom>
+            <a:avLst/>
+            <a:gdLst/>
+            <a:ahLst/>
+            <a:cxnLst/>
+            <a:rect l="l" t="t" r="r" b="b"/>
+            <a:pathLst>
+              <a:path w="801878" h="692519">
+                <a:moveTo>
+                  <a:pt x="409945" y="0"/>
+                </a:moveTo>
+                <a:cubicBezTo>
+                  <a:pt x="438516" y="279320"/>
+                  <a:pt x="585358" y="523617"/>
+                  <a:pt x="801878" y="678893"/>
+                </a:cubicBezTo>
+                <a:cubicBezTo>
+                  <a:pt x="683463" y="627007"/>
+                  <a:pt x="552608" y="598449"/>
+                  <a:pt x="415082" y="598449"/>
+                </a:cubicBezTo>
+                <a:cubicBezTo>
+                  <a:pt x="266403" y="598449"/>
+                  <a:pt x="125520" y="631827"/>
+                  <a:pt x="0" y="692519"/>
+                </a:cubicBezTo>
+                <a:cubicBezTo>
+                  <a:pt x="226112" y="537440"/>
+                  <a:pt x="380565" y="287238"/>
+                  <a:pt x="409945" y="0"/>
+                </a:cubicBezTo>
+                <a:close/>
+              </a:path>
+            </a:pathLst>
+          </a:custGeom>
+        </p:spPr>
+        <p:style>
+          <a:lnRef idx="2">
+            <a:schemeClr val="dk1">
+              <a:shade val="50000"/>
+            </a:schemeClr>
+          </a:lnRef>
+          <a:fillRef idx="1">
+            <a:schemeClr val="dk1"/>
+          </a:fillRef>
+          <a:effectRef idx="0">
+            <a:schemeClr val="dk1"/>
+          </a:effectRef>
+          <a:fontRef idx="minor">
+            <a:schemeClr val="lt1"/>
+          </a:fontRef>
+        </p:style>
+        <p:txBody>
+          <a:bodyPr anchor="ctr"/>
+          <a:lstStyle>
+            <a:defPPr>
+              <a:defRPr lang="zh-CN"/>
+            </a:defPPr>
+            <a:lvl1pPr algn="l" rtl="0" eaLnBrk="0" fontAlgn="base" hangingPunct="0">
+              <a:spcBef>
+                <a:spcPct val="0"/>
+              </a:spcBef>
+              <a:spcAft>
+                <a:spcPct val="0"/>
+              </a:spcAft>
+              <a:defRPr kern="1200">
+                <a:solidFill>
+                  <a:schemeClr val="lt1"/>
+                </a:solidFill>
+                <a:latin typeface="+mn-lt"/>
+                <a:ea typeface="+mn-ea"/>
+                <a:cs typeface="+mn-cs"/>
+              </a:defRPr>
+            </a:lvl1pPr>
+            <a:lvl2pPr marL="457200" algn="l" rtl="0" eaLnBrk="0" fontAlgn="base" hangingPunct="0">
+              <a:spcBef>
+                <a:spcPct val="0"/>
+              </a:spcBef>
+              <a:spcAft>
+                <a:spcPct val="0"/>
+              </a:spcAft>
+              <a:defRPr kern="1200">
+                <a:solidFill>
+                  <a:schemeClr val="lt1"/>
+                </a:solidFill>
+                <a:latin typeface="+mn-lt"/>
+                <a:ea typeface="+mn-ea"/>
+                <a:cs typeface="+mn-cs"/>
+              </a:defRPr>
+            </a:lvl2pPr>
+            <a:lvl3pPr marL="914400" algn="l" rtl="0" eaLnBrk="0" fontAlgn="base" hangingPunct="0">
+              <a:spcBef>
+                <a:spcPct val="0"/>
+              </a:spcBef>
+              <a:spcAft>
+                <a:spcPct val="0"/>
+              </a:spcAft>
+              <a:defRPr kern="1200">
+                <a:solidFill>
+                  <a:schemeClr val="lt1"/>
+                </a:solidFill>
+                <a:latin typeface="+mn-lt"/>
+                <a:ea typeface="+mn-ea"/>
+                <a:cs typeface="+mn-cs"/>
+              </a:defRPr>
+            </a:lvl3pPr>
+            <a:lvl4pPr marL="1371600" algn="l" rtl="0" eaLnBrk="0" fontAlgn="base" hangingPunct="0">
+              <a:spcBef>
+                <a:spcPct val="0"/>
+              </a:spcBef>
+              <a:spcAft>
+                <a:spcPct val="0"/>
+              </a:spcAft>
+              <a:defRPr kern="1200">
+                <a:solidFill>
+                  <a:schemeClr val="lt1"/>
+                </a:solidFill>
+                <a:latin typeface="+mn-lt"/>
+                <a:ea typeface="+mn-ea"/>
+                <a:cs typeface="+mn-cs"/>
+              </a:defRPr>
+            </a:lvl4pPr>
+            <a:lvl5pPr marL="1828800" algn="l" rtl="0" eaLnBrk="0" fontAlgn="base" hangingPunct="0">
+              <a:spcBef>
+                <a:spcPct val="0"/>
+              </a:spcBef>
+              <a:spcAft>
+                <a:spcPct val="0"/>
+              </a:spcAft>
+              <a:defRPr kern="1200">
+                <a:solidFill>
+                  <a:schemeClr val="lt1"/>
+                </a:solidFill>
+                <a:latin typeface="+mn-lt"/>
+                <a:ea typeface="+mn-ea"/>
+                <a:cs typeface="+mn-cs"/>
+              </a:defRPr>
+            </a:lvl5pPr>
+            <a:lvl6pPr marL="2286000" algn="l" defTabSz="914400" rtl="0" eaLnBrk="1" latinLnBrk="0" hangingPunct="1">
+              <a:defRPr kern="1200">
+                <a:solidFill>
+                  <a:schemeClr val="lt1"/>
+                </a:solidFill>
+                <a:latin typeface="+mn-lt"/>
+                <a:ea typeface="+mn-ea"/>
+                <a:cs typeface="+mn-cs"/>
+              </a:defRPr>
+            </a:lvl6pPr>
+            <a:lvl7pPr marL="2743200" algn="l" defTabSz="914400" rtl="0" eaLnBrk="1" latinLnBrk="0" hangingPunct="1">
+              <a:defRPr kern="1200">
+                <a:solidFill>
+                  <a:schemeClr val="lt1"/>
+                </a:solidFill>
+                <a:latin typeface="+mn-lt"/>
+                <a:ea typeface="+mn-ea"/>
+                <a:cs typeface="+mn-cs"/>
+              </a:defRPr>
+            </a:lvl7pPr>
+            <a:lvl8pPr marL="3200400" algn="l" defTabSz="914400" rtl="0" eaLnBrk="1" latinLnBrk="0" hangingPunct="1">
+              <a:defRPr kern="1200">
+                <a:solidFill>
+                  <a:schemeClr val="lt1"/>
+                </a:solidFill>
+                <a:latin typeface="+mn-lt"/>
+                <a:ea typeface="+mn-ea"/>
+                <a:cs typeface="+mn-cs"/>
+              </a:defRPr>
+            </a:lvl8pPr>
+            <a:lvl9pPr marL="3657600" algn="l" defTabSz="914400" rtl="0" eaLnBrk="1" latinLnBrk="0" hangingPunct="1">
+              <a:defRPr kern="1200">
+                <a:solidFill>
+                  <a:schemeClr val="lt1"/>
+                </a:solidFill>
+                <a:latin typeface="+mn-lt"/>
+                <a:ea typeface="+mn-ea"/>
+                <a:cs typeface="+mn-cs"/>
+              </a:defRPr>
+            </a:lvl9pPr>
+          </a:lstStyle>
+          <a:p>
+            <a:pPr algn="ctr" eaLnBrk="1" fontAlgn="auto" hangingPunct="1">
+              <a:spcBef>
+                <a:spcPts val="0"/>
+              </a:spcBef>
+              <a:spcAft>
+                <a:spcPts val="0"/>
+              </a:spcAft>
+              <a:defRPr/>
+            </a:pPr>
+            <a:endParaRPr lang="zh-CN" altLang="en-US">
+              <a:solidFill>
+                <a:srgbClr val="FFFFFF"/>
+              </a:solidFill>
+            </a:endParaRPr>
+          </a:p>
+        </p:txBody>
+      </p:sp>
+      <p:sp>
+        <p:nvSpPr>
+          <p:cNvPr id="25" name=" 222"/>
+          <p:cNvSpPr/>
+          <p:nvPr/>
+        </p:nvSpPr>
+        <p:spPr>
+          <a:xfrm>
+            <a:off x="3026410" y="4865370"/>
+            <a:ext cx="776605" cy="697865"/>
+          </a:xfrm>
+          <a:custGeom>
+            <a:avLst/>
+            <a:gdLst/>
+            <a:ahLst/>
+            <a:cxnLst/>
+            <a:rect l="l" t="t" r="r" b="b"/>
+            <a:pathLst>
+              <a:path w="801878" h="692519">
+                <a:moveTo>
+                  <a:pt x="409945" y="0"/>
+                </a:moveTo>
+                <a:cubicBezTo>
+                  <a:pt x="438516" y="279320"/>
+                  <a:pt x="585358" y="523617"/>
+                  <a:pt x="801878" y="678893"/>
+                </a:cubicBezTo>
+                <a:cubicBezTo>
+                  <a:pt x="683463" y="627007"/>
+                  <a:pt x="552608" y="598449"/>
+                  <a:pt x="415082" y="598449"/>
+                </a:cubicBezTo>
+                <a:cubicBezTo>
+                  <a:pt x="266403" y="598449"/>
+                  <a:pt x="125520" y="631827"/>
+                  <a:pt x="0" y="692519"/>
+                </a:cubicBezTo>
+                <a:cubicBezTo>
+                  <a:pt x="226112" y="537440"/>
+                  <a:pt x="380565" y="287238"/>
+                  <a:pt x="409945" y="0"/>
+                </a:cubicBezTo>
+                <a:close/>
+              </a:path>
+            </a:pathLst>
+          </a:custGeom>
+        </p:spPr>
+        <p:style>
+          <a:lnRef idx="2">
+            <a:schemeClr val="dk1">
+              <a:shade val="50000"/>
+            </a:schemeClr>
+          </a:lnRef>
+          <a:fillRef idx="1">
+            <a:schemeClr val="dk1"/>
+          </a:fillRef>
+          <a:effectRef idx="0">
+            <a:schemeClr val="dk1"/>
+          </a:effectRef>
+          <a:fontRef idx="minor">
+            <a:schemeClr val="lt1"/>
+          </a:fontRef>
+        </p:style>
+        <p:txBody>
+          <a:bodyPr anchor="ctr"/>
+          <a:lstStyle>
+            <a:defPPr>
+              <a:defRPr lang="zh-CN"/>
+            </a:defPPr>
+            <a:lvl1pPr algn="l" rtl="0" eaLnBrk="0" fontAlgn="base" hangingPunct="0">
+              <a:spcBef>
+                <a:spcPct val="0"/>
+              </a:spcBef>
+              <a:spcAft>
+                <a:spcPct val="0"/>
+              </a:spcAft>
+              <a:defRPr kern="1200">
+                <a:solidFill>
+                  <a:schemeClr val="lt1"/>
+                </a:solidFill>
+                <a:latin typeface="+mn-lt"/>
+                <a:ea typeface="+mn-ea"/>
+                <a:cs typeface="+mn-cs"/>
+              </a:defRPr>
+            </a:lvl1pPr>
+            <a:lvl2pPr marL="457200" algn="l" rtl="0" eaLnBrk="0" fontAlgn="base" hangingPunct="0">
+              <a:spcBef>
+                <a:spcPct val="0"/>
+              </a:spcBef>
+              <a:spcAft>
+                <a:spcPct val="0"/>
+              </a:spcAft>
+              <a:defRPr kern="1200">
+                <a:solidFill>
+                  <a:schemeClr val="lt1"/>
+                </a:solidFill>
+                <a:latin typeface="+mn-lt"/>
+                <a:ea typeface="+mn-ea"/>
+                <a:cs typeface="+mn-cs"/>
+              </a:defRPr>
+            </a:lvl2pPr>
+            <a:lvl3pPr marL="914400" algn="l" rtl="0" eaLnBrk="0" fontAlgn="base" hangingPunct="0">
+              <a:spcBef>
+                <a:spcPct val="0"/>
+              </a:spcBef>
+              <a:spcAft>
+                <a:spcPct val="0"/>
+              </a:spcAft>
+              <a:defRPr kern="1200">
+                <a:solidFill>
+                  <a:schemeClr val="lt1"/>
+                </a:solidFill>
+                <a:latin typeface="+mn-lt"/>
+                <a:ea typeface="+mn-ea"/>
+                <a:cs typeface="+mn-cs"/>
+              </a:defRPr>
+            </a:lvl3pPr>
+            <a:lvl4pPr marL="1371600" algn="l" rtl="0" eaLnBrk="0" fontAlgn="base" hangingPunct="0">
+              <a:spcBef>
+                <a:spcPct val="0"/>
+              </a:spcBef>
+              <a:spcAft>
+                <a:spcPct val="0"/>
+              </a:spcAft>
+              <a:defRPr kern="1200">
+                <a:solidFill>
+                  <a:schemeClr val="lt1"/>
+                </a:solidFill>
+                <a:latin typeface="+mn-lt"/>
+                <a:ea typeface="+mn-ea"/>
+                <a:cs typeface="+mn-cs"/>
+              </a:defRPr>
+            </a:lvl4pPr>
+            <a:lvl5pPr marL="1828800" algn="l" rtl="0" eaLnBrk="0" fontAlgn="base" hangingPunct="0">
+              <a:spcBef>
+                <a:spcPct val="0"/>
+              </a:spcBef>
+              <a:spcAft>
+                <a:spcPct val="0"/>
+              </a:spcAft>
+              <a:defRPr kern="1200">
+                <a:solidFill>
+                  <a:schemeClr val="lt1"/>
+                </a:solidFill>
+                <a:latin typeface="+mn-lt"/>
+                <a:ea typeface="+mn-ea"/>
+                <a:cs typeface="+mn-cs"/>
+              </a:defRPr>
+            </a:lvl5pPr>
+            <a:lvl6pPr marL="2286000" algn="l" defTabSz="914400" rtl="0" eaLnBrk="1" latinLnBrk="0" hangingPunct="1">
+              <a:defRPr kern="1200">
+                <a:solidFill>
+                  <a:schemeClr val="lt1"/>
+                </a:solidFill>
+                <a:latin typeface="+mn-lt"/>
+                <a:ea typeface="+mn-ea"/>
+                <a:cs typeface="+mn-cs"/>
+              </a:defRPr>
+            </a:lvl6pPr>
+            <a:lvl7pPr marL="2743200" algn="l" defTabSz="914400" rtl="0" eaLnBrk="1" latinLnBrk="0" hangingPunct="1">
+              <a:defRPr kern="1200">
+                <a:solidFill>
+                  <a:schemeClr val="lt1"/>
+                </a:solidFill>
+                <a:latin typeface="+mn-lt"/>
+                <a:ea typeface="+mn-ea"/>
+                <a:cs typeface="+mn-cs"/>
+              </a:defRPr>
+            </a:lvl7pPr>
+            <a:lvl8pPr marL="3200400" algn="l" defTabSz="914400" rtl="0" eaLnBrk="1" latinLnBrk="0" hangingPunct="1">
+              <a:defRPr kern="1200">
+                <a:solidFill>
+                  <a:schemeClr val="lt1"/>
+                </a:solidFill>
+                <a:latin typeface="+mn-lt"/>
+                <a:ea typeface="+mn-ea"/>
+                <a:cs typeface="+mn-cs"/>
+              </a:defRPr>
+            </a:lvl8pPr>
+            <a:lvl9pPr marL="3657600" algn="l" defTabSz="914400" rtl="0" eaLnBrk="1" latinLnBrk="0" hangingPunct="1">
+              <a:defRPr kern="1200">
+                <a:solidFill>
+                  <a:schemeClr val="lt1"/>
+                </a:solidFill>
+                <a:latin typeface="+mn-lt"/>
+                <a:ea typeface="+mn-ea"/>
+                <a:cs typeface="+mn-cs"/>
+              </a:defRPr>
+            </a:lvl9pPr>
+          </a:lstStyle>
+          <a:p>
+            <a:pPr algn="ctr" eaLnBrk="1" fontAlgn="auto" hangingPunct="1">
+              <a:spcBef>
+                <a:spcPts val="0"/>
+              </a:spcBef>
+              <a:spcAft>
+                <a:spcPts val="0"/>
+              </a:spcAft>
+              <a:defRPr/>
+            </a:pPr>
+            <a:endParaRPr lang="zh-CN" altLang="en-US">
+              <a:solidFill>
+                <a:srgbClr val="FFFFFF"/>
+              </a:solidFill>
+            </a:endParaRPr>
+          </a:p>
+        </p:txBody>
+      </p:sp>
+      <p:sp>
+        <p:nvSpPr>
+          <p:cNvPr id="26" name=" 222"/>
+          <p:cNvSpPr/>
+          <p:nvPr/>
+        </p:nvSpPr>
+        <p:spPr>
+          <a:xfrm>
+            <a:off x="4690745" y="4865370"/>
+            <a:ext cx="776605" cy="697865"/>
+          </a:xfrm>
+          <a:custGeom>
+            <a:avLst/>
+            <a:gdLst/>
+            <a:ahLst/>
+            <a:cxnLst/>
+            <a:rect l="l" t="t" r="r" b="b"/>
+            <a:pathLst>
+              <a:path w="801878" h="692519">
+                <a:moveTo>
+                  <a:pt x="409945" y="0"/>
+                </a:moveTo>
+                <a:cubicBezTo>
+                  <a:pt x="438516" y="279320"/>
+                  <a:pt x="585358" y="523617"/>
+                  <a:pt x="801878" y="678893"/>
+                </a:cubicBezTo>
+                <a:cubicBezTo>
+                  <a:pt x="683463" y="627007"/>
+                  <a:pt x="552608" y="598449"/>
+                  <a:pt x="415082" y="598449"/>
+                </a:cubicBezTo>
+                <a:cubicBezTo>
+                  <a:pt x="266403" y="598449"/>
+                  <a:pt x="125520" y="631827"/>
+                  <a:pt x="0" y="692519"/>
+                </a:cubicBezTo>
+                <a:cubicBezTo>
+                  <a:pt x="226112" y="537440"/>
+                  <a:pt x="380565" y="287238"/>
+                  <a:pt x="409945" y="0"/>
+                </a:cubicBezTo>
+                <a:close/>
+              </a:path>
+            </a:pathLst>
+          </a:custGeom>
+        </p:spPr>
+        <p:style>
+          <a:lnRef idx="2">
+            <a:schemeClr val="dk1">
+              <a:shade val="50000"/>
+            </a:schemeClr>
+          </a:lnRef>
+          <a:fillRef idx="1">
+            <a:schemeClr val="dk1"/>
+          </a:fillRef>
+          <a:effectRef idx="0">
+            <a:schemeClr val="dk1"/>
+          </a:effectRef>
+          <a:fontRef idx="minor">
+            <a:schemeClr val="lt1"/>
+          </a:fontRef>
+        </p:style>
+        <p:txBody>
+          <a:bodyPr anchor="ctr"/>
+          <a:lstStyle>
+            <a:defPPr>
+              <a:defRPr lang="zh-CN"/>
+            </a:defPPr>
+            <a:lvl1pPr algn="l" rtl="0" eaLnBrk="0" fontAlgn="base" hangingPunct="0">
+              <a:spcBef>
+                <a:spcPct val="0"/>
+              </a:spcBef>
+              <a:spcAft>
+                <a:spcPct val="0"/>
+              </a:spcAft>
+              <a:defRPr kern="1200">
+                <a:solidFill>
+                  <a:schemeClr val="lt1"/>
+                </a:solidFill>
+                <a:latin typeface="+mn-lt"/>
+                <a:ea typeface="+mn-ea"/>
+                <a:cs typeface="+mn-cs"/>
+              </a:defRPr>
+            </a:lvl1pPr>
+            <a:lvl2pPr marL="457200" algn="l" rtl="0" eaLnBrk="0" fontAlgn="base" hangingPunct="0">
+              <a:spcBef>
+                <a:spcPct val="0"/>
+              </a:spcBef>
+              <a:spcAft>
+                <a:spcPct val="0"/>
+              </a:spcAft>
+              <a:defRPr kern="1200">
+                <a:solidFill>
+                  <a:schemeClr val="lt1"/>
+                </a:solidFill>
+                <a:latin typeface="+mn-lt"/>
+                <a:ea typeface="+mn-ea"/>
+                <a:cs typeface="+mn-cs"/>
+              </a:defRPr>
+            </a:lvl2pPr>
+            <a:lvl3pPr marL="914400" algn="l" rtl="0" eaLnBrk="0" fontAlgn="base" hangingPunct="0">
+              <a:spcBef>
+                <a:spcPct val="0"/>
+              </a:spcBef>
+              <a:spcAft>
+                <a:spcPct val="0"/>
+              </a:spcAft>
+              <a:defRPr kern="1200">
+                <a:solidFill>
+                  <a:schemeClr val="lt1"/>
+                </a:solidFill>
+                <a:latin typeface="+mn-lt"/>
+                <a:ea typeface="+mn-ea"/>
+                <a:cs typeface="+mn-cs"/>
+              </a:defRPr>
+            </a:lvl3pPr>
+            <a:lvl4pPr marL="1371600" algn="l" rtl="0" eaLnBrk="0" fontAlgn="base" hangingPunct="0">
+              <a:spcBef>
+                <a:spcPct val="0"/>
+              </a:spcBef>
+              <a:spcAft>
+                <a:spcPct val="0"/>
+              </a:spcAft>
+              <a:defRPr kern="1200">
+                <a:solidFill>
+                  <a:schemeClr val="lt1"/>
+                </a:solidFill>
+                <a:latin typeface="+mn-lt"/>
+                <a:ea typeface="+mn-ea"/>
+                <a:cs typeface="+mn-cs"/>
+              </a:defRPr>
+            </a:lvl4pPr>
+            <a:lvl5pPr marL="1828800" algn="l" rtl="0" eaLnBrk="0" fontAlgn="base" hangingPunct="0">
+              <a:spcBef>
+                <a:spcPct val="0"/>
+              </a:spcBef>
+              <a:spcAft>
+                <a:spcPct val="0"/>
+              </a:spcAft>
+              <a:defRPr kern="1200">
+                <a:solidFill>
+                  <a:schemeClr val="lt1"/>
+                </a:solidFill>
+                <a:latin typeface="+mn-lt"/>
+                <a:ea typeface="+mn-ea"/>
+                <a:cs typeface="+mn-cs"/>
+              </a:defRPr>
+            </a:lvl5pPr>
+            <a:lvl6pPr marL="2286000" algn="l" defTabSz="914400" rtl="0" eaLnBrk="1" latinLnBrk="0" hangingPunct="1">
+              <a:defRPr kern="1200">
+                <a:solidFill>
+                  <a:schemeClr val="lt1"/>
+                </a:solidFill>
+                <a:latin typeface="+mn-lt"/>
+                <a:ea typeface="+mn-ea"/>
+                <a:cs typeface="+mn-cs"/>
+              </a:defRPr>
+            </a:lvl6pPr>
+            <a:lvl7pPr marL="2743200" algn="l" defTabSz="914400" rtl="0" eaLnBrk="1" latinLnBrk="0" hangingPunct="1">
+              <a:defRPr kern="1200">
+                <a:solidFill>
+                  <a:schemeClr val="lt1"/>
+                </a:solidFill>
+                <a:latin typeface="+mn-lt"/>
+                <a:ea typeface="+mn-ea"/>
+                <a:cs typeface="+mn-cs"/>
+              </a:defRPr>
+            </a:lvl7pPr>
+            <a:lvl8pPr marL="3200400" algn="l" defTabSz="914400" rtl="0" eaLnBrk="1" latinLnBrk="0" hangingPunct="1">
+              <a:defRPr kern="1200">
+                <a:solidFill>
+                  <a:schemeClr val="lt1"/>
+                </a:solidFill>
+                <a:latin typeface="+mn-lt"/>
+                <a:ea typeface="+mn-ea"/>
+                <a:cs typeface="+mn-cs"/>
+              </a:defRPr>
+            </a:lvl8pPr>
+            <a:lvl9pPr marL="3657600" algn="l" defTabSz="914400" rtl="0" eaLnBrk="1" latinLnBrk="0" hangingPunct="1">
+              <a:defRPr kern="1200">
+                <a:solidFill>
+                  <a:schemeClr val="lt1"/>
+                </a:solidFill>
+                <a:latin typeface="+mn-lt"/>
+                <a:ea typeface="+mn-ea"/>
+                <a:cs typeface="+mn-cs"/>
+              </a:defRPr>
+            </a:lvl9pPr>
+          </a:lstStyle>
+          <a:p>
+            <a:pPr algn="ctr" eaLnBrk="1" fontAlgn="auto" hangingPunct="1">
+              <a:spcBef>
+                <a:spcPts val="0"/>
+              </a:spcBef>
+              <a:spcAft>
+                <a:spcPts val="0"/>
+              </a:spcAft>
+              <a:defRPr/>
+            </a:pPr>
+            <a:endParaRPr lang="zh-CN" altLang="en-US">
+              <a:solidFill>
+                <a:srgbClr val="FFFFFF"/>
+              </a:solidFill>
+            </a:endParaRPr>
+          </a:p>
+        </p:txBody>
+      </p:sp>
+      <p:sp>
+        <p:nvSpPr>
+          <p:cNvPr id="27" name=" 222"/>
+          <p:cNvSpPr/>
+          <p:nvPr/>
+        </p:nvSpPr>
+        <p:spPr>
+          <a:xfrm>
+            <a:off x="5708015" y="3959225"/>
+            <a:ext cx="776605" cy="697865"/>
+          </a:xfrm>
+          <a:custGeom>
+            <a:avLst/>
+            <a:gdLst/>
+            <a:ahLst/>
+            <a:cxnLst/>
+            <a:rect l="l" t="t" r="r" b="b"/>
+            <a:pathLst>
+              <a:path w="801878" h="692519">
+                <a:moveTo>
+                  <a:pt x="409945" y="0"/>
+                </a:moveTo>
+                <a:cubicBezTo>
+                  <a:pt x="438516" y="279320"/>
+                  <a:pt x="585358" y="523617"/>
+                  <a:pt x="801878" y="678893"/>
+                </a:cubicBezTo>
+                <a:cubicBezTo>
+                  <a:pt x="683463" y="627007"/>
+                  <a:pt x="552608" y="598449"/>
+                  <a:pt x="415082" y="598449"/>
+                </a:cubicBezTo>
+                <a:cubicBezTo>
+                  <a:pt x="266403" y="598449"/>
+                  <a:pt x="125520" y="631827"/>
+                  <a:pt x="0" y="692519"/>
+                </a:cubicBezTo>
+                <a:cubicBezTo>
+                  <a:pt x="226112" y="537440"/>
+                  <a:pt x="380565" y="287238"/>
+                  <a:pt x="409945" y="0"/>
+                </a:cubicBezTo>
+                <a:close/>
+              </a:path>
+            </a:pathLst>
+          </a:custGeom>
+        </p:spPr>
+        <p:style>
+          <a:lnRef idx="2">
+            <a:schemeClr val="dk1">
+              <a:shade val="50000"/>
+            </a:schemeClr>
+          </a:lnRef>
+          <a:fillRef idx="1">
+            <a:schemeClr val="dk1"/>
+          </a:fillRef>
+          <a:effectRef idx="0">
+            <a:schemeClr val="dk1"/>
+          </a:effectRef>
+          <a:fontRef idx="minor">
+            <a:schemeClr val="lt1"/>
+          </a:fontRef>
+        </p:style>
+        <p:txBody>
+          <a:bodyPr anchor="ctr"/>
+          <a:lstStyle>
+            <a:defPPr>
+              <a:defRPr lang="zh-CN"/>
+            </a:defPPr>
+            <a:lvl1pPr algn="l" rtl="0" eaLnBrk="0" fontAlgn="base" hangingPunct="0">
+              <a:spcBef>
+                <a:spcPct val="0"/>
+              </a:spcBef>
+              <a:spcAft>
+                <a:spcPct val="0"/>
+              </a:spcAft>
+              <a:defRPr kern="1200">
+                <a:solidFill>
+                  <a:schemeClr val="lt1"/>
+                </a:solidFill>
+                <a:latin typeface="+mn-lt"/>
+                <a:ea typeface="+mn-ea"/>
+                <a:cs typeface="+mn-cs"/>
+              </a:defRPr>
+            </a:lvl1pPr>
+            <a:lvl2pPr marL="457200" algn="l" rtl="0" eaLnBrk="0" fontAlgn="base" hangingPunct="0">
+              <a:spcBef>
+                <a:spcPct val="0"/>
+              </a:spcBef>
+              <a:spcAft>
+                <a:spcPct val="0"/>
+              </a:spcAft>
+              <a:defRPr kern="1200">
+                <a:solidFill>
+                  <a:schemeClr val="lt1"/>
+                </a:solidFill>
+                <a:latin typeface="+mn-lt"/>
+                <a:ea typeface="+mn-ea"/>
+                <a:cs typeface="+mn-cs"/>
+              </a:defRPr>
+            </a:lvl2pPr>
+            <a:lvl3pPr marL="914400" algn="l" rtl="0" eaLnBrk="0" fontAlgn="base" hangingPunct="0">
+              <a:spcBef>
+                <a:spcPct val="0"/>
+              </a:spcBef>
+              <a:spcAft>
+                <a:spcPct val="0"/>
+              </a:spcAft>
+              <a:defRPr kern="1200">
+                <a:solidFill>
+                  <a:schemeClr val="lt1"/>
+                </a:solidFill>
+                <a:latin typeface="+mn-lt"/>
+                <a:ea typeface="+mn-ea"/>
+                <a:cs typeface="+mn-cs"/>
+              </a:defRPr>
+            </a:lvl3pPr>
+            <a:lvl4pPr marL="1371600" algn="l" rtl="0" eaLnBrk="0" fontAlgn="base" hangingPunct="0">
+              <a:spcBef>
+                <a:spcPct val="0"/>
+              </a:spcBef>
+              <a:spcAft>
+                <a:spcPct val="0"/>
+              </a:spcAft>
+              <a:defRPr kern="1200">
+                <a:solidFill>
+                  <a:schemeClr val="lt1"/>
+                </a:solidFill>
+                <a:latin typeface="+mn-lt"/>
+                <a:ea typeface="+mn-ea"/>
+                <a:cs typeface="+mn-cs"/>
+              </a:defRPr>
+            </a:lvl4pPr>
+            <a:lvl5pPr marL="1828800" algn="l" rtl="0" eaLnBrk="0" fontAlgn="base" hangingPunct="0">
+              <a:spcBef>
+                <a:spcPct val="0"/>
+              </a:spcBef>
+              <a:spcAft>
+                <a:spcPct val="0"/>
+              </a:spcAft>
+              <a:defRPr kern="1200">
+                <a:solidFill>
+                  <a:schemeClr val="lt1"/>
+                </a:solidFill>
+                <a:latin typeface="+mn-lt"/>
+                <a:ea typeface="+mn-ea"/>
+                <a:cs typeface="+mn-cs"/>
+              </a:defRPr>
+            </a:lvl5pPr>
+            <a:lvl6pPr marL="2286000" algn="l" defTabSz="914400" rtl="0" eaLnBrk="1" latinLnBrk="0" hangingPunct="1">
+              <a:defRPr kern="1200">
+                <a:solidFill>
+                  <a:schemeClr val="lt1"/>
+                </a:solidFill>
+                <a:latin typeface="+mn-lt"/>
+                <a:ea typeface="+mn-ea"/>
+                <a:cs typeface="+mn-cs"/>
+              </a:defRPr>
+            </a:lvl6pPr>
+            <a:lvl7pPr marL="2743200" algn="l" defTabSz="914400" rtl="0" eaLnBrk="1" latinLnBrk="0" hangingPunct="1">
+              <a:defRPr kern="1200">
+                <a:solidFill>
+                  <a:schemeClr val="lt1"/>
+                </a:solidFill>
+                <a:latin typeface="+mn-lt"/>
+                <a:ea typeface="+mn-ea"/>
+                <a:cs typeface="+mn-cs"/>
+              </a:defRPr>
+            </a:lvl7pPr>
+            <a:lvl8pPr marL="3200400" algn="l" defTabSz="914400" rtl="0" eaLnBrk="1" latinLnBrk="0" hangingPunct="1">
+              <a:defRPr kern="1200">
+                <a:solidFill>
+                  <a:schemeClr val="lt1"/>
+                </a:solidFill>
+                <a:latin typeface="+mn-lt"/>
+                <a:ea typeface="+mn-ea"/>
+                <a:cs typeface="+mn-cs"/>
+              </a:defRPr>
+            </a:lvl8pPr>
+            <a:lvl9pPr marL="3657600" algn="l" defTabSz="914400" rtl="0" eaLnBrk="1" latinLnBrk="0" hangingPunct="1">
+              <a:defRPr kern="1200">
+                <a:solidFill>
+                  <a:schemeClr val="lt1"/>
+                </a:solidFill>
+                <a:latin typeface="+mn-lt"/>
+                <a:ea typeface="+mn-ea"/>
+                <a:cs typeface="+mn-cs"/>
+              </a:defRPr>
+            </a:lvl9pPr>
+          </a:lstStyle>
+          <a:p>
+            <a:pPr algn="ctr" eaLnBrk="1" fontAlgn="auto" hangingPunct="1">
+              <a:spcBef>
+                <a:spcPts val="0"/>
+              </a:spcBef>
+              <a:spcAft>
+                <a:spcPts val="0"/>
+              </a:spcAft>
+              <a:defRPr/>
+            </a:pPr>
+            <a:endParaRPr lang="zh-CN" altLang="en-US">
+              <a:solidFill>
+                <a:srgbClr val="FFFFFF"/>
+              </a:solidFill>
+            </a:endParaRPr>
+          </a:p>
+        </p:txBody>
+      </p:sp>
+      <p:sp>
+        <p:nvSpPr>
+          <p:cNvPr id="28" name=" 222"/>
+          <p:cNvSpPr/>
+          <p:nvPr/>
+        </p:nvSpPr>
+        <p:spPr>
+          <a:xfrm>
+            <a:off x="4690745" y="3079750"/>
+            <a:ext cx="776605" cy="697865"/>
+          </a:xfrm>
+          <a:custGeom>
+            <a:avLst/>
+            <a:gdLst/>
+            <a:ahLst/>
+            <a:cxnLst/>
+            <a:rect l="l" t="t" r="r" b="b"/>
+            <a:pathLst>
+              <a:path w="801878" h="692519">
+                <a:moveTo>
+                  <a:pt x="409945" y="0"/>
+                </a:moveTo>
+                <a:cubicBezTo>
+                  <a:pt x="438516" y="279320"/>
+                  <a:pt x="585358" y="523617"/>
+                  <a:pt x="801878" y="678893"/>
+                </a:cubicBezTo>
+                <a:cubicBezTo>
+                  <a:pt x="683463" y="627007"/>
+                  <a:pt x="552608" y="598449"/>
+                  <a:pt x="415082" y="598449"/>
+                </a:cubicBezTo>
+                <a:cubicBezTo>
+                  <a:pt x="266403" y="598449"/>
+                  <a:pt x="125520" y="631827"/>
+                  <a:pt x="0" y="692519"/>
+                </a:cubicBezTo>
+                <a:cubicBezTo>
+                  <a:pt x="226112" y="537440"/>
+                  <a:pt x="380565" y="287238"/>
+                  <a:pt x="409945" y="0"/>
+                </a:cubicBezTo>
+                <a:close/>
+              </a:path>
+            </a:pathLst>
+          </a:custGeom>
+        </p:spPr>
+        <p:style>
+          <a:lnRef idx="2">
+            <a:schemeClr val="dk1">
+              <a:shade val="50000"/>
+            </a:schemeClr>
+          </a:lnRef>
+          <a:fillRef idx="1">
+            <a:schemeClr val="dk1"/>
+          </a:fillRef>
+          <a:effectRef idx="0">
+            <a:schemeClr val="dk1"/>
+          </a:effectRef>
+          <a:fontRef idx="minor">
+            <a:schemeClr val="lt1"/>
+          </a:fontRef>
+        </p:style>
+        <p:txBody>
+          <a:bodyPr anchor="ctr"/>
+          <a:lstStyle>
+            <a:defPPr>
+              <a:defRPr lang="zh-CN"/>
+            </a:defPPr>
+            <a:lvl1pPr algn="l" rtl="0" eaLnBrk="0" fontAlgn="base" hangingPunct="0">
+              <a:spcBef>
+                <a:spcPct val="0"/>
+              </a:spcBef>
+              <a:spcAft>
+                <a:spcPct val="0"/>
+              </a:spcAft>
+              <a:defRPr kern="1200">
+                <a:solidFill>
+                  <a:schemeClr val="lt1"/>
+                </a:solidFill>
+                <a:latin typeface="+mn-lt"/>
+                <a:ea typeface="+mn-ea"/>
+                <a:cs typeface="+mn-cs"/>
+              </a:defRPr>
+            </a:lvl1pPr>
+            <a:lvl2pPr marL="457200" algn="l" rtl="0" eaLnBrk="0" fontAlgn="base" hangingPunct="0">
+              <a:spcBef>
+                <a:spcPct val="0"/>
+              </a:spcBef>
+              <a:spcAft>
+                <a:spcPct val="0"/>
+              </a:spcAft>
+              <a:defRPr kern="1200">
+                <a:solidFill>
+                  <a:schemeClr val="lt1"/>
+                </a:solidFill>
+                <a:latin typeface="+mn-lt"/>
+                <a:ea typeface="+mn-ea"/>
+                <a:cs typeface="+mn-cs"/>
+              </a:defRPr>
+            </a:lvl2pPr>
+            <a:lvl3pPr marL="914400" algn="l" rtl="0" eaLnBrk="0" fontAlgn="base" hangingPunct="0">
+              <a:spcBef>
+                <a:spcPct val="0"/>
+              </a:spcBef>
+              <a:spcAft>
+                <a:spcPct val="0"/>
+              </a:spcAft>
+              <a:defRPr kern="1200">
+                <a:solidFill>
+                  <a:schemeClr val="lt1"/>
+                </a:solidFill>
+                <a:latin typeface="+mn-lt"/>
+                <a:ea typeface="+mn-ea"/>
+                <a:cs typeface="+mn-cs"/>
+              </a:defRPr>
+            </a:lvl3pPr>
+            <a:lvl4pPr marL="1371600" algn="l" rtl="0" eaLnBrk="0" fontAlgn="base" hangingPunct="0">
+              <a:spcBef>
+                <a:spcPct val="0"/>
+              </a:spcBef>
+              <a:spcAft>
+                <a:spcPct val="0"/>
+              </a:spcAft>
+              <a:defRPr kern="1200">
+                <a:solidFill>
+                  <a:schemeClr val="lt1"/>
+                </a:solidFill>
+                <a:latin typeface="+mn-lt"/>
+                <a:ea typeface="+mn-ea"/>
+                <a:cs typeface="+mn-cs"/>
+              </a:defRPr>
+            </a:lvl4pPr>
+            <a:lvl5pPr marL="1828800" algn="l" rtl="0" eaLnBrk="0" fontAlgn="base" hangingPunct="0">
+              <a:spcBef>
+                <a:spcPct val="0"/>
+              </a:spcBef>
+              <a:spcAft>
+                <a:spcPct val="0"/>
+              </a:spcAft>
+              <a:defRPr kern="1200">
+                <a:solidFill>
+                  <a:schemeClr val="lt1"/>
+                </a:solidFill>
+                <a:latin typeface="+mn-lt"/>
+                <a:ea typeface="+mn-ea"/>
+                <a:cs typeface="+mn-cs"/>
+              </a:defRPr>
+            </a:lvl5pPr>
+            <a:lvl6pPr marL="2286000" algn="l" defTabSz="914400" rtl="0" eaLnBrk="1" latinLnBrk="0" hangingPunct="1">
+              <a:defRPr kern="1200">
+                <a:solidFill>
+                  <a:schemeClr val="lt1"/>
+                </a:solidFill>
+                <a:latin typeface="+mn-lt"/>
+                <a:ea typeface="+mn-ea"/>
+                <a:cs typeface="+mn-cs"/>
+              </a:defRPr>
+            </a:lvl6pPr>
+            <a:lvl7pPr marL="2743200" algn="l" defTabSz="914400" rtl="0" eaLnBrk="1" latinLnBrk="0" hangingPunct="1">
+              <a:defRPr kern="1200">
+                <a:solidFill>
+                  <a:schemeClr val="lt1"/>
+                </a:solidFill>
+                <a:latin typeface="+mn-lt"/>
+                <a:ea typeface="+mn-ea"/>
+                <a:cs typeface="+mn-cs"/>
+              </a:defRPr>
+            </a:lvl7pPr>
+            <a:lvl8pPr marL="3200400" algn="l" defTabSz="914400" rtl="0" eaLnBrk="1" latinLnBrk="0" hangingPunct="1">
+              <a:defRPr kern="1200">
+                <a:solidFill>
+                  <a:schemeClr val="lt1"/>
+                </a:solidFill>
+                <a:latin typeface="+mn-lt"/>
+                <a:ea typeface="+mn-ea"/>
+                <a:cs typeface="+mn-cs"/>
+              </a:defRPr>
+            </a:lvl8pPr>
+            <a:lvl9pPr marL="3657600" algn="l" defTabSz="914400" rtl="0" eaLnBrk="1" latinLnBrk="0" hangingPunct="1">
+              <a:defRPr kern="1200">
+                <a:solidFill>
+                  <a:schemeClr val="lt1"/>
+                </a:solidFill>
+                <a:latin typeface="+mn-lt"/>
+                <a:ea typeface="+mn-ea"/>
+                <a:cs typeface="+mn-cs"/>
+              </a:defRPr>
+            </a:lvl9pPr>
+          </a:lstStyle>
+          <a:p>
+            <a:pPr algn="ctr" eaLnBrk="1" fontAlgn="auto" hangingPunct="1">
+              <a:spcBef>
+                <a:spcPts val="0"/>
+              </a:spcBef>
+              <a:spcAft>
+                <a:spcPts val="0"/>
+              </a:spcAft>
+              <a:defRPr/>
+            </a:pPr>
+            <a:endParaRPr lang="zh-CN" altLang="en-US">
+              <a:solidFill>
+                <a:srgbClr val="FFFFFF"/>
+              </a:solidFill>
+            </a:endParaRPr>
+          </a:p>
+        </p:txBody>
+      </p:sp>
+    </p:spTree>
+    <p:custDataLst>
+      <p:tags r:id="rId1"/>
+    </p:custDataLst>
+  </p:cSld>
+  <p:clrMapOvr>
+    <a:masterClrMapping/>
+  </p:clrMapOvr>
+</p:sld>
+</file>
+
+<file path=ppt/slides/slide4.xml><?xml version="1.0" encoding="utf-8"?>
+<p:sld xmlns:a="http://schemas.openxmlformats.org/drawingml/2006/main" xmlns:r="http://schemas.openxmlformats.org/officeDocument/2006/relationships" xmlns:p="http://schemas.openxmlformats.org/presentationml/2006/main">
+  <p:cSld>
+    <p:spTree>
+      <p:nvGrpSpPr>
+        <p:cNvPr id="1" name=""/>
+        <p:cNvGrpSpPr/>
+        <p:nvPr/>
+      </p:nvGrpSpPr>
+      <p:grpSpPr>
+        <a:xfrm>
+          <a:off x="0" y="0"/>
+          <a:ext cx="0" cy="0"/>
+          <a:chOff x="0" y="0"/>
+          <a:chExt cx="0" cy="0"/>
+        </a:xfrm>
+      </p:grpSpPr>
+      <p:sp>
+        <p:nvSpPr>
+          <p:cNvPr id="2" name="文本框 1"/>
+          <p:cNvSpPr txBox="1"/>
+          <p:nvPr/>
+        </p:nvSpPr>
+        <p:spPr>
+          <a:xfrm>
+            <a:off x="428625" y="66040"/>
+            <a:ext cx="4831080" cy="829945"/>
+          </a:xfrm>
+          <a:prstGeom prst="rect">
+            <a:avLst/>
+          </a:prstGeom>
+          <a:noFill/>
+        </p:spPr>
+        <p:txBody>
+          <a:bodyPr wrap="square" rtlCol="0">
+            <a:spAutoFit/>
+          </a:bodyPr>
+          <a:p>
+            <a:r>
+              <a:rPr lang="en-US" altLang="zh-CN" sz="4800">
+                <a:solidFill>
+                  <a:schemeClr val="bg2"/>
+                </a:solidFill>
+              </a:rPr>
+              <a:t>BigFs</a:t>
+            </a:r>
+            <a:endParaRPr lang="en-US" altLang="zh-CN" sz="4800">
+              <a:solidFill>
+                <a:schemeClr val="bg2"/>
+              </a:solidFill>
+            </a:endParaRPr>
+          </a:p>
+        </p:txBody>
+      </p:sp>
+      <p:sp>
+        <p:nvSpPr>
+          <p:cNvPr id="8" name="圆角矩形 7"/>
+          <p:cNvSpPr/>
+          <p:nvPr/>
+        </p:nvSpPr>
+        <p:spPr>
+          <a:xfrm>
+            <a:off x="544830" y="1150620"/>
+            <a:ext cx="11102975" cy="5253355"/>
+          </a:xfrm>
+          <a:prstGeom prst="roundRect">
+            <a:avLst/>
+          </a:prstGeom>
+        </p:spPr>
+        <p:style>
+          <a:lnRef idx="1">
+            <a:schemeClr val="accent4"/>
+          </a:lnRef>
+          <a:fillRef idx="2">
+            <a:schemeClr val="accent4"/>
+          </a:fillRef>
+          <a:effectRef idx="1">
+            <a:schemeClr val="accent4"/>
+          </a:effectRef>
+          <a:fontRef idx="minor">
+            <a:schemeClr val="dk1"/>
+          </a:fontRef>
+        </p:style>
+        <p:txBody>
+          <a:bodyPr rtlCol="0" anchor="ctr"/>
+          <a:p>
+            <a:pPr algn="ctr"/>
+            <a:endParaRPr lang="en-US" altLang="zh-CN">
+              <a:solidFill>
+                <a:schemeClr val="bg2"/>
+              </a:solidFill>
+            </a:endParaRPr>
+          </a:p>
+        </p:txBody>
+      </p:sp>
+      <p:sp>
+        <p:nvSpPr>
+          <p:cNvPr id="3" name="文本框 2"/>
+          <p:cNvSpPr txBox="1"/>
+          <p:nvPr/>
+        </p:nvSpPr>
+        <p:spPr>
+          <a:xfrm>
+            <a:off x="1019175" y="1451610"/>
+            <a:ext cx="7660005" cy="1198880"/>
+          </a:xfrm>
+          <a:prstGeom prst="rect">
+            <a:avLst/>
+          </a:prstGeom>
+          <a:noFill/>
+        </p:spPr>
+        <p:txBody>
+          <a:bodyPr wrap="square" rtlCol="0">
+            <a:spAutoFit/>
+          </a:bodyPr>
+          <a:p>
+            <a:r>
+              <a:rPr lang="zh-CN" altLang="zh-CN"/>
+              <a:t>文件目录信息记录（</a:t>
+            </a:r>
+            <a:r>
+              <a:rPr lang="en-US" altLang="zh-CN"/>
+              <a:t>FsNode</a:t>
+            </a:r>
+            <a:r>
+              <a:rPr lang="zh-CN" altLang="zh-CN"/>
+              <a:t>）</a:t>
+            </a:r>
+            <a:endParaRPr lang="zh-CN" altLang="zh-CN"/>
+          </a:p>
+          <a:p>
+            <a:r>
+              <a:rPr lang="zh-CN" altLang="zh-CN"/>
+              <a:t>主机及主机资源信息记录（</a:t>
+            </a:r>
+            <a:r>
+              <a:rPr lang="en-US" altLang="zh-CN"/>
+              <a:t>Host</a:t>
+            </a:r>
+            <a:r>
+              <a:rPr lang="zh-CN" altLang="zh-CN"/>
+              <a:t>）</a:t>
+            </a:r>
+            <a:endParaRPr lang="zh-CN" altLang="zh-CN"/>
+          </a:p>
+          <a:p>
+            <a:r>
+              <a:rPr lang="zh-CN" altLang="zh-CN"/>
+              <a:t>文件块分布信息记录（</a:t>
+            </a:r>
+            <a:r>
+              <a:rPr lang="en-US" altLang="zh-CN"/>
+              <a:t>Minfile</a:t>
+            </a:r>
+            <a:r>
+              <a:rPr lang="zh-CN" altLang="zh-CN"/>
+              <a:t>）</a:t>
+            </a:r>
+            <a:endParaRPr lang="zh-CN" altLang="zh-CN"/>
+          </a:p>
+          <a:p>
+            <a:r>
+              <a:rPr lang="zh-CN" altLang="zh-CN"/>
+              <a:t>事件记录链信息记录（</a:t>
+            </a:r>
+            <a:r>
+              <a:rPr lang="en-US" altLang="zh-CN"/>
+              <a:t>Block</a:t>
+            </a:r>
+            <a:r>
+              <a:rPr lang="zh-CN" altLang="zh-CN"/>
+              <a:t>）</a:t>
+            </a:r>
+            <a:endParaRPr lang="zh-CN" altLang="zh-CN"/>
+          </a:p>
+        </p:txBody>
+      </p:sp>
+    </p:spTree>
+    <p:custDataLst>
+      <p:tags r:id="rId1"/>
+    </p:custDataLst>
+  </p:cSld>
+  <p:clrMapOvr>
+    <a:masterClrMapping/>
+  </p:clrMapOvr>
+</p:sld>
+</file>
+
+<file path=ppt/slides/slide5.xml><?xml version="1.0" encoding="utf-8"?>
+<p:sld xmlns:a="http://schemas.openxmlformats.org/drawingml/2006/main" xmlns:r="http://schemas.openxmlformats.org/officeDocument/2006/relationships" xmlns:p="http://schemas.openxmlformats.org/presentationml/2006/main">
+  <p:cSld>
+    <p:spTree>
+      <p:nvGrpSpPr>
+        <p:cNvPr id="1" name=""/>
+        <p:cNvGrpSpPr/>
+        <p:nvPr/>
+      </p:nvGrpSpPr>
+      <p:grpSpPr>
+        <a:xfrm>
+          <a:off x="0" y="0"/>
+          <a:ext cx="0" cy="0"/>
+          <a:chOff x="0" y="0"/>
+          <a:chExt cx="0" cy="0"/>
+        </a:xfrm>
+      </p:grpSpPr>
+      <p:sp>
+        <p:nvSpPr>
+          <p:cNvPr id="2" name="文本框 1"/>
+          <p:cNvSpPr txBox="1"/>
+          <p:nvPr/>
+        </p:nvSpPr>
+        <p:spPr>
+          <a:xfrm>
+            <a:off x="428625" y="66040"/>
+            <a:ext cx="4831080" cy="829945"/>
+          </a:xfrm>
+          <a:prstGeom prst="rect">
+            <a:avLst/>
+          </a:prstGeom>
+          <a:noFill/>
+        </p:spPr>
+        <p:txBody>
+          <a:bodyPr wrap="square" rtlCol="0">
+            <a:spAutoFit/>
+          </a:bodyPr>
+          <a:p>
+            <a:r>
+              <a:rPr lang="en-US" altLang="zh-CN" sz="4800">
+                <a:solidFill>
+                  <a:schemeClr val="bg2"/>
+                </a:solidFill>
+                <a:sym typeface="+mn-ea"/>
+              </a:rPr>
+              <a:t>CloudOs</a:t>
+            </a:r>
+            <a:endParaRPr lang="en-US" altLang="zh-CN" sz="4800">
+              <a:solidFill>
+                <a:schemeClr val="bg2"/>
+              </a:solidFill>
+              <a:sym typeface="+mn-ea"/>
+            </a:endParaRPr>
+          </a:p>
+        </p:txBody>
+      </p:sp>
+    </p:spTree>
+    <p:custDataLst>
+      <p:tags r:id="rId1"/>
+    </p:custDataLst>
+  </p:cSld>
+  <p:clrMapOvr>
+    <a:masterClrMapping/>
+  </p:clrMapOvr>
+</p:sld>
+</file>
+
+<file path=ppt/slides/slide6.xml><?xml version="1.0" encoding="utf-8"?>
+<p:sld xmlns:a="http://schemas.openxmlformats.org/drawingml/2006/main" xmlns:r="http://schemas.openxmlformats.org/officeDocument/2006/relationships" xmlns:p="http://schemas.openxmlformats.org/presentationml/2006/main">
+  <p:cSld>
+    <p:spTree>
+      <p:nvGrpSpPr>
+        <p:cNvPr id="1" name=""/>
+        <p:cNvGrpSpPr/>
+        <p:nvPr/>
+      </p:nvGrpSpPr>
+      <p:grpSpPr>
+        <a:xfrm>
+          <a:off x="0" y="0"/>
+          <a:ext cx="0" cy="0"/>
+          <a:chOff x="0" y="0"/>
+          <a:chExt cx="0" cy="0"/>
+        </a:xfrm>
+      </p:grpSpPr>
+      <p:sp>
+        <p:nvSpPr>
+          <p:cNvPr id="2" name="文本框 1"/>
+          <p:cNvSpPr txBox="1"/>
+          <p:nvPr/>
+        </p:nvSpPr>
+        <p:spPr>
+          <a:xfrm>
+            <a:off x="428625" y="66040"/>
+            <a:ext cx="4831080" cy="829945"/>
+          </a:xfrm>
+          <a:prstGeom prst="rect">
+            <a:avLst/>
+          </a:prstGeom>
+          <a:noFill/>
+        </p:spPr>
+        <p:txBody>
+          <a:bodyPr wrap="square" rtlCol="0">
+            <a:spAutoFit/>
+          </a:bodyPr>
+          <a:p>
+            <a:r>
+              <a:rPr lang="en-US" altLang="zh-CN" sz="4800">
+                <a:solidFill>
+                  <a:schemeClr val="bg2"/>
+                </a:solidFill>
+              </a:rPr>
+              <a:t>AiApp</a:t>
+            </a:r>
+            <a:endParaRPr lang="en-US" altLang="zh-CN" sz="4800">
+              <a:solidFill>
+                <a:schemeClr val="bg2"/>
+              </a:solidFill>
+            </a:endParaRPr>
+          </a:p>
+        </p:txBody>
+      </p:sp>
+    </p:spTree>
+    <p:custDataLst>
+      <p:tags r:id="rId1"/>
+    </p:custDataLst>
+  </p:cSld>
+  <p:clrMapOvr>
+    <a:masterClrMapping/>
+  </p:clrMapOvr>
+</p:sld>
+</file>
+
+<file path=ppt/slides/slide7.xml><?xml version="1.0" encoding="utf-8"?>
+<p:sld xmlns:a="http://schemas.openxmlformats.org/drawingml/2006/main" xmlns:r="http://schemas.openxmlformats.org/officeDocument/2006/relationships" xmlns:p="http://schemas.openxmlformats.org/presentationml/2006/main">
+  <p:cSld>
+    <p:spTree>
+      <p:nvGrpSpPr>
+        <p:cNvPr id="1" name=""/>
+        <p:cNvGrpSpPr/>
+        <p:nvPr/>
+      </p:nvGrpSpPr>
+      <p:grpSpPr>
+        <a:xfrm>
+          <a:off x="0" y="0"/>
+          <a:ext cx="0" cy="0"/>
+          <a:chOff x="0" y="0"/>
+          <a:chExt cx="0" cy="0"/>
+        </a:xfrm>
+      </p:grpSpPr>
+      <p:sp>
+        <p:nvSpPr>
+          <p:cNvPr id="63" name="任意多边形 62"/>
+          <p:cNvSpPr/>
+          <p:nvPr>
+            <p:custDataLst>
+              <p:tags r:id="rId1"/>
+            </p:custDataLst>
+          </p:nvPr>
+        </p:nvSpPr>
+        <p:spPr bwMode="auto">
+          <a:xfrm>
+            <a:off x="3257438" y="1501733"/>
+            <a:ext cx="821196" cy="2351783"/>
+          </a:xfrm>
+          <a:custGeom>
+            <a:avLst/>
+            <a:gdLst>
+              <a:gd name="connsiteX0" fmla="*/ 43746 w 821196"/>
+              <a:gd name="connsiteY0" fmla="*/ 2273995 h 2351783"/>
+              <a:gd name="connsiteX1" fmla="*/ 778528 w 821196"/>
+              <a:gd name="connsiteY1" fmla="*/ 2273995 h 2351783"/>
+              <a:gd name="connsiteX2" fmla="*/ 801021 w 821196"/>
+              <a:gd name="connsiteY2" fmla="*/ 2307333 h 2351783"/>
+              <a:gd name="connsiteX3" fmla="*/ 808519 w 821196"/>
+              <a:gd name="connsiteY3" fmla="*/ 2351783 h 2351783"/>
+              <a:gd name="connsiteX4" fmla="*/ 10006 w 821196"/>
+              <a:gd name="connsiteY4" fmla="*/ 2351783 h 2351783"/>
+              <a:gd name="connsiteX5" fmla="*/ 17504 w 821196"/>
+              <a:gd name="connsiteY5" fmla="*/ 2307333 h 2351783"/>
+              <a:gd name="connsiteX6" fmla="*/ 43746 w 821196"/>
+              <a:gd name="connsiteY6" fmla="*/ 2273995 h 2351783"/>
+              <a:gd name="connsiteX7" fmla="*/ 84295 w 821196"/>
+              <a:gd name="connsiteY7" fmla="*/ 1909050 h 2351783"/>
+              <a:gd name="connsiteX8" fmla="*/ 741744 w 821196"/>
+              <a:gd name="connsiteY8" fmla="*/ 1909050 h 2351783"/>
+              <a:gd name="connsiteX9" fmla="*/ 820637 w 821196"/>
+              <a:gd name="connsiteY9" fmla="*/ 2108001 h 2351783"/>
+              <a:gd name="connsiteX10" fmla="*/ 771798 w 821196"/>
+              <a:gd name="connsiteY10" fmla="*/ 2269414 h 2351783"/>
+              <a:gd name="connsiteX11" fmla="*/ 46727 w 821196"/>
+              <a:gd name="connsiteY11" fmla="*/ 2269414 h 2351783"/>
+              <a:gd name="connsiteX12" fmla="*/ 1645 w 821196"/>
+              <a:gd name="connsiteY12" fmla="*/ 2096740 h 2351783"/>
+              <a:gd name="connsiteX13" fmla="*/ 73025 w 821196"/>
+              <a:gd name="connsiteY13" fmla="*/ 1927819 h 2351783"/>
+              <a:gd name="connsiteX14" fmla="*/ 84295 w 821196"/>
+              <a:gd name="connsiteY14" fmla="*/ 1909050 h 2351783"/>
+              <a:gd name="connsiteX15" fmla="*/ 95756 w 821196"/>
+              <a:gd name="connsiteY15" fmla="*/ 1832523 h 2351783"/>
+              <a:gd name="connsiteX16" fmla="*/ 722769 w 821196"/>
+              <a:gd name="connsiteY16" fmla="*/ 1832523 h 2351783"/>
+              <a:gd name="connsiteX17" fmla="*/ 760315 w 821196"/>
+              <a:gd name="connsiteY17" fmla="*/ 1865860 h 2351783"/>
+              <a:gd name="connsiteX18" fmla="*/ 756560 w 821196"/>
+              <a:gd name="connsiteY18" fmla="*/ 1888085 h 2351783"/>
+              <a:gd name="connsiteX19" fmla="*/ 737787 w 821196"/>
+              <a:gd name="connsiteY19" fmla="*/ 1899198 h 2351783"/>
+              <a:gd name="connsiteX20" fmla="*/ 636414 w 821196"/>
+              <a:gd name="connsiteY20" fmla="*/ 1899198 h 2351783"/>
+              <a:gd name="connsiteX21" fmla="*/ 80738 w 821196"/>
+              <a:gd name="connsiteY21" fmla="*/ 1899198 h 2351783"/>
+              <a:gd name="connsiteX22" fmla="*/ 61965 w 821196"/>
+              <a:gd name="connsiteY22" fmla="*/ 1888085 h 2351783"/>
+              <a:gd name="connsiteX23" fmla="*/ 58211 w 821196"/>
+              <a:gd name="connsiteY23" fmla="*/ 1865860 h 2351783"/>
+              <a:gd name="connsiteX24" fmla="*/ 95756 w 821196"/>
+              <a:gd name="connsiteY24" fmla="*/ 1832523 h 2351783"/>
+              <a:gd name="connsiteX25" fmla="*/ 272046 w 821196"/>
+              <a:gd name="connsiteY25" fmla="*/ 1174900 h 2351783"/>
+              <a:gd name="connsiteX26" fmla="*/ 531442 w 821196"/>
+              <a:gd name="connsiteY26" fmla="*/ 1174900 h 2351783"/>
+              <a:gd name="connsiteX27" fmla="*/ 674297 w 821196"/>
+              <a:gd name="connsiteY27" fmla="*/ 1726239 h 2351783"/>
+              <a:gd name="connsiteX28" fmla="*/ 715650 w 821196"/>
+              <a:gd name="connsiteY28" fmla="*/ 1816253 h 2351783"/>
+              <a:gd name="connsiteX29" fmla="*/ 102875 w 821196"/>
+              <a:gd name="connsiteY29" fmla="*/ 1816253 h 2351783"/>
+              <a:gd name="connsiteX30" fmla="*/ 129191 w 821196"/>
+              <a:gd name="connsiteY30" fmla="*/ 1752493 h 2351783"/>
+              <a:gd name="connsiteX31" fmla="*/ 272046 w 821196"/>
+              <a:gd name="connsiteY31" fmla="*/ 1174900 h 2351783"/>
+              <a:gd name="connsiteX32" fmla="*/ 292793 w 821196"/>
+              <a:gd name="connsiteY32" fmla="*/ 328758 h 2351783"/>
+              <a:gd name="connsiteX33" fmla="*/ 521975 w 821196"/>
+              <a:gd name="connsiteY33" fmla="*/ 328758 h 2351783"/>
+              <a:gd name="connsiteX34" fmla="*/ 555789 w 821196"/>
+              <a:gd name="connsiteY34" fmla="*/ 362570 h 2351783"/>
+              <a:gd name="connsiteX35" fmla="*/ 555789 w 821196"/>
+              <a:gd name="connsiteY35" fmla="*/ 396382 h 2351783"/>
+              <a:gd name="connsiteX36" fmla="*/ 627173 w 821196"/>
+              <a:gd name="connsiteY36" fmla="*/ 396382 h 2351783"/>
+              <a:gd name="connsiteX37" fmla="*/ 747400 w 821196"/>
+              <a:gd name="connsiteY37" fmla="*/ 516601 h 2351783"/>
+              <a:gd name="connsiteX38" fmla="*/ 717343 w 821196"/>
+              <a:gd name="connsiteY38" fmla="*/ 599252 h 2351783"/>
+              <a:gd name="connsiteX39" fmla="*/ 570817 w 821196"/>
+              <a:gd name="connsiteY39" fmla="*/ 820907 h 2351783"/>
+              <a:gd name="connsiteX40" fmla="*/ 578331 w 821196"/>
+              <a:gd name="connsiteY40" fmla="*/ 1038805 h 2351783"/>
+              <a:gd name="connsiteX41" fmla="*/ 619659 w 821196"/>
+              <a:gd name="connsiteY41" fmla="*/ 1038805 h 2351783"/>
+              <a:gd name="connsiteX42" fmla="*/ 664744 w 821196"/>
+              <a:gd name="connsiteY42" fmla="*/ 1102671 h 2351783"/>
+              <a:gd name="connsiteX43" fmla="*/ 627173 w 821196"/>
+              <a:gd name="connsiteY43" fmla="*/ 1159024 h 2351783"/>
+              <a:gd name="connsiteX44" fmla="*/ 552032 w 821196"/>
+              <a:gd name="connsiteY44" fmla="*/ 1159024 h 2351783"/>
+              <a:gd name="connsiteX45" fmla="*/ 187595 w 821196"/>
+              <a:gd name="connsiteY45" fmla="*/ 1159024 h 2351783"/>
+              <a:gd name="connsiteX46" fmla="*/ 150024 w 821196"/>
+              <a:gd name="connsiteY46" fmla="*/ 1098914 h 2351783"/>
+              <a:gd name="connsiteX47" fmla="*/ 198866 w 821196"/>
+              <a:gd name="connsiteY47" fmla="*/ 1038805 h 2351783"/>
+              <a:gd name="connsiteX48" fmla="*/ 236437 w 821196"/>
+              <a:gd name="connsiteY48" fmla="*/ 1038805 h 2351783"/>
+              <a:gd name="connsiteX49" fmla="*/ 247708 w 821196"/>
+              <a:gd name="connsiteY49" fmla="*/ 828420 h 2351783"/>
+              <a:gd name="connsiteX50" fmla="*/ 97425 w 821196"/>
+              <a:gd name="connsiteY50" fmla="*/ 599252 h 2351783"/>
+              <a:gd name="connsiteX51" fmla="*/ 71125 w 821196"/>
+              <a:gd name="connsiteY51" fmla="*/ 516601 h 2351783"/>
+              <a:gd name="connsiteX52" fmla="*/ 187595 w 821196"/>
+              <a:gd name="connsiteY52" fmla="*/ 396382 h 2351783"/>
+              <a:gd name="connsiteX53" fmla="*/ 258979 w 821196"/>
+              <a:gd name="connsiteY53" fmla="*/ 396382 h 2351783"/>
+              <a:gd name="connsiteX54" fmla="*/ 258979 w 821196"/>
+              <a:gd name="connsiteY54" fmla="*/ 362570 h 2351783"/>
+              <a:gd name="connsiteX55" fmla="*/ 292793 w 821196"/>
+              <a:gd name="connsiteY55" fmla="*/ 328758 h 2351783"/>
+              <a:gd name="connsiteX56" fmla="*/ 407389 w 821196"/>
+              <a:gd name="connsiteY56" fmla="*/ 0 h 2351783"/>
+              <a:gd name="connsiteX57" fmla="*/ 474826 w 821196"/>
+              <a:gd name="connsiteY57" fmla="*/ 18761 h 2351783"/>
+              <a:gd name="connsiteX58" fmla="*/ 467333 w 821196"/>
+              <a:gd name="connsiteY58" fmla="*/ 30018 h 2351783"/>
+              <a:gd name="connsiteX59" fmla="*/ 433614 w 821196"/>
+              <a:gd name="connsiteY59" fmla="*/ 116321 h 2351783"/>
+              <a:gd name="connsiteX60" fmla="*/ 452347 w 821196"/>
+              <a:gd name="connsiteY60" fmla="*/ 120073 h 2351783"/>
+              <a:gd name="connsiteX61" fmla="*/ 519784 w 821196"/>
+              <a:gd name="connsiteY61" fmla="*/ 82550 h 2351783"/>
+              <a:gd name="connsiteX62" fmla="*/ 531024 w 821196"/>
+              <a:gd name="connsiteY62" fmla="*/ 71293 h 2351783"/>
+              <a:gd name="connsiteX63" fmla="*/ 549756 w 821196"/>
+              <a:gd name="connsiteY63" fmla="*/ 142587 h 2351783"/>
+              <a:gd name="connsiteX64" fmla="*/ 531024 w 821196"/>
+              <a:gd name="connsiteY64" fmla="*/ 213880 h 2351783"/>
+              <a:gd name="connsiteX65" fmla="*/ 519784 w 821196"/>
+              <a:gd name="connsiteY65" fmla="*/ 202623 h 2351783"/>
+              <a:gd name="connsiteX66" fmla="*/ 452347 w 821196"/>
+              <a:gd name="connsiteY66" fmla="*/ 165101 h 2351783"/>
+              <a:gd name="connsiteX67" fmla="*/ 433614 w 821196"/>
+              <a:gd name="connsiteY67" fmla="*/ 172605 h 2351783"/>
+              <a:gd name="connsiteX68" fmla="*/ 463586 w 821196"/>
+              <a:gd name="connsiteY68" fmla="*/ 258908 h 2351783"/>
+              <a:gd name="connsiteX69" fmla="*/ 478573 w 821196"/>
+              <a:gd name="connsiteY69" fmla="*/ 270164 h 2351783"/>
+              <a:gd name="connsiteX70" fmla="*/ 407389 w 821196"/>
+              <a:gd name="connsiteY70" fmla="*/ 288926 h 2351783"/>
+              <a:gd name="connsiteX71" fmla="*/ 339952 w 821196"/>
+              <a:gd name="connsiteY71" fmla="*/ 270164 h 2351783"/>
+              <a:gd name="connsiteX72" fmla="*/ 351191 w 821196"/>
+              <a:gd name="connsiteY72" fmla="*/ 258908 h 2351783"/>
+              <a:gd name="connsiteX73" fmla="*/ 381163 w 821196"/>
+              <a:gd name="connsiteY73" fmla="*/ 172605 h 2351783"/>
+              <a:gd name="connsiteX74" fmla="*/ 362431 w 821196"/>
+              <a:gd name="connsiteY74" fmla="*/ 165101 h 2351783"/>
+              <a:gd name="connsiteX75" fmla="*/ 294994 w 821196"/>
+              <a:gd name="connsiteY75" fmla="*/ 202623 h 2351783"/>
+              <a:gd name="connsiteX76" fmla="*/ 283754 w 821196"/>
+              <a:gd name="connsiteY76" fmla="*/ 213880 h 2351783"/>
+              <a:gd name="connsiteX77" fmla="*/ 268768 w 821196"/>
+              <a:gd name="connsiteY77" fmla="*/ 146339 h 2351783"/>
+              <a:gd name="connsiteX78" fmla="*/ 287501 w 821196"/>
+              <a:gd name="connsiteY78" fmla="*/ 71293 h 2351783"/>
+              <a:gd name="connsiteX79" fmla="*/ 298740 w 821196"/>
+              <a:gd name="connsiteY79" fmla="*/ 86303 h 2351783"/>
+              <a:gd name="connsiteX80" fmla="*/ 366177 w 821196"/>
+              <a:gd name="connsiteY80" fmla="*/ 123825 h 2351783"/>
+              <a:gd name="connsiteX81" fmla="*/ 384910 w 821196"/>
+              <a:gd name="connsiteY81" fmla="*/ 116321 h 2351783"/>
+              <a:gd name="connsiteX82" fmla="*/ 354938 w 821196"/>
+              <a:gd name="connsiteY82" fmla="*/ 30018 h 2351783"/>
+              <a:gd name="connsiteX83" fmla="*/ 339952 w 821196"/>
+              <a:gd name="connsiteY83" fmla="*/ 18761 h 2351783"/>
+              <a:gd name="connsiteX84" fmla="*/ 407389 w 821196"/>
+              <a:gd name="connsiteY84" fmla="*/ 0 h 2351783"/>
+            </a:gdLst>
+            <a:ahLst/>
+            <a:cxnLst>
+              <a:cxn ang="0">
+                <a:pos x="connsiteX0" y="connsiteY0"/>
+              </a:cxn>
+              <a:cxn ang="0">
+                <a:pos x="connsiteX1" y="connsiteY1"/>
+              </a:cxn>
+              <a:cxn ang="0">
+                <a:pos x="connsiteX2" y="connsiteY2"/>
+              </a:cxn>
+              <a:cxn ang="0">
+                <a:pos x="connsiteX3" y="connsiteY3"/>
+              </a:cxn>
+              <a:cxn ang="0">
+                <a:pos x="connsiteX4" y="connsiteY4"/>
+              </a:cxn>
+              <a:cxn ang="0">
+                <a:pos x="connsiteX5" y="connsiteY5"/>
+              </a:cxn>
+              <a:cxn ang="0">
+                <a:pos x="connsiteX6" y="connsiteY6"/>
+              </a:cxn>
+              <a:cxn ang="0">
+                <a:pos x="connsiteX7" y="connsiteY7"/>
+              </a:cxn>
+              <a:cxn ang="0">
+                <a:pos x="connsiteX8" y="connsiteY8"/>
+              </a:cxn>
+              <a:cxn ang="0">
+                <a:pos x="connsiteX9" y="connsiteY9"/>
+              </a:cxn>
+              <a:cxn ang="0">
+                <a:pos x="connsiteX10" y="connsiteY10"/>
+              </a:cxn>
+              <a:cxn ang="0">
+                <a:pos x="connsiteX11" y="connsiteY11"/>
+              </a:cxn>
+              <a:cxn ang="0">
+                <a:pos x="connsiteX12" y="connsiteY12"/>
+              </a:cxn>
+              <a:cxn ang="0">
+                <a:pos x="connsiteX13" y="connsiteY13"/>
+              </a:cxn>
+              <a:cxn ang="0">
+                <a:pos x="connsiteX14" y="connsiteY14"/>
+              </a:cxn>
+              <a:cxn ang="0">
+                <a:pos x="connsiteX15" y="connsiteY15"/>
+              </a:cxn>
+              <a:cxn ang="0">
+                <a:pos x="connsiteX16" y="connsiteY16"/>
+              </a:cxn>
+              <a:cxn ang="0">
+                <a:pos x="connsiteX17" y="connsiteY17"/>
+              </a:cxn>
+              <a:cxn ang="0">
+                <a:pos x="connsiteX18" y="connsiteY18"/>
+              </a:cxn>
+              <a:cxn ang="0">
+                <a:pos x="connsiteX19" y="connsiteY19"/>
+              </a:cxn>
+              <a:cxn ang="0">
+                <a:pos x="connsiteX20" y="connsiteY20"/>
+              </a:cxn>
+              <a:cxn ang="0">
+                <a:pos x="connsiteX21" y="connsiteY21"/>
+              </a:cxn>
+              <a:cxn ang="0">
+                <a:pos x="connsiteX22" y="connsiteY22"/>
+              </a:cxn>
+              <a:cxn ang="0">
+                <a:pos x="connsiteX23" y="connsiteY23"/>
+              </a:cxn>
+              <a:cxn ang="0">
+                <a:pos x="connsiteX24" y="connsiteY24"/>
+              </a:cxn>
+              <a:cxn ang="0">
+                <a:pos x="connsiteX25" y="connsiteY25"/>
+              </a:cxn>
+              <a:cxn ang="0">
+                <a:pos x="connsiteX26" y="connsiteY26"/>
+              </a:cxn>
+              <a:cxn ang="0">
+                <a:pos x="connsiteX27" y="connsiteY27"/>
+              </a:cxn>
+              <a:cxn ang="0">
+                <a:pos x="connsiteX28" y="connsiteY28"/>
+              </a:cxn>
+              <a:cxn ang="0">
+                <a:pos x="connsiteX29" y="connsiteY29"/>
+              </a:cxn>
+              <a:cxn ang="0">
+                <a:pos x="connsiteX30" y="connsiteY30"/>
+              </a:cxn>
+              <a:cxn ang="0">
+                <a:pos x="connsiteX31" y="connsiteY31"/>
+              </a:cxn>
+              <a:cxn ang="0">
+                <a:pos x="connsiteX32" y="connsiteY32"/>
+              </a:cxn>
+              <a:cxn ang="0">
+                <a:pos x="connsiteX33" y="connsiteY33"/>
+              </a:cxn>
+              <a:cxn ang="0">
+                <a:pos x="connsiteX34" y="connsiteY34"/>
+              </a:cxn>
+              <a:cxn ang="0">
+                <a:pos x="connsiteX35" y="connsiteY35"/>
+              </a:cxn>
+              <a:cxn ang="0">
+                <a:pos x="connsiteX36" y="connsiteY36"/>
+              </a:cxn>
+              <a:cxn ang="0">
+                <a:pos x="connsiteX37" y="connsiteY37"/>
+              </a:cxn>
+              <a:cxn ang="0">
+                <a:pos x="connsiteX38" y="connsiteY38"/>
+              </a:cxn>
+              <a:cxn ang="0">
+                <a:pos x="connsiteX39" y="connsiteY39"/>
+              </a:cxn>
+              <a:cxn ang="0">
+                <a:pos x="connsiteX40" y="connsiteY40"/>
+              </a:cxn>
+              <a:cxn ang="0">
+                <a:pos x="connsiteX41" y="connsiteY41"/>
+              </a:cxn>
+              <a:cxn ang="0">
+                <a:pos x="connsiteX42" y="connsiteY42"/>
+              </a:cxn>
+              <a:cxn ang="0">
+                <a:pos x="connsiteX43" y="connsiteY43"/>
+              </a:cxn>
+              <a:cxn ang="0">
+                <a:pos x="connsiteX44" y="connsiteY44"/>
+              </a:cxn>
+              <a:cxn ang="0">
+                <a:pos x="connsiteX45" y="connsiteY45"/>
+              </a:cxn>
+              <a:cxn ang="0">
+                <a:pos x="connsiteX46" y="connsiteY46"/>
+              </a:cxn>
+              <a:cxn ang="0">
+                <a:pos x="connsiteX47" y="connsiteY47"/>
+              </a:cxn>
+              <a:cxn ang="0">
+                <a:pos x="connsiteX48" y="connsiteY48"/>
+              </a:cxn>
+              <a:cxn ang="0">
+                <a:pos x="connsiteX49" y="connsiteY49"/>
+              </a:cxn>
+              <a:cxn ang="0">
+                <a:pos x="connsiteX50" y="connsiteY50"/>
+              </a:cxn>
+              <a:cxn ang="0">
+                <a:pos x="connsiteX51" y="connsiteY51"/>
+              </a:cxn>
+              <a:cxn ang="0">
+                <a:pos x="connsiteX52" y="connsiteY52"/>
+              </a:cxn>
+              <a:cxn ang="0">
+                <a:pos x="connsiteX53" y="connsiteY53"/>
+              </a:cxn>
+              <a:cxn ang="0">
+                <a:pos x="connsiteX54" y="connsiteY54"/>
+              </a:cxn>
+              <a:cxn ang="0">
+                <a:pos x="connsiteX55" y="connsiteY55"/>
+              </a:cxn>
+              <a:cxn ang="0">
+                <a:pos x="connsiteX56" y="connsiteY56"/>
+              </a:cxn>
+              <a:cxn ang="0">
+                <a:pos x="connsiteX57" y="connsiteY57"/>
+              </a:cxn>
+              <a:cxn ang="0">
+                <a:pos x="connsiteX58" y="connsiteY58"/>
+              </a:cxn>
+              <a:cxn ang="0">
+                <a:pos x="connsiteX59" y="connsiteY59"/>
+              </a:cxn>
+              <a:cxn ang="0">
+                <a:pos x="connsiteX60" y="connsiteY60"/>
+              </a:cxn>
+              <a:cxn ang="0">
+                <a:pos x="connsiteX61" y="connsiteY61"/>
+              </a:cxn>
+              <a:cxn ang="0">
+                <a:pos x="connsiteX62" y="connsiteY62"/>
+              </a:cxn>
+              <a:cxn ang="0">
+                <a:pos x="connsiteX63" y="connsiteY63"/>
+              </a:cxn>
+              <a:cxn ang="0">
+                <a:pos x="connsiteX64" y="connsiteY64"/>
+              </a:cxn>
+              <a:cxn ang="0">
+                <a:pos x="connsiteX65" y="connsiteY65"/>
+              </a:cxn>
+              <a:cxn ang="0">
+                <a:pos x="connsiteX66" y="connsiteY66"/>
+              </a:cxn>
+              <a:cxn ang="0">
+                <a:pos x="connsiteX67" y="connsiteY67"/>
+              </a:cxn>
+              <a:cxn ang="0">
+                <a:pos x="connsiteX68" y="connsiteY68"/>
+              </a:cxn>
+              <a:cxn ang="0">
+                <a:pos x="connsiteX69" y="connsiteY69"/>
+              </a:cxn>
+              <a:cxn ang="0">
+                <a:pos x="connsiteX70" y="connsiteY70"/>
+              </a:cxn>
+              <a:cxn ang="0">
+                <a:pos x="connsiteX71" y="connsiteY71"/>
+              </a:cxn>
+              <a:cxn ang="0">
+                <a:pos x="connsiteX72" y="connsiteY72"/>
+              </a:cxn>
+              <a:cxn ang="0">
+                <a:pos x="connsiteX73" y="connsiteY73"/>
+              </a:cxn>
+              <a:cxn ang="0">
+                <a:pos x="connsiteX74" y="connsiteY74"/>
+              </a:cxn>
+              <a:cxn ang="0">
+                <a:pos x="connsiteX75" y="connsiteY75"/>
+              </a:cxn>
+              <a:cxn ang="0">
+                <a:pos x="connsiteX76" y="connsiteY76"/>
+              </a:cxn>
+              <a:cxn ang="0">
+                <a:pos x="connsiteX77" y="connsiteY77"/>
+              </a:cxn>
+              <a:cxn ang="0">
+                <a:pos x="connsiteX78" y="connsiteY78"/>
+              </a:cxn>
+              <a:cxn ang="0">
+                <a:pos x="connsiteX79" y="connsiteY79"/>
+              </a:cxn>
+              <a:cxn ang="0">
+                <a:pos x="connsiteX80" y="connsiteY80"/>
+              </a:cxn>
+              <a:cxn ang="0">
+                <a:pos x="connsiteX81" y="connsiteY81"/>
+              </a:cxn>
+              <a:cxn ang="0">
+                <a:pos x="connsiteX82" y="connsiteY82"/>
+              </a:cxn>
+              <a:cxn ang="0">
+                <a:pos x="connsiteX83" y="connsiteY83"/>
+              </a:cxn>
+              <a:cxn ang="0">
+                <a:pos x="connsiteX84" y="connsiteY84"/>
+              </a:cxn>
+            </a:cxnLst>
+            <a:rect l="l" t="t" r="r" b="b"/>
+            <a:pathLst>
+              <a:path w="821196" h="2351783">
+                <a:moveTo>
+                  <a:pt x="43746" y="2273995"/>
+                </a:moveTo>
+                <a:cubicBezTo>
+                  <a:pt x="778528" y="2273995"/>
+                  <a:pt x="778528" y="2273995"/>
+                  <a:pt x="778528" y="2273995"/>
+                </a:cubicBezTo>
+                <a:cubicBezTo>
+                  <a:pt x="774779" y="2273995"/>
+                  <a:pt x="797272" y="2292516"/>
+                  <a:pt x="801021" y="2307333"/>
+                </a:cubicBezTo>
+                <a:cubicBezTo>
+                  <a:pt x="808519" y="2318445"/>
+                  <a:pt x="808519" y="2344375"/>
+                  <a:pt x="808519" y="2351783"/>
+                </a:cubicBezTo>
+                <a:lnTo>
+                  <a:pt x="10006" y="2351783"/>
+                </a:lnTo>
+                <a:cubicBezTo>
+                  <a:pt x="10006" y="2344375"/>
+                  <a:pt x="10006" y="2318445"/>
+                  <a:pt x="17504" y="2307333"/>
+                </a:cubicBezTo>
+                <a:cubicBezTo>
+                  <a:pt x="25002" y="2288812"/>
+                  <a:pt x="43746" y="2273995"/>
+                  <a:pt x="43746" y="2273995"/>
+                </a:cubicBezTo>
+                <a:close/>
+                <a:moveTo>
+                  <a:pt x="84295" y="1909050"/>
+                </a:moveTo>
+                <a:cubicBezTo>
+                  <a:pt x="741744" y="1909050"/>
+                  <a:pt x="741744" y="1909050"/>
+                  <a:pt x="741744" y="1909050"/>
+                </a:cubicBezTo>
+                <a:cubicBezTo>
+                  <a:pt x="768041" y="1950342"/>
+                  <a:pt x="816880" y="2032925"/>
+                  <a:pt x="820637" y="2108001"/>
+                </a:cubicBezTo>
+                <a:cubicBezTo>
+                  <a:pt x="824394" y="2168062"/>
+                  <a:pt x="809367" y="2220615"/>
+                  <a:pt x="771798" y="2269414"/>
+                </a:cubicBezTo>
+                <a:lnTo>
+                  <a:pt x="46727" y="2269414"/>
+                </a:lnTo>
+                <a:cubicBezTo>
+                  <a:pt x="12915" y="2224369"/>
+                  <a:pt x="-5869" y="2160554"/>
+                  <a:pt x="1645" y="2096740"/>
+                </a:cubicBezTo>
+                <a:cubicBezTo>
+                  <a:pt x="5402" y="2036679"/>
+                  <a:pt x="42970" y="1976618"/>
+                  <a:pt x="73025" y="1927819"/>
+                </a:cubicBezTo>
+                <a:cubicBezTo>
+                  <a:pt x="76782" y="1920312"/>
+                  <a:pt x="80539" y="1916558"/>
+                  <a:pt x="84295" y="1909050"/>
+                </a:cubicBezTo>
+                <a:close/>
+                <a:moveTo>
+                  <a:pt x="95756" y="1832523"/>
+                </a:moveTo>
+                <a:cubicBezTo>
+                  <a:pt x="722769" y="1832523"/>
+                  <a:pt x="722769" y="1832523"/>
+                  <a:pt x="722769" y="1832523"/>
+                </a:cubicBezTo>
+                <a:cubicBezTo>
+                  <a:pt x="730278" y="1832523"/>
+                  <a:pt x="752805" y="1839931"/>
+                  <a:pt x="760315" y="1865860"/>
+                </a:cubicBezTo>
+                <a:cubicBezTo>
+                  <a:pt x="764069" y="1873269"/>
+                  <a:pt x="760315" y="1880677"/>
+                  <a:pt x="756560" y="1888085"/>
+                </a:cubicBezTo>
+                <a:cubicBezTo>
+                  <a:pt x="749051" y="1895494"/>
+                  <a:pt x="741542" y="1899198"/>
+                  <a:pt x="737787" y="1899198"/>
+                </a:cubicBezTo>
+                <a:cubicBezTo>
+                  <a:pt x="734033" y="1899198"/>
+                  <a:pt x="692732" y="1899198"/>
+                  <a:pt x="636414" y="1899198"/>
+                </a:cubicBezTo>
+                <a:cubicBezTo>
+                  <a:pt x="636414" y="1899198"/>
+                  <a:pt x="84493" y="1899198"/>
+                  <a:pt x="80738" y="1899198"/>
+                </a:cubicBezTo>
+                <a:cubicBezTo>
+                  <a:pt x="76984" y="1899198"/>
+                  <a:pt x="69474" y="1895494"/>
+                  <a:pt x="61965" y="1888085"/>
+                </a:cubicBezTo>
+                <a:cubicBezTo>
+                  <a:pt x="58211" y="1880677"/>
+                  <a:pt x="54456" y="1873269"/>
+                  <a:pt x="58211" y="1865860"/>
+                </a:cubicBezTo>
+                <a:cubicBezTo>
+                  <a:pt x="65720" y="1839931"/>
+                  <a:pt x="88247" y="1832523"/>
+                  <a:pt x="95756" y="1832523"/>
+                </a:cubicBezTo>
+                <a:close/>
+                <a:moveTo>
+                  <a:pt x="272046" y="1174900"/>
+                </a:moveTo>
+                <a:cubicBezTo>
+                  <a:pt x="531442" y="1174900"/>
+                  <a:pt x="531442" y="1174900"/>
+                  <a:pt x="531442" y="1174900"/>
+                </a:cubicBezTo>
+                <a:cubicBezTo>
+                  <a:pt x="550238" y="1467447"/>
+                  <a:pt x="606629" y="1587466"/>
+                  <a:pt x="674297" y="1726239"/>
+                </a:cubicBezTo>
+                <a:cubicBezTo>
+                  <a:pt x="685575" y="1756244"/>
+                  <a:pt x="700613" y="1782498"/>
+                  <a:pt x="715650" y="1816253"/>
+                </a:cubicBezTo>
+                <a:lnTo>
+                  <a:pt x="102875" y="1816253"/>
+                </a:lnTo>
+                <a:cubicBezTo>
+                  <a:pt x="110394" y="1793750"/>
+                  <a:pt x="121672" y="1771246"/>
+                  <a:pt x="129191" y="1752493"/>
+                </a:cubicBezTo>
+                <a:cubicBezTo>
+                  <a:pt x="200618" y="1602469"/>
+                  <a:pt x="253249" y="1482450"/>
+                  <a:pt x="272046" y="1174900"/>
+                </a:cubicBezTo>
+                <a:close/>
+                <a:moveTo>
+                  <a:pt x="292793" y="328758"/>
+                </a:moveTo>
+                <a:cubicBezTo>
+                  <a:pt x="521975" y="328758"/>
+                  <a:pt x="521975" y="328758"/>
+                  <a:pt x="521975" y="328758"/>
+                </a:cubicBezTo>
+                <a:cubicBezTo>
+                  <a:pt x="540761" y="328758"/>
+                  <a:pt x="555789" y="343786"/>
+                  <a:pt x="555789" y="362570"/>
+                </a:cubicBezTo>
+                <a:cubicBezTo>
+                  <a:pt x="555789" y="396382"/>
+                  <a:pt x="555789" y="396382"/>
+                  <a:pt x="555789" y="396382"/>
+                </a:cubicBezTo>
+                <a:cubicBezTo>
+                  <a:pt x="627173" y="396382"/>
+                  <a:pt x="627173" y="396382"/>
+                  <a:pt x="627173" y="396382"/>
+                </a:cubicBezTo>
+                <a:cubicBezTo>
+                  <a:pt x="691044" y="396382"/>
+                  <a:pt x="747400" y="448978"/>
+                  <a:pt x="747400" y="516601"/>
+                </a:cubicBezTo>
+                <a:cubicBezTo>
+                  <a:pt x="747400" y="550413"/>
+                  <a:pt x="732372" y="580468"/>
+                  <a:pt x="717343" y="599252"/>
+                </a:cubicBezTo>
+                <a:cubicBezTo>
+                  <a:pt x="698558" y="633064"/>
+                  <a:pt x="570817" y="817150"/>
+                  <a:pt x="570817" y="820907"/>
+                </a:cubicBezTo>
+                <a:cubicBezTo>
+                  <a:pt x="578331" y="1038805"/>
+                  <a:pt x="578331" y="1038805"/>
+                  <a:pt x="578331" y="1038805"/>
+                </a:cubicBezTo>
+                <a:cubicBezTo>
+                  <a:pt x="619659" y="1038805"/>
+                  <a:pt x="619659" y="1038805"/>
+                  <a:pt x="619659" y="1038805"/>
+                </a:cubicBezTo>
+                <a:cubicBezTo>
+                  <a:pt x="623416" y="1038805"/>
+                  <a:pt x="660987" y="1057589"/>
+                  <a:pt x="664744" y="1102671"/>
+                </a:cubicBezTo>
+                <a:cubicBezTo>
+                  <a:pt x="668501" y="1140240"/>
+                  <a:pt x="630931" y="1159024"/>
+                  <a:pt x="627173" y="1159024"/>
+                </a:cubicBezTo>
+                <a:cubicBezTo>
+                  <a:pt x="627173" y="1159024"/>
+                  <a:pt x="593360" y="1159024"/>
+                  <a:pt x="552032" y="1159024"/>
+                </a:cubicBezTo>
+                <a:cubicBezTo>
+                  <a:pt x="552032" y="1159024"/>
+                  <a:pt x="191352" y="1159024"/>
+                  <a:pt x="187595" y="1159024"/>
+                </a:cubicBezTo>
+                <a:cubicBezTo>
+                  <a:pt x="183838" y="1159024"/>
+                  <a:pt x="146267" y="1136483"/>
+                  <a:pt x="150024" y="1098914"/>
+                </a:cubicBezTo>
+                <a:cubicBezTo>
+                  <a:pt x="153781" y="1053832"/>
+                  <a:pt x="195109" y="1038805"/>
+                  <a:pt x="198866" y="1038805"/>
+                </a:cubicBezTo>
+                <a:cubicBezTo>
+                  <a:pt x="236437" y="1038805"/>
+                  <a:pt x="236437" y="1038805"/>
+                  <a:pt x="236437" y="1038805"/>
+                </a:cubicBezTo>
+                <a:cubicBezTo>
+                  <a:pt x="247708" y="828420"/>
+                  <a:pt x="247708" y="828420"/>
+                  <a:pt x="247708" y="828420"/>
+                </a:cubicBezTo>
+                <a:cubicBezTo>
+                  <a:pt x="247708" y="824664"/>
+                  <a:pt x="116210" y="633064"/>
+                  <a:pt x="97425" y="599252"/>
+                </a:cubicBezTo>
+                <a:cubicBezTo>
+                  <a:pt x="86153" y="580468"/>
+                  <a:pt x="71125" y="550413"/>
+                  <a:pt x="71125" y="516601"/>
+                </a:cubicBezTo>
+                <a:cubicBezTo>
+                  <a:pt x="71125" y="448978"/>
+                  <a:pt x="123724" y="396382"/>
+                  <a:pt x="187595" y="396382"/>
+                </a:cubicBezTo>
+                <a:cubicBezTo>
+                  <a:pt x="258979" y="396382"/>
+                  <a:pt x="258979" y="396382"/>
+                  <a:pt x="258979" y="396382"/>
+                </a:cubicBezTo>
+                <a:cubicBezTo>
+                  <a:pt x="258979" y="362570"/>
+                  <a:pt x="258979" y="362570"/>
+                  <a:pt x="258979" y="362570"/>
+                </a:cubicBezTo>
+                <a:cubicBezTo>
+                  <a:pt x="258979" y="343786"/>
+                  <a:pt x="274008" y="328758"/>
+                  <a:pt x="292793" y="328758"/>
+                </a:cubicBezTo>
+                <a:close/>
+                <a:moveTo>
+                  <a:pt x="407389" y="0"/>
+                </a:moveTo>
+                <a:cubicBezTo>
+                  <a:pt x="433614" y="0"/>
+                  <a:pt x="456093" y="7505"/>
+                  <a:pt x="474826" y="18761"/>
+                </a:cubicBezTo>
+                <a:cubicBezTo>
+                  <a:pt x="471079" y="22514"/>
+                  <a:pt x="467333" y="26266"/>
+                  <a:pt x="467333" y="30018"/>
+                </a:cubicBezTo>
+                <a:cubicBezTo>
+                  <a:pt x="433614" y="60037"/>
+                  <a:pt x="418628" y="101312"/>
+                  <a:pt x="433614" y="116321"/>
+                </a:cubicBezTo>
+                <a:cubicBezTo>
+                  <a:pt x="441107" y="120073"/>
+                  <a:pt x="444854" y="120073"/>
+                  <a:pt x="452347" y="120073"/>
+                </a:cubicBezTo>
+                <a:cubicBezTo>
+                  <a:pt x="471079" y="120073"/>
+                  <a:pt x="497305" y="108816"/>
+                  <a:pt x="519784" y="82550"/>
+                </a:cubicBezTo>
+                <a:cubicBezTo>
+                  <a:pt x="523531" y="82550"/>
+                  <a:pt x="527277" y="75046"/>
+                  <a:pt x="531024" y="71293"/>
+                </a:cubicBezTo>
+                <a:cubicBezTo>
+                  <a:pt x="542263" y="93807"/>
+                  <a:pt x="549756" y="120073"/>
+                  <a:pt x="549756" y="142587"/>
+                </a:cubicBezTo>
+                <a:cubicBezTo>
+                  <a:pt x="549756" y="168853"/>
+                  <a:pt x="542263" y="195119"/>
+                  <a:pt x="531024" y="213880"/>
+                </a:cubicBezTo>
+                <a:cubicBezTo>
+                  <a:pt x="527277" y="210128"/>
+                  <a:pt x="523531" y="206376"/>
+                  <a:pt x="519784" y="202623"/>
+                </a:cubicBezTo>
+                <a:cubicBezTo>
+                  <a:pt x="497305" y="180110"/>
+                  <a:pt x="471079" y="165101"/>
+                  <a:pt x="452347" y="165101"/>
+                </a:cubicBezTo>
+                <a:cubicBezTo>
+                  <a:pt x="444854" y="165101"/>
+                  <a:pt x="437361" y="165101"/>
+                  <a:pt x="433614" y="172605"/>
+                </a:cubicBezTo>
+                <a:cubicBezTo>
+                  <a:pt x="418628" y="187614"/>
+                  <a:pt x="433614" y="225137"/>
+                  <a:pt x="463586" y="258908"/>
+                </a:cubicBezTo>
+                <a:cubicBezTo>
+                  <a:pt x="467333" y="262660"/>
+                  <a:pt x="474826" y="266412"/>
+                  <a:pt x="478573" y="270164"/>
+                </a:cubicBezTo>
+                <a:cubicBezTo>
+                  <a:pt x="456093" y="281421"/>
+                  <a:pt x="433614" y="288926"/>
+                  <a:pt x="407389" y="288926"/>
+                </a:cubicBezTo>
+                <a:cubicBezTo>
+                  <a:pt x="384910" y="288926"/>
+                  <a:pt x="358684" y="281421"/>
+                  <a:pt x="339952" y="270164"/>
+                </a:cubicBezTo>
+                <a:cubicBezTo>
+                  <a:pt x="343698" y="266412"/>
+                  <a:pt x="347445" y="262660"/>
+                  <a:pt x="351191" y="258908"/>
+                </a:cubicBezTo>
+                <a:cubicBezTo>
+                  <a:pt x="384910" y="225137"/>
+                  <a:pt x="396149" y="187614"/>
+                  <a:pt x="381163" y="172605"/>
+                </a:cubicBezTo>
+                <a:cubicBezTo>
+                  <a:pt x="377417" y="165101"/>
+                  <a:pt x="369924" y="165101"/>
+                  <a:pt x="362431" y="165101"/>
+                </a:cubicBezTo>
+                <a:cubicBezTo>
+                  <a:pt x="343698" y="165101"/>
+                  <a:pt x="317473" y="180110"/>
+                  <a:pt x="294994" y="202623"/>
+                </a:cubicBezTo>
+                <a:cubicBezTo>
+                  <a:pt x="291247" y="206376"/>
+                  <a:pt x="287501" y="210128"/>
+                  <a:pt x="283754" y="213880"/>
+                </a:cubicBezTo>
+                <a:cubicBezTo>
+                  <a:pt x="272515" y="191367"/>
+                  <a:pt x="268768" y="168853"/>
+                  <a:pt x="268768" y="146339"/>
+                </a:cubicBezTo>
+                <a:cubicBezTo>
+                  <a:pt x="268768" y="120073"/>
+                  <a:pt x="276261" y="93807"/>
+                  <a:pt x="287501" y="71293"/>
+                </a:cubicBezTo>
+                <a:cubicBezTo>
+                  <a:pt x="291247" y="75046"/>
+                  <a:pt x="294994" y="82550"/>
+                  <a:pt x="298740" y="86303"/>
+                </a:cubicBezTo>
+                <a:cubicBezTo>
+                  <a:pt x="321219" y="108816"/>
+                  <a:pt x="347445" y="123825"/>
+                  <a:pt x="366177" y="123825"/>
+                </a:cubicBezTo>
+                <a:cubicBezTo>
+                  <a:pt x="373670" y="123825"/>
+                  <a:pt x="381163" y="120073"/>
+                  <a:pt x="384910" y="116321"/>
+                </a:cubicBezTo>
+                <a:cubicBezTo>
+                  <a:pt x="399896" y="101312"/>
+                  <a:pt x="384910" y="63789"/>
+                  <a:pt x="354938" y="30018"/>
+                </a:cubicBezTo>
+                <a:cubicBezTo>
+                  <a:pt x="347445" y="26266"/>
+                  <a:pt x="343698" y="22514"/>
+                  <a:pt x="339952" y="18761"/>
+                </a:cubicBezTo>
+                <a:cubicBezTo>
+                  <a:pt x="362431" y="7505"/>
+                  <a:pt x="384910" y="0"/>
+                  <a:pt x="407389" y="0"/>
+                </a:cubicBezTo>
+                <a:close/>
+              </a:path>
+            </a:pathLst>
+          </a:custGeom>
+          <a:solidFill>
+            <a:schemeClr val="accent1"/>
+          </a:solidFill>
+          <a:ln>
+            <a:noFill/>
+          </a:ln>
+        </p:spPr>
+        <p:style>
+          <a:lnRef idx="2">
+            <a:schemeClr val="accent1">
+              <a:shade val="50000"/>
+            </a:schemeClr>
+          </a:lnRef>
+          <a:fillRef idx="1">
+            <a:schemeClr val="accent1"/>
+          </a:fillRef>
+          <a:effectRef idx="0">
+            <a:schemeClr val="accent1"/>
+          </a:effectRef>
+          <a:fontRef idx="minor">
+            <a:schemeClr val="lt1"/>
+          </a:fontRef>
+        </p:style>
+        <p:txBody>
+          <a:bodyPr wrap="square" rtlCol="0" anchor="ctr">
+            <a:noAutofit/>
+          </a:bodyPr>
+          <a:lstStyle/>
+          <a:p>
+            <a:endParaRPr lang="zh-CN" altLang="en-US">
+              <a:solidFill>
+                <a:schemeClr val="tx1"/>
+              </a:solidFill>
+            </a:endParaRPr>
+          </a:p>
+        </p:txBody>
+      </p:sp>
+      <p:sp>
+        <p:nvSpPr>
+          <p:cNvPr id="64" name="任意多边形 63"/>
+          <p:cNvSpPr/>
+          <p:nvPr>
+            <p:custDataLst>
+              <p:tags r:id="rId2"/>
+            </p:custDataLst>
+          </p:nvPr>
+        </p:nvSpPr>
+        <p:spPr bwMode="auto">
+          <a:xfrm>
+            <a:off x="8101702" y="1698727"/>
+            <a:ext cx="844524" cy="2154788"/>
+          </a:xfrm>
+          <a:custGeom>
+            <a:avLst/>
+            <a:gdLst>
+              <a:gd name="connsiteX0" fmla="*/ 41670 w 844524"/>
+              <a:gd name="connsiteY0" fmla="*/ 2080175 h 2154788"/>
+              <a:gd name="connsiteX1" fmla="*/ 802851 w 844524"/>
+              <a:gd name="connsiteY1" fmla="*/ 2080175 h 2154788"/>
+              <a:gd name="connsiteX2" fmla="*/ 829099 w 844524"/>
+              <a:gd name="connsiteY2" fmla="*/ 2110020 h 2154788"/>
+              <a:gd name="connsiteX3" fmla="*/ 836598 w 844524"/>
+              <a:gd name="connsiteY3" fmla="*/ 2154788 h 2154788"/>
+              <a:gd name="connsiteX4" fmla="*/ 7923 w 844524"/>
+              <a:gd name="connsiteY4" fmla="*/ 2154788 h 2154788"/>
+              <a:gd name="connsiteX5" fmla="*/ 15422 w 844524"/>
+              <a:gd name="connsiteY5" fmla="*/ 2110020 h 2154788"/>
+              <a:gd name="connsiteX6" fmla="*/ 41670 w 844524"/>
+              <a:gd name="connsiteY6" fmla="*/ 2080175 h 2154788"/>
+              <a:gd name="connsiteX7" fmla="*/ 86773 w 844524"/>
+              <a:gd name="connsiteY7" fmla="*/ 1716635 h 2154788"/>
+              <a:gd name="connsiteX8" fmla="*/ 765244 w 844524"/>
+              <a:gd name="connsiteY8" fmla="*/ 1716635 h 2154788"/>
+              <a:gd name="connsiteX9" fmla="*/ 843962 w 844524"/>
+              <a:gd name="connsiteY9" fmla="*/ 1911595 h 2154788"/>
+              <a:gd name="connsiteX10" fmla="*/ 798980 w 844524"/>
+              <a:gd name="connsiteY10" fmla="*/ 2069062 h 2154788"/>
+              <a:gd name="connsiteX11" fmla="*/ 49288 w 844524"/>
+              <a:gd name="connsiteY11" fmla="*/ 2069062 h 2154788"/>
+              <a:gd name="connsiteX12" fmla="*/ 558 w 844524"/>
+              <a:gd name="connsiteY12" fmla="*/ 1896598 h 2154788"/>
+              <a:gd name="connsiteX13" fmla="*/ 75528 w 844524"/>
+              <a:gd name="connsiteY13" fmla="*/ 1735381 h 2154788"/>
+              <a:gd name="connsiteX14" fmla="*/ 86773 w 844524"/>
+              <a:gd name="connsiteY14" fmla="*/ 1716635 h 2154788"/>
+              <a:gd name="connsiteX15" fmla="*/ 93871 w 844524"/>
+              <a:gd name="connsiteY15" fmla="*/ 1638703 h 2154788"/>
+              <a:gd name="connsiteX16" fmla="*/ 750649 w 844524"/>
+              <a:gd name="connsiteY16" fmla="*/ 1638703 h 2154788"/>
+              <a:gd name="connsiteX17" fmla="*/ 784426 w 844524"/>
+              <a:gd name="connsiteY17" fmla="*/ 1664850 h 2154788"/>
+              <a:gd name="connsiteX18" fmla="*/ 780673 w 844524"/>
+              <a:gd name="connsiteY18" fmla="*/ 1687262 h 2154788"/>
+              <a:gd name="connsiteX19" fmla="*/ 761908 w 844524"/>
+              <a:gd name="connsiteY19" fmla="*/ 1702203 h 2154788"/>
+              <a:gd name="connsiteX20" fmla="*/ 668083 w 844524"/>
+              <a:gd name="connsiteY20" fmla="*/ 1702203 h 2154788"/>
+              <a:gd name="connsiteX21" fmla="*/ 78859 w 844524"/>
+              <a:gd name="connsiteY21" fmla="*/ 1702203 h 2154788"/>
+              <a:gd name="connsiteX22" fmla="*/ 63847 w 844524"/>
+              <a:gd name="connsiteY22" fmla="*/ 1687262 h 2154788"/>
+              <a:gd name="connsiteX23" fmla="*/ 56341 w 844524"/>
+              <a:gd name="connsiteY23" fmla="*/ 1664850 h 2154788"/>
+              <a:gd name="connsiteX24" fmla="*/ 93871 w 844524"/>
+              <a:gd name="connsiteY24" fmla="*/ 1638703 h 2154788"/>
+              <a:gd name="connsiteX25" fmla="*/ 286871 w 844524"/>
+              <a:gd name="connsiteY25" fmla="*/ 995367 h 2154788"/>
+              <a:gd name="connsiteX26" fmla="*/ 553892 w 844524"/>
+              <a:gd name="connsiteY26" fmla="*/ 995367 h 2154788"/>
+              <a:gd name="connsiteX27" fmla="*/ 730652 w 844524"/>
+              <a:gd name="connsiteY27" fmla="*/ 1615913 h 2154788"/>
+              <a:gd name="connsiteX28" fmla="*/ 738174 w 844524"/>
+              <a:gd name="connsiteY28" fmla="*/ 1627195 h 2154788"/>
+              <a:gd name="connsiteX29" fmla="*/ 106349 w 844524"/>
+              <a:gd name="connsiteY29" fmla="*/ 1627195 h 2154788"/>
+              <a:gd name="connsiteX30" fmla="*/ 113871 w 844524"/>
+              <a:gd name="connsiteY30" fmla="*/ 1608391 h 2154788"/>
+              <a:gd name="connsiteX31" fmla="*/ 286871 w 844524"/>
+              <a:gd name="connsiteY31" fmla="*/ 995367 h 2154788"/>
+              <a:gd name="connsiteX32" fmla="*/ 330296 w 844524"/>
+              <a:gd name="connsiteY32" fmla="*/ 285752 h 2154788"/>
+              <a:gd name="connsiteX33" fmla="*/ 424138 w 844524"/>
+              <a:gd name="connsiteY33" fmla="*/ 327096 h 2154788"/>
+              <a:gd name="connsiteX34" fmla="*/ 510473 w 844524"/>
+              <a:gd name="connsiteY34" fmla="*/ 289511 h 2154788"/>
+              <a:gd name="connsiteX35" fmla="*/ 514227 w 844524"/>
+              <a:gd name="connsiteY35" fmla="*/ 285752 h 2154788"/>
+              <a:gd name="connsiteX36" fmla="*/ 517980 w 844524"/>
+              <a:gd name="connsiteY36" fmla="*/ 285752 h 2154788"/>
+              <a:gd name="connsiteX37" fmla="*/ 525488 w 844524"/>
+              <a:gd name="connsiteY37" fmla="*/ 293269 h 2154788"/>
+              <a:gd name="connsiteX38" fmla="*/ 611823 w 844524"/>
+              <a:gd name="connsiteY38" fmla="*/ 323337 h 2154788"/>
+              <a:gd name="connsiteX39" fmla="*/ 671882 w 844524"/>
+              <a:gd name="connsiteY39" fmla="*/ 300786 h 2154788"/>
+              <a:gd name="connsiteX40" fmla="*/ 690650 w 844524"/>
+              <a:gd name="connsiteY40" fmla="*/ 293269 h 2154788"/>
+              <a:gd name="connsiteX41" fmla="*/ 705665 w 844524"/>
+              <a:gd name="connsiteY41" fmla="*/ 293269 h 2154788"/>
+              <a:gd name="connsiteX42" fmla="*/ 765724 w 844524"/>
+              <a:gd name="connsiteY42" fmla="*/ 323337 h 2154788"/>
+              <a:gd name="connsiteX43" fmla="*/ 739448 w 844524"/>
+              <a:gd name="connsiteY43" fmla="*/ 424818 h 2154788"/>
+              <a:gd name="connsiteX44" fmla="*/ 574286 w 844524"/>
+              <a:gd name="connsiteY44" fmla="*/ 849532 h 2154788"/>
+              <a:gd name="connsiteX45" fmla="*/ 574286 w 844524"/>
+              <a:gd name="connsiteY45" fmla="*/ 853290 h 2154788"/>
+              <a:gd name="connsiteX46" fmla="*/ 578040 w 844524"/>
+              <a:gd name="connsiteY46" fmla="*/ 853290 h 2154788"/>
+              <a:gd name="connsiteX47" fmla="*/ 645606 w 844524"/>
+              <a:gd name="connsiteY47" fmla="*/ 853290 h 2154788"/>
+              <a:gd name="connsiteX48" fmla="*/ 698158 w 844524"/>
+              <a:gd name="connsiteY48" fmla="*/ 920944 h 2154788"/>
+              <a:gd name="connsiteX49" fmla="*/ 656867 w 844524"/>
+              <a:gd name="connsiteY49" fmla="*/ 981080 h 2154788"/>
+              <a:gd name="connsiteX50" fmla="*/ 574286 w 844524"/>
+              <a:gd name="connsiteY50" fmla="*/ 981080 h 2154788"/>
+              <a:gd name="connsiteX51" fmla="*/ 251468 w 844524"/>
+              <a:gd name="connsiteY51" fmla="*/ 981080 h 2154788"/>
+              <a:gd name="connsiteX52" fmla="*/ 180148 w 844524"/>
+              <a:gd name="connsiteY52" fmla="*/ 981080 h 2154788"/>
+              <a:gd name="connsiteX53" fmla="*/ 135104 w 844524"/>
+              <a:gd name="connsiteY53" fmla="*/ 917185 h 2154788"/>
+              <a:gd name="connsiteX54" fmla="*/ 187655 w 844524"/>
+              <a:gd name="connsiteY54" fmla="*/ 853290 h 2154788"/>
+              <a:gd name="connsiteX55" fmla="*/ 270237 w 844524"/>
+              <a:gd name="connsiteY55" fmla="*/ 853290 h 2154788"/>
+              <a:gd name="connsiteX56" fmla="*/ 105074 w 844524"/>
+              <a:gd name="connsiteY56" fmla="*/ 424818 h 2154788"/>
+              <a:gd name="connsiteX57" fmla="*/ 78798 w 844524"/>
+              <a:gd name="connsiteY57" fmla="*/ 323337 h 2154788"/>
+              <a:gd name="connsiteX58" fmla="*/ 135104 w 844524"/>
+              <a:gd name="connsiteY58" fmla="*/ 293269 h 2154788"/>
+              <a:gd name="connsiteX59" fmla="*/ 153872 w 844524"/>
+              <a:gd name="connsiteY59" fmla="*/ 293269 h 2154788"/>
+              <a:gd name="connsiteX60" fmla="*/ 168887 w 844524"/>
+              <a:gd name="connsiteY60" fmla="*/ 300786 h 2154788"/>
+              <a:gd name="connsiteX61" fmla="*/ 232700 w 844524"/>
+              <a:gd name="connsiteY61" fmla="*/ 323337 h 2154788"/>
+              <a:gd name="connsiteX62" fmla="*/ 330296 w 844524"/>
+              <a:gd name="connsiteY62" fmla="*/ 285752 h 2154788"/>
+              <a:gd name="connsiteX63" fmla="*/ 422262 w 844524"/>
+              <a:gd name="connsiteY63" fmla="*/ 0 h 2154788"/>
+              <a:gd name="connsiteX64" fmla="*/ 557200 w 844524"/>
+              <a:gd name="connsiteY64" fmla="*/ 134938 h 2154788"/>
+              <a:gd name="connsiteX65" fmla="*/ 422262 w 844524"/>
+              <a:gd name="connsiteY65" fmla="*/ 269876 h 2154788"/>
+              <a:gd name="connsiteX66" fmla="*/ 287324 w 844524"/>
+              <a:gd name="connsiteY66" fmla="*/ 134938 h 2154788"/>
+              <a:gd name="connsiteX67" fmla="*/ 422262 w 844524"/>
+              <a:gd name="connsiteY67" fmla="*/ 0 h 2154788"/>
+            </a:gdLst>
+            <a:ahLst/>
+            <a:cxnLst>
+              <a:cxn ang="0">
+                <a:pos x="connsiteX0" y="connsiteY0"/>
+              </a:cxn>
+              <a:cxn ang="0">
+                <a:pos x="connsiteX1" y="connsiteY1"/>
+              </a:cxn>
+              <a:cxn ang="0">
+                <a:pos x="connsiteX2" y="connsiteY2"/>
+              </a:cxn>
+              <a:cxn ang="0">
+                <a:pos x="connsiteX3" y="connsiteY3"/>
+              </a:cxn>
+              <a:cxn ang="0">
+                <a:pos x="connsiteX4" y="connsiteY4"/>
+              </a:cxn>
+              <a:cxn ang="0">
+                <a:pos x="connsiteX5" y="connsiteY5"/>
+              </a:cxn>
+              <a:cxn ang="0">
+                <a:pos x="connsiteX6" y="connsiteY6"/>
+              </a:cxn>
+              <a:cxn ang="0">
+                <a:pos x="connsiteX7" y="connsiteY7"/>
+              </a:cxn>
+              <a:cxn ang="0">
+                <a:pos x="connsiteX8" y="connsiteY8"/>
+              </a:cxn>
+              <a:cxn ang="0">
+                <a:pos x="connsiteX9" y="connsiteY9"/>
+              </a:cxn>
+              <a:cxn ang="0">
+                <a:pos x="connsiteX10" y="connsiteY10"/>
+              </a:cxn>
+              <a:cxn ang="0">
+                <a:pos x="connsiteX11" y="connsiteY11"/>
+              </a:cxn>
+              <a:cxn ang="0">
+                <a:pos x="connsiteX12" y="connsiteY12"/>
+              </a:cxn>
+              <a:cxn ang="0">
+                <a:pos x="connsiteX13" y="connsiteY13"/>
+              </a:cxn>
+              <a:cxn ang="0">
+                <a:pos x="connsiteX14" y="connsiteY14"/>
+              </a:cxn>
+              <a:cxn ang="0">
+                <a:pos x="connsiteX15" y="connsiteY15"/>
+              </a:cxn>
+              <a:cxn ang="0">
+                <a:pos x="connsiteX16" y="connsiteY16"/>
+              </a:cxn>
+              <a:cxn ang="0">
+                <a:pos x="connsiteX17" y="connsiteY17"/>
+              </a:cxn>
+              <a:cxn ang="0">
+                <a:pos x="connsiteX18" y="connsiteY18"/>
+              </a:cxn>
+              <a:cxn ang="0">
+                <a:pos x="connsiteX19" y="connsiteY19"/>
+              </a:cxn>
+              <a:cxn ang="0">
+                <a:pos x="connsiteX20" y="connsiteY20"/>
+              </a:cxn>
+              <a:cxn ang="0">
+                <a:pos x="connsiteX21" y="connsiteY21"/>
+              </a:cxn>
+              <a:cxn ang="0">
+                <a:pos x="connsiteX22" y="connsiteY22"/>
+              </a:cxn>
+              <a:cxn ang="0">
+                <a:pos x="connsiteX23" y="connsiteY23"/>
+              </a:cxn>
+              <a:cxn ang="0">
+                <a:pos x="connsiteX24" y="connsiteY24"/>
+              </a:cxn>
+              <a:cxn ang="0">
+                <a:pos x="connsiteX25" y="connsiteY25"/>
+              </a:cxn>
+              <a:cxn ang="0">
+                <a:pos x="connsiteX26" y="connsiteY26"/>
+              </a:cxn>
+              <a:cxn ang="0">
+                <a:pos x="connsiteX27" y="connsiteY27"/>
+              </a:cxn>
+              <a:cxn ang="0">
+                <a:pos x="connsiteX28" y="connsiteY28"/>
+              </a:cxn>
+              <a:cxn ang="0">
+                <a:pos x="connsiteX29" y="connsiteY29"/>
+              </a:cxn>
+              <a:cxn ang="0">
+                <a:pos x="connsiteX30" y="connsiteY30"/>
+              </a:cxn>
+              <a:cxn ang="0">
+                <a:pos x="connsiteX31" y="connsiteY31"/>
+              </a:cxn>
+              <a:cxn ang="0">
+                <a:pos x="connsiteX32" y="connsiteY32"/>
+              </a:cxn>
+              <a:cxn ang="0">
+                <a:pos x="connsiteX33" y="connsiteY33"/>
+              </a:cxn>
+              <a:cxn ang="0">
+                <a:pos x="connsiteX34" y="connsiteY34"/>
+              </a:cxn>
+              <a:cxn ang="0">
+                <a:pos x="connsiteX35" y="connsiteY35"/>
+              </a:cxn>
+              <a:cxn ang="0">
+                <a:pos x="connsiteX36" y="connsiteY36"/>
+              </a:cxn>
+              <a:cxn ang="0">
+                <a:pos x="connsiteX37" y="connsiteY37"/>
+              </a:cxn>
+              <a:cxn ang="0">
+                <a:pos x="connsiteX38" y="connsiteY38"/>
+              </a:cxn>
+              <a:cxn ang="0">
+                <a:pos x="connsiteX39" y="connsiteY39"/>
+              </a:cxn>
+              <a:cxn ang="0">
+                <a:pos x="connsiteX40" y="connsiteY40"/>
+              </a:cxn>
+              <a:cxn ang="0">
+                <a:pos x="connsiteX41" y="connsiteY41"/>
+              </a:cxn>
+              <a:cxn ang="0">
+                <a:pos x="connsiteX42" y="connsiteY42"/>
+              </a:cxn>
+              <a:cxn ang="0">
+                <a:pos x="connsiteX43" y="connsiteY43"/>
+              </a:cxn>
+              <a:cxn ang="0">
+                <a:pos x="connsiteX44" y="connsiteY44"/>
+              </a:cxn>
+              <a:cxn ang="0">
+                <a:pos x="connsiteX45" y="connsiteY45"/>
+              </a:cxn>
+              <a:cxn ang="0">
+                <a:pos x="connsiteX46" y="connsiteY46"/>
+              </a:cxn>
+              <a:cxn ang="0">
+                <a:pos x="connsiteX47" y="connsiteY47"/>
+              </a:cxn>
+              <a:cxn ang="0">
+                <a:pos x="connsiteX48" y="connsiteY48"/>
+              </a:cxn>
+              <a:cxn ang="0">
+                <a:pos x="connsiteX49" y="connsiteY49"/>
+              </a:cxn>
+              <a:cxn ang="0">
+                <a:pos x="connsiteX50" y="connsiteY50"/>
+              </a:cxn>
+              <a:cxn ang="0">
+                <a:pos x="connsiteX51" y="connsiteY51"/>
+              </a:cxn>
+              <a:cxn ang="0">
+                <a:pos x="connsiteX52" y="connsiteY52"/>
+              </a:cxn>
+              <a:cxn ang="0">
+                <a:pos x="connsiteX53" y="connsiteY53"/>
+              </a:cxn>
+              <a:cxn ang="0">
+                <a:pos x="connsiteX54" y="connsiteY54"/>
+              </a:cxn>
+              <a:cxn ang="0">
+                <a:pos x="connsiteX55" y="connsiteY55"/>
+              </a:cxn>
+              <a:cxn ang="0">
+                <a:pos x="connsiteX56" y="connsiteY56"/>
+              </a:cxn>
+              <a:cxn ang="0">
+                <a:pos x="connsiteX57" y="connsiteY57"/>
+              </a:cxn>
+              <a:cxn ang="0">
+                <a:pos x="connsiteX58" y="connsiteY58"/>
+              </a:cxn>
+              <a:cxn ang="0">
+                <a:pos x="connsiteX59" y="connsiteY59"/>
+              </a:cxn>
+              <a:cxn ang="0">
+                <a:pos x="connsiteX60" y="connsiteY60"/>
+              </a:cxn>
+              <a:cxn ang="0">
+                <a:pos x="connsiteX61" y="connsiteY61"/>
+              </a:cxn>
+              <a:cxn ang="0">
+                <a:pos x="connsiteX62" y="connsiteY62"/>
+              </a:cxn>
+              <a:cxn ang="0">
+                <a:pos x="connsiteX63" y="connsiteY63"/>
+              </a:cxn>
+              <a:cxn ang="0">
+                <a:pos x="connsiteX64" y="connsiteY64"/>
+              </a:cxn>
+              <a:cxn ang="0">
+                <a:pos x="connsiteX65" y="connsiteY65"/>
+              </a:cxn>
+              <a:cxn ang="0">
+                <a:pos x="connsiteX66" y="connsiteY66"/>
+              </a:cxn>
+              <a:cxn ang="0">
+                <a:pos x="connsiteX67" y="connsiteY67"/>
+              </a:cxn>
+            </a:cxnLst>
+            <a:rect l="l" t="t" r="r" b="b"/>
+            <a:pathLst>
+              <a:path w="844524" h="2154788">
+                <a:moveTo>
+                  <a:pt x="41670" y="2080175"/>
+                </a:moveTo>
+                <a:cubicBezTo>
+                  <a:pt x="802851" y="2080175"/>
+                  <a:pt x="802851" y="2080175"/>
+                  <a:pt x="802851" y="2080175"/>
+                </a:cubicBezTo>
+                <a:cubicBezTo>
+                  <a:pt x="802851" y="2080175"/>
+                  <a:pt x="821600" y="2095098"/>
+                  <a:pt x="829099" y="2110020"/>
+                </a:cubicBezTo>
+                <a:cubicBezTo>
+                  <a:pt x="832849" y="2124943"/>
+                  <a:pt x="836598" y="2151057"/>
+                  <a:pt x="836598" y="2154788"/>
+                </a:cubicBezTo>
+                <a:lnTo>
+                  <a:pt x="7923" y="2154788"/>
+                </a:lnTo>
+                <a:cubicBezTo>
+                  <a:pt x="7923" y="2151057"/>
+                  <a:pt x="7923" y="2124943"/>
+                  <a:pt x="15422" y="2110020"/>
+                </a:cubicBezTo>
+                <a:cubicBezTo>
+                  <a:pt x="22921" y="2095098"/>
+                  <a:pt x="41670" y="2080175"/>
+                  <a:pt x="41670" y="2080175"/>
+                </a:cubicBezTo>
+                <a:close/>
+                <a:moveTo>
+                  <a:pt x="86773" y="1716635"/>
+                </a:moveTo>
+                <a:cubicBezTo>
+                  <a:pt x="765244" y="1716635"/>
+                  <a:pt x="765244" y="1716635"/>
+                  <a:pt x="765244" y="1716635"/>
+                </a:cubicBezTo>
+                <a:cubicBezTo>
+                  <a:pt x="795232" y="1757877"/>
+                  <a:pt x="840213" y="1836610"/>
+                  <a:pt x="843962" y="1911595"/>
+                </a:cubicBezTo>
+                <a:cubicBezTo>
+                  <a:pt x="847710" y="1971582"/>
+                  <a:pt x="832716" y="2020322"/>
+                  <a:pt x="798980" y="2069062"/>
+                </a:cubicBezTo>
+                <a:lnTo>
+                  <a:pt x="49288" y="2069062"/>
+                </a:lnTo>
+                <a:cubicBezTo>
+                  <a:pt x="11804" y="2024071"/>
+                  <a:pt x="-3190" y="1960335"/>
+                  <a:pt x="558" y="1896598"/>
+                </a:cubicBezTo>
+                <a:cubicBezTo>
+                  <a:pt x="4307" y="1840360"/>
+                  <a:pt x="41791" y="1780372"/>
+                  <a:pt x="75528" y="1735381"/>
+                </a:cubicBezTo>
+                <a:cubicBezTo>
+                  <a:pt x="79276" y="1727883"/>
+                  <a:pt x="83025" y="1720384"/>
+                  <a:pt x="86773" y="1716635"/>
+                </a:cubicBezTo>
+                <a:close/>
+                <a:moveTo>
+                  <a:pt x="93871" y="1638703"/>
+                </a:moveTo>
+                <a:cubicBezTo>
+                  <a:pt x="750649" y="1638703"/>
+                  <a:pt x="750649" y="1638703"/>
+                  <a:pt x="750649" y="1638703"/>
+                </a:cubicBezTo>
+                <a:cubicBezTo>
+                  <a:pt x="758155" y="1638703"/>
+                  <a:pt x="780673" y="1642438"/>
+                  <a:pt x="784426" y="1664850"/>
+                </a:cubicBezTo>
+                <a:cubicBezTo>
+                  <a:pt x="788179" y="1676056"/>
+                  <a:pt x="784426" y="1683527"/>
+                  <a:pt x="780673" y="1687262"/>
+                </a:cubicBezTo>
+                <a:cubicBezTo>
+                  <a:pt x="776920" y="1694733"/>
+                  <a:pt x="769414" y="1702203"/>
+                  <a:pt x="761908" y="1702203"/>
+                </a:cubicBezTo>
+                <a:cubicBezTo>
+                  <a:pt x="761908" y="1702203"/>
+                  <a:pt x="720625" y="1702203"/>
+                  <a:pt x="668083" y="1702203"/>
+                </a:cubicBezTo>
+                <a:cubicBezTo>
+                  <a:pt x="668083" y="1702203"/>
+                  <a:pt x="82612" y="1702203"/>
+                  <a:pt x="78859" y="1702203"/>
+                </a:cubicBezTo>
+                <a:cubicBezTo>
+                  <a:pt x="75106" y="1702203"/>
+                  <a:pt x="67600" y="1694733"/>
+                  <a:pt x="63847" y="1687262"/>
+                </a:cubicBezTo>
+                <a:cubicBezTo>
+                  <a:pt x="60094" y="1683527"/>
+                  <a:pt x="56341" y="1676056"/>
+                  <a:pt x="56341" y="1664850"/>
+                </a:cubicBezTo>
+                <a:cubicBezTo>
+                  <a:pt x="63847" y="1642438"/>
+                  <a:pt x="86365" y="1638703"/>
+                  <a:pt x="93871" y="1638703"/>
+                </a:cubicBezTo>
+                <a:close/>
+                <a:moveTo>
+                  <a:pt x="286871" y="995367"/>
+                </a:moveTo>
+                <a:cubicBezTo>
+                  <a:pt x="553892" y="995367"/>
+                  <a:pt x="553892" y="995367"/>
+                  <a:pt x="553892" y="995367"/>
+                </a:cubicBezTo>
+                <a:cubicBezTo>
+                  <a:pt x="576457" y="1330086"/>
+                  <a:pt x="651674" y="1469238"/>
+                  <a:pt x="730652" y="1615913"/>
+                </a:cubicBezTo>
+                <a:cubicBezTo>
+                  <a:pt x="738174" y="1627195"/>
+                  <a:pt x="738174" y="1627195"/>
+                  <a:pt x="738174" y="1627195"/>
+                </a:cubicBezTo>
+                <a:lnTo>
+                  <a:pt x="106349" y="1627195"/>
+                </a:lnTo>
+                <a:cubicBezTo>
+                  <a:pt x="113871" y="1608391"/>
+                  <a:pt x="113871" y="1608391"/>
+                  <a:pt x="113871" y="1608391"/>
+                </a:cubicBezTo>
+                <a:cubicBezTo>
+                  <a:pt x="196610" y="1457955"/>
+                  <a:pt x="268066" y="1330086"/>
+                  <a:pt x="286871" y="995367"/>
+                </a:cubicBezTo>
+                <a:close/>
+                <a:moveTo>
+                  <a:pt x="330296" y="285752"/>
+                </a:moveTo>
+                <a:cubicBezTo>
+                  <a:pt x="356572" y="304545"/>
+                  <a:pt x="386601" y="327096"/>
+                  <a:pt x="424138" y="327096"/>
+                </a:cubicBezTo>
+                <a:cubicBezTo>
+                  <a:pt x="457921" y="327096"/>
+                  <a:pt x="487951" y="308303"/>
+                  <a:pt x="510473" y="289511"/>
+                </a:cubicBezTo>
+                <a:cubicBezTo>
+                  <a:pt x="514227" y="289511"/>
+                  <a:pt x="514227" y="289511"/>
+                  <a:pt x="514227" y="285752"/>
+                </a:cubicBezTo>
+                <a:cubicBezTo>
+                  <a:pt x="517980" y="285752"/>
+                  <a:pt x="517980" y="285752"/>
+                  <a:pt x="517980" y="285752"/>
+                </a:cubicBezTo>
+                <a:cubicBezTo>
+                  <a:pt x="517980" y="289511"/>
+                  <a:pt x="521734" y="289511"/>
+                  <a:pt x="525488" y="293269"/>
+                </a:cubicBezTo>
+                <a:cubicBezTo>
+                  <a:pt x="555517" y="312062"/>
+                  <a:pt x="585547" y="323337"/>
+                  <a:pt x="611823" y="323337"/>
+                </a:cubicBezTo>
+                <a:cubicBezTo>
+                  <a:pt x="634345" y="323337"/>
+                  <a:pt x="656867" y="312062"/>
+                  <a:pt x="671882" y="300786"/>
+                </a:cubicBezTo>
+                <a:cubicBezTo>
+                  <a:pt x="679389" y="297028"/>
+                  <a:pt x="686897" y="293269"/>
+                  <a:pt x="690650" y="293269"/>
+                </a:cubicBezTo>
+                <a:cubicBezTo>
+                  <a:pt x="694404" y="293269"/>
+                  <a:pt x="701911" y="293269"/>
+                  <a:pt x="705665" y="293269"/>
+                </a:cubicBezTo>
+                <a:cubicBezTo>
+                  <a:pt x="720680" y="293269"/>
+                  <a:pt x="746956" y="297028"/>
+                  <a:pt x="765724" y="323337"/>
+                </a:cubicBezTo>
+                <a:cubicBezTo>
+                  <a:pt x="803261" y="375957"/>
+                  <a:pt x="750709" y="417301"/>
+                  <a:pt x="739448" y="424818"/>
+                </a:cubicBezTo>
+                <a:cubicBezTo>
+                  <a:pt x="664375" y="473679"/>
+                  <a:pt x="563025" y="646571"/>
+                  <a:pt x="574286" y="849532"/>
+                </a:cubicBezTo>
+                <a:cubicBezTo>
+                  <a:pt x="574286" y="853290"/>
+                  <a:pt x="574286" y="853290"/>
+                  <a:pt x="574286" y="853290"/>
+                </a:cubicBezTo>
+                <a:cubicBezTo>
+                  <a:pt x="578040" y="853290"/>
+                  <a:pt x="578040" y="853290"/>
+                  <a:pt x="578040" y="853290"/>
+                </a:cubicBezTo>
+                <a:cubicBezTo>
+                  <a:pt x="645606" y="853290"/>
+                  <a:pt x="645606" y="853290"/>
+                  <a:pt x="645606" y="853290"/>
+                </a:cubicBezTo>
+                <a:cubicBezTo>
+                  <a:pt x="653113" y="853290"/>
+                  <a:pt x="694404" y="875841"/>
+                  <a:pt x="698158" y="920944"/>
+                </a:cubicBezTo>
+                <a:cubicBezTo>
+                  <a:pt x="701911" y="958529"/>
+                  <a:pt x="660621" y="981080"/>
+                  <a:pt x="656867" y="981080"/>
+                </a:cubicBezTo>
+                <a:cubicBezTo>
+                  <a:pt x="653113" y="981080"/>
+                  <a:pt x="626838" y="981080"/>
+                  <a:pt x="574286" y="981080"/>
+                </a:cubicBezTo>
+                <a:lnTo>
+                  <a:pt x="251468" y="981080"/>
+                </a:lnTo>
+                <a:cubicBezTo>
+                  <a:pt x="210177" y="981080"/>
+                  <a:pt x="180148" y="981080"/>
+                  <a:pt x="180148" y="981080"/>
+                </a:cubicBezTo>
+                <a:cubicBezTo>
+                  <a:pt x="172641" y="981080"/>
+                  <a:pt x="131350" y="958529"/>
+                  <a:pt x="135104" y="917185"/>
+                </a:cubicBezTo>
+                <a:cubicBezTo>
+                  <a:pt x="138857" y="868324"/>
+                  <a:pt x="183902" y="853290"/>
+                  <a:pt x="187655" y="853290"/>
+                </a:cubicBezTo>
+                <a:cubicBezTo>
+                  <a:pt x="270237" y="853290"/>
+                  <a:pt x="270237" y="853290"/>
+                  <a:pt x="270237" y="853290"/>
+                </a:cubicBezTo>
+                <a:cubicBezTo>
+                  <a:pt x="281498" y="646571"/>
+                  <a:pt x="180148" y="477437"/>
+                  <a:pt x="105074" y="424818"/>
+                </a:cubicBezTo>
+                <a:cubicBezTo>
+                  <a:pt x="93813" y="417301"/>
+                  <a:pt x="41261" y="375957"/>
+                  <a:pt x="78798" y="323337"/>
+                </a:cubicBezTo>
+                <a:cubicBezTo>
+                  <a:pt x="97567" y="297028"/>
+                  <a:pt x="123843" y="293269"/>
+                  <a:pt x="135104" y="293269"/>
+                </a:cubicBezTo>
+                <a:cubicBezTo>
+                  <a:pt x="142611" y="293269"/>
+                  <a:pt x="146365" y="293269"/>
+                  <a:pt x="153872" y="293269"/>
+                </a:cubicBezTo>
+                <a:cubicBezTo>
+                  <a:pt x="157626" y="293269"/>
+                  <a:pt x="165133" y="297028"/>
+                  <a:pt x="168887" y="300786"/>
+                </a:cubicBezTo>
+                <a:cubicBezTo>
+                  <a:pt x="187655" y="312062"/>
+                  <a:pt x="210177" y="323337"/>
+                  <a:pt x="232700" y="323337"/>
+                </a:cubicBezTo>
+                <a:cubicBezTo>
+                  <a:pt x="270237" y="323337"/>
+                  <a:pt x="304020" y="304545"/>
+                  <a:pt x="330296" y="285752"/>
+                </a:cubicBezTo>
+                <a:close/>
+                <a:moveTo>
+                  <a:pt x="422262" y="0"/>
+                </a:moveTo>
+                <a:cubicBezTo>
+                  <a:pt x="496786" y="0"/>
+                  <a:pt x="557200" y="60414"/>
+                  <a:pt x="557200" y="134938"/>
+                </a:cubicBezTo>
+                <a:cubicBezTo>
+                  <a:pt x="557200" y="209462"/>
+                  <a:pt x="496786" y="269876"/>
+                  <a:pt x="422262" y="269876"/>
+                </a:cubicBezTo>
+                <a:cubicBezTo>
+                  <a:pt x="347738" y="269876"/>
+                  <a:pt x="287324" y="209462"/>
+                  <a:pt x="287324" y="134938"/>
+                </a:cubicBezTo>
+                <a:cubicBezTo>
+                  <a:pt x="287324" y="60414"/>
+                  <a:pt x="347738" y="0"/>
+                  <a:pt x="422262" y="0"/>
+                </a:cubicBezTo>
+                <a:close/>
+              </a:path>
+            </a:pathLst>
+          </a:custGeom>
+          <a:solidFill>
+            <a:schemeClr val="accent1"/>
+          </a:solidFill>
+          <a:ln>
+            <a:noFill/>
+          </a:ln>
+        </p:spPr>
+        <p:style>
+          <a:lnRef idx="2">
+            <a:schemeClr val="accent1">
+              <a:shade val="50000"/>
+            </a:schemeClr>
+          </a:lnRef>
+          <a:fillRef idx="1">
+            <a:schemeClr val="accent1"/>
+          </a:fillRef>
+          <a:effectRef idx="0">
+            <a:schemeClr val="accent1"/>
+          </a:effectRef>
+          <a:fontRef idx="minor">
+            <a:schemeClr val="lt1"/>
+          </a:fontRef>
+        </p:style>
+        <p:txBody>
+          <a:bodyPr wrap="square" rtlCol="0" anchor="ctr">
+            <a:noAutofit/>
+          </a:bodyPr>
+          <a:lstStyle/>
+          <a:p>
+            <a:endParaRPr lang="zh-CN" altLang="en-US">
+              <a:solidFill>
+                <a:schemeClr val="tx1"/>
+              </a:solidFill>
+            </a:endParaRPr>
+          </a:p>
+        </p:txBody>
+      </p:sp>
+      <p:sp>
+        <p:nvSpPr>
+          <p:cNvPr id="3" name="文本框 2"/>
+          <p:cNvSpPr txBox="1"/>
+          <p:nvPr>
+            <p:custDataLst>
+              <p:tags r:id="rId3"/>
+            </p:custDataLst>
+          </p:nvPr>
+        </p:nvSpPr>
+        <p:spPr>
+          <a:xfrm>
+            <a:off x="838200" y="161925"/>
+            <a:ext cx="10515600" cy="704851"/>
+          </a:xfrm>
+          <a:prstGeom prst="rect">
+            <a:avLst/>
+          </a:prstGeom>
+        </p:spPr>
+        <p:txBody>
+          <a:bodyPr vert="horz" wrap="square" lIns="91440" tIns="45720" rIns="91440" bIns="45720" rtlCol="0" anchor="ctr">
+            <a:normAutofit/>
+          </a:bodyPr>
+          <a:lstStyle>
+            <a:lvl1pPr>
+              <a:lnSpc>
+                <a:spcPct val="90000"/>
+              </a:lnSpc>
+              <a:spcBef>
+                <a:spcPct val="0"/>
+              </a:spcBef>
+              <a:buNone/>
+              <a:defRPr sz="4000">
+                <a:solidFill>
+                  <a:schemeClr val="bg1"/>
+                </a:solidFill>
+                <a:latin typeface="+mj-lt"/>
+                <a:ea typeface="+mj-ea"/>
+                <a:cs typeface="+mj-cs"/>
+              </a:defRPr>
+            </a:lvl1pPr>
+          </a:lstStyle>
+          <a:p>
+            <a:r>
+              <a:rPr lang="da-DK" altLang="zh-CN" smtClean="0"/>
+              <a:t>LOREM IPSUM DOLOR</a:t>
+            </a:r>
+            <a:endParaRPr lang="zh-CN" altLang="en-US" dirty="0"/>
+          </a:p>
+        </p:txBody>
+      </p:sp>
+      <p:sp>
+        <p:nvSpPr>
+          <p:cNvPr id="4" name="文本框 3"/>
+          <p:cNvSpPr txBox="1"/>
+          <p:nvPr>
+            <p:custDataLst>
+              <p:tags r:id="rId4"/>
+            </p:custDataLst>
+          </p:nvPr>
+        </p:nvSpPr>
+        <p:spPr>
+          <a:xfrm>
+            <a:off x="1983465" y="3853188"/>
+            <a:ext cx="3369142" cy="495061"/>
+          </a:xfrm>
+          <a:prstGeom prst="rect">
+            <a:avLst/>
+          </a:prstGeom>
+        </p:spPr>
+        <p:txBody>
+          <a:bodyPr wrap="square" anchor="ctr" anchorCtr="0">
+            <a:normAutofit/>
+          </a:bodyPr>
+          <a:lstStyle>
+            <a:defPPr>
+              <a:defRPr lang="zh-CN"/>
+            </a:defPPr>
+            <a:lvl1pPr algn="ctr">
+              <a:defRPr b="1">
+                <a:cs typeface="Arial" panose="020B0604020202020204" pitchFamily="34" charset="0"/>
+              </a:defRPr>
+            </a:lvl1pPr>
+          </a:lstStyle>
+          <a:p>
+            <a:r>
+              <a:rPr lang="en-US" altLang="zh-CN" smtClean="0">
+                <a:latin typeface="+mj-lt"/>
+                <a:ea typeface="+mj-ea"/>
+                <a:cs typeface="+mj-cs"/>
+              </a:rPr>
+              <a:t>LOREM</a:t>
+            </a:r>
+            <a:endParaRPr lang="zh-CN" altLang="en-US" dirty="0">
+              <a:latin typeface="+mj-lt"/>
+              <a:ea typeface="+mj-ea"/>
+              <a:cs typeface="+mj-cs"/>
+            </a:endParaRPr>
+          </a:p>
+        </p:txBody>
+      </p:sp>
+      <p:sp>
+        <p:nvSpPr>
+          <p:cNvPr id="5" name="文本框 4"/>
+          <p:cNvSpPr txBox="1"/>
+          <p:nvPr>
+            <p:custDataLst>
+              <p:tags r:id="rId5"/>
+            </p:custDataLst>
+          </p:nvPr>
+        </p:nvSpPr>
+        <p:spPr>
+          <a:xfrm>
+            <a:off x="1983465" y="4348249"/>
+            <a:ext cx="3369142" cy="1039708"/>
+          </a:xfrm>
+          <a:prstGeom prst="rect">
+            <a:avLst/>
+          </a:prstGeom>
+        </p:spPr>
+        <p:txBody>
+          <a:bodyPr wrap="square">
+            <a:normAutofit/>
+          </a:bodyPr>
+          <a:lstStyle>
+            <a:defPPr>
+              <a:defRPr lang="zh-CN"/>
+            </a:defPPr>
+            <a:lvl1pPr algn="ctr">
+              <a:lnSpc>
+                <a:spcPct val="114000"/>
+              </a:lnSpc>
+              <a:defRPr>
+                <a:solidFill>
+                  <a:schemeClr val="tx1">
+                    <a:lumMod val="40000"/>
+                    <a:lumOff val="60000"/>
+                  </a:schemeClr>
+                </a:solidFill>
+                <a:cs typeface="+mn-ea"/>
+              </a:defRPr>
+            </a:lvl1pPr>
+          </a:lstStyle>
+          <a:p>
+            <a:r>
+              <a:rPr lang="da-DK" altLang="zh-CN" smtClean="0">
+                <a:cs typeface="+mn-cs"/>
+              </a:rPr>
+              <a:t>Lorem ipsum dolor sit amet, consectetur adipisicing elit.</a:t>
+            </a:r>
+            <a:endParaRPr lang="zh-CN" altLang="en-US" dirty="0">
+              <a:cs typeface="+mn-cs"/>
+            </a:endParaRPr>
+          </a:p>
+        </p:txBody>
+      </p:sp>
+      <p:sp>
+        <p:nvSpPr>
+          <p:cNvPr id="6" name="文本框 5"/>
+          <p:cNvSpPr txBox="1"/>
+          <p:nvPr>
+            <p:custDataLst>
+              <p:tags r:id="rId6"/>
+            </p:custDataLst>
+          </p:nvPr>
+        </p:nvSpPr>
+        <p:spPr>
+          <a:xfrm>
+            <a:off x="6839393" y="3853188"/>
+            <a:ext cx="3369142" cy="495061"/>
+          </a:xfrm>
+          <a:prstGeom prst="rect">
+            <a:avLst/>
+          </a:prstGeom>
+        </p:spPr>
+        <p:txBody>
+          <a:bodyPr wrap="square" anchor="ctr" anchorCtr="0">
+            <a:normAutofit/>
+          </a:bodyPr>
+          <a:lstStyle>
+            <a:defPPr>
+              <a:defRPr lang="zh-CN"/>
+            </a:defPPr>
+            <a:lvl1pPr algn="ctr">
+              <a:defRPr b="1">
+                <a:cs typeface="Arial" panose="020B0604020202020204" pitchFamily="34" charset="0"/>
+              </a:defRPr>
+            </a:lvl1pPr>
+          </a:lstStyle>
+          <a:p>
+            <a:r>
+              <a:rPr lang="en-US" altLang="zh-CN" smtClean="0">
+                <a:latin typeface="+mj-lt"/>
+                <a:ea typeface="+mj-ea"/>
+                <a:cs typeface="+mj-cs"/>
+              </a:rPr>
+              <a:t>LOREM</a:t>
+            </a:r>
+            <a:endParaRPr lang="zh-CN" altLang="en-US" dirty="0">
+              <a:latin typeface="+mj-lt"/>
+              <a:ea typeface="+mj-ea"/>
+              <a:cs typeface="+mj-cs"/>
+            </a:endParaRPr>
+          </a:p>
+        </p:txBody>
+      </p:sp>
+      <p:sp>
+        <p:nvSpPr>
+          <p:cNvPr id="7" name="文本框 6"/>
+          <p:cNvSpPr txBox="1"/>
+          <p:nvPr>
+            <p:custDataLst>
+              <p:tags r:id="rId7"/>
+            </p:custDataLst>
+          </p:nvPr>
+        </p:nvSpPr>
+        <p:spPr>
+          <a:xfrm>
+            <a:off x="6839393" y="4348249"/>
+            <a:ext cx="3369142" cy="1039708"/>
+          </a:xfrm>
+          <a:prstGeom prst="rect">
+            <a:avLst/>
+          </a:prstGeom>
+        </p:spPr>
+        <p:txBody>
+          <a:bodyPr wrap="square">
+            <a:normAutofit/>
+          </a:bodyPr>
+          <a:lstStyle>
+            <a:defPPr>
+              <a:defRPr lang="zh-CN"/>
+            </a:defPPr>
+            <a:lvl1pPr algn="ctr">
+              <a:lnSpc>
+                <a:spcPct val="114000"/>
+              </a:lnSpc>
+              <a:defRPr>
+                <a:solidFill>
+                  <a:schemeClr val="tx1">
+                    <a:lumMod val="40000"/>
+                    <a:lumOff val="60000"/>
+                  </a:schemeClr>
+                </a:solidFill>
+                <a:cs typeface="+mn-ea"/>
+              </a:defRPr>
+            </a:lvl1pPr>
+          </a:lstStyle>
+          <a:p>
+            <a:r>
+              <a:rPr lang="da-DK" altLang="zh-CN" smtClean="0">
+                <a:cs typeface="+mn-cs"/>
+              </a:rPr>
+              <a:t>Lorem ipsum dolor sit amet, consectetur adipisicing elit.</a:t>
+            </a:r>
+            <a:endParaRPr lang="zh-CN" altLang="en-US">
+              <a:cs typeface="+mn-cs"/>
+            </a:endParaRPr>
+          </a:p>
+        </p:txBody>
+      </p:sp>
+    </p:spTree>
+    <p:custDataLst>
+      <p:tags r:id="rId8"/>
+    </p:custDataLst>
+  </p:cSld>
+  <p:clrMapOvr>
+    <a:masterClrMapping/>
+  </p:clrMapOvr>
+</p:sld>
+</file>
+
+<file path=ppt/slides/slide8.xml><?xml version="1.0" encoding="utf-8"?>
 <p:sld xmlns:a="http://schemas.openxmlformats.org/drawingml/2006/main" xmlns:r="http://schemas.openxmlformats.org/officeDocument/2006/relationships" xmlns:p="http://schemas.openxmlformats.org/presentationml/2006/main">
   <p:cSld>
     <p:spTree>
@@ -3357,7 +8822,7 @@
         <p:spPr>
           <a:xfrm>
             <a:off x="-43815" y="2025015"/>
-            <a:ext cx="2120265" cy="368300"/>
+            <a:ext cx="2164080" cy="368300"/>
           </a:xfrm>
           <a:prstGeom prst="rect">
             <a:avLst/>
@@ -3423,7 +8888,7 @@
         <p:spPr>
           <a:xfrm>
             <a:off x="4316730" y="2025015"/>
-            <a:ext cx="1891665" cy="368300"/>
+            <a:ext cx="1935480" cy="368300"/>
           </a:xfrm>
           <a:prstGeom prst="rect">
             <a:avLst/>
@@ -3526,7 +8991,7 @@
         <p:spPr>
           <a:xfrm>
             <a:off x="8059420" y="4798695"/>
-            <a:ext cx="1434465" cy="368300"/>
+            <a:ext cx="1478280" cy="368300"/>
           </a:xfrm>
           <a:prstGeom prst="rect">
             <a:avLst/>
@@ -3787,6 +9252,9 @@
         </p:txBody>
       </p:sp>
     </p:spTree>
+    <p:custDataLst>
+      <p:tags r:id="rId1"/>
+    </p:custDataLst>
   </p:cSld>
   <p:clrMapOvr>
     <a:masterClrMapping/>
@@ -3813,7 +9281,496 @@
 </p:sld>
 </file>
 
+<file path=ppt/tags/tag1.xml><?xml version="1.0" encoding="utf-8"?>
+<p:tagLst xmlns:p="http://schemas.openxmlformats.org/presentationml/2006/main">
+  <p:tag name="KSO_WM_TAG_VERSION" val="1.0"/>
+  <p:tag name="KSO_WM_TEMPLATE_CATEGORY" val="custom"/>
+  <p:tag name="KSO_WM_TEMPLATE_INDEX" val="160510"/>
+</p:tagLst>
+</file>
+
+<file path=ppt/tags/tag10.xml><?xml version="1.0" encoding="utf-8"?>
+<p:tagLst xmlns:p="http://schemas.openxmlformats.org/presentationml/2006/main">
+  <p:tag name="KSO_WM_TAG_VERSION" val="1.0"/>
+  <p:tag name="KSO_WM_BEAUTIFY_FLAG" val="#wm#"/>
+  <p:tag name="KSO_WM_TEMPLATE_CATEGORY" val="custom"/>
+  <p:tag name="KSO_WM_TEMPLATE_INDEX" val="160510"/>
+  <p:tag name="KSO_WM_UNIT_TYPE" val="l_i"/>
+  <p:tag name="KSO_WM_UNIT_INDEX" val="1_2"/>
+  <p:tag name="KSO_WM_UNIT_ID" val="custom160510_14*l_i*1_2"/>
+  <p:tag name="KSO_WM_UNIT_CLEAR" val="1"/>
+  <p:tag name="KSO_WM_UNIT_LAYERLEVEL" val="1_1"/>
+  <p:tag name="KSO_WM_DIAGRAM_GROUP_CODE" val="l1-2"/>
+  <p:tag name="KSO_WM_UNIT_FILL_FORE_SCHEMECOLOR_INDEX" val="5"/>
+  <p:tag name="KSO_WM_UNIT_FILL_TYPE" val="1"/>
+  <p:tag name="KSO_WM_UNIT_TEXT_FILL_FORE_SCHEMECOLOR_INDEX" val="13"/>
+  <p:tag name="KSO_WM_UNIT_TEXT_FILL_TYPE" val="1"/>
+  <p:tag name="KSO_WM_UNIT_USESOURCEFORMAT_APPLY" val="1"/>
+</p:tagLst>
+</file>
+
+<file path=ppt/tags/tag11.xml><?xml version="1.0" encoding="utf-8"?>
+<p:tagLst xmlns:p="http://schemas.openxmlformats.org/presentationml/2006/main">
+  <p:tag name="KSO_WM_TAG_VERSION" val="1.0"/>
+  <p:tag name="KSO_WM_BEAUTIFY_FLAG" val="#wm#"/>
+  <p:tag name="KSO_WM_TEMPLATE_CATEGORY" val="custom"/>
+  <p:tag name="KSO_WM_TEMPLATE_INDEX" val="160510"/>
+  <p:tag name="KSO_WM_UNIT_TYPE" val="a"/>
+  <p:tag name="KSO_WM_UNIT_INDEX" val="1"/>
+  <p:tag name="KSO_WM_UNIT_ID" val="custom160510_14*a*1"/>
+  <p:tag name="KSO_WM_UNIT_CLEAR" val="1"/>
+  <p:tag name="KSO_WM_UNIT_LAYERLEVEL" val="1"/>
+  <p:tag name="KSO_WM_UNIT_VALUE" val="22"/>
+  <p:tag name="KSO_WM_UNIT_ISCONTENTSTITLE" val="0"/>
+  <p:tag name="KSO_WM_UNIT_HIGHLIGHT" val="0"/>
+  <p:tag name="KSO_WM_UNIT_COMPATIBLE" val="0"/>
+  <p:tag name="KSO_WM_UNIT_PRESET_TEXT_INDEX" val="3"/>
+  <p:tag name="KSO_WM_UNIT_PRESET_TEXT_LEN" val="17"/>
+</p:tagLst>
+</file>
+
+<file path=ppt/tags/tag12.xml><?xml version="1.0" encoding="utf-8"?>
+<p:tagLst xmlns:p="http://schemas.openxmlformats.org/presentationml/2006/main">
+  <p:tag name="KSO_WM_TAG_VERSION" val="1.0"/>
+  <p:tag name="KSO_WM_BEAUTIFY_FLAG" val="#wm#"/>
+  <p:tag name="KSO_WM_TEMPLATE_CATEGORY" val="custom"/>
+  <p:tag name="KSO_WM_TEMPLATE_INDEX" val="160510"/>
+  <p:tag name="KSO_WM_UNIT_TYPE" val="l_h_a"/>
+  <p:tag name="KSO_WM_UNIT_INDEX" val="1_1_1"/>
+  <p:tag name="KSO_WM_UNIT_ID" val="custom160510_14*l_h_a*1_1_1"/>
+  <p:tag name="KSO_WM_UNIT_CLEAR" val="1"/>
+  <p:tag name="KSO_WM_UNIT_LAYERLEVEL" val="1_1_1"/>
+  <p:tag name="KSO_WM_UNIT_VALUE" val="13"/>
+  <p:tag name="KSO_WM_UNIT_HIGHLIGHT" val="0"/>
+  <p:tag name="KSO_WM_UNIT_COMPATIBLE" val="0"/>
+  <p:tag name="KSO_WM_UNIT_PRESET_TEXT_INDEX" val="3"/>
+  <p:tag name="KSO_WM_UNIT_PRESET_TEXT_LEN" val="5"/>
+  <p:tag name="KSO_WM_DIAGRAM_GROUP_CODE" val="l1-2"/>
+  <p:tag name="KSO_WM_UNIT_TEXT_FILL_FORE_SCHEMECOLOR_INDEX" val="13"/>
+  <p:tag name="KSO_WM_UNIT_TEXT_FILL_TYPE" val="1"/>
+  <p:tag name="KSO_WM_UNIT_USESOURCEFORMAT_APPLY" val="1"/>
+</p:tagLst>
+</file>
+
+<file path=ppt/tags/tag13.xml><?xml version="1.0" encoding="utf-8"?>
+<p:tagLst xmlns:p="http://schemas.openxmlformats.org/presentationml/2006/main">
+  <p:tag name="KSO_WM_TAG_VERSION" val="1.0"/>
+  <p:tag name="KSO_WM_BEAUTIFY_FLAG" val="#wm#"/>
+  <p:tag name="KSO_WM_TEMPLATE_CATEGORY" val="custom"/>
+  <p:tag name="KSO_WM_TEMPLATE_INDEX" val="160510"/>
+  <p:tag name="KSO_WM_UNIT_TYPE" val="l_h_f"/>
+  <p:tag name="KSO_WM_UNIT_INDEX" val="1_1_1"/>
+  <p:tag name="KSO_WM_UNIT_ID" val="custom160510_14*l_h_f*1_1_1"/>
+  <p:tag name="KSO_WM_UNIT_CLEAR" val="1"/>
+  <p:tag name="KSO_WM_UNIT_LAYERLEVEL" val="1_1_1"/>
+  <p:tag name="KSO_WM_UNIT_VALUE" val="39"/>
+  <p:tag name="KSO_WM_UNIT_HIGHLIGHT" val="0"/>
+  <p:tag name="KSO_WM_UNIT_COMPATIBLE" val="0"/>
+  <p:tag name="KSO_WM_UNIT_PRESET_TEXT_INDEX" val="4"/>
+  <p:tag name="KSO_WM_UNIT_PRESET_TEXT_LEN" val="57"/>
+  <p:tag name="KSO_WM_DIAGRAM_GROUP_CODE" val="l1-2"/>
+  <p:tag name="KSO_WM_UNIT_TEXT_FILL_FORE_SCHEMECOLOR_INDEX" val="13"/>
+  <p:tag name="KSO_WM_UNIT_TEXT_FILL_TYPE" val="1"/>
+  <p:tag name="KSO_WM_UNIT_USESOURCEFORMAT_APPLY" val="1"/>
+</p:tagLst>
+</file>
+
+<file path=ppt/tags/tag14.xml><?xml version="1.0" encoding="utf-8"?>
+<p:tagLst xmlns:p="http://schemas.openxmlformats.org/presentationml/2006/main">
+  <p:tag name="KSO_WM_TAG_VERSION" val="1.0"/>
+  <p:tag name="KSO_WM_BEAUTIFY_FLAG" val="#wm#"/>
+  <p:tag name="KSO_WM_TEMPLATE_CATEGORY" val="custom"/>
+  <p:tag name="KSO_WM_TEMPLATE_INDEX" val="160510"/>
+  <p:tag name="KSO_WM_UNIT_TYPE" val="l_h_a"/>
+  <p:tag name="KSO_WM_UNIT_INDEX" val="1_2_1"/>
+  <p:tag name="KSO_WM_UNIT_ID" val="custom160510_14*l_h_a*1_2_1"/>
+  <p:tag name="KSO_WM_UNIT_CLEAR" val="1"/>
+  <p:tag name="KSO_WM_UNIT_LAYERLEVEL" val="1_1_1"/>
+  <p:tag name="KSO_WM_UNIT_VALUE" val="13"/>
+  <p:tag name="KSO_WM_UNIT_HIGHLIGHT" val="0"/>
+  <p:tag name="KSO_WM_UNIT_COMPATIBLE" val="0"/>
+  <p:tag name="KSO_WM_UNIT_PRESET_TEXT_INDEX" val="3"/>
+  <p:tag name="KSO_WM_UNIT_PRESET_TEXT_LEN" val="5"/>
+  <p:tag name="KSO_WM_DIAGRAM_GROUP_CODE" val="l1-2"/>
+  <p:tag name="KSO_WM_UNIT_TEXT_FILL_FORE_SCHEMECOLOR_INDEX" val="13"/>
+  <p:tag name="KSO_WM_UNIT_TEXT_FILL_TYPE" val="1"/>
+  <p:tag name="KSO_WM_UNIT_USESOURCEFORMAT_APPLY" val="1"/>
+</p:tagLst>
+</file>
+
+<file path=ppt/tags/tag15.xml><?xml version="1.0" encoding="utf-8"?>
+<p:tagLst xmlns:p="http://schemas.openxmlformats.org/presentationml/2006/main">
+  <p:tag name="KSO_WM_TAG_VERSION" val="1.0"/>
+  <p:tag name="KSO_WM_BEAUTIFY_FLAG" val="#wm#"/>
+  <p:tag name="KSO_WM_TEMPLATE_CATEGORY" val="custom"/>
+  <p:tag name="KSO_WM_TEMPLATE_INDEX" val="160510"/>
+  <p:tag name="KSO_WM_UNIT_TYPE" val="l_h_f"/>
+  <p:tag name="KSO_WM_UNIT_INDEX" val="1_2_1"/>
+  <p:tag name="KSO_WM_UNIT_ID" val="custom160510_14*l_h_f*1_2_1"/>
+  <p:tag name="KSO_WM_UNIT_CLEAR" val="1"/>
+  <p:tag name="KSO_WM_UNIT_LAYERLEVEL" val="1_1_1"/>
+  <p:tag name="KSO_WM_UNIT_VALUE" val="39"/>
+  <p:tag name="KSO_WM_UNIT_HIGHLIGHT" val="0"/>
+  <p:tag name="KSO_WM_UNIT_COMPATIBLE" val="0"/>
+  <p:tag name="KSO_WM_UNIT_PRESET_TEXT_INDEX" val="4"/>
+  <p:tag name="KSO_WM_UNIT_PRESET_TEXT_LEN" val="57"/>
+  <p:tag name="KSO_WM_DIAGRAM_GROUP_CODE" val="l1-2"/>
+  <p:tag name="KSO_WM_UNIT_TEXT_FILL_FORE_SCHEMECOLOR_INDEX" val="13"/>
+  <p:tag name="KSO_WM_UNIT_TEXT_FILL_TYPE" val="1"/>
+  <p:tag name="KSO_WM_UNIT_USESOURCEFORMAT_APPLY" val="1"/>
+</p:tagLst>
+</file>
+
+<file path=ppt/tags/tag16.xml><?xml version="1.0" encoding="utf-8"?>
+<p:tagLst xmlns:p="http://schemas.openxmlformats.org/presentationml/2006/main">
+  <p:tag name="KSO_WM_TEMPLATE_CATEGORY" val="custom"/>
+  <p:tag name="KSO_WM_TEMPLATE_INDEX" val="160510"/>
+  <p:tag name="KSO_WM_TAG_VERSION" val="1.0"/>
+  <p:tag name="KSO_WM_SLIDE_ID" val="custom160510_14"/>
+  <p:tag name="KSO_WM_SLIDE_INDEX" val="14"/>
+  <p:tag name="KSO_WM_SLIDE_ITEM_CNT" val="2"/>
+  <p:tag name="KSO_WM_SLIDE_LAYOUT" val="a_l"/>
+  <p:tag name="KSO_WM_SLIDE_LAYOUT_CNT" val="1_1"/>
+  <p:tag name="KSO_WM_SLIDE_TYPE" val="text"/>
+  <p:tag name="KSO_WM_BEAUTIFY_FLAG" val="#wm#"/>
+  <p:tag name="KSO_WM_SLIDE_POSITION" val="156*118"/>
+  <p:tag name="KSO_WM_SLIDE_SIZE" val="648*306"/>
+  <p:tag name="KSO_WM_DIAGRAM_GROUP_CODE" val="l1-2"/>
+</p:tagLst>
+</file>
+
+<file path=ppt/tags/tag17.xml><?xml version="1.0" encoding="utf-8"?>
+<p:tagLst xmlns:p="http://schemas.openxmlformats.org/presentationml/2006/main">
+  <p:tag name="KSO_WM_TEMPLATE_CATEGORY" val="custom"/>
+  <p:tag name="KSO_WM_TEMPLATE_INDEX" val="160510"/>
+</p:tagLst>
+</file>
+
+<file path=ppt/tags/tag2.xml><?xml version="1.0" encoding="utf-8"?>
+<p:tagLst xmlns:p="http://schemas.openxmlformats.org/presentationml/2006/main">
+  <p:tag name="KSO_WM_TAG_VERSION" val="1.0"/>
+  <p:tag name="KSO_WM_TEMPLATE_CATEGORY" val="custom"/>
+  <p:tag name="KSO_WM_TEMPLATE_INDEX" val="160510"/>
+</p:tagLst>
+</file>
+
+<file path=ppt/tags/tag3.xml><?xml version="1.0" encoding="utf-8"?>
+<p:tagLst xmlns:p="http://schemas.openxmlformats.org/presentationml/2006/main">
+  <p:tag name="KSO_WM_TEMPLATE_CATEGORY" val="custom"/>
+  <p:tag name="KSO_WM_TEMPLATE_INDEX" val="160510"/>
+</p:tagLst>
+</file>
+
+<file path=ppt/tags/tag4.xml><?xml version="1.0" encoding="utf-8"?>
+<p:tagLst xmlns:p="http://schemas.openxmlformats.org/presentationml/2006/main">
+  <p:tag name="KSO_WM_TEMPLATE_CATEGORY" val="custom"/>
+  <p:tag name="KSO_WM_TEMPLATE_INDEX" val="160510"/>
+  <p:tag name="KSO_WM_TAG_VERSION" val="1.0"/>
+  <p:tag name="KSO_WM_SLIDE_ID" val="custom160510_13"/>
+  <p:tag name="KSO_WM_SLIDE_INDEX" val="13"/>
+  <p:tag name="KSO_WM_SLIDE_ITEM_CNT" val="1"/>
+  <p:tag name="KSO_WM_SLIDE_LAYOUT" val="a_l"/>
+  <p:tag name="KSO_WM_SLIDE_LAYOUT_CNT" val="1_1"/>
+  <p:tag name="KSO_WM_SLIDE_TYPE" val="text"/>
+  <p:tag name="KSO_WM_BEAUTIFY_FLAG" val="#wm#"/>
+  <p:tag name="KSO_WM_SLIDE_POSITION" val="337*182"/>
+  <p:tag name="KSO_WM_SLIDE_SIZE" val="287*242"/>
+  <p:tag name="KSO_WM_DIAGRAM_GROUP_CODE" val="l1-2"/>
+</p:tagLst>
+</file>
+
+<file path=ppt/tags/tag5.xml><?xml version="1.0" encoding="utf-8"?>
+<p:tagLst xmlns:p="http://schemas.openxmlformats.org/presentationml/2006/main">
+  <p:tag name="KSO_WM_TEMPLATE_CATEGORY" val="custom"/>
+  <p:tag name="KSO_WM_TEMPLATE_INDEX" val="160510"/>
+  <p:tag name="KSO_WM_TAG_VERSION" val="1.0"/>
+  <p:tag name="KSO_WM_SLIDE_ID" val="custom160510_13"/>
+  <p:tag name="KSO_WM_SLIDE_INDEX" val="13"/>
+  <p:tag name="KSO_WM_SLIDE_ITEM_CNT" val="1"/>
+  <p:tag name="KSO_WM_SLIDE_LAYOUT" val="a_l"/>
+  <p:tag name="KSO_WM_SLIDE_LAYOUT_CNT" val="1_1"/>
+  <p:tag name="KSO_WM_SLIDE_TYPE" val="text"/>
+  <p:tag name="KSO_WM_BEAUTIFY_FLAG" val="#wm#"/>
+  <p:tag name="KSO_WM_SLIDE_POSITION" val="337*182"/>
+  <p:tag name="KSO_WM_SLIDE_SIZE" val="287*242"/>
+  <p:tag name="KSO_WM_DIAGRAM_GROUP_CODE" val="l1-2"/>
+</p:tagLst>
+</file>
+
+<file path=ppt/tags/tag6.xml><?xml version="1.0" encoding="utf-8"?>
+<p:tagLst xmlns:p="http://schemas.openxmlformats.org/presentationml/2006/main">
+  <p:tag name="KSO_WM_TEMPLATE_CATEGORY" val="custom"/>
+  <p:tag name="KSO_WM_TEMPLATE_INDEX" val="160510"/>
+  <p:tag name="KSO_WM_TAG_VERSION" val="1.0"/>
+  <p:tag name="KSO_WM_SLIDE_ID" val="custom160510_13"/>
+  <p:tag name="KSO_WM_SLIDE_INDEX" val="13"/>
+  <p:tag name="KSO_WM_SLIDE_ITEM_CNT" val="1"/>
+  <p:tag name="KSO_WM_SLIDE_LAYOUT" val="a_l"/>
+  <p:tag name="KSO_WM_SLIDE_LAYOUT_CNT" val="1_1"/>
+  <p:tag name="KSO_WM_SLIDE_TYPE" val="text"/>
+  <p:tag name="KSO_WM_BEAUTIFY_FLAG" val="#wm#"/>
+  <p:tag name="KSO_WM_SLIDE_POSITION" val="337*182"/>
+  <p:tag name="KSO_WM_SLIDE_SIZE" val="287*242"/>
+  <p:tag name="KSO_WM_DIAGRAM_GROUP_CODE" val="l1-2"/>
+</p:tagLst>
+</file>
+
+<file path=ppt/tags/tag7.xml><?xml version="1.0" encoding="utf-8"?>
+<p:tagLst xmlns:p="http://schemas.openxmlformats.org/presentationml/2006/main">
+  <p:tag name="KSO_WM_TEMPLATE_CATEGORY" val="custom"/>
+  <p:tag name="KSO_WM_TEMPLATE_INDEX" val="160510"/>
+  <p:tag name="KSO_WM_TAG_VERSION" val="1.0"/>
+  <p:tag name="KSO_WM_SLIDE_ID" val="custom160510_13"/>
+  <p:tag name="KSO_WM_SLIDE_INDEX" val="13"/>
+  <p:tag name="KSO_WM_SLIDE_ITEM_CNT" val="1"/>
+  <p:tag name="KSO_WM_SLIDE_LAYOUT" val="a_l"/>
+  <p:tag name="KSO_WM_SLIDE_LAYOUT_CNT" val="1_1"/>
+  <p:tag name="KSO_WM_SLIDE_TYPE" val="text"/>
+  <p:tag name="KSO_WM_BEAUTIFY_FLAG" val="#wm#"/>
+  <p:tag name="KSO_WM_SLIDE_POSITION" val="337*182"/>
+  <p:tag name="KSO_WM_SLIDE_SIZE" val="287*242"/>
+  <p:tag name="KSO_WM_DIAGRAM_GROUP_CODE" val="l1-2"/>
+</p:tagLst>
+</file>
+
+<file path=ppt/tags/tag8.xml><?xml version="1.0" encoding="utf-8"?>
+<p:tagLst xmlns:p="http://schemas.openxmlformats.org/presentationml/2006/main">
+  <p:tag name="KSO_WM_TEMPLATE_CATEGORY" val="custom"/>
+  <p:tag name="KSO_WM_TEMPLATE_INDEX" val="160510"/>
+  <p:tag name="KSO_WM_TAG_VERSION" val="1.0"/>
+  <p:tag name="KSO_WM_SLIDE_ID" val="custom160510_13"/>
+  <p:tag name="KSO_WM_SLIDE_INDEX" val="13"/>
+  <p:tag name="KSO_WM_SLIDE_ITEM_CNT" val="1"/>
+  <p:tag name="KSO_WM_SLIDE_LAYOUT" val="a_l"/>
+  <p:tag name="KSO_WM_SLIDE_LAYOUT_CNT" val="1_1"/>
+  <p:tag name="KSO_WM_SLIDE_TYPE" val="text"/>
+  <p:tag name="KSO_WM_BEAUTIFY_FLAG" val="#wm#"/>
+  <p:tag name="KSO_WM_SLIDE_POSITION" val="337*182"/>
+  <p:tag name="KSO_WM_SLIDE_SIZE" val="287*242"/>
+  <p:tag name="KSO_WM_DIAGRAM_GROUP_CODE" val="l1-2"/>
+</p:tagLst>
+</file>
+
+<file path=ppt/tags/tag9.xml><?xml version="1.0" encoding="utf-8"?>
+<p:tagLst xmlns:p="http://schemas.openxmlformats.org/presentationml/2006/main">
+  <p:tag name="KSO_WM_TAG_VERSION" val="1.0"/>
+  <p:tag name="KSO_WM_BEAUTIFY_FLAG" val="#wm#"/>
+  <p:tag name="KSO_WM_TEMPLATE_CATEGORY" val="custom"/>
+  <p:tag name="KSO_WM_TEMPLATE_INDEX" val="160510"/>
+  <p:tag name="KSO_WM_UNIT_TYPE" val="l_i"/>
+  <p:tag name="KSO_WM_UNIT_INDEX" val="1_1"/>
+  <p:tag name="KSO_WM_UNIT_ID" val="custom160510_14*l_i*1_1"/>
+  <p:tag name="KSO_WM_UNIT_CLEAR" val="1"/>
+  <p:tag name="KSO_WM_UNIT_LAYERLEVEL" val="1_1"/>
+  <p:tag name="KSO_WM_DIAGRAM_GROUP_CODE" val="l1-2"/>
+  <p:tag name="KSO_WM_UNIT_FILL_FORE_SCHEMECOLOR_INDEX" val="5"/>
+  <p:tag name="KSO_WM_UNIT_FILL_TYPE" val="1"/>
+  <p:tag name="KSO_WM_UNIT_TEXT_FILL_FORE_SCHEMECOLOR_INDEX" val="13"/>
+  <p:tag name="KSO_WM_UNIT_TEXT_FILL_TYPE" val="1"/>
+  <p:tag name="KSO_WM_UNIT_USESOURCEFORMAT_APPLY" val="1"/>
+</p:tagLst>
+</file>
+
 <file path=ppt/theme/theme1.xml><?xml version="1.0" encoding="utf-8"?>
+<a:theme xmlns:a="http://schemas.openxmlformats.org/drawingml/2006/main" name="1_Office 主题">
+  <a:themeElements>
+    <a:clrScheme name="自定义 57">
+      <a:dk1>
+        <a:srgbClr val="3F3F3F"/>
+      </a:dk1>
+      <a:lt1>
+        <a:srgbClr val="FFFFFF"/>
+      </a:lt1>
+      <a:dk2>
+        <a:srgbClr val="3F3F3F"/>
+      </a:dk2>
+      <a:lt2>
+        <a:srgbClr val="FFFFFF"/>
+      </a:lt2>
+      <a:accent1>
+        <a:srgbClr val="C8DA2D"/>
+      </a:accent1>
+      <a:accent2>
+        <a:srgbClr val="A0D07A"/>
+      </a:accent2>
+      <a:accent3>
+        <a:srgbClr val="7FCBAD"/>
+      </a:accent3>
+      <a:accent4>
+        <a:srgbClr val="4DC8EA"/>
+      </a:accent4>
+      <a:accent5>
+        <a:srgbClr val="114B93"/>
+      </a:accent5>
+      <a:accent6>
+        <a:srgbClr val="FFC000"/>
+      </a:accent6>
+      <a:hlink>
+        <a:srgbClr val="0563C1"/>
+      </a:hlink>
+      <a:folHlink>
+        <a:srgbClr val="954F72"/>
+      </a:folHlink>
+    </a:clrScheme>
+    <a:fontScheme name="自定义 10">
+      <a:majorFont>
+        <a:latin typeface="Arial"/>
+        <a:ea typeface="黑体"/>
+        <a:cs typeface=""/>
+      </a:majorFont>
+      <a:minorFont>
+        <a:latin typeface="Arial"/>
+        <a:ea typeface="黑体"/>
+        <a:cs typeface=""/>
+      </a:minorFont>
+    </a:fontScheme>
+    <a:fmtScheme name="Office">
+      <a:fillStyleLst>
+        <a:solidFill>
+          <a:schemeClr val="phClr"/>
+        </a:solidFill>
+        <a:gradFill rotWithShape="1">
+          <a:gsLst>
+            <a:gs pos="0">
+              <a:schemeClr val="phClr">
+                <a:lumMod val="110000"/>
+                <a:satMod val="105000"/>
+                <a:tint val="67000"/>
+              </a:schemeClr>
+            </a:gs>
+            <a:gs pos="50000">
+              <a:schemeClr val="phClr">
+                <a:lumMod val="105000"/>
+                <a:satMod val="103000"/>
+                <a:tint val="73000"/>
+              </a:schemeClr>
+            </a:gs>
+            <a:gs pos="100000">
+              <a:schemeClr val="phClr">
+                <a:lumMod val="105000"/>
+                <a:satMod val="109000"/>
+                <a:tint val="81000"/>
+              </a:schemeClr>
+            </a:gs>
+          </a:gsLst>
+          <a:lin ang="5400000" scaled="0"/>
+        </a:gradFill>
+        <a:gradFill rotWithShape="1">
+          <a:gsLst>
+            <a:gs pos="0">
+              <a:schemeClr val="phClr">
+                <a:satMod val="103000"/>
+                <a:lumMod val="102000"/>
+                <a:tint val="94000"/>
+              </a:schemeClr>
+            </a:gs>
+            <a:gs pos="50000">
+              <a:schemeClr val="phClr">
+                <a:satMod val="110000"/>
+                <a:lumMod val="100000"/>
+                <a:shade val="100000"/>
+              </a:schemeClr>
+            </a:gs>
+            <a:gs pos="100000">
+              <a:schemeClr val="phClr">
+                <a:lumMod val="99000"/>
+                <a:satMod val="120000"/>
+                <a:shade val="78000"/>
+              </a:schemeClr>
+            </a:gs>
+          </a:gsLst>
+          <a:lin ang="5400000" scaled="0"/>
+        </a:gradFill>
+      </a:fillStyleLst>
+      <a:lnStyleLst>
+        <a:ln w="6350" cap="flat" cmpd="sng" algn="ctr">
+          <a:solidFill>
+            <a:schemeClr val="phClr"/>
+          </a:solidFill>
+          <a:prstDash val="solid"/>
+          <a:miter lim="800000"/>
+        </a:ln>
+        <a:ln w="12700" cap="flat" cmpd="sng" algn="ctr">
+          <a:solidFill>
+            <a:schemeClr val="phClr"/>
+          </a:solidFill>
+          <a:prstDash val="solid"/>
+          <a:miter lim="800000"/>
+        </a:ln>
+        <a:ln w="19050" cap="flat" cmpd="sng" algn="ctr">
+          <a:solidFill>
+            <a:schemeClr val="phClr"/>
+          </a:solidFill>
+          <a:prstDash val="solid"/>
+          <a:miter lim="800000"/>
+        </a:ln>
+      </a:lnStyleLst>
+      <a:effectStyleLst>
+        <a:effectStyle>
+          <a:effectLst/>
+        </a:effectStyle>
+        <a:effectStyle>
+          <a:effectLst/>
+        </a:effectStyle>
+        <a:effectStyle>
+          <a:effectLst>
+            <a:outerShdw blurRad="57150" dist="19050" dir="5400000" algn="ctr" rotWithShape="0">
+              <a:srgbClr val="000000">
+                <a:alpha val="63000"/>
+              </a:srgbClr>
+            </a:outerShdw>
+          </a:effectLst>
+        </a:effectStyle>
+      </a:effectStyleLst>
+      <a:bgFillStyleLst>
+        <a:solidFill>
+          <a:schemeClr val="phClr"/>
+        </a:solidFill>
+        <a:solidFill>
+          <a:schemeClr val="phClr">
+            <a:tint val="95000"/>
+            <a:satMod val="170000"/>
+          </a:schemeClr>
+        </a:solidFill>
+        <a:gradFill rotWithShape="1">
+          <a:gsLst>
+            <a:gs pos="0">
+              <a:schemeClr val="phClr">
+                <a:tint val="93000"/>
+                <a:satMod val="150000"/>
+                <a:shade val="98000"/>
+                <a:lumMod val="102000"/>
+              </a:schemeClr>
+            </a:gs>
+            <a:gs pos="50000">
+              <a:schemeClr val="phClr">
+                <a:tint val="98000"/>
+                <a:satMod val="130000"/>
+                <a:shade val="90000"/>
+                <a:lumMod val="103000"/>
+              </a:schemeClr>
+            </a:gs>
+            <a:gs pos="100000">
+              <a:schemeClr val="phClr">
+                <a:shade val="63000"/>
+                <a:satMod val="120000"/>
+              </a:schemeClr>
+            </a:gs>
+          </a:gsLst>
+          <a:lin ang="5400000" scaled="0"/>
+        </a:gradFill>
+      </a:bgFillStyleLst>
+    </a:fmtScheme>
+  </a:themeElements>
+  <a:extLst>
+    <a:ext uri="{05A4C25C-085E-4340-85A3-A5531E510DB2}">
+      <thm15:themeFamily xmlns:thm15="http://schemas.microsoft.com/office/thememl/2012/main" name="Office Theme" id="{62F939B6-93AF-4DB8-9C6B-D6C7DFDC589F}" vid="{4A3C46E8-61CC-4603-A589-7422A47A8E4A}"/>
+    </a:ext>
+  </a:extLst>
+</a:theme>
+</file>
+
+<file path=ppt/theme/theme2.xml><?xml version="1.0" encoding="utf-8"?>
 <a:theme xmlns:a="http://schemas.openxmlformats.org/drawingml/2006/main" name="Office 主题">
   <a:themeElements>
     <a:clrScheme name="Office">
@@ -4064,8 +10021,6 @@
       </a:bgFillStyleLst>
     </a:fmtScheme>
   </a:themeElements>
-  <a:objectDefaults/>
-  <a:extraClrSchemeLst/>
   <a:extLst>
     <a:ext uri="{05A4C25C-085E-4340-85A3-A5531E510DB2}">
       <thm15:themeFamily xmlns:thm15="http://schemas.microsoft.com/office/thememl/2012/main" name="Office Theme" id="{62F939B6-93AF-4DB8-9C6B-D6C7DFDC589F}" vid="{4A3C46E8-61CC-4603-A589-7422A47A8E4A}"/>

--- a/bigCloudAi/bigCloudAi.pptx
+++ b/bigCloudAi/bigCloudAi.pptx
@@ -14,8 +14,9 @@
     <p:sldId id="263" r:id="rId7"/>
     <p:sldId id="260" r:id="rId8"/>
     <p:sldId id="261" r:id="rId9"/>
-    <p:sldId id="259" r:id="rId10"/>
-    <p:sldId id="257" r:id="rId11"/>
+    <p:sldId id="268" r:id="rId10"/>
+    <p:sldId id="259" r:id="rId11"/>
+    <p:sldId id="257" r:id="rId12"/>
   </p:sldIdLst>
   <p:sldSz cx="12192000" cy="6858000"/>
   <p:notesSz cx="6858000" cy="9144000"/>
@@ -855,6 +856,84 @@
 </file>
 
 <file path=ppt/notesSlides/notesSlide6.xml><?xml version="1.0" encoding="utf-8"?>
+<p:notes xmlns:a="http://schemas.openxmlformats.org/drawingml/2006/main" xmlns:r="http://schemas.openxmlformats.org/officeDocument/2006/relationships" xmlns:p="http://schemas.openxmlformats.org/presentationml/2006/main">
+  <p:cSld>
+    <p:spTree>
+      <p:nvGrpSpPr>
+        <p:cNvPr id="1" name=""/>
+        <p:cNvGrpSpPr/>
+        <p:nvPr/>
+      </p:nvGrpSpPr>
+      <p:grpSpPr>
+        <a:xfrm>
+          <a:off x="0" y="0"/>
+          <a:ext cx="0" cy="0"/>
+          <a:chOff x="0" y="0"/>
+          <a:chExt cx="0" cy="0"/>
+        </a:xfrm>
+      </p:grpSpPr>
+      <p:sp>
+        <p:nvSpPr>
+          <p:cNvPr id="2" name="幻灯片图像占位符 1"/>
+          <p:cNvSpPr>
+            <a:spLocks noGrp="1" noRot="1" noChangeAspect="1"/>
+          </p:cNvSpPr>
+          <p:nvPr>
+            <p:ph type="sldImg"/>
+          </p:nvPr>
+        </p:nvSpPr>
+        <p:spPr/>
+      </p:sp>
+      <p:sp>
+        <p:nvSpPr>
+          <p:cNvPr id="3" name="备注占位符 2"/>
+          <p:cNvSpPr>
+            <a:spLocks noGrp="1"/>
+          </p:cNvSpPr>
+          <p:nvPr>
+            <p:ph type="body" idx="1"/>
+          </p:nvPr>
+        </p:nvSpPr>
+        <p:spPr/>
+        <p:txBody>
+          <a:bodyPr/>
+          <a:lstStyle/>
+          <a:p>
+            <a:endParaRPr lang="zh-CN" altLang="en-US"/>
+          </a:p>
+        </p:txBody>
+      </p:sp>
+      <p:sp>
+        <p:nvSpPr>
+          <p:cNvPr id="4" name="灯片编号占位符 3"/>
+          <p:cNvSpPr>
+            <a:spLocks noGrp="1"/>
+          </p:cNvSpPr>
+          <p:nvPr>
+            <p:ph type="sldNum" sz="quarter" idx="10"/>
+          </p:nvPr>
+        </p:nvSpPr>
+        <p:spPr/>
+        <p:txBody>
+          <a:bodyPr/>
+          <a:lstStyle/>
+          <a:p>
+            <a:fld id="{CFE6508D-EA78-480B-8754-7566540D899C}" type="slidenum">
+              <a:rPr lang="zh-CN" altLang="en-US" smtClean="0"/>
+            </a:fld>
+            <a:endParaRPr lang="zh-CN" altLang="en-US"/>
+          </a:p>
+        </p:txBody>
+      </p:sp>
+    </p:spTree>
+  </p:cSld>
+  <p:clrMapOvr>
+    <a:masterClrMapping/>
+  </p:clrMapOvr>
+</p:notes>
+</file>
+
+<file path=ppt/notesSlides/notesSlide7.xml><?xml version="1.0" encoding="utf-8"?>
 <p:notes xmlns:a="http://schemas.openxmlformats.org/drawingml/2006/main" xmlns:r="http://schemas.openxmlformats.org/officeDocument/2006/relationships" xmlns:p="http://schemas.openxmlformats.org/presentationml/2006/main">
   <p:cSld>
     <p:spTree>
@@ -4141,11 +4220,7 @@
             </a:r>
             <a:r>
               <a:rPr lang="en-US" altLang="zh-CN"/>
-              <a:t>.</a:t>
-            </a:r>
-            <a:r>
-              <a:rPr lang="en-US" altLang="zh-CN"/>
-              <a:t>aiApp</a:t>
+              <a:t>.aiApp</a:t>
             </a:r>
             <a:r>
               <a:rPr lang="zh-CN" altLang="en-US"/>
@@ -4227,11 +4302,7 @@
             </a:r>
             <a:r>
               <a:rPr lang="en-US" altLang="zh-CN"/>
-              <a:t>.</a:t>
-            </a:r>
-            <a:r>
-              <a:rPr lang="en-US" altLang="zh-CN"/>
-              <a:t>cloudOs</a:t>
+              <a:t>.cloudOs</a:t>
             </a:r>
             <a:r>
               <a:rPr lang="zh-CN" altLang="zh-CN"/>
@@ -4340,11 +4411,7 @@
             </a:r>
             <a:r>
               <a:rPr lang="en-US" altLang="zh-CN"/>
-              <a:t>.</a:t>
-            </a:r>
-            <a:r>
-              <a:rPr lang="en-US" altLang="zh-CN"/>
-              <a:t>bigFs</a:t>
+              <a:t>.bigFs</a:t>
             </a:r>
             <a:r>
               <a:rPr lang="zh-CN" altLang="zh-CN"/>
@@ -6454,6 +6521,256 @@
           </a:p>
         </p:txBody>
       </p:sp>
+      <p:sp>
+        <p:nvSpPr>
+          <p:cNvPr id="3" name="矩形 2"/>
+          <p:cNvSpPr/>
+          <p:nvPr/>
+        </p:nvSpPr>
+        <p:spPr>
+          <a:xfrm>
+            <a:off x="1618615" y="5068570"/>
+            <a:ext cx="9942195" cy="468630"/>
+          </a:xfrm>
+          <a:prstGeom prst="rect">
+            <a:avLst/>
+          </a:prstGeom>
+        </p:spPr>
+        <p:style>
+          <a:lnRef idx="2">
+            <a:schemeClr val="accent1">
+              <a:shade val="50000"/>
+            </a:schemeClr>
+          </a:lnRef>
+          <a:fillRef idx="1">
+            <a:schemeClr val="accent1"/>
+          </a:fillRef>
+          <a:effectRef idx="0">
+            <a:schemeClr val="accent1"/>
+          </a:effectRef>
+          <a:fontRef idx="minor">
+            <a:schemeClr val="lt1"/>
+          </a:fontRef>
+        </p:style>
+        <p:txBody>
+          <a:bodyPr rtlCol="0" anchor="ctr"/>
+          <a:p>
+            <a:pPr algn="ctr"/>
+            <a:r>
+              <a:rPr lang="en-US" altLang="zh-CN"/>
+              <a:t>bigFs</a:t>
+            </a:r>
+            <a:endParaRPr lang="en-US" altLang="zh-CN"/>
+          </a:p>
+        </p:txBody>
+      </p:sp>
+      <p:sp>
+        <p:nvSpPr>
+          <p:cNvPr id="4" name="矩形 3"/>
+          <p:cNvSpPr/>
+          <p:nvPr/>
+        </p:nvSpPr>
+        <p:spPr>
+          <a:xfrm>
+            <a:off x="428625" y="5635625"/>
+            <a:ext cx="11132820" cy="824230"/>
+          </a:xfrm>
+          <a:prstGeom prst="rect">
+            <a:avLst/>
+          </a:prstGeom>
+        </p:spPr>
+        <p:style>
+          <a:lnRef idx="2">
+            <a:schemeClr val="accent1">
+              <a:shade val="50000"/>
+            </a:schemeClr>
+          </a:lnRef>
+          <a:fillRef idx="1">
+            <a:schemeClr val="accent1"/>
+          </a:fillRef>
+          <a:effectRef idx="0">
+            <a:schemeClr val="accent1"/>
+          </a:effectRef>
+          <a:fontRef idx="minor">
+            <a:schemeClr val="lt1"/>
+          </a:fontRef>
+        </p:style>
+        <p:txBody>
+          <a:bodyPr rtlCol="0" anchor="ctr"/>
+          <a:p>
+            <a:pPr algn="ctr"/>
+            <a:r>
+              <a:rPr lang="zh-CN" altLang="en-US"/>
+              <a:t>数据湖泊</a:t>
+            </a:r>
+            <a:endParaRPr lang="zh-CN" altLang="en-US"/>
+          </a:p>
+        </p:txBody>
+      </p:sp>
+      <p:sp>
+        <p:nvSpPr>
+          <p:cNvPr id="5" name="矩形 4"/>
+          <p:cNvSpPr/>
+          <p:nvPr/>
+        </p:nvSpPr>
+        <p:spPr>
+          <a:xfrm>
+            <a:off x="429260" y="2941955"/>
+            <a:ext cx="11132185" cy="1208405"/>
+          </a:xfrm>
+          <a:prstGeom prst="rect">
+            <a:avLst/>
+          </a:prstGeom>
+        </p:spPr>
+        <p:style>
+          <a:lnRef idx="2">
+            <a:schemeClr val="accent1">
+              <a:shade val="50000"/>
+            </a:schemeClr>
+          </a:lnRef>
+          <a:fillRef idx="1">
+            <a:schemeClr val="accent1"/>
+          </a:fillRef>
+          <a:effectRef idx="0">
+            <a:schemeClr val="accent1"/>
+          </a:effectRef>
+          <a:fontRef idx="minor">
+            <a:schemeClr val="lt1"/>
+          </a:fontRef>
+        </p:style>
+        <p:txBody>
+          <a:bodyPr rtlCol="0" anchor="ctr"/>
+          <a:p>
+            <a:pPr algn="ctr"/>
+            <a:r>
+              <a:rPr lang="en-US" altLang="zh-CN"/>
+              <a:t>aiApp</a:t>
+            </a:r>
+            <a:endParaRPr lang="en-US" altLang="zh-CN"/>
+          </a:p>
+        </p:txBody>
+      </p:sp>
+      <p:sp>
+        <p:nvSpPr>
+          <p:cNvPr id="6" name="矩形 5"/>
+          <p:cNvSpPr/>
+          <p:nvPr/>
+        </p:nvSpPr>
+        <p:spPr>
+          <a:xfrm>
+            <a:off x="645795" y="3340100"/>
+            <a:ext cx="4197985" cy="608965"/>
+          </a:xfrm>
+          <a:prstGeom prst="rect">
+            <a:avLst/>
+          </a:prstGeom>
+        </p:spPr>
+        <p:style>
+          <a:lnRef idx="2">
+            <a:schemeClr val="accent4">
+              <a:shade val="50000"/>
+            </a:schemeClr>
+          </a:lnRef>
+          <a:fillRef idx="1">
+            <a:schemeClr val="accent4"/>
+          </a:fillRef>
+          <a:effectRef idx="0">
+            <a:schemeClr val="accent4"/>
+          </a:effectRef>
+          <a:fontRef idx="minor">
+            <a:schemeClr val="lt1"/>
+          </a:fontRef>
+        </p:style>
+        <p:txBody>
+          <a:bodyPr rtlCol="0" anchor="ctr"/>
+          <a:p>
+            <a:pPr algn="ctr"/>
+            <a:r>
+              <a:rPr lang="zh-CN" altLang="en-US"/>
+              <a:t>数据可视化</a:t>
+            </a:r>
+            <a:endParaRPr lang="zh-CN" altLang="en-US"/>
+          </a:p>
+        </p:txBody>
+      </p:sp>
+      <p:sp>
+        <p:nvSpPr>
+          <p:cNvPr id="7" name="上下箭头 6"/>
+          <p:cNvSpPr/>
+          <p:nvPr/>
+        </p:nvSpPr>
+        <p:spPr>
+          <a:xfrm>
+            <a:off x="1714500" y="4033520"/>
+            <a:ext cx="703580" cy="1156970"/>
+          </a:xfrm>
+          <a:prstGeom prst="upDownArrow">
+            <a:avLst/>
+          </a:prstGeom>
+        </p:spPr>
+        <p:style>
+          <a:lnRef idx="2">
+            <a:schemeClr val="accent1">
+              <a:shade val="50000"/>
+            </a:schemeClr>
+          </a:lnRef>
+          <a:fillRef idx="1">
+            <a:schemeClr val="accent1"/>
+          </a:fillRef>
+          <a:effectRef idx="0">
+            <a:schemeClr val="accent1"/>
+          </a:effectRef>
+          <a:fontRef idx="minor">
+            <a:schemeClr val="lt1"/>
+          </a:fontRef>
+        </p:style>
+        <p:txBody>
+          <a:bodyPr rtlCol="0" anchor="ctr"/>
+          <a:p>
+            <a:pPr algn="ctr"/>
+            <a:endParaRPr lang="zh-CN" altLang="en-US"/>
+          </a:p>
+        </p:txBody>
+      </p:sp>
+      <p:sp>
+        <p:nvSpPr>
+          <p:cNvPr id="8" name="上下箭头 7"/>
+          <p:cNvSpPr/>
+          <p:nvPr/>
+        </p:nvSpPr>
+        <p:spPr>
+          <a:xfrm>
+            <a:off x="767715" y="4033520"/>
+            <a:ext cx="703580" cy="1503680"/>
+          </a:xfrm>
+          <a:prstGeom prst="upDownArrow">
+            <a:avLst/>
+          </a:prstGeom>
+        </p:spPr>
+        <p:style>
+          <a:lnRef idx="2">
+            <a:schemeClr val="accent1">
+              <a:shade val="50000"/>
+            </a:schemeClr>
+          </a:lnRef>
+          <a:fillRef idx="1">
+            <a:schemeClr val="accent1"/>
+          </a:fillRef>
+          <a:effectRef idx="0">
+            <a:schemeClr val="accent1"/>
+          </a:effectRef>
+          <a:fontRef idx="minor">
+            <a:schemeClr val="lt1"/>
+          </a:fontRef>
+        </p:style>
+        <p:txBody>
+          <a:bodyPr rtlCol="0" anchor="ctr"/>
+          <a:p>
+            <a:pPr algn="ctr"/>
+            <a:endParaRPr lang="zh-CN" altLang="en-US"/>
+          </a:p>
+        </p:txBody>
+      </p:sp>
     </p:spTree>
     <p:custDataLst>
       <p:tags r:id="rId1"/>
@@ -6466,6 +6783,71 @@
 </file>
 
 <file path=ppt/slides/slide7.xml><?xml version="1.0" encoding="utf-8"?>
+<p:sld xmlns:a="http://schemas.openxmlformats.org/drawingml/2006/main" xmlns:r="http://schemas.openxmlformats.org/officeDocument/2006/relationships" xmlns:p="http://schemas.openxmlformats.org/presentationml/2006/main">
+  <p:cSld>
+    <p:spTree>
+      <p:nvGrpSpPr>
+        <p:cNvPr id="1" name=""/>
+        <p:cNvGrpSpPr/>
+        <p:nvPr/>
+      </p:nvGrpSpPr>
+      <p:grpSpPr>
+        <a:xfrm>
+          <a:off x="0" y="0"/>
+          <a:ext cx="0" cy="0"/>
+          <a:chOff x="0" y="0"/>
+          <a:chExt cx="0" cy="0"/>
+        </a:xfrm>
+      </p:grpSpPr>
+      <p:sp>
+        <p:nvSpPr>
+          <p:cNvPr id="2" name="文本框 1"/>
+          <p:cNvSpPr txBox="1"/>
+          <p:nvPr/>
+        </p:nvSpPr>
+        <p:spPr>
+          <a:xfrm>
+            <a:off x="428625" y="66040"/>
+            <a:ext cx="4831080" cy="829945"/>
+          </a:xfrm>
+          <a:prstGeom prst="rect">
+            <a:avLst/>
+          </a:prstGeom>
+          <a:noFill/>
+        </p:spPr>
+        <p:txBody>
+          <a:bodyPr wrap="square" rtlCol="0">
+            <a:spAutoFit/>
+          </a:bodyPr>
+          <a:p>
+            <a:r>
+              <a:rPr lang="en-US" altLang="zh-CN" sz="4800">
+                <a:solidFill>
+                  <a:schemeClr val="bg2"/>
+                </a:solidFill>
+              </a:rPr>
+              <a:t>AiApp</a:t>
+            </a:r>
+            <a:endParaRPr lang="en-US" altLang="zh-CN" sz="4800">
+              <a:solidFill>
+                <a:schemeClr val="bg2"/>
+              </a:solidFill>
+            </a:endParaRPr>
+          </a:p>
+        </p:txBody>
+      </p:sp>
+    </p:spTree>
+    <p:custDataLst>
+      <p:tags r:id="rId1"/>
+    </p:custDataLst>
+  </p:cSld>
+  <p:clrMapOvr>
+    <a:masterClrMapping/>
+  </p:clrMapOvr>
+</p:sld>
+</file>
+
+<file path=ppt/slides/slide8.xml><?xml version="1.0" encoding="utf-8"?>
 <p:sld xmlns:a="http://schemas.openxmlformats.org/drawingml/2006/main" xmlns:r="http://schemas.openxmlformats.org/officeDocument/2006/relationships" xmlns:p="http://schemas.openxmlformats.org/presentationml/2006/main">
   <p:cSld>
     <p:spTree>
@@ -8388,7 +8770,7 @@
 </p:sld>
 </file>
 
-<file path=ppt/slides/slide8.xml><?xml version="1.0" encoding="utf-8"?>
+<file path=ppt/slides/slide9.xml><?xml version="1.0" encoding="utf-8"?>
 <p:sld xmlns:a="http://schemas.openxmlformats.org/drawingml/2006/main" xmlns:r="http://schemas.openxmlformats.org/officeDocument/2006/relationships" xmlns:p="http://schemas.openxmlformats.org/presentationml/2006/main">
   <p:cSld>
     <p:spTree>
@@ -9296,6 +9678,26 @@
   <p:tag name="KSO_WM_TEMPLATE_CATEGORY" val="custom"/>
   <p:tag name="KSO_WM_TEMPLATE_INDEX" val="160510"/>
   <p:tag name="KSO_WM_UNIT_TYPE" val="l_i"/>
+  <p:tag name="KSO_WM_UNIT_INDEX" val="1_1"/>
+  <p:tag name="KSO_WM_UNIT_ID" val="custom160510_14*l_i*1_1"/>
+  <p:tag name="KSO_WM_UNIT_CLEAR" val="1"/>
+  <p:tag name="KSO_WM_UNIT_LAYERLEVEL" val="1_1"/>
+  <p:tag name="KSO_WM_DIAGRAM_GROUP_CODE" val="l1-2"/>
+  <p:tag name="KSO_WM_UNIT_FILL_FORE_SCHEMECOLOR_INDEX" val="5"/>
+  <p:tag name="KSO_WM_UNIT_FILL_TYPE" val="1"/>
+  <p:tag name="KSO_WM_UNIT_TEXT_FILL_FORE_SCHEMECOLOR_INDEX" val="13"/>
+  <p:tag name="KSO_WM_UNIT_TEXT_FILL_TYPE" val="1"/>
+  <p:tag name="KSO_WM_UNIT_USESOURCEFORMAT_APPLY" val="1"/>
+</p:tagLst>
+</file>
+
+<file path=ppt/tags/tag11.xml><?xml version="1.0" encoding="utf-8"?>
+<p:tagLst xmlns:p="http://schemas.openxmlformats.org/presentationml/2006/main">
+  <p:tag name="KSO_WM_TAG_VERSION" val="1.0"/>
+  <p:tag name="KSO_WM_BEAUTIFY_FLAG" val="#wm#"/>
+  <p:tag name="KSO_WM_TEMPLATE_CATEGORY" val="custom"/>
+  <p:tag name="KSO_WM_TEMPLATE_INDEX" val="160510"/>
+  <p:tag name="KSO_WM_UNIT_TYPE" val="l_i"/>
   <p:tag name="KSO_WM_UNIT_INDEX" val="1_2"/>
   <p:tag name="KSO_WM_UNIT_ID" val="custom160510_14*l_i*1_2"/>
   <p:tag name="KSO_WM_UNIT_CLEAR" val="1"/>
@@ -9309,7 +9711,7 @@
 </p:tagLst>
 </file>
 
-<file path=ppt/tags/tag11.xml><?xml version="1.0" encoding="utf-8"?>
+<file path=ppt/tags/tag12.xml><?xml version="1.0" encoding="utf-8"?>
 <p:tagLst xmlns:p="http://schemas.openxmlformats.org/presentationml/2006/main">
   <p:tag name="KSO_WM_TAG_VERSION" val="1.0"/>
   <p:tag name="KSO_WM_BEAUTIFY_FLAG" val="#wm#"/>
@@ -9329,7 +9731,7 @@
 </p:tagLst>
 </file>
 
-<file path=ppt/tags/tag12.xml><?xml version="1.0" encoding="utf-8"?>
+<file path=ppt/tags/tag13.xml><?xml version="1.0" encoding="utf-8"?>
 <p:tagLst xmlns:p="http://schemas.openxmlformats.org/presentationml/2006/main">
   <p:tag name="KSO_WM_TAG_VERSION" val="1.0"/>
   <p:tag name="KSO_WM_BEAUTIFY_FLAG" val="#wm#"/>
@@ -9352,7 +9754,7 @@
 </p:tagLst>
 </file>
 
-<file path=ppt/tags/tag13.xml><?xml version="1.0" encoding="utf-8"?>
+<file path=ppt/tags/tag14.xml><?xml version="1.0" encoding="utf-8"?>
 <p:tagLst xmlns:p="http://schemas.openxmlformats.org/presentationml/2006/main">
   <p:tag name="KSO_WM_TAG_VERSION" val="1.0"/>
   <p:tag name="KSO_WM_BEAUTIFY_FLAG" val="#wm#"/>
@@ -9375,7 +9777,7 @@
 </p:tagLst>
 </file>
 
-<file path=ppt/tags/tag14.xml><?xml version="1.0" encoding="utf-8"?>
+<file path=ppt/tags/tag15.xml><?xml version="1.0" encoding="utf-8"?>
 <p:tagLst xmlns:p="http://schemas.openxmlformats.org/presentationml/2006/main">
   <p:tag name="KSO_WM_TAG_VERSION" val="1.0"/>
   <p:tag name="KSO_WM_BEAUTIFY_FLAG" val="#wm#"/>
@@ -9398,7 +9800,7 @@
 </p:tagLst>
 </file>
 
-<file path=ppt/tags/tag15.xml><?xml version="1.0" encoding="utf-8"?>
+<file path=ppt/tags/tag16.xml><?xml version="1.0" encoding="utf-8"?>
 <p:tagLst xmlns:p="http://schemas.openxmlformats.org/presentationml/2006/main">
   <p:tag name="KSO_WM_TAG_VERSION" val="1.0"/>
   <p:tag name="KSO_WM_BEAUTIFY_FLAG" val="#wm#"/>
@@ -9421,7 +9823,7 @@
 </p:tagLst>
 </file>
 
-<file path=ppt/tags/tag16.xml><?xml version="1.0" encoding="utf-8"?>
+<file path=ppt/tags/tag17.xml><?xml version="1.0" encoding="utf-8"?>
 <p:tagLst xmlns:p="http://schemas.openxmlformats.org/presentationml/2006/main">
   <p:tag name="KSO_WM_TEMPLATE_CATEGORY" val="custom"/>
   <p:tag name="KSO_WM_TEMPLATE_INDEX" val="160510"/>
@@ -9439,7 +9841,7 @@
 </p:tagLst>
 </file>
 
-<file path=ppt/tags/tag17.xml><?xml version="1.0" encoding="utf-8"?>
+<file path=ppt/tags/tag18.xml><?xml version="1.0" encoding="utf-8"?>
 <p:tagLst xmlns:p="http://schemas.openxmlformats.org/presentationml/2006/main">
   <p:tag name="KSO_WM_TEMPLATE_CATEGORY" val="custom"/>
   <p:tag name="KSO_WM_TEMPLATE_INDEX" val="160510"/>
@@ -9553,21 +9955,19 @@
 
 <file path=ppt/tags/tag9.xml><?xml version="1.0" encoding="utf-8"?>
 <p:tagLst xmlns:p="http://schemas.openxmlformats.org/presentationml/2006/main">
-  <p:tag name="KSO_WM_TAG_VERSION" val="1.0"/>
-  <p:tag name="KSO_WM_BEAUTIFY_FLAG" val="#wm#"/>
   <p:tag name="KSO_WM_TEMPLATE_CATEGORY" val="custom"/>
   <p:tag name="KSO_WM_TEMPLATE_INDEX" val="160510"/>
-  <p:tag name="KSO_WM_UNIT_TYPE" val="l_i"/>
-  <p:tag name="KSO_WM_UNIT_INDEX" val="1_1"/>
-  <p:tag name="KSO_WM_UNIT_ID" val="custom160510_14*l_i*1_1"/>
-  <p:tag name="KSO_WM_UNIT_CLEAR" val="1"/>
-  <p:tag name="KSO_WM_UNIT_LAYERLEVEL" val="1_1"/>
+  <p:tag name="KSO_WM_TAG_VERSION" val="1.0"/>
+  <p:tag name="KSO_WM_SLIDE_ID" val="custom160510_13"/>
+  <p:tag name="KSO_WM_SLIDE_INDEX" val="13"/>
+  <p:tag name="KSO_WM_SLIDE_ITEM_CNT" val="1"/>
+  <p:tag name="KSO_WM_SLIDE_LAYOUT" val="a_l"/>
+  <p:tag name="KSO_WM_SLIDE_LAYOUT_CNT" val="1_1"/>
+  <p:tag name="KSO_WM_SLIDE_TYPE" val="text"/>
+  <p:tag name="KSO_WM_BEAUTIFY_FLAG" val="#wm#"/>
+  <p:tag name="KSO_WM_SLIDE_POSITION" val="337*182"/>
+  <p:tag name="KSO_WM_SLIDE_SIZE" val="287*242"/>
   <p:tag name="KSO_WM_DIAGRAM_GROUP_CODE" val="l1-2"/>
-  <p:tag name="KSO_WM_UNIT_FILL_FORE_SCHEMECOLOR_INDEX" val="5"/>
-  <p:tag name="KSO_WM_UNIT_FILL_TYPE" val="1"/>
-  <p:tag name="KSO_WM_UNIT_TEXT_FILL_FORE_SCHEMECOLOR_INDEX" val="13"/>
-  <p:tag name="KSO_WM_UNIT_TEXT_FILL_TYPE" val="1"/>
-  <p:tag name="KSO_WM_UNIT_USESOURCEFORMAT_APPLY" val="1"/>
 </p:tagLst>
 </file>
 
@@ -9762,6 +10162,8 @@
       </a:bgFillStyleLst>
     </a:fmtScheme>
   </a:themeElements>
+  <a:objectDefaults/>
+  <a:extraClrSchemeLst/>
   <a:extLst>
     <a:ext uri="{05A4C25C-085E-4340-85A3-A5531E510DB2}">
       <thm15:themeFamily xmlns:thm15="http://schemas.microsoft.com/office/thememl/2012/main" name="Office Theme" id="{62F939B6-93AF-4DB8-9C6B-D6C7DFDC589F}" vid="{4A3C46E8-61CC-4603-A589-7422A47A8E4A}"/>
@@ -10021,6 +10423,8 @@
       </a:bgFillStyleLst>
     </a:fmtScheme>
   </a:themeElements>
+  <a:objectDefaults/>
+  <a:extraClrSchemeLst/>
   <a:extLst>
     <a:ext uri="{05A4C25C-085E-4340-85A3-A5531E510DB2}">
       <thm15:themeFamily xmlns:thm15="http://schemas.microsoft.com/office/thememl/2012/main" name="Office Theme" id="{62F939B6-93AF-4DB8-9C6B-D6C7DFDC589F}" vid="{4A3C46E8-61CC-4603-A589-7422A47A8E4A}"/>

--- a/bigCloudAi/bigCloudAi.pptx
+++ b/bigCloudAi/bigCloudAi.pptx
@@ -15,8 +15,7 @@
     <p:sldId id="260" r:id="rId8"/>
     <p:sldId id="261" r:id="rId9"/>
     <p:sldId id="268" r:id="rId10"/>
-    <p:sldId id="259" r:id="rId11"/>
-    <p:sldId id="257" r:id="rId12"/>
+    <p:sldId id="257" r:id="rId11"/>
   </p:sldIdLst>
   <p:sldSz cx="12192000" cy="6858000"/>
   <p:notesSz cx="6858000" cy="9144000"/>
@@ -856,84 +855,6 @@
 </file>
 
 <file path=ppt/notesSlides/notesSlide6.xml><?xml version="1.0" encoding="utf-8"?>
-<p:notes xmlns:a="http://schemas.openxmlformats.org/drawingml/2006/main" xmlns:r="http://schemas.openxmlformats.org/officeDocument/2006/relationships" xmlns:p="http://schemas.openxmlformats.org/presentationml/2006/main">
-  <p:cSld>
-    <p:spTree>
-      <p:nvGrpSpPr>
-        <p:cNvPr id="1" name=""/>
-        <p:cNvGrpSpPr/>
-        <p:nvPr/>
-      </p:nvGrpSpPr>
-      <p:grpSpPr>
-        <a:xfrm>
-          <a:off x="0" y="0"/>
-          <a:ext cx="0" cy="0"/>
-          <a:chOff x="0" y="0"/>
-          <a:chExt cx="0" cy="0"/>
-        </a:xfrm>
-      </p:grpSpPr>
-      <p:sp>
-        <p:nvSpPr>
-          <p:cNvPr id="2" name="幻灯片图像占位符 1"/>
-          <p:cNvSpPr>
-            <a:spLocks noGrp="1" noRot="1" noChangeAspect="1"/>
-          </p:cNvSpPr>
-          <p:nvPr>
-            <p:ph type="sldImg"/>
-          </p:nvPr>
-        </p:nvSpPr>
-        <p:spPr/>
-      </p:sp>
-      <p:sp>
-        <p:nvSpPr>
-          <p:cNvPr id="3" name="备注占位符 2"/>
-          <p:cNvSpPr>
-            <a:spLocks noGrp="1"/>
-          </p:cNvSpPr>
-          <p:nvPr>
-            <p:ph type="body" idx="1"/>
-          </p:nvPr>
-        </p:nvSpPr>
-        <p:spPr/>
-        <p:txBody>
-          <a:bodyPr/>
-          <a:lstStyle/>
-          <a:p>
-            <a:endParaRPr lang="zh-CN" altLang="en-US"/>
-          </a:p>
-        </p:txBody>
-      </p:sp>
-      <p:sp>
-        <p:nvSpPr>
-          <p:cNvPr id="4" name="灯片编号占位符 3"/>
-          <p:cNvSpPr>
-            <a:spLocks noGrp="1"/>
-          </p:cNvSpPr>
-          <p:nvPr>
-            <p:ph type="sldNum" sz="quarter" idx="10"/>
-          </p:nvPr>
-        </p:nvSpPr>
-        <p:spPr/>
-        <p:txBody>
-          <a:bodyPr/>
-          <a:lstStyle/>
-          <a:p>
-            <a:fld id="{CFE6508D-EA78-480B-8754-7566540D899C}" type="slidenum">
-              <a:rPr lang="zh-CN" altLang="en-US" smtClean="0"/>
-            </a:fld>
-            <a:endParaRPr lang="zh-CN" altLang="en-US"/>
-          </a:p>
-        </p:txBody>
-      </p:sp>
-    </p:spTree>
-  </p:cSld>
-  <p:clrMapOvr>
-    <a:masterClrMapping/>
-  </p:clrMapOvr>
-</p:notes>
-</file>
-
-<file path=ppt/notesSlides/notesSlide7.xml><?xml version="1.0" encoding="utf-8"?>
 <p:notes xmlns:a="http://schemas.openxmlformats.org/drawingml/2006/main" xmlns:r="http://schemas.openxmlformats.org/officeDocument/2006/relationships" xmlns:p="http://schemas.openxmlformats.org/presentationml/2006/main">
   <p:cSld>
     <p:spTree>
@@ -4125,12 +4046,12 @@
         <p:spPr>
           <a:xfrm rot="10800000">
             <a:off x="883920" y="2839085"/>
-            <a:ext cx="5784215" cy="3056255"/>
+            <a:ext cx="5639435" cy="3056255"/>
           </a:xfrm>
           <a:prstGeom prst="corner">
             <a:avLst>
               <a:gd name="adj1" fmla="val 46519"/>
-              <a:gd name="adj2" fmla="val 41948"/>
+              <a:gd name="adj2" fmla="val 38520"/>
             </a:avLst>
           </a:prstGeom>
         </p:spPr>
@@ -6529,8 +6450,8 @@
         </p:nvSpPr>
         <p:spPr>
           <a:xfrm>
-            <a:off x="1618615" y="5068570"/>
-            <a:ext cx="9942195" cy="468630"/>
+            <a:off x="1250315" y="5068570"/>
+            <a:ext cx="10310495" cy="468630"/>
           </a:xfrm>
           <a:prstGeom prst="rect">
             <a:avLst/>
@@ -6572,8 +6493,8 @@
         </p:nvSpPr>
         <p:spPr>
           <a:xfrm>
-            <a:off x="428625" y="5635625"/>
-            <a:ext cx="11132820" cy="824230"/>
+            <a:off x="507365" y="5635625"/>
+            <a:ext cx="11054080" cy="824230"/>
           </a:xfrm>
           <a:prstGeom prst="rect">
             <a:avLst/>
@@ -6615,8 +6536,8 @@
         </p:nvSpPr>
         <p:spPr>
           <a:xfrm>
-            <a:off x="429260" y="2941955"/>
-            <a:ext cx="11132185" cy="1208405"/>
+            <a:off x="507365" y="2941955"/>
+            <a:ext cx="11054080" cy="1208405"/>
           </a:xfrm>
           <a:prstGeom prst="rect">
             <a:avLst/>
@@ -6658,8 +6579,8 @@
         </p:nvSpPr>
         <p:spPr>
           <a:xfrm>
-            <a:off x="645795" y="3340100"/>
-            <a:ext cx="4197985" cy="608965"/>
+            <a:off x="749935" y="3340100"/>
+            <a:ext cx="4093845" cy="608965"/>
           </a:xfrm>
           <a:prstGeom prst="rect">
             <a:avLst/>
@@ -6701,8 +6622,8 @@
         </p:nvSpPr>
         <p:spPr>
           <a:xfrm>
-            <a:off x="1714500" y="4033520"/>
-            <a:ext cx="703580" cy="1156970"/>
+            <a:off x="1301115" y="4020820"/>
+            <a:ext cx="507365" cy="1203960"/>
           </a:xfrm>
           <a:prstGeom prst="upDownArrow">
             <a:avLst/>
@@ -6740,8 +6661,8 @@
         </p:nvSpPr>
         <p:spPr>
           <a:xfrm>
-            <a:off x="767715" y="4033520"/>
-            <a:ext cx="703580" cy="1503680"/>
+            <a:off x="594995" y="4033520"/>
+            <a:ext cx="532765" cy="1693545"/>
           </a:xfrm>
           <a:prstGeom prst="upDownArrow">
             <a:avLst/>
@@ -6768,6 +6689,49 @@
           <a:p>
             <a:pPr algn="ctr"/>
             <a:endParaRPr lang="zh-CN" altLang="en-US"/>
+          </a:p>
+        </p:txBody>
+      </p:sp>
+      <p:sp>
+        <p:nvSpPr>
+          <p:cNvPr id="9" name="矩形 8"/>
+          <p:cNvSpPr/>
+          <p:nvPr/>
+        </p:nvSpPr>
+        <p:spPr>
+          <a:xfrm>
+            <a:off x="2346960" y="4227830"/>
+            <a:ext cx="9213850" cy="762635"/>
+          </a:xfrm>
+          <a:prstGeom prst="rect">
+            <a:avLst/>
+          </a:prstGeom>
+        </p:spPr>
+        <p:style>
+          <a:lnRef idx="2">
+            <a:schemeClr val="accent1">
+              <a:shade val="50000"/>
+            </a:schemeClr>
+          </a:lnRef>
+          <a:fillRef idx="1">
+            <a:schemeClr val="accent1"/>
+          </a:fillRef>
+          <a:effectRef idx="0">
+            <a:schemeClr val="accent1"/>
+          </a:effectRef>
+          <a:fontRef idx="minor">
+            <a:schemeClr val="lt1"/>
+          </a:fontRef>
+        </p:style>
+        <p:txBody>
+          <a:bodyPr rtlCol="0" anchor="ctr"/>
+          <a:p>
+            <a:pPr algn="ctr"/>
+            <a:r>
+              <a:rPr lang="en-US" altLang="zh-CN"/>
+              <a:t>cloudOs</a:t>
+            </a:r>
+            <a:endParaRPr lang="en-US" altLang="zh-CN"/>
           </a:p>
         </p:txBody>
       </p:sp>
@@ -6848,1929 +6812,6 @@
 </file>
 
 <file path=ppt/slides/slide8.xml><?xml version="1.0" encoding="utf-8"?>
-<p:sld xmlns:a="http://schemas.openxmlformats.org/drawingml/2006/main" xmlns:r="http://schemas.openxmlformats.org/officeDocument/2006/relationships" xmlns:p="http://schemas.openxmlformats.org/presentationml/2006/main">
-  <p:cSld>
-    <p:spTree>
-      <p:nvGrpSpPr>
-        <p:cNvPr id="1" name=""/>
-        <p:cNvGrpSpPr/>
-        <p:nvPr/>
-      </p:nvGrpSpPr>
-      <p:grpSpPr>
-        <a:xfrm>
-          <a:off x="0" y="0"/>
-          <a:ext cx="0" cy="0"/>
-          <a:chOff x="0" y="0"/>
-          <a:chExt cx="0" cy="0"/>
-        </a:xfrm>
-      </p:grpSpPr>
-      <p:sp>
-        <p:nvSpPr>
-          <p:cNvPr id="63" name="任意多边形 62"/>
-          <p:cNvSpPr/>
-          <p:nvPr>
-            <p:custDataLst>
-              <p:tags r:id="rId1"/>
-            </p:custDataLst>
-          </p:nvPr>
-        </p:nvSpPr>
-        <p:spPr bwMode="auto">
-          <a:xfrm>
-            <a:off x="3257438" y="1501733"/>
-            <a:ext cx="821196" cy="2351783"/>
-          </a:xfrm>
-          <a:custGeom>
-            <a:avLst/>
-            <a:gdLst>
-              <a:gd name="connsiteX0" fmla="*/ 43746 w 821196"/>
-              <a:gd name="connsiteY0" fmla="*/ 2273995 h 2351783"/>
-              <a:gd name="connsiteX1" fmla="*/ 778528 w 821196"/>
-              <a:gd name="connsiteY1" fmla="*/ 2273995 h 2351783"/>
-              <a:gd name="connsiteX2" fmla="*/ 801021 w 821196"/>
-              <a:gd name="connsiteY2" fmla="*/ 2307333 h 2351783"/>
-              <a:gd name="connsiteX3" fmla="*/ 808519 w 821196"/>
-              <a:gd name="connsiteY3" fmla="*/ 2351783 h 2351783"/>
-              <a:gd name="connsiteX4" fmla="*/ 10006 w 821196"/>
-              <a:gd name="connsiteY4" fmla="*/ 2351783 h 2351783"/>
-              <a:gd name="connsiteX5" fmla="*/ 17504 w 821196"/>
-              <a:gd name="connsiteY5" fmla="*/ 2307333 h 2351783"/>
-              <a:gd name="connsiteX6" fmla="*/ 43746 w 821196"/>
-              <a:gd name="connsiteY6" fmla="*/ 2273995 h 2351783"/>
-              <a:gd name="connsiteX7" fmla="*/ 84295 w 821196"/>
-              <a:gd name="connsiteY7" fmla="*/ 1909050 h 2351783"/>
-              <a:gd name="connsiteX8" fmla="*/ 741744 w 821196"/>
-              <a:gd name="connsiteY8" fmla="*/ 1909050 h 2351783"/>
-              <a:gd name="connsiteX9" fmla="*/ 820637 w 821196"/>
-              <a:gd name="connsiteY9" fmla="*/ 2108001 h 2351783"/>
-              <a:gd name="connsiteX10" fmla="*/ 771798 w 821196"/>
-              <a:gd name="connsiteY10" fmla="*/ 2269414 h 2351783"/>
-              <a:gd name="connsiteX11" fmla="*/ 46727 w 821196"/>
-              <a:gd name="connsiteY11" fmla="*/ 2269414 h 2351783"/>
-              <a:gd name="connsiteX12" fmla="*/ 1645 w 821196"/>
-              <a:gd name="connsiteY12" fmla="*/ 2096740 h 2351783"/>
-              <a:gd name="connsiteX13" fmla="*/ 73025 w 821196"/>
-              <a:gd name="connsiteY13" fmla="*/ 1927819 h 2351783"/>
-              <a:gd name="connsiteX14" fmla="*/ 84295 w 821196"/>
-              <a:gd name="connsiteY14" fmla="*/ 1909050 h 2351783"/>
-              <a:gd name="connsiteX15" fmla="*/ 95756 w 821196"/>
-              <a:gd name="connsiteY15" fmla="*/ 1832523 h 2351783"/>
-              <a:gd name="connsiteX16" fmla="*/ 722769 w 821196"/>
-              <a:gd name="connsiteY16" fmla="*/ 1832523 h 2351783"/>
-              <a:gd name="connsiteX17" fmla="*/ 760315 w 821196"/>
-              <a:gd name="connsiteY17" fmla="*/ 1865860 h 2351783"/>
-              <a:gd name="connsiteX18" fmla="*/ 756560 w 821196"/>
-              <a:gd name="connsiteY18" fmla="*/ 1888085 h 2351783"/>
-              <a:gd name="connsiteX19" fmla="*/ 737787 w 821196"/>
-              <a:gd name="connsiteY19" fmla="*/ 1899198 h 2351783"/>
-              <a:gd name="connsiteX20" fmla="*/ 636414 w 821196"/>
-              <a:gd name="connsiteY20" fmla="*/ 1899198 h 2351783"/>
-              <a:gd name="connsiteX21" fmla="*/ 80738 w 821196"/>
-              <a:gd name="connsiteY21" fmla="*/ 1899198 h 2351783"/>
-              <a:gd name="connsiteX22" fmla="*/ 61965 w 821196"/>
-              <a:gd name="connsiteY22" fmla="*/ 1888085 h 2351783"/>
-              <a:gd name="connsiteX23" fmla="*/ 58211 w 821196"/>
-              <a:gd name="connsiteY23" fmla="*/ 1865860 h 2351783"/>
-              <a:gd name="connsiteX24" fmla="*/ 95756 w 821196"/>
-              <a:gd name="connsiteY24" fmla="*/ 1832523 h 2351783"/>
-              <a:gd name="connsiteX25" fmla="*/ 272046 w 821196"/>
-              <a:gd name="connsiteY25" fmla="*/ 1174900 h 2351783"/>
-              <a:gd name="connsiteX26" fmla="*/ 531442 w 821196"/>
-              <a:gd name="connsiteY26" fmla="*/ 1174900 h 2351783"/>
-              <a:gd name="connsiteX27" fmla="*/ 674297 w 821196"/>
-              <a:gd name="connsiteY27" fmla="*/ 1726239 h 2351783"/>
-              <a:gd name="connsiteX28" fmla="*/ 715650 w 821196"/>
-              <a:gd name="connsiteY28" fmla="*/ 1816253 h 2351783"/>
-              <a:gd name="connsiteX29" fmla="*/ 102875 w 821196"/>
-              <a:gd name="connsiteY29" fmla="*/ 1816253 h 2351783"/>
-              <a:gd name="connsiteX30" fmla="*/ 129191 w 821196"/>
-              <a:gd name="connsiteY30" fmla="*/ 1752493 h 2351783"/>
-              <a:gd name="connsiteX31" fmla="*/ 272046 w 821196"/>
-              <a:gd name="connsiteY31" fmla="*/ 1174900 h 2351783"/>
-              <a:gd name="connsiteX32" fmla="*/ 292793 w 821196"/>
-              <a:gd name="connsiteY32" fmla="*/ 328758 h 2351783"/>
-              <a:gd name="connsiteX33" fmla="*/ 521975 w 821196"/>
-              <a:gd name="connsiteY33" fmla="*/ 328758 h 2351783"/>
-              <a:gd name="connsiteX34" fmla="*/ 555789 w 821196"/>
-              <a:gd name="connsiteY34" fmla="*/ 362570 h 2351783"/>
-              <a:gd name="connsiteX35" fmla="*/ 555789 w 821196"/>
-              <a:gd name="connsiteY35" fmla="*/ 396382 h 2351783"/>
-              <a:gd name="connsiteX36" fmla="*/ 627173 w 821196"/>
-              <a:gd name="connsiteY36" fmla="*/ 396382 h 2351783"/>
-              <a:gd name="connsiteX37" fmla="*/ 747400 w 821196"/>
-              <a:gd name="connsiteY37" fmla="*/ 516601 h 2351783"/>
-              <a:gd name="connsiteX38" fmla="*/ 717343 w 821196"/>
-              <a:gd name="connsiteY38" fmla="*/ 599252 h 2351783"/>
-              <a:gd name="connsiteX39" fmla="*/ 570817 w 821196"/>
-              <a:gd name="connsiteY39" fmla="*/ 820907 h 2351783"/>
-              <a:gd name="connsiteX40" fmla="*/ 578331 w 821196"/>
-              <a:gd name="connsiteY40" fmla="*/ 1038805 h 2351783"/>
-              <a:gd name="connsiteX41" fmla="*/ 619659 w 821196"/>
-              <a:gd name="connsiteY41" fmla="*/ 1038805 h 2351783"/>
-              <a:gd name="connsiteX42" fmla="*/ 664744 w 821196"/>
-              <a:gd name="connsiteY42" fmla="*/ 1102671 h 2351783"/>
-              <a:gd name="connsiteX43" fmla="*/ 627173 w 821196"/>
-              <a:gd name="connsiteY43" fmla="*/ 1159024 h 2351783"/>
-              <a:gd name="connsiteX44" fmla="*/ 552032 w 821196"/>
-              <a:gd name="connsiteY44" fmla="*/ 1159024 h 2351783"/>
-              <a:gd name="connsiteX45" fmla="*/ 187595 w 821196"/>
-              <a:gd name="connsiteY45" fmla="*/ 1159024 h 2351783"/>
-              <a:gd name="connsiteX46" fmla="*/ 150024 w 821196"/>
-              <a:gd name="connsiteY46" fmla="*/ 1098914 h 2351783"/>
-              <a:gd name="connsiteX47" fmla="*/ 198866 w 821196"/>
-              <a:gd name="connsiteY47" fmla="*/ 1038805 h 2351783"/>
-              <a:gd name="connsiteX48" fmla="*/ 236437 w 821196"/>
-              <a:gd name="connsiteY48" fmla="*/ 1038805 h 2351783"/>
-              <a:gd name="connsiteX49" fmla="*/ 247708 w 821196"/>
-              <a:gd name="connsiteY49" fmla="*/ 828420 h 2351783"/>
-              <a:gd name="connsiteX50" fmla="*/ 97425 w 821196"/>
-              <a:gd name="connsiteY50" fmla="*/ 599252 h 2351783"/>
-              <a:gd name="connsiteX51" fmla="*/ 71125 w 821196"/>
-              <a:gd name="connsiteY51" fmla="*/ 516601 h 2351783"/>
-              <a:gd name="connsiteX52" fmla="*/ 187595 w 821196"/>
-              <a:gd name="connsiteY52" fmla="*/ 396382 h 2351783"/>
-              <a:gd name="connsiteX53" fmla="*/ 258979 w 821196"/>
-              <a:gd name="connsiteY53" fmla="*/ 396382 h 2351783"/>
-              <a:gd name="connsiteX54" fmla="*/ 258979 w 821196"/>
-              <a:gd name="connsiteY54" fmla="*/ 362570 h 2351783"/>
-              <a:gd name="connsiteX55" fmla="*/ 292793 w 821196"/>
-              <a:gd name="connsiteY55" fmla="*/ 328758 h 2351783"/>
-              <a:gd name="connsiteX56" fmla="*/ 407389 w 821196"/>
-              <a:gd name="connsiteY56" fmla="*/ 0 h 2351783"/>
-              <a:gd name="connsiteX57" fmla="*/ 474826 w 821196"/>
-              <a:gd name="connsiteY57" fmla="*/ 18761 h 2351783"/>
-              <a:gd name="connsiteX58" fmla="*/ 467333 w 821196"/>
-              <a:gd name="connsiteY58" fmla="*/ 30018 h 2351783"/>
-              <a:gd name="connsiteX59" fmla="*/ 433614 w 821196"/>
-              <a:gd name="connsiteY59" fmla="*/ 116321 h 2351783"/>
-              <a:gd name="connsiteX60" fmla="*/ 452347 w 821196"/>
-              <a:gd name="connsiteY60" fmla="*/ 120073 h 2351783"/>
-              <a:gd name="connsiteX61" fmla="*/ 519784 w 821196"/>
-              <a:gd name="connsiteY61" fmla="*/ 82550 h 2351783"/>
-              <a:gd name="connsiteX62" fmla="*/ 531024 w 821196"/>
-              <a:gd name="connsiteY62" fmla="*/ 71293 h 2351783"/>
-              <a:gd name="connsiteX63" fmla="*/ 549756 w 821196"/>
-              <a:gd name="connsiteY63" fmla="*/ 142587 h 2351783"/>
-              <a:gd name="connsiteX64" fmla="*/ 531024 w 821196"/>
-              <a:gd name="connsiteY64" fmla="*/ 213880 h 2351783"/>
-              <a:gd name="connsiteX65" fmla="*/ 519784 w 821196"/>
-              <a:gd name="connsiteY65" fmla="*/ 202623 h 2351783"/>
-              <a:gd name="connsiteX66" fmla="*/ 452347 w 821196"/>
-              <a:gd name="connsiteY66" fmla="*/ 165101 h 2351783"/>
-              <a:gd name="connsiteX67" fmla="*/ 433614 w 821196"/>
-              <a:gd name="connsiteY67" fmla="*/ 172605 h 2351783"/>
-              <a:gd name="connsiteX68" fmla="*/ 463586 w 821196"/>
-              <a:gd name="connsiteY68" fmla="*/ 258908 h 2351783"/>
-              <a:gd name="connsiteX69" fmla="*/ 478573 w 821196"/>
-              <a:gd name="connsiteY69" fmla="*/ 270164 h 2351783"/>
-              <a:gd name="connsiteX70" fmla="*/ 407389 w 821196"/>
-              <a:gd name="connsiteY70" fmla="*/ 288926 h 2351783"/>
-              <a:gd name="connsiteX71" fmla="*/ 339952 w 821196"/>
-              <a:gd name="connsiteY71" fmla="*/ 270164 h 2351783"/>
-              <a:gd name="connsiteX72" fmla="*/ 351191 w 821196"/>
-              <a:gd name="connsiteY72" fmla="*/ 258908 h 2351783"/>
-              <a:gd name="connsiteX73" fmla="*/ 381163 w 821196"/>
-              <a:gd name="connsiteY73" fmla="*/ 172605 h 2351783"/>
-              <a:gd name="connsiteX74" fmla="*/ 362431 w 821196"/>
-              <a:gd name="connsiteY74" fmla="*/ 165101 h 2351783"/>
-              <a:gd name="connsiteX75" fmla="*/ 294994 w 821196"/>
-              <a:gd name="connsiteY75" fmla="*/ 202623 h 2351783"/>
-              <a:gd name="connsiteX76" fmla="*/ 283754 w 821196"/>
-              <a:gd name="connsiteY76" fmla="*/ 213880 h 2351783"/>
-              <a:gd name="connsiteX77" fmla="*/ 268768 w 821196"/>
-              <a:gd name="connsiteY77" fmla="*/ 146339 h 2351783"/>
-              <a:gd name="connsiteX78" fmla="*/ 287501 w 821196"/>
-              <a:gd name="connsiteY78" fmla="*/ 71293 h 2351783"/>
-              <a:gd name="connsiteX79" fmla="*/ 298740 w 821196"/>
-              <a:gd name="connsiteY79" fmla="*/ 86303 h 2351783"/>
-              <a:gd name="connsiteX80" fmla="*/ 366177 w 821196"/>
-              <a:gd name="connsiteY80" fmla="*/ 123825 h 2351783"/>
-              <a:gd name="connsiteX81" fmla="*/ 384910 w 821196"/>
-              <a:gd name="connsiteY81" fmla="*/ 116321 h 2351783"/>
-              <a:gd name="connsiteX82" fmla="*/ 354938 w 821196"/>
-              <a:gd name="connsiteY82" fmla="*/ 30018 h 2351783"/>
-              <a:gd name="connsiteX83" fmla="*/ 339952 w 821196"/>
-              <a:gd name="connsiteY83" fmla="*/ 18761 h 2351783"/>
-              <a:gd name="connsiteX84" fmla="*/ 407389 w 821196"/>
-              <a:gd name="connsiteY84" fmla="*/ 0 h 2351783"/>
-            </a:gdLst>
-            <a:ahLst/>
-            <a:cxnLst>
-              <a:cxn ang="0">
-                <a:pos x="connsiteX0" y="connsiteY0"/>
-              </a:cxn>
-              <a:cxn ang="0">
-                <a:pos x="connsiteX1" y="connsiteY1"/>
-              </a:cxn>
-              <a:cxn ang="0">
-                <a:pos x="connsiteX2" y="connsiteY2"/>
-              </a:cxn>
-              <a:cxn ang="0">
-                <a:pos x="connsiteX3" y="connsiteY3"/>
-              </a:cxn>
-              <a:cxn ang="0">
-                <a:pos x="connsiteX4" y="connsiteY4"/>
-              </a:cxn>
-              <a:cxn ang="0">
-                <a:pos x="connsiteX5" y="connsiteY5"/>
-              </a:cxn>
-              <a:cxn ang="0">
-                <a:pos x="connsiteX6" y="connsiteY6"/>
-              </a:cxn>
-              <a:cxn ang="0">
-                <a:pos x="connsiteX7" y="connsiteY7"/>
-              </a:cxn>
-              <a:cxn ang="0">
-                <a:pos x="connsiteX8" y="connsiteY8"/>
-              </a:cxn>
-              <a:cxn ang="0">
-                <a:pos x="connsiteX9" y="connsiteY9"/>
-              </a:cxn>
-              <a:cxn ang="0">
-                <a:pos x="connsiteX10" y="connsiteY10"/>
-              </a:cxn>
-              <a:cxn ang="0">
-                <a:pos x="connsiteX11" y="connsiteY11"/>
-              </a:cxn>
-              <a:cxn ang="0">
-                <a:pos x="connsiteX12" y="connsiteY12"/>
-              </a:cxn>
-              <a:cxn ang="0">
-                <a:pos x="connsiteX13" y="connsiteY13"/>
-              </a:cxn>
-              <a:cxn ang="0">
-                <a:pos x="connsiteX14" y="connsiteY14"/>
-              </a:cxn>
-              <a:cxn ang="0">
-                <a:pos x="connsiteX15" y="connsiteY15"/>
-              </a:cxn>
-              <a:cxn ang="0">
-                <a:pos x="connsiteX16" y="connsiteY16"/>
-              </a:cxn>
-              <a:cxn ang="0">
-                <a:pos x="connsiteX17" y="connsiteY17"/>
-              </a:cxn>
-              <a:cxn ang="0">
-                <a:pos x="connsiteX18" y="connsiteY18"/>
-              </a:cxn>
-              <a:cxn ang="0">
-                <a:pos x="connsiteX19" y="connsiteY19"/>
-              </a:cxn>
-              <a:cxn ang="0">
-                <a:pos x="connsiteX20" y="connsiteY20"/>
-              </a:cxn>
-              <a:cxn ang="0">
-                <a:pos x="connsiteX21" y="connsiteY21"/>
-              </a:cxn>
-              <a:cxn ang="0">
-                <a:pos x="connsiteX22" y="connsiteY22"/>
-              </a:cxn>
-              <a:cxn ang="0">
-                <a:pos x="connsiteX23" y="connsiteY23"/>
-              </a:cxn>
-              <a:cxn ang="0">
-                <a:pos x="connsiteX24" y="connsiteY24"/>
-              </a:cxn>
-              <a:cxn ang="0">
-                <a:pos x="connsiteX25" y="connsiteY25"/>
-              </a:cxn>
-              <a:cxn ang="0">
-                <a:pos x="connsiteX26" y="connsiteY26"/>
-              </a:cxn>
-              <a:cxn ang="0">
-                <a:pos x="connsiteX27" y="connsiteY27"/>
-              </a:cxn>
-              <a:cxn ang="0">
-                <a:pos x="connsiteX28" y="connsiteY28"/>
-              </a:cxn>
-              <a:cxn ang="0">
-                <a:pos x="connsiteX29" y="connsiteY29"/>
-              </a:cxn>
-              <a:cxn ang="0">
-                <a:pos x="connsiteX30" y="connsiteY30"/>
-              </a:cxn>
-              <a:cxn ang="0">
-                <a:pos x="connsiteX31" y="connsiteY31"/>
-              </a:cxn>
-              <a:cxn ang="0">
-                <a:pos x="connsiteX32" y="connsiteY32"/>
-              </a:cxn>
-              <a:cxn ang="0">
-                <a:pos x="connsiteX33" y="connsiteY33"/>
-              </a:cxn>
-              <a:cxn ang="0">
-                <a:pos x="connsiteX34" y="connsiteY34"/>
-              </a:cxn>
-              <a:cxn ang="0">
-                <a:pos x="connsiteX35" y="connsiteY35"/>
-              </a:cxn>
-              <a:cxn ang="0">
-                <a:pos x="connsiteX36" y="connsiteY36"/>
-              </a:cxn>
-              <a:cxn ang="0">
-                <a:pos x="connsiteX37" y="connsiteY37"/>
-              </a:cxn>
-              <a:cxn ang="0">
-                <a:pos x="connsiteX38" y="connsiteY38"/>
-              </a:cxn>
-              <a:cxn ang="0">
-                <a:pos x="connsiteX39" y="connsiteY39"/>
-              </a:cxn>
-              <a:cxn ang="0">
-                <a:pos x="connsiteX40" y="connsiteY40"/>
-              </a:cxn>
-              <a:cxn ang="0">
-                <a:pos x="connsiteX41" y="connsiteY41"/>
-              </a:cxn>
-              <a:cxn ang="0">
-                <a:pos x="connsiteX42" y="connsiteY42"/>
-              </a:cxn>
-              <a:cxn ang="0">
-                <a:pos x="connsiteX43" y="connsiteY43"/>
-              </a:cxn>
-              <a:cxn ang="0">
-                <a:pos x="connsiteX44" y="connsiteY44"/>
-              </a:cxn>
-              <a:cxn ang="0">
-                <a:pos x="connsiteX45" y="connsiteY45"/>
-              </a:cxn>
-              <a:cxn ang="0">
-                <a:pos x="connsiteX46" y="connsiteY46"/>
-              </a:cxn>
-              <a:cxn ang="0">
-                <a:pos x="connsiteX47" y="connsiteY47"/>
-              </a:cxn>
-              <a:cxn ang="0">
-                <a:pos x="connsiteX48" y="connsiteY48"/>
-              </a:cxn>
-              <a:cxn ang="0">
-                <a:pos x="connsiteX49" y="connsiteY49"/>
-              </a:cxn>
-              <a:cxn ang="0">
-                <a:pos x="connsiteX50" y="connsiteY50"/>
-              </a:cxn>
-              <a:cxn ang="0">
-                <a:pos x="connsiteX51" y="connsiteY51"/>
-              </a:cxn>
-              <a:cxn ang="0">
-                <a:pos x="connsiteX52" y="connsiteY52"/>
-              </a:cxn>
-              <a:cxn ang="0">
-                <a:pos x="connsiteX53" y="connsiteY53"/>
-              </a:cxn>
-              <a:cxn ang="0">
-                <a:pos x="connsiteX54" y="connsiteY54"/>
-              </a:cxn>
-              <a:cxn ang="0">
-                <a:pos x="connsiteX55" y="connsiteY55"/>
-              </a:cxn>
-              <a:cxn ang="0">
-                <a:pos x="connsiteX56" y="connsiteY56"/>
-              </a:cxn>
-              <a:cxn ang="0">
-                <a:pos x="connsiteX57" y="connsiteY57"/>
-              </a:cxn>
-              <a:cxn ang="0">
-                <a:pos x="connsiteX58" y="connsiteY58"/>
-              </a:cxn>
-              <a:cxn ang="0">
-                <a:pos x="connsiteX59" y="connsiteY59"/>
-              </a:cxn>
-              <a:cxn ang="0">
-                <a:pos x="connsiteX60" y="connsiteY60"/>
-              </a:cxn>
-              <a:cxn ang="0">
-                <a:pos x="connsiteX61" y="connsiteY61"/>
-              </a:cxn>
-              <a:cxn ang="0">
-                <a:pos x="connsiteX62" y="connsiteY62"/>
-              </a:cxn>
-              <a:cxn ang="0">
-                <a:pos x="connsiteX63" y="connsiteY63"/>
-              </a:cxn>
-              <a:cxn ang="0">
-                <a:pos x="connsiteX64" y="connsiteY64"/>
-              </a:cxn>
-              <a:cxn ang="0">
-                <a:pos x="connsiteX65" y="connsiteY65"/>
-              </a:cxn>
-              <a:cxn ang="0">
-                <a:pos x="connsiteX66" y="connsiteY66"/>
-              </a:cxn>
-              <a:cxn ang="0">
-                <a:pos x="connsiteX67" y="connsiteY67"/>
-              </a:cxn>
-              <a:cxn ang="0">
-                <a:pos x="connsiteX68" y="connsiteY68"/>
-              </a:cxn>
-              <a:cxn ang="0">
-                <a:pos x="connsiteX69" y="connsiteY69"/>
-              </a:cxn>
-              <a:cxn ang="0">
-                <a:pos x="connsiteX70" y="connsiteY70"/>
-              </a:cxn>
-              <a:cxn ang="0">
-                <a:pos x="connsiteX71" y="connsiteY71"/>
-              </a:cxn>
-              <a:cxn ang="0">
-                <a:pos x="connsiteX72" y="connsiteY72"/>
-              </a:cxn>
-              <a:cxn ang="0">
-                <a:pos x="connsiteX73" y="connsiteY73"/>
-              </a:cxn>
-              <a:cxn ang="0">
-                <a:pos x="connsiteX74" y="connsiteY74"/>
-              </a:cxn>
-              <a:cxn ang="0">
-                <a:pos x="connsiteX75" y="connsiteY75"/>
-              </a:cxn>
-              <a:cxn ang="0">
-                <a:pos x="connsiteX76" y="connsiteY76"/>
-              </a:cxn>
-              <a:cxn ang="0">
-                <a:pos x="connsiteX77" y="connsiteY77"/>
-              </a:cxn>
-              <a:cxn ang="0">
-                <a:pos x="connsiteX78" y="connsiteY78"/>
-              </a:cxn>
-              <a:cxn ang="0">
-                <a:pos x="connsiteX79" y="connsiteY79"/>
-              </a:cxn>
-              <a:cxn ang="0">
-                <a:pos x="connsiteX80" y="connsiteY80"/>
-              </a:cxn>
-              <a:cxn ang="0">
-                <a:pos x="connsiteX81" y="connsiteY81"/>
-              </a:cxn>
-              <a:cxn ang="0">
-                <a:pos x="connsiteX82" y="connsiteY82"/>
-              </a:cxn>
-              <a:cxn ang="0">
-                <a:pos x="connsiteX83" y="connsiteY83"/>
-              </a:cxn>
-              <a:cxn ang="0">
-                <a:pos x="connsiteX84" y="connsiteY84"/>
-              </a:cxn>
-            </a:cxnLst>
-            <a:rect l="l" t="t" r="r" b="b"/>
-            <a:pathLst>
-              <a:path w="821196" h="2351783">
-                <a:moveTo>
-                  <a:pt x="43746" y="2273995"/>
-                </a:moveTo>
-                <a:cubicBezTo>
-                  <a:pt x="778528" y="2273995"/>
-                  <a:pt x="778528" y="2273995"/>
-                  <a:pt x="778528" y="2273995"/>
-                </a:cubicBezTo>
-                <a:cubicBezTo>
-                  <a:pt x="774779" y="2273995"/>
-                  <a:pt x="797272" y="2292516"/>
-                  <a:pt x="801021" y="2307333"/>
-                </a:cubicBezTo>
-                <a:cubicBezTo>
-                  <a:pt x="808519" y="2318445"/>
-                  <a:pt x="808519" y="2344375"/>
-                  <a:pt x="808519" y="2351783"/>
-                </a:cubicBezTo>
-                <a:lnTo>
-                  <a:pt x="10006" y="2351783"/>
-                </a:lnTo>
-                <a:cubicBezTo>
-                  <a:pt x="10006" y="2344375"/>
-                  <a:pt x="10006" y="2318445"/>
-                  <a:pt x="17504" y="2307333"/>
-                </a:cubicBezTo>
-                <a:cubicBezTo>
-                  <a:pt x="25002" y="2288812"/>
-                  <a:pt x="43746" y="2273995"/>
-                  <a:pt x="43746" y="2273995"/>
-                </a:cubicBezTo>
-                <a:close/>
-                <a:moveTo>
-                  <a:pt x="84295" y="1909050"/>
-                </a:moveTo>
-                <a:cubicBezTo>
-                  <a:pt x="741744" y="1909050"/>
-                  <a:pt x="741744" y="1909050"/>
-                  <a:pt x="741744" y="1909050"/>
-                </a:cubicBezTo>
-                <a:cubicBezTo>
-                  <a:pt x="768041" y="1950342"/>
-                  <a:pt x="816880" y="2032925"/>
-                  <a:pt x="820637" y="2108001"/>
-                </a:cubicBezTo>
-                <a:cubicBezTo>
-                  <a:pt x="824394" y="2168062"/>
-                  <a:pt x="809367" y="2220615"/>
-                  <a:pt x="771798" y="2269414"/>
-                </a:cubicBezTo>
-                <a:lnTo>
-                  <a:pt x="46727" y="2269414"/>
-                </a:lnTo>
-                <a:cubicBezTo>
-                  <a:pt x="12915" y="2224369"/>
-                  <a:pt x="-5869" y="2160554"/>
-                  <a:pt x="1645" y="2096740"/>
-                </a:cubicBezTo>
-                <a:cubicBezTo>
-                  <a:pt x="5402" y="2036679"/>
-                  <a:pt x="42970" y="1976618"/>
-                  <a:pt x="73025" y="1927819"/>
-                </a:cubicBezTo>
-                <a:cubicBezTo>
-                  <a:pt x="76782" y="1920312"/>
-                  <a:pt x="80539" y="1916558"/>
-                  <a:pt x="84295" y="1909050"/>
-                </a:cubicBezTo>
-                <a:close/>
-                <a:moveTo>
-                  <a:pt x="95756" y="1832523"/>
-                </a:moveTo>
-                <a:cubicBezTo>
-                  <a:pt x="722769" y="1832523"/>
-                  <a:pt x="722769" y="1832523"/>
-                  <a:pt x="722769" y="1832523"/>
-                </a:cubicBezTo>
-                <a:cubicBezTo>
-                  <a:pt x="730278" y="1832523"/>
-                  <a:pt x="752805" y="1839931"/>
-                  <a:pt x="760315" y="1865860"/>
-                </a:cubicBezTo>
-                <a:cubicBezTo>
-                  <a:pt x="764069" y="1873269"/>
-                  <a:pt x="760315" y="1880677"/>
-                  <a:pt x="756560" y="1888085"/>
-                </a:cubicBezTo>
-                <a:cubicBezTo>
-                  <a:pt x="749051" y="1895494"/>
-                  <a:pt x="741542" y="1899198"/>
-                  <a:pt x="737787" y="1899198"/>
-                </a:cubicBezTo>
-                <a:cubicBezTo>
-                  <a:pt x="734033" y="1899198"/>
-                  <a:pt x="692732" y="1899198"/>
-                  <a:pt x="636414" y="1899198"/>
-                </a:cubicBezTo>
-                <a:cubicBezTo>
-                  <a:pt x="636414" y="1899198"/>
-                  <a:pt x="84493" y="1899198"/>
-                  <a:pt x="80738" y="1899198"/>
-                </a:cubicBezTo>
-                <a:cubicBezTo>
-                  <a:pt x="76984" y="1899198"/>
-                  <a:pt x="69474" y="1895494"/>
-                  <a:pt x="61965" y="1888085"/>
-                </a:cubicBezTo>
-                <a:cubicBezTo>
-                  <a:pt x="58211" y="1880677"/>
-                  <a:pt x="54456" y="1873269"/>
-                  <a:pt x="58211" y="1865860"/>
-                </a:cubicBezTo>
-                <a:cubicBezTo>
-                  <a:pt x="65720" y="1839931"/>
-                  <a:pt x="88247" y="1832523"/>
-                  <a:pt x="95756" y="1832523"/>
-                </a:cubicBezTo>
-                <a:close/>
-                <a:moveTo>
-                  <a:pt x="272046" y="1174900"/>
-                </a:moveTo>
-                <a:cubicBezTo>
-                  <a:pt x="531442" y="1174900"/>
-                  <a:pt x="531442" y="1174900"/>
-                  <a:pt x="531442" y="1174900"/>
-                </a:cubicBezTo>
-                <a:cubicBezTo>
-                  <a:pt x="550238" y="1467447"/>
-                  <a:pt x="606629" y="1587466"/>
-                  <a:pt x="674297" y="1726239"/>
-                </a:cubicBezTo>
-                <a:cubicBezTo>
-                  <a:pt x="685575" y="1756244"/>
-                  <a:pt x="700613" y="1782498"/>
-                  <a:pt x="715650" y="1816253"/>
-                </a:cubicBezTo>
-                <a:lnTo>
-                  <a:pt x="102875" y="1816253"/>
-                </a:lnTo>
-                <a:cubicBezTo>
-                  <a:pt x="110394" y="1793750"/>
-                  <a:pt x="121672" y="1771246"/>
-                  <a:pt x="129191" y="1752493"/>
-                </a:cubicBezTo>
-                <a:cubicBezTo>
-                  <a:pt x="200618" y="1602469"/>
-                  <a:pt x="253249" y="1482450"/>
-                  <a:pt x="272046" y="1174900"/>
-                </a:cubicBezTo>
-                <a:close/>
-                <a:moveTo>
-                  <a:pt x="292793" y="328758"/>
-                </a:moveTo>
-                <a:cubicBezTo>
-                  <a:pt x="521975" y="328758"/>
-                  <a:pt x="521975" y="328758"/>
-                  <a:pt x="521975" y="328758"/>
-                </a:cubicBezTo>
-                <a:cubicBezTo>
-                  <a:pt x="540761" y="328758"/>
-                  <a:pt x="555789" y="343786"/>
-                  <a:pt x="555789" y="362570"/>
-                </a:cubicBezTo>
-                <a:cubicBezTo>
-                  <a:pt x="555789" y="396382"/>
-                  <a:pt x="555789" y="396382"/>
-                  <a:pt x="555789" y="396382"/>
-                </a:cubicBezTo>
-                <a:cubicBezTo>
-                  <a:pt x="627173" y="396382"/>
-                  <a:pt x="627173" y="396382"/>
-                  <a:pt x="627173" y="396382"/>
-                </a:cubicBezTo>
-                <a:cubicBezTo>
-                  <a:pt x="691044" y="396382"/>
-                  <a:pt x="747400" y="448978"/>
-                  <a:pt x="747400" y="516601"/>
-                </a:cubicBezTo>
-                <a:cubicBezTo>
-                  <a:pt x="747400" y="550413"/>
-                  <a:pt x="732372" y="580468"/>
-                  <a:pt x="717343" y="599252"/>
-                </a:cubicBezTo>
-                <a:cubicBezTo>
-                  <a:pt x="698558" y="633064"/>
-                  <a:pt x="570817" y="817150"/>
-                  <a:pt x="570817" y="820907"/>
-                </a:cubicBezTo>
-                <a:cubicBezTo>
-                  <a:pt x="578331" y="1038805"/>
-                  <a:pt x="578331" y="1038805"/>
-                  <a:pt x="578331" y="1038805"/>
-                </a:cubicBezTo>
-                <a:cubicBezTo>
-                  <a:pt x="619659" y="1038805"/>
-                  <a:pt x="619659" y="1038805"/>
-                  <a:pt x="619659" y="1038805"/>
-                </a:cubicBezTo>
-                <a:cubicBezTo>
-                  <a:pt x="623416" y="1038805"/>
-                  <a:pt x="660987" y="1057589"/>
-                  <a:pt x="664744" y="1102671"/>
-                </a:cubicBezTo>
-                <a:cubicBezTo>
-                  <a:pt x="668501" y="1140240"/>
-                  <a:pt x="630931" y="1159024"/>
-                  <a:pt x="627173" y="1159024"/>
-                </a:cubicBezTo>
-                <a:cubicBezTo>
-                  <a:pt x="627173" y="1159024"/>
-                  <a:pt x="593360" y="1159024"/>
-                  <a:pt x="552032" y="1159024"/>
-                </a:cubicBezTo>
-                <a:cubicBezTo>
-                  <a:pt x="552032" y="1159024"/>
-                  <a:pt x="191352" y="1159024"/>
-                  <a:pt x="187595" y="1159024"/>
-                </a:cubicBezTo>
-                <a:cubicBezTo>
-                  <a:pt x="183838" y="1159024"/>
-                  <a:pt x="146267" y="1136483"/>
-                  <a:pt x="150024" y="1098914"/>
-                </a:cubicBezTo>
-                <a:cubicBezTo>
-                  <a:pt x="153781" y="1053832"/>
-                  <a:pt x="195109" y="1038805"/>
-                  <a:pt x="198866" y="1038805"/>
-                </a:cubicBezTo>
-                <a:cubicBezTo>
-                  <a:pt x="236437" y="1038805"/>
-                  <a:pt x="236437" y="1038805"/>
-                  <a:pt x="236437" y="1038805"/>
-                </a:cubicBezTo>
-                <a:cubicBezTo>
-                  <a:pt x="247708" y="828420"/>
-                  <a:pt x="247708" y="828420"/>
-                  <a:pt x="247708" y="828420"/>
-                </a:cubicBezTo>
-                <a:cubicBezTo>
-                  <a:pt x="247708" y="824664"/>
-                  <a:pt x="116210" y="633064"/>
-                  <a:pt x="97425" y="599252"/>
-                </a:cubicBezTo>
-                <a:cubicBezTo>
-                  <a:pt x="86153" y="580468"/>
-                  <a:pt x="71125" y="550413"/>
-                  <a:pt x="71125" y="516601"/>
-                </a:cubicBezTo>
-                <a:cubicBezTo>
-                  <a:pt x="71125" y="448978"/>
-                  <a:pt x="123724" y="396382"/>
-                  <a:pt x="187595" y="396382"/>
-                </a:cubicBezTo>
-                <a:cubicBezTo>
-                  <a:pt x="258979" y="396382"/>
-                  <a:pt x="258979" y="396382"/>
-                  <a:pt x="258979" y="396382"/>
-                </a:cubicBezTo>
-                <a:cubicBezTo>
-                  <a:pt x="258979" y="362570"/>
-                  <a:pt x="258979" y="362570"/>
-                  <a:pt x="258979" y="362570"/>
-                </a:cubicBezTo>
-                <a:cubicBezTo>
-                  <a:pt x="258979" y="343786"/>
-                  <a:pt x="274008" y="328758"/>
-                  <a:pt x="292793" y="328758"/>
-                </a:cubicBezTo>
-                <a:close/>
-                <a:moveTo>
-                  <a:pt x="407389" y="0"/>
-                </a:moveTo>
-                <a:cubicBezTo>
-                  <a:pt x="433614" y="0"/>
-                  <a:pt x="456093" y="7505"/>
-                  <a:pt x="474826" y="18761"/>
-                </a:cubicBezTo>
-                <a:cubicBezTo>
-                  <a:pt x="471079" y="22514"/>
-                  <a:pt x="467333" y="26266"/>
-                  <a:pt x="467333" y="30018"/>
-                </a:cubicBezTo>
-                <a:cubicBezTo>
-                  <a:pt x="433614" y="60037"/>
-                  <a:pt x="418628" y="101312"/>
-                  <a:pt x="433614" y="116321"/>
-                </a:cubicBezTo>
-                <a:cubicBezTo>
-                  <a:pt x="441107" y="120073"/>
-                  <a:pt x="444854" y="120073"/>
-                  <a:pt x="452347" y="120073"/>
-                </a:cubicBezTo>
-                <a:cubicBezTo>
-                  <a:pt x="471079" y="120073"/>
-                  <a:pt x="497305" y="108816"/>
-                  <a:pt x="519784" y="82550"/>
-                </a:cubicBezTo>
-                <a:cubicBezTo>
-                  <a:pt x="523531" y="82550"/>
-                  <a:pt x="527277" y="75046"/>
-                  <a:pt x="531024" y="71293"/>
-                </a:cubicBezTo>
-                <a:cubicBezTo>
-                  <a:pt x="542263" y="93807"/>
-                  <a:pt x="549756" y="120073"/>
-                  <a:pt x="549756" y="142587"/>
-                </a:cubicBezTo>
-                <a:cubicBezTo>
-                  <a:pt x="549756" y="168853"/>
-                  <a:pt x="542263" y="195119"/>
-                  <a:pt x="531024" y="213880"/>
-                </a:cubicBezTo>
-                <a:cubicBezTo>
-                  <a:pt x="527277" y="210128"/>
-                  <a:pt x="523531" y="206376"/>
-                  <a:pt x="519784" y="202623"/>
-                </a:cubicBezTo>
-                <a:cubicBezTo>
-                  <a:pt x="497305" y="180110"/>
-                  <a:pt x="471079" y="165101"/>
-                  <a:pt x="452347" y="165101"/>
-                </a:cubicBezTo>
-                <a:cubicBezTo>
-                  <a:pt x="444854" y="165101"/>
-                  <a:pt x="437361" y="165101"/>
-                  <a:pt x="433614" y="172605"/>
-                </a:cubicBezTo>
-                <a:cubicBezTo>
-                  <a:pt x="418628" y="187614"/>
-                  <a:pt x="433614" y="225137"/>
-                  <a:pt x="463586" y="258908"/>
-                </a:cubicBezTo>
-                <a:cubicBezTo>
-                  <a:pt x="467333" y="262660"/>
-                  <a:pt x="474826" y="266412"/>
-                  <a:pt x="478573" y="270164"/>
-                </a:cubicBezTo>
-                <a:cubicBezTo>
-                  <a:pt x="456093" y="281421"/>
-                  <a:pt x="433614" y="288926"/>
-                  <a:pt x="407389" y="288926"/>
-                </a:cubicBezTo>
-                <a:cubicBezTo>
-                  <a:pt x="384910" y="288926"/>
-                  <a:pt x="358684" y="281421"/>
-                  <a:pt x="339952" y="270164"/>
-                </a:cubicBezTo>
-                <a:cubicBezTo>
-                  <a:pt x="343698" y="266412"/>
-                  <a:pt x="347445" y="262660"/>
-                  <a:pt x="351191" y="258908"/>
-                </a:cubicBezTo>
-                <a:cubicBezTo>
-                  <a:pt x="384910" y="225137"/>
-                  <a:pt x="396149" y="187614"/>
-                  <a:pt x="381163" y="172605"/>
-                </a:cubicBezTo>
-                <a:cubicBezTo>
-                  <a:pt x="377417" y="165101"/>
-                  <a:pt x="369924" y="165101"/>
-                  <a:pt x="362431" y="165101"/>
-                </a:cubicBezTo>
-                <a:cubicBezTo>
-                  <a:pt x="343698" y="165101"/>
-                  <a:pt x="317473" y="180110"/>
-                  <a:pt x="294994" y="202623"/>
-                </a:cubicBezTo>
-                <a:cubicBezTo>
-                  <a:pt x="291247" y="206376"/>
-                  <a:pt x="287501" y="210128"/>
-                  <a:pt x="283754" y="213880"/>
-                </a:cubicBezTo>
-                <a:cubicBezTo>
-                  <a:pt x="272515" y="191367"/>
-                  <a:pt x="268768" y="168853"/>
-                  <a:pt x="268768" y="146339"/>
-                </a:cubicBezTo>
-                <a:cubicBezTo>
-                  <a:pt x="268768" y="120073"/>
-                  <a:pt x="276261" y="93807"/>
-                  <a:pt x="287501" y="71293"/>
-                </a:cubicBezTo>
-                <a:cubicBezTo>
-                  <a:pt x="291247" y="75046"/>
-                  <a:pt x="294994" y="82550"/>
-                  <a:pt x="298740" y="86303"/>
-                </a:cubicBezTo>
-                <a:cubicBezTo>
-                  <a:pt x="321219" y="108816"/>
-                  <a:pt x="347445" y="123825"/>
-                  <a:pt x="366177" y="123825"/>
-                </a:cubicBezTo>
-                <a:cubicBezTo>
-                  <a:pt x="373670" y="123825"/>
-                  <a:pt x="381163" y="120073"/>
-                  <a:pt x="384910" y="116321"/>
-                </a:cubicBezTo>
-                <a:cubicBezTo>
-                  <a:pt x="399896" y="101312"/>
-                  <a:pt x="384910" y="63789"/>
-                  <a:pt x="354938" y="30018"/>
-                </a:cubicBezTo>
-                <a:cubicBezTo>
-                  <a:pt x="347445" y="26266"/>
-                  <a:pt x="343698" y="22514"/>
-                  <a:pt x="339952" y="18761"/>
-                </a:cubicBezTo>
-                <a:cubicBezTo>
-                  <a:pt x="362431" y="7505"/>
-                  <a:pt x="384910" y="0"/>
-                  <a:pt x="407389" y="0"/>
-                </a:cubicBezTo>
-                <a:close/>
-              </a:path>
-            </a:pathLst>
-          </a:custGeom>
-          <a:solidFill>
-            <a:schemeClr val="accent1"/>
-          </a:solidFill>
-          <a:ln>
-            <a:noFill/>
-          </a:ln>
-        </p:spPr>
-        <p:style>
-          <a:lnRef idx="2">
-            <a:schemeClr val="accent1">
-              <a:shade val="50000"/>
-            </a:schemeClr>
-          </a:lnRef>
-          <a:fillRef idx="1">
-            <a:schemeClr val="accent1"/>
-          </a:fillRef>
-          <a:effectRef idx="0">
-            <a:schemeClr val="accent1"/>
-          </a:effectRef>
-          <a:fontRef idx="minor">
-            <a:schemeClr val="lt1"/>
-          </a:fontRef>
-        </p:style>
-        <p:txBody>
-          <a:bodyPr wrap="square" rtlCol="0" anchor="ctr">
-            <a:noAutofit/>
-          </a:bodyPr>
-          <a:lstStyle/>
-          <a:p>
-            <a:endParaRPr lang="zh-CN" altLang="en-US">
-              <a:solidFill>
-                <a:schemeClr val="tx1"/>
-              </a:solidFill>
-            </a:endParaRPr>
-          </a:p>
-        </p:txBody>
-      </p:sp>
-      <p:sp>
-        <p:nvSpPr>
-          <p:cNvPr id="64" name="任意多边形 63"/>
-          <p:cNvSpPr/>
-          <p:nvPr>
-            <p:custDataLst>
-              <p:tags r:id="rId2"/>
-            </p:custDataLst>
-          </p:nvPr>
-        </p:nvSpPr>
-        <p:spPr bwMode="auto">
-          <a:xfrm>
-            <a:off x="8101702" y="1698727"/>
-            <a:ext cx="844524" cy="2154788"/>
-          </a:xfrm>
-          <a:custGeom>
-            <a:avLst/>
-            <a:gdLst>
-              <a:gd name="connsiteX0" fmla="*/ 41670 w 844524"/>
-              <a:gd name="connsiteY0" fmla="*/ 2080175 h 2154788"/>
-              <a:gd name="connsiteX1" fmla="*/ 802851 w 844524"/>
-              <a:gd name="connsiteY1" fmla="*/ 2080175 h 2154788"/>
-              <a:gd name="connsiteX2" fmla="*/ 829099 w 844524"/>
-              <a:gd name="connsiteY2" fmla="*/ 2110020 h 2154788"/>
-              <a:gd name="connsiteX3" fmla="*/ 836598 w 844524"/>
-              <a:gd name="connsiteY3" fmla="*/ 2154788 h 2154788"/>
-              <a:gd name="connsiteX4" fmla="*/ 7923 w 844524"/>
-              <a:gd name="connsiteY4" fmla="*/ 2154788 h 2154788"/>
-              <a:gd name="connsiteX5" fmla="*/ 15422 w 844524"/>
-              <a:gd name="connsiteY5" fmla="*/ 2110020 h 2154788"/>
-              <a:gd name="connsiteX6" fmla="*/ 41670 w 844524"/>
-              <a:gd name="connsiteY6" fmla="*/ 2080175 h 2154788"/>
-              <a:gd name="connsiteX7" fmla="*/ 86773 w 844524"/>
-              <a:gd name="connsiteY7" fmla="*/ 1716635 h 2154788"/>
-              <a:gd name="connsiteX8" fmla="*/ 765244 w 844524"/>
-              <a:gd name="connsiteY8" fmla="*/ 1716635 h 2154788"/>
-              <a:gd name="connsiteX9" fmla="*/ 843962 w 844524"/>
-              <a:gd name="connsiteY9" fmla="*/ 1911595 h 2154788"/>
-              <a:gd name="connsiteX10" fmla="*/ 798980 w 844524"/>
-              <a:gd name="connsiteY10" fmla="*/ 2069062 h 2154788"/>
-              <a:gd name="connsiteX11" fmla="*/ 49288 w 844524"/>
-              <a:gd name="connsiteY11" fmla="*/ 2069062 h 2154788"/>
-              <a:gd name="connsiteX12" fmla="*/ 558 w 844524"/>
-              <a:gd name="connsiteY12" fmla="*/ 1896598 h 2154788"/>
-              <a:gd name="connsiteX13" fmla="*/ 75528 w 844524"/>
-              <a:gd name="connsiteY13" fmla="*/ 1735381 h 2154788"/>
-              <a:gd name="connsiteX14" fmla="*/ 86773 w 844524"/>
-              <a:gd name="connsiteY14" fmla="*/ 1716635 h 2154788"/>
-              <a:gd name="connsiteX15" fmla="*/ 93871 w 844524"/>
-              <a:gd name="connsiteY15" fmla="*/ 1638703 h 2154788"/>
-              <a:gd name="connsiteX16" fmla="*/ 750649 w 844524"/>
-              <a:gd name="connsiteY16" fmla="*/ 1638703 h 2154788"/>
-              <a:gd name="connsiteX17" fmla="*/ 784426 w 844524"/>
-              <a:gd name="connsiteY17" fmla="*/ 1664850 h 2154788"/>
-              <a:gd name="connsiteX18" fmla="*/ 780673 w 844524"/>
-              <a:gd name="connsiteY18" fmla="*/ 1687262 h 2154788"/>
-              <a:gd name="connsiteX19" fmla="*/ 761908 w 844524"/>
-              <a:gd name="connsiteY19" fmla="*/ 1702203 h 2154788"/>
-              <a:gd name="connsiteX20" fmla="*/ 668083 w 844524"/>
-              <a:gd name="connsiteY20" fmla="*/ 1702203 h 2154788"/>
-              <a:gd name="connsiteX21" fmla="*/ 78859 w 844524"/>
-              <a:gd name="connsiteY21" fmla="*/ 1702203 h 2154788"/>
-              <a:gd name="connsiteX22" fmla="*/ 63847 w 844524"/>
-              <a:gd name="connsiteY22" fmla="*/ 1687262 h 2154788"/>
-              <a:gd name="connsiteX23" fmla="*/ 56341 w 844524"/>
-              <a:gd name="connsiteY23" fmla="*/ 1664850 h 2154788"/>
-              <a:gd name="connsiteX24" fmla="*/ 93871 w 844524"/>
-              <a:gd name="connsiteY24" fmla="*/ 1638703 h 2154788"/>
-              <a:gd name="connsiteX25" fmla="*/ 286871 w 844524"/>
-              <a:gd name="connsiteY25" fmla="*/ 995367 h 2154788"/>
-              <a:gd name="connsiteX26" fmla="*/ 553892 w 844524"/>
-              <a:gd name="connsiteY26" fmla="*/ 995367 h 2154788"/>
-              <a:gd name="connsiteX27" fmla="*/ 730652 w 844524"/>
-              <a:gd name="connsiteY27" fmla="*/ 1615913 h 2154788"/>
-              <a:gd name="connsiteX28" fmla="*/ 738174 w 844524"/>
-              <a:gd name="connsiteY28" fmla="*/ 1627195 h 2154788"/>
-              <a:gd name="connsiteX29" fmla="*/ 106349 w 844524"/>
-              <a:gd name="connsiteY29" fmla="*/ 1627195 h 2154788"/>
-              <a:gd name="connsiteX30" fmla="*/ 113871 w 844524"/>
-              <a:gd name="connsiteY30" fmla="*/ 1608391 h 2154788"/>
-              <a:gd name="connsiteX31" fmla="*/ 286871 w 844524"/>
-              <a:gd name="connsiteY31" fmla="*/ 995367 h 2154788"/>
-              <a:gd name="connsiteX32" fmla="*/ 330296 w 844524"/>
-              <a:gd name="connsiteY32" fmla="*/ 285752 h 2154788"/>
-              <a:gd name="connsiteX33" fmla="*/ 424138 w 844524"/>
-              <a:gd name="connsiteY33" fmla="*/ 327096 h 2154788"/>
-              <a:gd name="connsiteX34" fmla="*/ 510473 w 844524"/>
-              <a:gd name="connsiteY34" fmla="*/ 289511 h 2154788"/>
-              <a:gd name="connsiteX35" fmla="*/ 514227 w 844524"/>
-              <a:gd name="connsiteY35" fmla="*/ 285752 h 2154788"/>
-              <a:gd name="connsiteX36" fmla="*/ 517980 w 844524"/>
-              <a:gd name="connsiteY36" fmla="*/ 285752 h 2154788"/>
-              <a:gd name="connsiteX37" fmla="*/ 525488 w 844524"/>
-              <a:gd name="connsiteY37" fmla="*/ 293269 h 2154788"/>
-              <a:gd name="connsiteX38" fmla="*/ 611823 w 844524"/>
-              <a:gd name="connsiteY38" fmla="*/ 323337 h 2154788"/>
-              <a:gd name="connsiteX39" fmla="*/ 671882 w 844524"/>
-              <a:gd name="connsiteY39" fmla="*/ 300786 h 2154788"/>
-              <a:gd name="connsiteX40" fmla="*/ 690650 w 844524"/>
-              <a:gd name="connsiteY40" fmla="*/ 293269 h 2154788"/>
-              <a:gd name="connsiteX41" fmla="*/ 705665 w 844524"/>
-              <a:gd name="connsiteY41" fmla="*/ 293269 h 2154788"/>
-              <a:gd name="connsiteX42" fmla="*/ 765724 w 844524"/>
-              <a:gd name="connsiteY42" fmla="*/ 323337 h 2154788"/>
-              <a:gd name="connsiteX43" fmla="*/ 739448 w 844524"/>
-              <a:gd name="connsiteY43" fmla="*/ 424818 h 2154788"/>
-              <a:gd name="connsiteX44" fmla="*/ 574286 w 844524"/>
-              <a:gd name="connsiteY44" fmla="*/ 849532 h 2154788"/>
-              <a:gd name="connsiteX45" fmla="*/ 574286 w 844524"/>
-              <a:gd name="connsiteY45" fmla="*/ 853290 h 2154788"/>
-              <a:gd name="connsiteX46" fmla="*/ 578040 w 844524"/>
-              <a:gd name="connsiteY46" fmla="*/ 853290 h 2154788"/>
-              <a:gd name="connsiteX47" fmla="*/ 645606 w 844524"/>
-              <a:gd name="connsiteY47" fmla="*/ 853290 h 2154788"/>
-              <a:gd name="connsiteX48" fmla="*/ 698158 w 844524"/>
-              <a:gd name="connsiteY48" fmla="*/ 920944 h 2154788"/>
-              <a:gd name="connsiteX49" fmla="*/ 656867 w 844524"/>
-              <a:gd name="connsiteY49" fmla="*/ 981080 h 2154788"/>
-              <a:gd name="connsiteX50" fmla="*/ 574286 w 844524"/>
-              <a:gd name="connsiteY50" fmla="*/ 981080 h 2154788"/>
-              <a:gd name="connsiteX51" fmla="*/ 251468 w 844524"/>
-              <a:gd name="connsiteY51" fmla="*/ 981080 h 2154788"/>
-              <a:gd name="connsiteX52" fmla="*/ 180148 w 844524"/>
-              <a:gd name="connsiteY52" fmla="*/ 981080 h 2154788"/>
-              <a:gd name="connsiteX53" fmla="*/ 135104 w 844524"/>
-              <a:gd name="connsiteY53" fmla="*/ 917185 h 2154788"/>
-              <a:gd name="connsiteX54" fmla="*/ 187655 w 844524"/>
-              <a:gd name="connsiteY54" fmla="*/ 853290 h 2154788"/>
-              <a:gd name="connsiteX55" fmla="*/ 270237 w 844524"/>
-              <a:gd name="connsiteY55" fmla="*/ 853290 h 2154788"/>
-              <a:gd name="connsiteX56" fmla="*/ 105074 w 844524"/>
-              <a:gd name="connsiteY56" fmla="*/ 424818 h 2154788"/>
-              <a:gd name="connsiteX57" fmla="*/ 78798 w 844524"/>
-              <a:gd name="connsiteY57" fmla="*/ 323337 h 2154788"/>
-              <a:gd name="connsiteX58" fmla="*/ 135104 w 844524"/>
-              <a:gd name="connsiteY58" fmla="*/ 293269 h 2154788"/>
-              <a:gd name="connsiteX59" fmla="*/ 153872 w 844524"/>
-              <a:gd name="connsiteY59" fmla="*/ 293269 h 2154788"/>
-              <a:gd name="connsiteX60" fmla="*/ 168887 w 844524"/>
-              <a:gd name="connsiteY60" fmla="*/ 300786 h 2154788"/>
-              <a:gd name="connsiteX61" fmla="*/ 232700 w 844524"/>
-              <a:gd name="connsiteY61" fmla="*/ 323337 h 2154788"/>
-              <a:gd name="connsiteX62" fmla="*/ 330296 w 844524"/>
-              <a:gd name="connsiteY62" fmla="*/ 285752 h 2154788"/>
-              <a:gd name="connsiteX63" fmla="*/ 422262 w 844524"/>
-              <a:gd name="connsiteY63" fmla="*/ 0 h 2154788"/>
-              <a:gd name="connsiteX64" fmla="*/ 557200 w 844524"/>
-              <a:gd name="connsiteY64" fmla="*/ 134938 h 2154788"/>
-              <a:gd name="connsiteX65" fmla="*/ 422262 w 844524"/>
-              <a:gd name="connsiteY65" fmla="*/ 269876 h 2154788"/>
-              <a:gd name="connsiteX66" fmla="*/ 287324 w 844524"/>
-              <a:gd name="connsiteY66" fmla="*/ 134938 h 2154788"/>
-              <a:gd name="connsiteX67" fmla="*/ 422262 w 844524"/>
-              <a:gd name="connsiteY67" fmla="*/ 0 h 2154788"/>
-            </a:gdLst>
-            <a:ahLst/>
-            <a:cxnLst>
-              <a:cxn ang="0">
-                <a:pos x="connsiteX0" y="connsiteY0"/>
-              </a:cxn>
-              <a:cxn ang="0">
-                <a:pos x="connsiteX1" y="connsiteY1"/>
-              </a:cxn>
-              <a:cxn ang="0">
-                <a:pos x="connsiteX2" y="connsiteY2"/>
-              </a:cxn>
-              <a:cxn ang="0">
-                <a:pos x="connsiteX3" y="connsiteY3"/>
-              </a:cxn>
-              <a:cxn ang="0">
-                <a:pos x="connsiteX4" y="connsiteY4"/>
-              </a:cxn>
-              <a:cxn ang="0">
-                <a:pos x="connsiteX5" y="connsiteY5"/>
-              </a:cxn>
-              <a:cxn ang="0">
-                <a:pos x="connsiteX6" y="connsiteY6"/>
-              </a:cxn>
-              <a:cxn ang="0">
-                <a:pos x="connsiteX7" y="connsiteY7"/>
-              </a:cxn>
-              <a:cxn ang="0">
-                <a:pos x="connsiteX8" y="connsiteY8"/>
-              </a:cxn>
-              <a:cxn ang="0">
-                <a:pos x="connsiteX9" y="connsiteY9"/>
-              </a:cxn>
-              <a:cxn ang="0">
-                <a:pos x="connsiteX10" y="connsiteY10"/>
-              </a:cxn>
-              <a:cxn ang="0">
-                <a:pos x="connsiteX11" y="connsiteY11"/>
-              </a:cxn>
-              <a:cxn ang="0">
-                <a:pos x="connsiteX12" y="connsiteY12"/>
-              </a:cxn>
-              <a:cxn ang="0">
-                <a:pos x="connsiteX13" y="connsiteY13"/>
-              </a:cxn>
-              <a:cxn ang="0">
-                <a:pos x="connsiteX14" y="connsiteY14"/>
-              </a:cxn>
-              <a:cxn ang="0">
-                <a:pos x="connsiteX15" y="connsiteY15"/>
-              </a:cxn>
-              <a:cxn ang="0">
-                <a:pos x="connsiteX16" y="connsiteY16"/>
-              </a:cxn>
-              <a:cxn ang="0">
-                <a:pos x="connsiteX17" y="connsiteY17"/>
-              </a:cxn>
-              <a:cxn ang="0">
-                <a:pos x="connsiteX18" y="connsiteY18"/>
-              </a:cxn>
-              <a:cxn ang="0">
-                <a:pos x="connsiteX19" y="connsiteY19"/>
-              </a:cxn>
-              <a:cxn ang="0">
-                <a:pos x="connsiteX20" y="connsiteY20"/>
-              </a:cxn>
-              <a:cxn ang="0">
-                <a:pos x="connsiteX21" y="connsiteY21"/>
-              </a:cxn>
-              <a:cxn ang="0">
-                <a:pos x="connsiteX22" y="connsiteY22"/>
-              </a:cxn>
-              <a:cxn ang="0">
-                <a:pos x="connsiteX23" y="connsiteY23"/>
-              </a:cxn>
-              <a:cxn ang="0">
-                <a:pos x="connsiteX24" y="connsiteY24"/>
-              </a:cxn>
-              <a:cxn ang="0">
-                <a:pos x="connsiteX25" y="connsiteY25"/>
-              </a:cxn>
-              <a:cxn ang="0">
-                <a:pos x="connsiteX26" y="connsiteY26"/>
-              </a:cxn>
-              <a:cxn ang="0">
-                <a:pos x="connsiteX27" y="connsiteY27"/>
-              </a:cxn>
-              <a:cxn ang="0">
-                <a:pos x="connsiteX28" y="connsiteY28"/>
-              </a:cxn>
-              <a:cxn ang="0">
-                <a:pos x="connsiteX29" y="connsiteY29"/>
-              </a:cxn>
-              <a:cxn ang="0">
-                <a:pos x="connsiteX30" y="connsiteY30"/>
-              </a:cxn>
-              <a:cxn ang="0">
-                <a:pos x="connsiteX31" y="connsiteY31"/>
-              </a:cxn>
-              <a:cxn ang="0">
-                <a:pos x="connsiteX32" y="connsiteY32"/>
-              </a:cxn>
-              <a:cxn ang="0">
-                <a:pos x="connsiteX33" y="connsiteY33"/>
-              </a:cxn>
-              <a:cxn ang="0">
-                <a:pos x="connsiteX34" y="connsiteY34"/>
-              </a:cxn>
-              <a:cxn ang="0">
-                <a:pos x="connsiteX35" y="connsiteY35"/>
-              </a:cxn>
-              <a:cxn ang="0">
-                <a:pos x="connsiteX36" y="connsiteY36"/>
-              </a:cxn>
-              <a:cxn ang="0">
-                <a:pos x="connsiteX37" y="connsiteY37"/>
-              </a:cxn>
-              <a:cxn ang="0">
-                <a:pos x="connsiteX38" y="connsiteY38"/>
-              </a:cxn>
-              <a:cxn ang="0">
-                <a:pos x="connsiteX39" y="connsiteY39"/>
-              </a:cxn>
-              <a:cxn ang="0">
-                <a:pos x="connsiteX40" y="connsiteY40"/>
-              </a:cxn>
-              <a:cxn ang="0">
-                <a:pos x="connsiteX41" y="connsiteY41"/>
-              </a:cxn>
-              <a:cxn ang="0">
-                <a:pos x="connsiteX42" y="connsiteY42"/>
-              </a:cxn>
-              <a:cxn ang="0">
-                <a:pos x="connsiteX43" y="connsiteY43"/>
-              </a:cxn>
-              <a:cxn ang="0">
-                <a:pos x="connsiteX44" y="connsiteY44"/>
-              </a:cxn>
-              <a:cxn ang="0">
-                <a:pos x="connsiteX45" y="connsiteY45"/>
-              </a:cxn>
-              <a:cxn ang="0">
-                <a:pos x="connsiteX46" y="connsiteY46"/>
-              </a:cxn>
-              <a:cxn ang="0">
-                <a:pos x="connsiteX47" y="connsiteY47"/>
-              </a:cxn>
-              <a:cxn ang="0">
-                <a:pos x="connsiteX48" y="connsiteY48"/>
-              </a:cxn>
-              <a:cxn ang="0">
-                <a:pos x="connsiteX49" y="connsiteY49"/>
-              </a:cxn>
-              <a:cxn ang="0">
-                <a:pos x="connsiteX50" y="connsiteY50"/>
-              </a:cxn>
-              <a:cxn ang="0">
-                <a:pos x="connsiteX51" y="connsiteY51"/>
-              </a:cxn>
-              <a:cxn ang="0">
-                <a:pos x="connsiteX52" y="connsiteY52"/>
-              </a:cxn>
-              <a:cxn ang="0">
-                <a:pos x="connsiteX53" y="connsiteY53"/>
-              </a:cxn>
-              <a:cxn ang="0">
-                <a:pos x="connsiteX54" y="connsiteY54"/>
-              </a:cxn>
-              <a:cxn ang="0">
-                <a:pos x="connsiteX55" y="connsiteY55"/>
-              </a:cxn>
-              <a:cxn ang="0">
-                <a:pos x="connsiteX56" y="connsiteY56"/>
-              </a:cxn>
-              <a:cxn ang="0">
-                <a:pos x="connsiteX57" y="connsiteY57"/>
-              </a:cxn>
-              <a:cxn ang="0">
-                <a:pos x="connsiteX58" y="connsiteY58"/>
-              </a:cxn>
-              <a:cxn ang="0">
-                <a:pos x="connsiteX59" y="connsiteY59"/>
-              </a:cxn>
-              <a:cxn ang="0">
-                <a:pos x="connsiteX60" y="connsiteY60"/>
-              </a:cxn>
-              <a:cxn ang="0">
-                <a:pos x="connsiteX61" y="connsiteY61"/>
-              </a:cxn>
-              <a:cxn ang="0">
-                <a:pos x="connsiteX62" y="connsiteY62"/>
-              </a:cxn>
-              <a:cxn ang="0">
-                <a:pos x="connsiteX63" y="connsiteY63"/>
-              </a:cxn>
-              <a:cxn ang="0">
-                <a:pos x="connsiteX64" y="connsiteY64"/>
-              </a:cxn>
-              <a:cxn ang="0">
-                <a:pos x="connsiteX65" y="connsiteY65"/>
-              </a:cxn>
-              <a:cxn ang="0">
-                <a:pos x="connsiteX66" y="connsiteY66"/>
-              </a:cxn>
-              <a:cxn ang="0">
-                <a:pos x="connsiteX67" y="connsiteY67"/>
-              </a:cxn>
-            </a:cxnLst>
-            <a:rect l="l" t="t" r="r" b="b"/>
-            <a:pathLst>
-              <a:path w="844524" h="2154788">
-                <a:moveTo>
-                  <a:pt x="41670" y="2080175"/>
-                </a:moveTo>
-                <a:cubicBezTo>
-                  <a:pt x="802851" y="2080175"/>
-                  <a:pt x="802851" y="2080175"/>
-                  <a:pt x="802851" y="2080175"/>
-                </a:cubicBezTo>
-                <a:cubicBezTo>
-                  <a:pt x="802851" y="2080175"/>
-                  <a:pt x="821600" y="2095098"/>
-                  <a:pt x="829099" y="2110020"/>
-                </a:cubicBezTo>
-                <a:cubicBezTo>
-                  <a:pt x="832849" y="2124943"/>
-                  <a:pt x="836598" y="2151057"/>
-                  <a:pt x="836598" y="2154788"/>
-                </a:cubicBezTo>
-                <a:lnTo>
-                  <a:pt x="7923" y="2154788"/>
-                </a:lnTo>
-                <a:cubicBezTo>
-                  <a:pt x="7923" y="2151057"/>
-                  <a:pt x="7923" y="2124943"/>
-                  <a:pt x="15422" y="2110020"/>
-                </a:cubicBezTo>
-                <a:cubicBezTo>
-                  <a:pt x="22921" y="2095098"/>
-                  <a:pt x="41670" y="2080175"/>
-                  <a:pt x="41670" y="2080175"/>
-                </a:cubicBezTo>
-                <a:close/>
-                <a:moveTo>
-                  <a:pt x="86773" y="1716635"/>
-                </a:moveTo>
-                <a:cubicBezTo>
-                  <a:pt x="765244" y="1716635"/>
-                  <a:pt x="765244" y="1716635"/>
-                  <a:pt x="765244" y="1716635"/>
-                </a:cubicBezTo>
-                <a:cubicBezTo>
-                  <a:pt x="795232" y="1757877"/>
-                  <a:pt x="840213" y="1836610"/>
-                  <a:pt x="843962" y="1911595"/>
-                </a:cubicBezTo>
-                <a:cubicBezTo>
-                  <a:pt x="847710" y="1971582"/>
-                  <a:pt x="832716" y="2020322"/>
-                  <a:pt x="798980" y="2069062"/>
-                </a:cubicBezTo>
-                <a:lnTo>
-                  <a:pt x="49288" y="2069062"/>
-                </a:lnTo>
-                <a:cubicBezTo>
-                  <a:pt x="11804" y="2024071"/>
-                  <a:pt x="-3190" y="1960335"/>
-                  <a:pt x="558" y="1896598"/>
-                </a:cubicBezTo>
-                <a:cubicBezTo>
-                  <a:pt x="4307" y="1840360"/>
-                  <a:pt x="41791" y="1780372"/>
-                  <a:pt x="75528" y="1735381"/>
-                </a:cubicBezTo>
-                <a:cubicBezTo>
-                  <a:pt x="79276" y="1727883"/>
-                  <a:pt x="83025" y="1720384"/>
-                  <a:pt x="86773" y="1716635"/>
-                </a:cubicBezTo>
-                <a:close/>
-                <a:moveTo>
-                  <a:pt x="93871" y="1638703"/>
-                </a:moveTo>
-                <a:cubicBezTo>
-                  <a:pt x="750649" y="1638703"/>
-                  <a:pt x="750649" y="1638703"/>
-                  <a:pt x="750649" y="1638703"/>
-                </a:cubicBezTo>
-                <a:cubicBezTo>
-                  <a:pt x="758155" y="1638703"/>
-                  <a:pt x="780673" y="1642438"/>
-                  <a:pt x="784426" y="1664850"/>
-                </a:cubicBezTo>
-                <a:cubicBezTo>
-                  <a:pt x="788179" y="1676056"/>
-                  <a:pt x="784426" y="1683527"/>
-                  <a:pt x="780673" y="1687262"/>
-                </a:cubicBezTo>
-                <a:cubicBezTo>
-                  <a:pt x="776920" y="1694733"/>
-                  <a:pt x="769414" y="1702203"/>
-                  <a:pt x="761908" y="1702203"/>
-                </a:cubicBezTo>
-                <a:cubicBezTo>
-                  <a:pt x="761908" y="1702203"/>
-                  <a:pt x="720625" y="1702203"/>
-                  <a:pt x="668083" y="1702203"/>
-                </a:cubicBezTo>
-                <a:cubicBezTo>
-                  <a:pt x="668083" y="1702203"/>
-                  <a:pt x="82612" y="1702203"/>
-                  <a:pt x="78859" y="1702203"/>
-                </a:cubicBezTo>
-                <a:cubicBezTo>
-                  <a:pt x="75106" y="1702203"/>
-                  <a:pt x="67600" y="1694733"/>
-                  <a:pt x="63847" y="1687262"/>
-                </a:cubicBezTo>
-                <a:cubicBezTo>
-                  <a:pt x="60094" y="1683527"/>
-                  <a:pt x="56341" y="1676056"/>
-                  <a:pt x="56341" y="1664850"/>
-                </a:cubicBezTo>
-                <a:cubicBezTo>
-                  <a:pt x="63847" y="1642438"/>
-                  <a:pt x="86365" y="1638703"/>
-                  <a:pt x="93871" y="1638703"/>
-                </a:cubicBezTo>
-                <a:close/>
-                <a:moveTo>
-                  <a:pt x="286871" y="995367"/>
-                </a:moveTo>
-                <a:cubicBezTo>
-                  <a:pt x="553892" y="995367"/>
-                  <a:pt x="553892" y="995367"/>
-                  <a:pt x="553892" y="995367"/>
-                </a:cubicBezTo>
-                <a:cubicBezTo>
-                  <a:pt x="576457" y="1330086"/>
-                  <a:pt x="651674" y="1469238"/>
-                  <a:pt x="730652" y="1615913"/>
-                </a:cubicBezTo>
-                <a:cubicBezTo>
-                  <a:pt x="738174" y="1627195"/>
-                  <a:pt x="738174" y="1627195"/>
-                  <a:pt x="738174" y="1627195"/>
-                </a:cubicBezTo>
-                <a:lnTo>
-                  <a:pt x="106349" y="1627195"/>
-                </a:lnTo>
-                <a:cubicBezTo>
-                  <a:pt x="113871" y="1608391"/>
-                  <a:pt x="113871" y="1608391"/>
-                  <a:pt x="113871" y="1608391"/>
-                </a:cubicBezTo>
-                <a:cubicBezTo>
-                  <a:pt x="196610" y="1457955"/>
-                  <a:pt x="268066" y="1330086"/>
-                  <a:pt x="286871" y="995367"/>
-                </a:cubicBezTo>
-                <a:close/>
-                <a:moveTo>
-                  <a:pt x="330296" y="285752"/>
-                </a:moveTo>
-                <a:cubicBezTo>
-                  <a:pt x="356572" y="304545"/>
-                  <a:pt x="386601" y="327096"/>
-                  <a:pt x="424138" y="327096"/>
-                </a:cubicBezTo>
-                <a:cubicBezTo>
-                  <a:pt x="457921" y="327096"/>
-                  <a:pt x="487951" y="308303"/>
-                  <a:pt x="510473" y="289511"/>
-                </a:cubicBezTo>
-                <a:cubicBezTo>
-                  <a:pt x="514227" y="289511"/>
-                  <a:pt x="514227" y="289511"/>
-                  <a:pt x="514227" y="285752"/>
-                </a:cubicBezTo>
-                <a:cubicBezTo>
-                  <a:pt x="517980" y="285752"/>
-                  <a:pt x="517980" y="285752"/>
-                  <a:pt x="517980" y="285752"/>
-                </a:cubicBezTo>
-                <a:cubicBezTo>
-                  <a:pt x="517980" y="289511"/>
-                  <a:pt x="521734" y="289511"/>
-                  <a:pt x="525488" y="293269"/>
-                </a:cubicBezTo>
-                <a:cubicBezTo>
-                  <a:pt x="555517" y="312062"/>
-                  <a:pt x="585547" y="323337"/>
-                  <a:pt x="611823" y="323337"/>
-                </a:cubicBezTo>
-                <a:cubicBezTo>
-                  <a:pt x="634345" y="323337"/>
-                  <a:pt x="656867" y="312062"/>
-                  <a:pt x="671882" y="300786"/>
-                </a:cubicBezTo>
-                <a:cubicBezTo>
-                  <a:pt x="679389" y="297028"/>
-                  <a:pt x="686897" y="293269"/>
-                  <a:pt x="690650" y="293269"/>
-                </a:cubicBezTo>
-                <a:cubicBezTo>
-                  <a:pt x="694404" y="293269"/>
-                  <a:pt x="701911" y="293269"/>
-                  <a:pt x="705665" y="293269"/>
-                </a:cubicBezTo>
-                <a:cubicBezTo>
-                  <a:pt x="720680" y="293269"/>
-                  <a:pt x="746956" y="297028"/>
-                  <a:pt x="765724" y="323337"/>
-                </a:cubicBezTo>
-                <a:cubicBezTo>
-                  <a:pt x="803261" y="375957"/>
-                  <a:pt x="750709" y="417301"/>
-                  <a:pt x="739448" y="424818"/>
-                </a:cubicBezTo>
-                <a:cubicBezTo>
-                  <a:pt x="664375" y="473679"/>
-                  <a:pt x="563025" y="646571"/>
-                  <a:pt x="574286" y="849532"/>
-                </a:cubicBezTo>
-                <a:cubicBezTo>
-                  <a:pt x="574286" y="853290"/>
-                  <a:pt x="574286" y="853290"/>
-                  <a:pt x="574286" y="853290"/>
-                </a:cubicBezTo>
-                <a:cubicBezTo>
-                  <a:pt x="578040" y="853290"/>
-                  <a:pt x="578040" y="853290"/>
-                  <a:pt x="578040" y="853290"/>
-                </a:cubicBezTo>
-                <a:cubicBezTo>
-                  <a:pt x="645606" y="853290"/>
-                  <a:pt x="645606" y="853290"/>
-                  <a:pt x="645606" y="853290"/>
-                </a:cubicBezTo>
-                <a:cubicBezTo>
-                  <a:pt x="653113" y="853290"/>
-                  <a:pt x="694404" y="875841"/>
-                  <a:pt x="698158" y="920944"/>
-                </a:cubicBezTo>
-                <a:cubicBezTo>
-                  <a:pt x="701911" y="958529"/>
-                  <a:pt x="660621" y="981080"/>
-                  <a:pt x="656867" y="981080"/>
-                </a:cubicBezTo>
-                <a:cubicBezTo>
-                  <a:pt x="653113" y="981080"/>
-                  <a:pt x="626838" y="981080"/>
-                  <a:pt x="574286" y="981080"/>
-                </a:cubicBezTo>
-                <a:lnTo>
-                  <a:pt x="251468" y="981080"/>
-                </a:lnTo>
-                <a:cubicBezTo>
-                  <a:pt x="210177" y="981080"/>
-                  <a:pt x="180148" y="981080"/>
-                  <a:pt x="180148" y="981080"/>
-                </a:cubicBezTo>
-                <a:cubicBezTo>
-                  <a:pt x="172641" y="981080"/>
-                  <a:pt x="131350" y="958529"/>
-                  <a:pt x="135104" y="917185"/>
-                </a:cubicBezTo>
-                <a:cubicBezTo>
-                  <a:pt x="138857" y="868324"/>
-                  <a:pt x="183902" y="853290"/>
-                  <a:pt x="187655" y="853290"/>
-                </a:cubicBezTo>
-                <a:cubicBezTo>
-                  <a:pt x="270237" y="853290"/>
-                  <a:pt x="270237" y="853290"/>
-                  <a:pt x="270237" y="853290"/>
-                </a:cubicBezTo>
-                <a:cubicBezTo>
-                  <a:pt x="281498" y="646571"/>
-                  <a:pt x="180148" y="477437"/>
-                  <a:pt x="105074" y="424818"/>
-                </a:cubicBezTo>
-                <a:cubicBezTo>
-                  <a:pt x="93813" y="417301"/>
-                  <a:pt x="41261" y="375957"/>
-                  <a:pt x="78798" y="323337"/>
-                </a:cubicBezTo>
-                <a:cubicBezTo>
-                  <a:pt x="97567" y="297028"/>
-                  <a:pt x="123843" y="293269"/>
-                  <a:pt x="135104" y="293269"/>
-                </a:cubicBezTo>
-                <a:cubicBezTo>
-                  <a:pt x="142611" y="293269"/>
-                  <a:pt x="146365" y="293269"/>
-                  <a:pt x="153872" y="293269"/>
-                </a:cubicBezTo>
-                <a:cubicBezTo>
-                  <a:pt x="157626" y="293269"/>
-                  <a:pt x="165133" y="297028"/>
-                  <a:pt x="168887" y="300786"/>
-                </a:cubicBezTo>
-                <a:cubicBezTo>
-                  <a:pt x="187655" y="312062"/>
-                  <a:pt x="210177" y="323337"/>
-                  <a:pt x="232700" y="323337"/>
-                </a:cubicBezTo>
-                <a:cubicBezTo>
-                  <a:pt x="270237" y="323337"/>
-                  <a:pt x="304020" y="304545"/>
-                  <a:pt x="330296" y="285752"/>
-                </a:cubicBezTo>
-                <a:close/>
-                <a:moveTo>
-                  <a:pt x="422262" y="0"/>
-                </a:moveTo>
-                <a:cubicBezTo>
-                  <a:pt x="496786" y="0"/>
-                  <a:pt x="557200" y="60414"/>
-                  <a:pt x="557200" y="134938"/>
-                </a:cubicBezTo>
-                <a:cubicBezTo>
-                  <a:pt x="557200" y="209462"/>
-                  <a:pt x="496786" y="269876"/>
-                  <a:pt x="422262" y="269876"/>
-                </a:cubicBezTo>
-                <a:cubicBezTo>
-                  <a:pt x="347738" y="269876"/>
-                  <a:pt x="287324" y="209462"/>
-                  <a:pt x="287324" y="134938"/>
-                </a:cubicBezTo>
-                <a:cubicBezTo>
-                  <a:pt x="287324" y="60414"/>
-                  <a:pt x="347738" y="0"/>
-                  <a:pt x="422262" y="0"/>
-                </a:cubicBezTo>
-                <a:close/>
-              </a:path>
-            </a:pathLst>
-          </a:custGeom>
-          <a:solidFill>
-            <a:schemeClr val="accent1"/>
-          </a:solidFill>
-          <a:ln>
-            <a:noFill/>
-          </a:ln>
-        </p:spPr>
-        <p:style>
-          <a:lnRef idx="2">
-            <a:schemeClr val="accent1">
-              <a:shade val="50000"/>
-            </a:schemeClr>
-          </a:lnRef>
-          <a:fillRef idx="1">
-            <a:schemeClr val="accent1"/>
-          </a:fillRef>
-          <a:effectRef idx="0">
-            <a:schemeClr val="accent1"/>
-          </a:effectRef>
-          <a:fontRef idx="minor">
-            <a:schemeClr val="lt1"/>
-          </a:fontRef>
-        </p:style>
-        <p:txBody>
-          <a:bodyPr wrap="square" rtlCol="0" anchor="ctr">
-            <a:noAutofit/>
-          </a:bodyPr>
-          <a:lstStyle/>
-          <a:p>
-            <a:endParaRPr lang="zh-CN" altLang="en-US">
-              <a:solidFill>
-                <a:schemeClr val="tx1"/>
-              </a:solidFill>
-            </a:endParaRPr>
-          </a:p>
-        </p:txBody>
-      </p:sp>
-      <p:sp>
-        <p:nvSpPr>
-          <p:cNvPr id="3" name="文本框 2"/>
-          <p:cNvSpPr txBox="1"/>
-          <p:nvPr>
-            <p:custDataLst>
-              <p:tags r:id="rId3"/>
-            </p:custDataLst>
-          </p:nvPr>
-        </p:nvSpPr>
-        <p:spPr>
-          <a:xfrm>
-            <a:off x="838200" y="161925"/>
-            <a:ext cx="10515600" cy="704851"/>
-          </a:xfrm>
-          <a:prstGeom prst="rect">
-            <a:avLst/>
-          </a:prstGeom>
-        </p:spPr>
-        <p:txBody>
-          <a:bodyPr vert="horz" wrap="square" lIns="91440" tIns="45720" rIns="91440" bIns="45720" rtlCol="0" anchor="ctr">
-            <a:normAutofit/>
-          </a:bodyPr>
-          <a:lstStyle>
-            <a:lvl1pPr>
-              <a:lnSpc>
-                <a:spcPct val="90000"/>
-              </a:lnSpc>
-              <a:spcBef>
-                <a:spcPct val="0"/>
-              </a:spcBef>
-              <a:buNone/>
-              <a:defRPr sz="4000">
-                <a:solidFill>
-                  <a:schemeClr val="bg1"/>
-                </a:solidFill>
-                <a:latin typeface="+mj-lt"/>
-                <a:ea typeface="+mj-ea"/>
-                <a:cs typeface="+mj-cs"/>
-              </a:defRPr>
-            </a:lvl1pPr>
-          </a:lstStyle>
-          <a:p>
-            <a:r>
-              <a:rPr lang="da-DK" altLang="zh-CN" smtClean="0"/>
-              <a:t>LOREM IPSUM DOLOR</a:t>
-            </a:r>
-            <a:endParaRPr lang="zh-CN" altLang="en-US" dirty="0"/>
-          </a:p>
-        </p:txBody>
-      </p:sp>
-      <p:sp>
-        <p:nvSpPr>
-          <p:cNvPr id="4" name="文本框 3"/>
-          <p:cNvSpPr txBox="1"/>
-          <p:nvPr>
-            <p:custDataLst>
-              <p:tags r:id="rId4"/>
-            </p:custDataLst>
-          </p:nvPr>
-        </p:nvSpPr>
-        <p:spPr>
-          <a:xfrm>
-            <a:off x="1983465" y="3853188"/>
-            <a:ext cx="3369142" cy="495061"/>
-          </a:xfrm>
-          <a:prstGeom prst="rect">
-            <a:avLst/>
-          </a:prstGeom>
-        </p:spPr>
-        <p:txBody>
-          <a:bodyPr wrap="square" anchor="ctr" anchorCtr="0">
-            <a:normAutofit/>
-          </a:bodyPr>
-          <a:lstStyle>
-            <a:defPPr>
-              <a:defRPr lang="zh-CN"/>
-            </a:defPPr>
-            <a:lvl1pPr algn="ctr">
-              <a:defRPr b="1">
-                <a:cs typeface="Arial" panose="020B0604020202020204" pitchFamily="34" charset="0"/>
-              </a:defRPr>
-            </a:lvl1pPr>
-          </a:lstStyle>
-          <a:p>
-            <a:r>
-              <a:rPr lang="en-US" altLang="zh-CN" smtClean="0">
-                <a:latin typeface="+mj-lt"/>
-                <a:ea typeface="+mj-ea"/>
-                <a:cs typeface="+mj-cs"/>
-              </a:rPr>
-              <a:t>LOREM</a:t>
-            </a:r>
-            <a:endParaRPr lang="zh-CN" altLang="en-US" dirty="0">
-              <a:latin typeface="+mj-lt"/>
-              <a:ea typeface="+mj-ea"/>
-              <a:cs typeface="+mj-cs"/>
-            </a:endParaRPr>
-          </a:p>
-        </p:txBody>
-      </p:sp>
-      <p:sp>
-        <p:nvSpPr>
-          <p:cNvPr id="5" name="文本框 4"/>
-          <p:cNvSpPr txBox="1"/>
-          <p:nvPr>
-            <p:custDataLst>
-              <p:tags r:id="rId5"/>
-            </p:custDataLst>
-          </p:nvPr>
-        </p:nvSpPr>
-        <p:spPr>
-          <a:xfrm>
-            <a:off x="1983465" y="4348249"/>
-            <a:ext cx="3369142" cy="1039708"/>
-          </a:xfrm>
-          <a:prstGeom prst="rect">
-            <a:avLst/>
-          </a:prstGeom>
-        </p:spPr>
-        <p:txBody>
-          <a:bodyPr wrap="square">
-            <a:normAutofit/>
-          </a:bodyPr>
-          <a:lstStyle>
-            <a:defPPr>
-              <a:defRPr lang="zh-CN"/>
-            </a:defPPr>
-            <a:lvl1pPr algn="ctr">
-              <a:lnSpc>
-                <a:spcPct val="114000"/>
-              </a:lnSpc>
-              <a:defRPr>
-                <a:solidFill>
-                  <a:schemeClr val="tx1">
-                    <a:lumMod val="40000"/>
-                    <a:lumOff val="60000"/>
-                  </a:schemeClr>
-                </a:solidFill>
-                <a:cs typeface="+mn-ea"/>
-              </a:defRPr>
-            </a:lvl1pPr>
-          </a:lstStyle>
-          <a:p>
-            <a:r>
-              <a:rPr lang="da-DK" altLang="zh-CN" smtClean="0">
-                <a:cs typeface="+mn-cs"/>
-              </a:rPr>
-              <a:t>Lorem ipsum dolor sit amet, consectetur adipisicing elit.</a:t>
-            </a:r>
-            <a:endParaRPr lang="zh-CN" altLang="en-US" dirty="0">
-              <a:cs typeface="+mn-cs"/>
-            </a:endParaRPr>
-          </a:p>
-        </p:txBody>
-      </p:sp>
-      <p:sp>
-        <p:nvSpPr>
-          <p:cNvPr id="6" name="文本框 5"/>
-          <p:cNvSpPr txBox="1"/>
-          <p:nvPr>
-            <p:custDataLst>
-              <p:tags r:id="rId6"/>
-            </p:custDataLst>
-          </p:nvPr>
-        </p:nvSpPr>
-        <p:spPr>
-          <a:xfrm>
-            <a:off x="6839393" y="3853188"/>
-            <a:ext cx="3369142" cy="495061"/>
-          </a:xfrm>
-          <a:prstGeom prst="rect">
-            <a:avLst/>
-          </a:prstGeom>
-        </p:spPr>
-        <p:txBody>
-          <a:bodyPr wrap="square" anchor="ctr" anchorCtr="0">
-            <a:normAutofit/>
-          </a:bodyPr>
-          <a:lstStyle>
-            <a:defPPr>
-              <a:defRPr lang="zh-CN"/>
-            </a:defPPr>
-            <a:lvl1pPr algn="ctr">
-              <a:defRPr b="1">
-                <a:cs typeface="Arial" panose="020B0604020202020204" pitchFamily="34" charset="0"/>
-              </a:defRPr>
-            </a:lvl1pPr>
-          </a:lstStyle>
-          <a:p>
-            <a:r>
-              <a:rPr lang="en-US" altLang="zh-CN" smtClean="0">
-                <a:latin typeface="+mj-lt"/>
-                <a:ea typeface="+mj-ea"/>
-                <a:cs typeface="+mj-cs"/>
-              </a:rPr>
-              <a:t>LOREM</a:t>
-            </a:r>
-            <a:endParaRPr lang="zh-CN" altLang="en-US" dirty="0">
-              <a:latin typeface="+mj-lt"/>
-              <a:ea typeface="+mj-ea"/>
-              <a:cs typeface="+mj-cs"/>
-            </a:endParaRPr>
-          </a:p>
-        </p:txBody>
-      </p:sp>
-      <p:sp>
-        <p:nvSpPr>
-          <p:cNvPr id="7" name="文本框 6"/>
-          <p:cNvSpPr txBox="1"/>
-          <p:nvPr>
-            <p:custDataLst>
-              <p:tags r:id="rId7"/>
-            </p:custDataLst>
-          </p:nvPr>
-        </p:nvSpPr>
-        <p:spPr>
-          <a:xfrm>
-            <a:off x="6839393" y="4348249"/>
-            <a:ext cx="3369142" cy="1039708"/>
-          </a:xfrm>
-          <a:prstGeom prst="rect">
-            <a:avLst/>
-          </a:prstGeom>
-        </p:spPr>
-        <p:txBody>
-          <a:bodyPr wrap="square">
-            <a:normAutofit/>
-          </a:bodyPr>
-          <a:lstStyle>
-            <a:defPPr>
-              <a:defRPr lang="zh-CN"/>
-            </a:defPPr>
-            <a:lvl1pPr algn="ctr">
-              <a:lnSpc>
-                <a:spcPct val="114000"/>
-              </a:lnSpc>
-              <a:defRPr>
-                <a:solidFill>
-                  <a:schemeClr val="tx1">
-                    <a:lumMod val="40000"/>
-                    <a:lumOff val="60000"/>
-                  </a:schemeClr>
-                </a:solidFill>
-                <a:cs typeface="+mn-ea"/>
-              </a:defRPr>
-            </a:lvl1pPr>
-          </a:lstStyle>
-          <a:p>
-            <a:r>
-              <a:rPr lang="da-DK" altLang="zh-CN" smtClean="0">
-                <a:cs typeface="+mn-cs"/>
-              </a:rPr>
-              <a:t>Lorem ipsum dolor sit amet, consectetur adipisicing elit.</a:t>
-            </a:r>
-            <a:endParaRPr lang="zh-CN" altLang="en-US">
-              <a:cs typeface="+mn-cs"/>
-            </a:endParaRPr>
-          </a:p>
-        </p:txBody>
-      </p:sp>
-    </p:spTree>
-    <p:custDataLst>
-      <p:tags r:id="rId8"/>
-    </p:custDataLst>
-  </p:cSld>
-  <p:clrMapOvr>
-    <a:masterClrMapping/>
-  </p:clrMapOvr>
-</p:sld>
-</file>
-
-<file path=ppt/slides/slide9.xml><?xml version="1.0" encoding="utf-8"?>
 <p:sld xmlns:a="http://schemas.openxmlformats.org/drawingml/2006/main" xmlns:r="http://schemas.openxmlformats.org/officeDocument/2006/relationships" xmlns:p="http://schemas.openxmlformats.org/presentationml/2006/main">
   <p:cSld>
     <p:spTree>
@@ -9672,176 +7713,6 @@
 </file>
 
 <file path=ppt/tags/tag10.xml><?xml version="1.0" encoding="utf-8"?>
-<p:tagLst xmlns:p="http://schemas.openxmlformats.org/presentationml/2006/main">
-  <p:tag name="KSO_WM_TAG_VERSION" val="1.0"/>
-  <p:tag name="KSO_WM_BEAUTIFY_FLAG" val="#wm#"/>
-  <p:tag name="KSO_WM_TEMPLATE_CATEGORY" val="custom"/>
-  <p:tag name="KSO_WM_TEMPLATE_INDEX" val="160510"/>
-  <p:tag name="KSO_WM_UNIT_TYPE" val="l_i"/>
-  <p:tag name="KSO_WM_UNIT_INDEX" val="1_1"/>
-  <p:tag name="KSO_WM_UNIT_ID" val="custom160510_14*l_i*1_1"/>
-  <p:tag name="KSO_WM_UNIT_CLEAR" val="1"/>
-  <p:tag name="KSO_WM_UNIT_LAYERLEVEL" val="1_1"/>
-  <p:tag name="KSO_WM_DIAGRAM_GROUP_CODE" val="l1-2"/>
-  <p:tag name="KSO_WM_UNIT_FILL_FORE_SCHEMECOLOR_INDEX" val="5"/>
-  <p:tag name="KSO_WM_UNIT_FILL_TYPE" val="1"/>
-  <p:tag name="KSO_WM_UNIT_TEXT_FILL_FORE_SCHEMECOLOR_INDEX" val="13"/>
-  <p:tag name="KSO_WM_UNIT_TEXT_FILL_TYPE" val="1"/>
-  <p:tag name="KSO_WM_UNIT_USESOURCEFORMAT_APPLY" val="1"/>
-</p:tagLst>
-</file>
-
-<file path=ppt/tags/tag11.xml><?xml version="1.0" encoding="utf-8"?>
-<p:tagLst xmlns:p="http://schemas.openxmlformats.org/presentationml/2006/main">
-  <p:tag name="KSO_WM_TAG_VERSION" val="1.0"/>
-  <p:tag name="KSO_WM_BEAUTIFY_FLAG" val="#wm#"/>
-  <p:tag name="KSO_WM_TEMPLATE_CATEGORY" val="custom"/>
-  <p:tag name="KSO_WM_TEMPLATE_INDEX" val="160510"/>
-  <p:tag name="KSO_WM_UNIT_TYPE" val="l_i"/>
-  <p:tag name="KSO_WM_UNIT_INDEX" val="1_2"/>
-  <p:tag name="KSO_WM_UNIT_ID" val="custom160510_14*l_i*1_2"/>
-  <p:tag name="KSO_WM_UNIT_CLEAR" val="1"/>
-  <p:tag name="KSO_WM_UNIT_LAYERLEVEL" val="1_1"/>
-  <p:tag name="KSO_WM_DIAGRAM_GROUP_CODE" val="l1-2"/>
-  <p:tag name="KSO_WM_UNIT_FILL_FORE_SCHEMECOLOR_INDEX" val="5"/>
-  <p:tag name="KSO_WM_UNIT_FILL_TYPE" val="1"/>
-  <p:tag name="KSO_WM_UNIT_TEXT_FILL_FORE_SCHEMECOLOR_INDEX" val="13"/>
-  <p:tag name="KSO_WM_UNIT_TEXT_FILL_TYPE" val="1"/>
-  <p:tag name="KSO_WM_UNIT_USESOURCEFORMAT_APPLY" val="1"/>
-</p:tagLst>
-</file>
-
-<file path=ppt/tags/tag12.xml><?xml version="1.0" encoding="utf-8"?>
-<p:tagLst xmlns:p="http://schemas.openxmlformats.org/presentationml/2006/main">
-  <p:tag name="KSO_WM_TAG_VERSION" val="1.0"/>
-  <p:tag name="KSO_WM_BEAUTIFY_FLAG" val="#wm#"/>
-  <p:tag name="KSO_WM_TEMPLATE_CATEGORY" val="custom"/>
-  <p:tag name="KSO_WM_TEMPLATE_INDEX" val="160510"/>
-  <p:tag name="KSO_WM_UNIT_TYPE" val="a"/>
-  <p:tag name="KSO_WM_UNIT_INDEX" val="1"/>
-  <p:tag name="KSO_WM_UNIT_ID" val="custom160510_14*a*1"/>
-  <p:tag name="KSO_WM_UNIT_CLEAR" val="1"/>
-  <p:tag name="KSO_WM_UNIT_LAYERLEVEL" val="1"/>
-  <p:tag name="KSO_WM_UNIT_VALUE" val="22"/>
-  <p:tag name="KSO_WM_UNIT_ISCONTENTSTITLE" val="0"/>
-  <p:tag name="KSO_WM_UNIT_HIGHLIGHT" val="0"/>
-  <p:tag name="KSO_WM_UNIT_COMPATIBLE" val="0"/>
-  <p:tag name="KSO_WM_UNIT_PRESET_TEXT_INDEX" val="3"/>
-  <p:tag name="KSO_WM_UNIT_PRESET_TEXT_LEN" val="17"/>
-</p:tagLst>
-</file>
-
-<file path=ppt/tags/tag13.xml><?xml version="1.0" encoding="utf-8"?>
-<p:tagLst xmlns:p="http://schemas.openxmlformats.org/presentationml/2006/main">
-  <p:tag name="KSO_WM_TAG_VERSION" val="1.0"/>
-  <p:tag name="KSO_WM_BEAUTIFY_FLAG" val="#wm#"/>
-  <p:tag name="KSO_WM_TEMPLATE_CATEGORY" val="custom"/>
-  <p:tag name="KSO_WM_TEMPLATE_INDEX" val="160510"/>
-  <p:tag name="KSO_WM_UNIT_TYPE" val="l_h_a"/>
-  <p:tag name="KSO_WM_UNIT_INDEX" val="1_1_1"/>
-  <p:tag name="KSO_WM_UNIT_ID" val="custom160510_14*l_h_a*1_1_1"/>
-  <p:tag name="KSO_WM_UNIT_CLEAR" val="1"/>
-  <p:tag name="KSO_WM_UNIT_LAYERLEVEL" val="1_1_1"/>
-  <p:tag name="KSO_WM_UNIT_VALUE" val="13"/>
-  <p:tag name="KSO_WM_UNIT_HIGHLIGHT" val="0"/>
-  <p:tag name="KSO_WM_UNIT_COMPATIBLE" val="0"/>
-  <p:tag name="KSO_WM_UNIT_PRESET_TEXT_INDEX" val="3"/>
-  <p:tag name="KSO_WM_UNIT_PRESET_TEXT_LEN" val="5"/>
-  <p:tag name="KSO_WM_DIAGRAM_GROUP_CODE" val="l1-2"/>
-  <p:tag name="KSO_WM_UNIT_TEXT_FILL_FORE_SCHEMECOLOR_INDEX" val="13"/>
-  <p:tag name="KSO_WM_UNIT_TEXT_FILL_TYPE" val="1"/>
-  <p:tag name="KSO_WM_UNIT_USESOURCEFORMAT_APPLY" val="1"/>
-</p:tagLst>
-</file>
-
-<file path=ppt/tags/tag14.xml><?xml version="1.0" encoding="utf-8"?>
-<p:tagLst xmlns:p="http://schemas.openxmlformats.org/presentationml/2006/main">
-  <p:tag name="KSO_WM_TAG_VERSION" val="1.0"/>
-  <p:tag name="KSO_WM_BEAUTIFY_FLAG" val="#wm#"/>
-  <p:tag name="KSO_WM_TEMPLATE_CATEGORY" val="custom"/>
-  <p:tag name="KSO_WM_TEMPLATE_INDEX" val="160510"/>
-  <p:tag name="KSO_WM_UNIT_TYPE" val="l_h_f"/>
-  <p:tag name="KSO_WM_UNIT_INDEX" val="1_1_1"/>
-  <p:tag name="KSO_WM_UNIT_ID" val="custom160510_14*l_h_f*1_1_1"/>
-  <p:tag name="KSO_WM_UNIT_CLEAR" val="1"/>
-  <p:tag name="KSO_WM_UNIT_LAYERLEVEL" val="1_1_1"/>
-  <p:tag name="KSO_WM_UNIT_VALUE" val="39"/>
-  <p:tag name="KSO_WM_UNIT_HIGHLIGHT" val="0"/>
-  <p:tag name="KSO_WM_UNIT_COMPATIBLE" val="0"/>
-  <p:tag name="KSO_WM_UNIT_PRESET_TEXT_INDEX" val="4"/>
-  <p:tag name="KSO_WM_UNIT_PRESET_TEXT_LEN" val="57"/>
-  <p:tag name="KSO_WM_DIAGRAM_GROUP_CODE" val="l1-2"/>
-  <p:tag name="KSO_WM_UNIT_TEXT_FILL_FORE_SCHEMECOLOR_INDEX" val="13"/>
-  <p:tag name="KSO_WM_UNIT_TEXT_FILL_TYPE" val="1"/>
-  <p:tag name="KSO_WM_UNIT_USESOURCEFORMAT_APPLY" val="1"/>
-</p:tagLst>
-</file>
-
-<file path=ppt/tags/tag15.xml><?xml version="1.0" encoding="utf-8"?>
-<p:tagLst xmlns:p="http://schemas.openxmlformats.org/presentationml/2006/main">
-  <p:tag name="KSO_WM_TAG_VERSION" val="1.0"/>
-  <p:tag name="KSO_WM_BEAUTIFY_FLAG" val="#wm#"/>
-  <p:tag name="KSO_WM_TEMPLATE_CATEGORY" val="custom"/>
-  <p:tag name="KSO_WM_TEMPLATE_INDEX" val="160510"/>
-  <p:tag name="KSO_WM_UNIT_TYPE" val="l_h_a"/>
-  <p:tag name="KSO_WM_UNIT_INDEX" val="1_2_1"/>
-  <p:tag name="KSO_WM_UNIT_ID" val="custom160510_14*l_h_a*1_2_1"/>
-  <p:tag name="KSO_WM_UNIT_CLEAR" val="1"/>
-  <p:tag name="KSO_WM_UNIT_LAYERLEVEL" val="1_1_1"/>
-  <p:tag name="KSO_WM_UNIT_VALUE" val="13"/>
-  <p:tag name="KSO_WM_UNIT_HIGHLIGHT" val="0"/>
-  <p:tag name="KSO_WM_UNIT_COMPATIBLE" val="0"/>
-  <p:tag name="KSO_WM_UNIT_PRESET_TEXT_INDEX" val="3"/>
-  <p:tag name="KSO_WM_UNIT_PRESET_TEXT_LEN" val="5"/>
-  <p:tag name="KSO_WM_DIAGRAM_GROUP_CODE" val="l1-2"/>
-  <p:tag name="KSO_WM_UNIT_TEXT_FILL_FORE_SCHEMECOLOR_INDEX" val="13"/>
-  <p:tag name="KSO_WM_UNIT_TEXT_FILL_TYPE" val="1"/>
-  <p:tag name="KSO_WM_UNIT_USESOURCEFORMAT_APPLY" val="1"/>
-</p:tagLst>
-</file>
-
-<file path=ppt/tags/tag16.xml><?xml version="1.0" encoding="utf-8"?>
-<p:tagLst xmlns:p="http://schemas.openxmlformats.org/presentationml/2006/main">
-  <p:tag name="KSO_WM_TAG_VERSION" val="1.0"/>
-  <p:tag name="KSO_WM_BEAUTIFY_FLAG" val="#wm#"/>
-  <p:tag name="KSO_WM_TEMPLATE_CATEGORY" val="custom"/>
-  <p:tag name="KSO_WM_TEMPLATE_INDEX" val="160510"/>
-  <p:tag name="KSO_WM_UNIT_TYPE" val="l_h_f"/>
-  <p:tag name="KSO_WM_UNIT_INDEX" val="1_2_1"/>
-  <p:tag name="KSO_WM_UNIT_ID" val="custom160510_14*l_h_f*1_2_1"/>
-  <p:tag name="KSO_WM_UNIT_CLEAR" val="1"/>
-  <p:tag name="KSO_WM_UNIT_LAYERLEVEL" val="1_1_1"/>
-  <p:tag name="KSO_WM_UNIT_VALUE" val="39"/>
-  <p:tag name="KSO_WM_UNIT_HIGHLIGHT" val="0"/>
-  <p:tag name="KSO_WM_UNIT_COMPATIBLE" val="0"/>
-  <p:tag name="KSO_WM_UNIT_PRESET_TEXT_INDEX" val="4"/>
-  <p:tag name="KSO_WM_UNIT_PRESET_TEXT_LEN" val="57"/>
-  <p:tag name="KSO_WM_DIAGRAM_GROUP_CODE" val="l1-2"/>
-  <p:tag name="KSO_WM_UNIT_TEXT_FILL_FORE_SCHEMECOLOR_INDEX" val="13"/>
-  <p:tag name="KSO_WM_UNIT_TEXT_FILL_TYPE" val="1"/>
-  <p:tag name="KSO_WM_UNIT_USESOURCEFORMAT_APPLY" val="1"/>
-</p:tagLst>
-</file>
-
-<file path=ppt/tags/tag17.xml><?xml version="1.0" encoding="utf-8"?>
-<p:tagLst xmlns:p="http://schemas.openxmlformats.org/presentationml/2006/main">
-  <p:tag name="KSO_WM_TEMPLATE_CATEGORY" val="custom"/>
-  <p:tag name="KSO_WM_TEMPLATE_INDEX" val="160510"/>
-  <p:tag name="KSO_WM_TAG_VERSION" val="1.0"/>
-  <p:tag name="KSO_WM_SLIDE_ID" val="custom160510_14"/>
-  <p:tag name="KSO_WM_SLIDE_INDEX" val="14"/>
-  <p:tag name="KSO_WM_SLIDE_ITEM_CNT" val="2"/>
-  <p:tag name="KSO_WM_SLIDE_LAYOUT" val="a_l"/>
-  <p:tag name="KSO_WM_SLIDE_LAYOUT_CNT" val="1_1"/>
-  <p:tag name="KSO_WM_SLIDE_TYPE" val="text"/>
-  <p:tag name="KSO_WM_BEAUTIFY_FLAG" val="#wm#"/>
-  <p:tag name="KSO_WM_SLIDE_POSITION" val="156*118"/>
-  <p:tag name="KSO_WM_SLIDE_SIZE" val="648*306"/>
-  <p:tag name="KSO_WM_DIAGRAM_GROUP_CODE" val="l1-2"/>
-</p:tagLst>
-</file>
-
-<file path=ppt/tags/tag18.xml><?xml version="1.0" encoding="utf-8"?>
 <p:tagLst xmlns:p="http://schemas.openxmlformats.org/presentationml/2006/main">
   <p:tag name="KSO_WM_TEMPLATE_CATEGORY" val="custom"/>
   <p:tag name="KSO_WM_TEMPLATE_INDEX" val="160510"/>
@@ -10162,8 +8033,6 @@
       </a:bgFillStyleLst>
     </a:fmtScheme>
   </a:themeElements>
-  <a:objectDefaults/>
-  <a:extraClrSchemeLst/>
   <a:extLst>
     <a:ext uri="{05A4C25C-085E-4340-85A3-A5531E510DB2}">
       <thm15:themeFamily xmlns:thm15="http://schemas.microsoft.com/office/thememl/2012/main" name="Office Theme" id="{62F939B6-93AF-4DB8-9C6B-D6C7DFDC589F}" vid="{4A3C46E8-61CC-4603-A589-7422A47A8E4A}"/>
@@ -10423,8 +8292,6 @@
       </a:bgFillStyleLst>
     </a:fmtScheme>
   </a:themeElements>
-  <a:objectDefaults/>
-  <a:extraClrSchemeLst/>
   <a:extLst>
     <a:ext uri="{05A4C25C-085E-4340-85A3-A5531E510DB2}">
       <thm15:themeFamily xmlns:thm15="http://schemas.microsoft.com/office/thememl/2012/main" name="Office Theme" id="{62F939B6-93AF-4DB8-9C6B-D6C7DFDC589F}" vid="{4A3C46E8-61CC-4603-A589-7422A47A8E4A}"/>

--- a/bigCloudAi/bigCloudAi.pptx
+++ b/bigCloudAi/bigCloudAi.pptx
@@ -5,17 +5,18 @@
     <p:sldMasterId id="2147483648" r:id="rId1"/>
   </p:sldMasterIdLst>
   <p:notesMasterIdLst>
-    <p:notesMasterId r:id="rId5"/>
+    <p:notesMasterId r:id="rId6"/>
   </p:notesMasterIdLst>
   <p:sldIdLst>
     <p:sldId id="256" r:id="rId3"/>
-    <p:sldId id="258" r:id="rId4"/>
-    <p:sldId id="262" r:id="rId6"/>
-    <p:sldId id="263" r:id="rId7"/>
-    <p:sldId id="260" r:id="rId8"/>
-    <p:sldId id="261" r:id="rId9"/>
-    <p:sldId id="268" r:id="rId10"/>
-    <p:sldId id="257" r:id="rId11"/>
+    <p:sldId id="270" r:id="rId4"/>
+    <p:sldId id="258" r:id="rId5"/>
+    <p:sldId id="262" r:id="rId7"/>
+    <p:sldId id="263" r:id="rId8"/>
+    <p:sldId id="260" r:id="rId9"/>
+    <p:sldId id="261" r:id="rId10"/>
+    <p:sldId id="268" r:id="rId11"/>
+    <p:sldId id="257" r:id="rId12"/>
   </p:sldIdLst>
   <p:sldSz cx="12192000" cy="6858000"/>
   <p:notesSz cx="6858000" cy="9144000"/>
@@ -3894,6 +3895,181 @@
         <p:cNvGrpSpPr/>
         <p:nvPr/>
       </p:nvGrpSpPr>
+      <p:grpSpPr/>
+      <p:sp>
+        <p:nvSpPr>
+          <p:cNvPr id="5" name="椭圆 4"/>
+          <p:cNvSpPr/>
+          <p:nvPr/>
+        </p:nvSpPr>
+        <p:spPr>
+          <a:xfrm>
+            <a:off x="4096385" y="1714500"/>
+            <a:ext cx="1171575" cy="1198245"/>
+          </a:xfrm>
+          <a:prstGeom prst="ellipse">
+            <a:avLst/>
+          </a:prstGeom>
+          <a:ln w="19050"/>
+        </p:spPr>
+        <p:style>
+          <a:lnRef idx="2">
+            <a:schemeClr val="accent5"/>
+          </a:lnRef>
+          <a:fillRef idx="1">
+            <a:schemeClr val="lt1"/>
+          </a:fillRef>
+          <a:effectRef idx="0">
+            <a:schemeClr val="accent5"/>
+          </a:effectRef>
+          <a:fontRef idx="minor">
+            <a:schemeClr val="dk1"/>
+          </a:fontRef>
+        </p:style>
+        <p:txBody>
+          <a:bodyPr rtlCol="0" anchor="ctr"/>
+          <a:p>
+            <a:pPr algn="ctr"/>
+            <a:endParaRPr lang="zh-CN" altLang="en-US"/>
+          </a:p>
+        </p:txBody>
+      </p:sp>
+      <p:sp>
+        <p:nvSpPr>
+          <p:cNvPr id="6" name="椭圆 5"/>
+          <p:cNvSpPr/>
+          <p:nvPr/>
+        </p:nvSpPr>
+        <p:spPr>
+          <a:xfrm>
+            <a:off x="4535805" y="2142490"/>
+            <a:ext cx="328930" cy="341630"/>
+          </a:xfrm>
+          <a:prstGeom prst="ellipse">
+            <a:avLst/>
+          </a:prstGeom>
+        </p:spPr>
+        <p:style>
+          <a:lnRef idx="2">
+            <a:schemeClr val="dk1">
+              <a:shade val="50000"/>
+            </a:schemeClr>
+          </a:lnRef>
+          <a:fillRef idx="1">
+            <a:schemeClr val="dk1"/>
+          </a:fillRef>
+          <a:effectRef idx="0">
+            <a:schemeClr val="dk1"/>
+          </a:effectRef>
+          <a:fontRef idx="minor">
+            <a:schemeClr val="lt1"/>
+          </a:fontRef>
+        </p:style>
+        <p:txBody>
+          <a:bodyPr rtlCol="0" anchor="ctr"/>
+          <a:p>
+            <a:pPr algn="ctr"/>
+            <a:endParaRPr lang="zh-CN" altLang="en-US"/>
+          </a:p>
+        </p:txBody>
+      </p:sp>
+      <p:sp>
+        <p:nvSpPr>
+          <p:cNvPr id="8" name="椭圆 7"/>
+          <p:cNvSpPr/>
+          <p:nvPr/>
+        </p:nvSpPr>
+        <p:spPr>
+          <a:xfrm>
+            <a:off x="6711950" y="1714500"/>
+            <a:ext cx="1171575" cy="1198245"/>
+          </a:xfrm>
+          <a:prstGeom prst="ellipse">
+            <a:avLst/>
+          </a:prstGeom>
+          <a:ln w="19050"/>
+        </p:spPr>
+        <p:style>
+          <a:lnRef idx="2">
+            <a:schemeClr val="accent5"/>
+          </a:lnRef>
+          <a:fillRef idx="1">
+            <a:schemeClr val="lt1"/>
+          </a:fillRef>
+          <a:effectRef idx="0">
+            <a:schemeClr val="accent5"/>
+          </a:effectRef>
+          <a:fontRef idx="minor">
+            <a:schemeClr val="dk1"/>
+          </a:fontRef>
+        </p:style>
+        <p:txBody>
+          <a:bodyPr rtlCol="0" anchor="ctr"/>
+          <a:p>
+            <a:pPr algn="ctr"/>
+            <a:endParaRPr lang="zh-CN" altLang="en-US"/>
+          </a:p>
+        </p:txBody>
+      </p:sp>
+      <p:sp>
+        <p:nvSpPr>
+          <p:cNvPr id="9" name="椭圆 8"/>
+          <p:cNvSpPr/>
+          <p:nvPr/>
+        </p:nvSpPr>
+        <p:spPr>
+          <a:xfrm>
+            <a:off x="7132320" y="2143125"/>
+            <a:ext cx="328930" cy="341630"/>
+          </a:xfrm>
+          <a:prstGeom prst="ellipse">
+            <a:avLst/>
+          </a:prstGeom>
+        </p:spPr>
+        <p:style>
+          <a:lnRef idx="2">
+            <a:schemeClr val="dk1">
+              <a:shade val="50000"/>
+            </a:schemeClr>
+          </a:lnRef>
+          <a:fillRef idx="1">
+            <a:schemeClr val="dk1"/>
+          </a:fillRef>
+          <a:effectRef idx="0">
+            <a:schemeClr val="dk1"/>
+          </a:effectRef>
+          <a:fontRef idx="minor">
+            <a:schemeClr val="lt1"/>
+          </a:fontRef>
+        </p:style>
+        <p:txBody>
+          <a:bodyPr rtlCol="0" anchor="ctr"/>
+          <a:p>
+            <a:pPr algn="ctr"/>
+            <a:endParaRPr lang="zh-CN" altLang="en-US"/>
+          </a:p>
+        </p:txBody>
+      </p:sp>
+    </p:spTree>
+    <p:custDataLst>
+      <p:tags r:id="rId1"/>
+    </p:custDataLst>
+  </p:cSld>
+  <p:clrMapOvr>
+    <a:masterClrMapping/>
+  </p:clrMapOvr>
+</p:sld>
+</file>
+
+<file path=ppt/slides/slide3.xml><?xml version="1.0" encoding="utf-8"?>
+<p:sld xmlns:a="http://schemas.openxmlformats.org/drawingml/2006/main" xmlns:r="http://schemas.openxmlformats.org/officeDocument/2006/relationships" xmlns:p="http://schemas.openxmlformats.org/presentationml/2006/main">
+  <p:cSld>
+    <p:spTree>
+      <p:nvGrpSpPr>
+        <p:cNvPr id="1" name=""/>
+        <p:cNvGrpSpPr/>
+        <p:nvPr/>
+      </p:nvGrpSpPr>
       <p:grpSpPr>
         <a:xfrm>
           <a:off x="0" y="0"/>
@@ -4426,7 +4602,7 @@
 </p:sld>
 </file>
 
-<file path=ppt/slides/slide3.xml><?xml version="1.0" encoding="utf-8"?>
+<file path=ppt/slides/slide4.xml><?xml version="1.0" encoding="utf-8"?>
 <p:sld xmlns:a="http://schemas.openxmlformats.org/drawingml/2006/main" xmlns:r="http://schemas.openxmlformats.org/officeDocument/2006/relationships" xmlns:p="http://schemas.openxmlformats.org/presentationml/2006/main">
   <p:cSld>
     <p:spTree>
@@ -6133,194 +6309,6 @@
 </p:sld>
 </file>
 
-<file path=ppt/slides/slide4.xml><?xml version="1.0" encoding="utf-8"?>
-<p:sld xmlns:a="http://schemas.openxmlformats.org/drawingml/2006/main" xmlns:r="http://schemas.openxmlformats.org/officeDocument/2006/relationships" xmlns:p="http://schemas.openxmlformats.org/presentationml/2006/main">
-  <p:cSld>
-    <p:spTree>
-      <p:nvGrpSpPr>
-        <p:cNvPr id="1" name=""/>
-        <p:cNvGrpSpPr/>
-        <p:nvPr/>
-      </p:nvGrpSpPr>
-      <p:grpSpPr>
-        <a:xfrm>
-          <a:off x="0" y="0"/>
-          <a:ext cx="0" cy="0"/>
-          <a:chOff x="0" y="0"/>
-          <a:chExt cx="0" cy="0"/>
-        </a:xfrm>
-      </p:grpSpPr>
-      <p:sp>
-        <p:nvSpPr>
-          <p:cNvPr id="2" name="文本框 1"/>
-          <p:cNvSpPr txBox="1"/>
-          <p:nvPr/>
-        </p:nvSpPr>
-        <p:spPr>
-          <a:xfrm>
-            <a:off x="428625" y="66040"/>
-            <a:ext cx="4831080" cy="829945"/>
-          </a:xfrm>
-          <a:prstGeom prst="rect">
-            <a:avLst/>
-          </a:prstGeom>
-          <a:noFill/>
-        </p:spPr>
-        <p:txBody>
-          <a:bodyPr wrap="square" rtlCol="0">
-            <a:spAutoFit/>
-          </a:bodyPr>
-          <a:p>
-            <a:r>
-              <a:rPr lang="en-US" altLang="zh-CN" sz="4800">
-                <a:solidFill>
-                  <a:schemeClr val="bg2"/>
-                </a:solidFill>
-              </a:rPr>
-              <a:t>BigFs</a:t>
-            </a:r>
-            <a:endParaRPr lang="en-US" altLang="zh-CN" sz="4800">
-              <a:solidFill>
-                <a:schemeClr val="bg2"/>
-              </a:solidFill>
-            </a:endParaRPr>
-          </a:p>
-        </p:txBody>
-      </p:sp>
-      <p:sp>
-        <p:nvSpPr>
-          <p:cNvPr id="8" name="圆角矩形 7"/>
-          <p:cNvSpPr/>
-          <p:nvPr/>
-        </p:nvSpPr>
-        <p:spPr>
-          <a:xfrm>
-            <a:off x="544830" y="1150620"/>
-            <a:ext cx="11102975" cy="5253355"/>
-          </a:xfrm>
-          <a:prstGeom prst="roundRect">
-            <a:avLst/>
-          </a:prstGeom>
-        </p:spPr>
-        <p:style>
-          <a:lnRef idx="1">
-            <a:schemeClr val="accent4"/>
-          </a:lnRef>
-          <a:fillRef idx="2">
-            <a:schemeClr val="accent4"/>
-          </a:fillRef>
-          <a:effectRef idx="1">
-            <a:schemeClr val="accent4"/>
-          </a:effectRef>
-          <a:fontRef idx="minor">
-            <a:schemeClr val="dk1"/>
-          </a:fontRef>
-        </p:style>
-        <p:txBody>
-          <a:bodyPr rtlCol="0" anchor="ctr"/>
-          <a:p>
-            <a:pPr algn="ctr"/>
-            <a:endParaRPr lang="en-US" altLang="zh-CN">
-              <a:solidFill>
-                <a:schemeClr val="bg2"/>
-              </a:solidFill>
-            </a:endParaRPr>
-          </a:p>
-        </p:txBody>
-      </p:sp>
-      <p:sp>
-        <p:nvSpPr>
-          <p:cNvPr id="3" name="文本框 2"/>
-          <p:cNvSpPr txBox="1"/>
-          <p:nvPr/>
-        </p:nvSpPr>
-        <p:spPr>
-          <a:xfrm>
-            <a:off x="1019175" y="1451610"/>
-            <a:ext cx="7660005" cy="1198880"/>
-          </a:xfrm>
-          <a:prstGeom prst="rect">
-            <a:avLst/>
-          </a:prstGeom>
-          <a:noFill/>
-        </p:spPr>
-        <p:txBody>
-          <a:bodyPr wrap="square" rtlCol="0">
-            <a:spAutoFit/>
-          </a:bodyPr>
-          <a:p>
-            <a:r>
-              <a:rPr lang="zh-CN" altLang="zh-CN"/>
-              <a:t>文件目录信息记录（</a:t>
-            </a:r>
-            <a:r>
-              <a:rPr lang="en-US" altLang="zh-CN"/>
-              <a:t>FsNode</a:t>
-            </a:r>
-            <a:r>
-              <a:rPr lang="zh-CN" altLang="zh-CN"/>
-              <a:t>）</a:t>
-            </a:r>
-            <a:endParaRPr lang="zh-CN" altLang="zh-CN"/>
-          </a:p>
-          <a:p>
-            <a:r>
-              <a:rPr lang="zh-CN" altLang="zh-CN"/>
-              <a:t>主机及主机资源信息记录（</a:t>
-            </a:r>
-            <a:r>
-              <a:rPr lang="en-US" altLang="zh-CN"/>
-              <a:t>Host</a:t>
-            </a:r>
-            <a:r>
-              <a:rPr lang="zh-CN" altLang="zh-CN"/>
-              <a:t>）</a:t>
-            </a:r>
-            <a:endParaRPr lang="zh-CN" altLang="zh-CN"/>
-          </a:p>
-          <a:p>
-            <a:r>
-              <a:rPr lang="zh-CN" altLang="zh-CN"/>
-              <a:t>文件块分布信息记录（</a:t>
-            </a:r>
-            <a:r>
-              <a:rPr lang="en-US" altLang="zh-CN"/>
-              <a:t>Minfile</a:t>
-            </a:r>
-            <a:r>
-              <a:rPr lang="zh-CN" altLang="zh-CN"/>
-              <a:t>）</a:t>
-            </a:r>
-            <a:endParaRPr lang="zh-CN" altLang="zh-CN"/>
-          </a:p>
-          <a:p>
-            <a:r>
-              <a:rPr lang="zh-CN" altLang="zh-CN"/>
-              <a:t>事件记录链信息记录（</a:t>
-            </a:r>
-            <a:r>
-              <a:rPr lang="en-US" altLang="zh-CN"/>
-              <a:t>Block</a:t>
-            </a:r>
-            <a:r>
-              <a:rPr lang="zh-CN" altLang="zh-CN"/>
-              <a:t>）</a:t>
-            </a:r>
-            <a:endParaRPr lang="zh-CN" altLang="zh-CN"/>
-          </a:p>
-        </p:txBody>
-      </p:sp>
-    </p:spTree>
-    <p:custDataLst>
-      <p:tags r:id="rId1"/>
-    </p:custDataLst>
-  </p:cSld>
-  <p:clrMapOvr>
-    <a:masterClrMapping/>
-  </p:clrMapOvr>
-</p:sld>
-</file>
-
 <file path=ppt/slides/slide5.xml><?xml version="1.0" encoding="utf-8"?>
 <p:sld xmlns:a="http://schemas.openxmlformats.org/drawingml/2006/main" xmlns:r="http://schemas.openxmlformats.org/officeDocument/2006/relationships" xmlns:p="http://schemas.openxmlformats.org/presentationml/2006/main">
   <p:cSld>
@@ -6364,16 +6352,137 @@
                 <a:solidFill>
                   <a:schemeClr val="bg2"/>
                 </a:solidFill>
-                <a:sym typeface="+mn-ea"/>
               </a:rPr>
-              <a:t>CloudOs</a:t>
+              <a:t>BigFs</a:t>
             </a:r>
             <a:endParaRPr lang="en-US" altLang="zh-CN" sz="4800">
               <a:solidFill>
                 <a:schemeClr val="bg2"/>
               </a:solidFill>
-              <a:sym typeface="+mn-ea"/>
             </a:endParaRPr>
+          </a:p>
+        </p:txBody>
+      </p:sp>
+      <p:sp>
+        <p:nvSpPr>
+          <p:cNvPr id="8" name="圆角矩形 7"/>
+          <p:cNvSpPr/>
+          <p:nvPr/>
+        </p:nvSpPr>
+        <p:spPr>
+          <a:xfrm>
+            <a:off x="544830" y="1150620"/>
+            <a:ext cx="11102975" cy="5253355"/>
+          </a:xfrm>
+          <a:prstGeom prst="roundRect">
+            <a:avLst/>
+          </a:prstGeom>
+        </p:spPr>
+        <p:style>
+          <a:lnRef idx="1">
+            <a:schemeClr val="accent4"/>
+          </a:lnRef>
+          <a:fillRef idx="2">
+            <a:schemeClr val="accent4"/>
+          </a:fillRef>
+          <a:effectRef idx="1">
+            <a:schemeClr val="accent4"/>
+          </a:effectRef>
+          <a:fontRef idx="minor">
+            <a:schemeClr val="dk1"/>
+          </a:fontRef>
+        </p:style>
+        <p:txBody>
+          <a:bodyPr rtlCol="0" anchor="ctr"/>
+          <a:p>
+            <a:pPr algn="ctr"/>
+            <a:endParaRPr lang="en-US" altLang="zh-CN">
+              <a:solidFill>
+                <a:schemeClr val="bg2"/>
+              </a:solidFill>
+            </a:endParaRPr>
+          </a:p>
+        </p:txBody>
+      </p:sp>
+      <p:sp>
+        <p:nvSpPr>
+          <p:cNvPr id="3" name="文本框 2"/>
+          <p:cNvSpPr txBox="1"/>
+          <p:nvPr/>
+        </p:nvSpPr>
+        <p:spPr>
+          <a:xfrm>
+            <a:off x="1019175" y="1451610"/>
+            <a:ext cx="7660005" cy="1198880"/>
+          </a:xfrm>
+          <a:prstGeom prst="rect">
+            <a:avLst/>
+          </a:prstGeom>
+          <a:noFill/>
+        </p:spPr>
+        <p:txBody>
+          <a:bodyPr wrap="square" rtlCol="0">
+            <a:spAutoFit/>
+          </a:bodyPr>
+          <a:p>
+            <a:r>
+              <a:rPr lang="zh-CN" altLang="zh-CN"/>
+              <a:t>文件目录信息记录（</a:t>
+            </a:r>
+            <a:r>
+              <a:rPr lang="en-US" altLang="zh-CN"/>
+              <a:t>FsNode</a:t>
+            </a:r>
+            <a:r>
+              <a:rPr lang="zh-CN" altLang="zh-CN"/>
+              <a:t>）</a:t>
+            </a:r>
+            <a:endParaRPr lang="zh-CN" altLang="zh-CN"/>
+          </a:p>
+          <a:p>
+            <a:r>
+              <a:rPr lang="zh-CN" altLang="zh-CN"/>
+              <a:t>主机及主机资源信息记录（</a:t>
+            </a:r>
+            <a:r>
+              <a:rPr lang="en-US" altLang="zh-CN"/>
+              <a:t>Host</a:t>
+            </a:r>
+            <a:r>
+              <a:rPr lang="zh-CN" altLang="zh-CN"/>
+              <a:t>）</a:t>
+            </a:r>
+            <a:endParaRPr lang="zh-CN" altLang="zh-CN"/>
+          </a:p>
+          <a:p>
+            <a:r>
+              <a:rPr lang="zh-CN" altLang="zh-CN"/>
+              <a:t>文件块分布信息记录（</a:t>
+            </a:r>
+            <a:r>
+              <a:rPr lang="en-US" altLang="zh-CN"/>
+              <a:t>Minfile</a:t>
+            </a:r>
+            <a:r>
+              <a:rPr lang="zh-CN" altLang="zh-CN"/>
+              <a:t>）</a:t>
+            </a:r>
+            <a:endParaRPr lang="zh-CN" altLang="zh-CN"/>
+          </a:p>
+          <a:p>
+            <a:r>
+              <a:rPr lang="zh-CN" altLang="zh-CN"/>
+              <a:t>事件记录链信息记录（</a:t>
+            </a:r>
+            <a:r>
+              <a:rPr lang="en-US" altLang="zh-CN"/>
+              <a:t>Block</a:t>
+            </a:r>
+            <a:r>
+              <a:rPr lang="zh-CN" altLang="zh-CN"/>
+              <a:t>）</a:t>
+            </a:r>
+            <a:endParaRPr lang="zh-CN" altLang="zh-CN"/>
           </a:p>
         </p:txBody>
       </p:sp>
@@ -6431,307 +6540,16 @@
                 <a:solidFill>
                   <a:schemeClr val="bg2"/>
                 </a:solidFill>
+                <a:sym typeface="+mn-ea"/>
               </a:rPr>
-              <a:t>AiApp</a:t>
+              <a:t>CloudOs</a:t>
             </a:r>
             <a:endParaRPr lang="en-US" altLang="zh-CN" sz="4800">
               <a:solidFill>
                 <a:schemeClr val="bg2"/>
               </a:solidFill>
+              <a:sym typeface="+mn-ea"/>
             </a:endParaRPr>
-          </a:p>
-        </p:txBody>
-      </p:sp>
-      <p:sp>
-        <p:nvSpPr>
-          <p:cNvPr id="3" name="矩形 2"/>
-          <p:cNvSpPr/>
-          <p:nvPr/>
-        </p:nvSpPr>
-        <p:spPr>
-          <a:xfrm>
-            <a:off x="1250315" y="5068570"/>
-            <a:ext cx="10310495" cy="468630"/>
-          </a:xfrm>
-          <a:prstGeom prst="rect">
-            <a:avLst/>
-          </a:prstGeom>
-        </p:spPr>
-        <p:style>
-          <a:lnRef idx="2">
-            <a:schemeClr val="accent1">
-              <a:shade val="50000"/>
-            </a:schemeClr>
-          </a:lnRef>
-          <a:fillRef idx="1">
-            <a:schemeClr val="accent1"/>
-          </a:fillRef>
-          <a:effectRef idx="0">
-            <a:schemeClr val="accent1"/>
-          </a:effectRef>
-          <a:fontRef idx="minor">
-            <a:schemeClr val="lt1"/>
-          </a:fontRef>
-        </p:style>
-        <p:txBody>
-          <a:bodyPr rtlCol="0" anchor="ctr"/>
-          <a:p>
-            <a:pPr algn="ctr"/>
-            <a:r>
-              <a:rPr lang="en-US" altLang="zh-CN"/>
-              <a:t>bigFs</a:t>
-            </a:r>
-            <a:endParaRPr lang="en-US" altLang="zh-CN"/>
-          </a:p>
-        </p:txBody>
-      </p:sp>
-      <p:sp>
-        <p:nvSpPr>
-          <p:cNvPr id="4" name="矩形 3"/>
-          <p:cNvSpPr/>
-          <p:nvPr/>
-        </p:nvSpPr>
-        <p:spPr>
-          <a:xfrm>
-            <a:off x="507365" y="5635625"/>
-            <a:ext cx="11054080" cy="824230"/>
-          </a:xfrm>
-          <a:prstGeom prst="rect">
-            <a:avLst/>
-          </a:prstGeom>
-        </p:spPr>
-        <p:style>
-          <a:lnRef idx="2">
-            <a:schemeClr val="accent1">
-              <a:shade val="50000"/>
-            </a:schemeClr>
-          </a:lnRef>
-          <a:fillRef idx="1">
-            <a:schemeClr val="accent1"/>
-          </a:fillRef>
-          <a:effectRef idx="0">
-            <a:schemeClr val="accent1"/>
-          </a:effectRef>
-          <a:fontRef idx="minor">
-            <a:schemeClr val="lt1"/>
-          </a:fontRef>
-        </p:style>
-        <p:txBody>
-          <a:bodyPr rtlCol="0" anchor="ctr"/>
-          <a:p>
-            <a:pPr algn="ctr"/>
-            <a:r>
-              <a:rPr lang="zh-CN" altLang="en-US"/>
-              <a:t>数据湖泊</a:t>
-            </a:r>
-            <a:endParaRPr lang="zh-CN" altLang="en-US"/>
-          </a:p>
-        </p:txBody>
-      </p:sp>
-      <p:sp>
-        <p:nvSpPr>
-          <p:cNvPr id="5" name="矩形 4"/>
-          <p:cNvSpPr/>
-          <p:nvPr/>
-        </p:nvSpPr>
-        <p:spPr>
-          <a:xfrm>
-            <a:off x="507365" y="2941955"/>
-            <a:ext cx="11054080" cy="1208405"/>
-          </a:xfrm>
-          <a:prstGeom prst="rect">
-            <a:avLst/>
-          </a:prstGeom>
-        </p:spPr>
-        <p:style>
-          <a:lnRef idx="2">
-            <a:schemeClr val="accent1">
-              <a:shade val="50000"/>
-            </a:schemeClr>
-          </a:lnRef>
-          <a:fillRef idx="1">
-            <a:schemeClr val="accent1"/>
-          </a:fillRef>
-          <a:effectRef idx="0">
-            <a:schemeClr val="accent1"/>
-          </a:effectRef>
-          <a:fontRef idx="minor">
-            <a:schemeClr val="lt1"/>
-          </a:fontRef>
-        </p:style>
-        <p:txBody>
-          <a:bodyPr rtlCol="0" anchor="ctr"/>
-          <a:p>
-            <a:pPr algn="ctr"/>
-            <a:r>
-              <a:rPr lang="en-US" altLang="zh-CN"/>
-              <a:t>aiApp</a:t>
-            </a:r>
-            <a:endParaRPr lang="en-US" altLang="zh-CN"/>
-          </a:p>
-        </p:txBody>
-      </p:sp>
-      <p:sp>
-        <p:nvSpPr>
-          <p:cNvPr id="6" name="矩形 5"/>
-          <p:cNvSpPr/>
-          <p:nvPr/>
-        </p:nvSpPr>
-        <p:spPr>
-          <a:xfrm>
-            <a:off x="749935" y="3340100"/>
-            <a:ext cx="4093845" cy="608965"/>
-          </a:xfrm>
-          <a:prstGeom prst="rect">
-            <a:avLst/>
-          </a:prstGeom>
-        </p:spPr>
-        <p:style>
-          <a:lnRef idx="2">
-            <a:schemeClr val="accent4">
-              <a:shade val="50000"/>
-            </a:schemeClr>
-          </a:lnRef>
-          <a:fillRef idx="1">
-            <a:schemeClr val="accent4"/>
-          </a:fillRef>
-          <a:effectRef idx="0">
-            <a:schemeClr val="accent4"/>
-          </a:effectRef>
-          <a:fontRef idx="minor">
-            <a:schemeClr val="lt1"/>
-          </a:fontRef>
-        </p:style>
-        <p:txBody>
-          <a:bodyPr rtlCol="0" anchor="ctr"/>
-          <a:p>
-            <a:pPr algn="ctr"/>
-            <a:r>
-              <a:rPr lang="zh-CN" altLang="en-US"/>
-              <a:t>数据可视化</a:t>
-            </a:r>
-            <a:endParaRPr lang="zh-CN" altLang="en-US"/>
-          </a:p>
-        </p:txBody>
-      </p:sp>
-      <p:sp>
-        <p:nvSpPr>
-          <p:cNvPr id="7" name="上下箭头 6"/>
-          <p:cNvSpPr/>
-          <p:nvPr/>
-        </p:nvSpPr>
-        <p:spPr>
-          <a:xfrm>
-            <a:off x="1301115" y="4020820"/>
-            <a:ext cx="507365" cy="1203960"/>
-          </a:xfrm>
-          <a:prstGeom prst="upDownArrow">
-            <a:avLst/>
-          </a:prstGeom>
-        </p:spPr>
-        <p:style>
-          <a:lnRef idx="2">
-            <a:schemeClr val="accent1">
-              <a:shade val="50000"/>
-            </a:schemeClr>
-          </a:lnRef>
-          <a:fillRef idx="1">
-            <a:schemeClr val="accent1"/>
-          </a:fillRef>
-          <a:effectRef idx="0">
-            <a:schemeClr val="accent1"/>
-          </a:effectRef>
-          <a:fontRef idx="minor">
-            <a:schemeClr val="lt1"/>
-          </a:fontRef>
-        </p:style>
-        <p:txBody>
-          <a:bodyPr rtlCol="0" anchor="ctr"/>
-          <a:p>
-            <a:pPr algn="ctr"/>
-            <a:endParaRPr lang="zh-CN" altLang="en-US"/>
-          </a:p>
-        </p:txBody>
-      </p:sp>
-      <p:sp>
-        <p:nvSpPr>
-          <p:cNvPr id="8" name="上下箭头 7"/>
-          <p:cNvSpPr/>
-          <p:nvPr/>
-        </p:nvSpPr>
-        <p:spPr>
-          <a:xfrm>
-            <a:off x="594995" y="4033520"/>
-            <a:ext cx="532765" cy="1693545"/>
-          </a:xfrm>
-          <a:prstGeom prst="upDownArrow">
-            <a:avLst/>
-          </a:prstGeom>
-        </p:spPr>
-        <p:style>
-          <a:lnRef idx="2">
-            <a:schemeClr val="accent1">
-              <a:shade val="50000"/>
-            </a:schemeClr>
-          </a:lnRef>
-          <a:fillRef idx="1">
-            <a:schemeClr val="accent1"/>
-          </a:fillRef>
-          <a:effectRef idx="0">
-            <a:schemeClr val="accent1"/>
-          </a:effectRef>
-          <a:fontRef idx="minor">
-            <a:schemeClr val="lt1"/>
-          </a:fontRef>
-        </p:style>
-        <p:txBody>
-          <a:bodyPr rtlCol="0" anchor="ctr"/>
-          <a:p>
-            <a:pPr algn="ctr"/>
-            <a:endParaRPr lang="zh-CN" altLang="en-US"/>
-          </a:p>
-        </p:txBody>
-      </p:sp>
-      <p:sp>
-        <p:nvSpPr>
-          <p:cNvPr id="9" name="矩形 8"/>
-          <p:cNvSpPr/>
-          <p:nvPr/>
-        </p:nvSpPr>
-        <p:spPr>
-          <a:xfrm>
-            <a:off x="2346960" y="4227830"/>
-            <a:ext cx="9213850" cy="762635"/>
-          </a:xfrm>
-          <a:prstGeom prst="rect">
-            <a:avLst/>
-          </a:prstGeom>
-        </p:spPr>
-        <p:style>
-          <a:lnRef idx="2">
-            <a:schemeClr val="accent1">
-              <a:shade val="50000"/>
-            </a:schemeClr>
-          </a:lnRef>
-          <a:fillRef idx="1">
-            <a:schemeClr val="accent1"/>
-          </a:fillRef>
-          <a:effectRef idx="0">
-            <a:schemeClr val="accent1"/>
-          </a:effectRef>
-          <a:fontRef idx="minor">
-            <a:schemeClr val="lt1"/>
-          </a:fontRef>
-        </p:style>
-        <p:txBody>
-          <a:bodyPr rtlCol="0" anchor="ctr"/>
-          <a:p>
-            <a:pPr algn="ctr"/>
-            <a:r>
-              <a:rPr lang="en-US" altLang="zh-CN"/>
-              <a:t>cloudOs</a:t>
-            </a:r>
-            <a:endParaRPr lang="en-US" altLang="zh-CN"/>
           </a:p>
         </p:txBody>
       </p:sp>
@@ -6800,6 +6618,299 @@
           </a:p>
         </p:txBody>
       </p:sp>
+      <p:sp>
+        <p:nvSpPr>
+          <p:cNvPr id="3" name="矩形 2"/>
+          <p:cNvSpPr/>
+          <p:nvPr/>
+        </p:nvSpPr>
+        <p:spPr>
+          <a:xfrm>
+            <a:off x="1250315" y="5068570"/>
+            <a:ext cx="10310495" cy="468630"/>
+          </a:xfrm>
+          <a:prstGeom prst="rect">
+            <a:avLst/>
+          </a:prstGeom>
+        </p:spPr>
+        <p:style>
+          <a:lnRef idx="2">
+            <a:schemeClr val="accent1">
+              <a:shade val="50000"/>
+            </a:schemeClr>
+          </a:lnRef>
+          <a:fillRef idx="1">
+            <a:schemeClr val="accent1"/>
+          </a:fillRef>
+          <a:effectRef idx="0">
+            <a:schemeClr val="accent1"/>
+          </a:effectRef>
+          <a:fontRef idx="minor">
+            <a:schemeClr val="lt1"/>
+          </a:fontRef>
+        </p:style>
+        <p:txBody>
+          <a:bodyPr rtlCol="0" anchor="ctr"/>
+          <a:p>
+            <a:pPr algn="ctr"/>
+            <a:r>
+              <a:rPr lang="en-US" altLang="zh-CN"/>
+              <a:t>bigFs</a:t>
+            </a:r>
+            <a:endParaRPr lang="en-US" altLang="zh-CN"/>
+          </a:p>
+        </p:txBody>
+      </p:sp>
+      <p:sp>
+        <p:nvSpPr>
+          <p:cNvPr id="4" name="矩形 3"/>
+          <p:cNvSpPr/>
+          <p:nvPr/>
+        </p:nvSpPr>
+        <p:spPr>
+          <a:xfrm>
+            <a:off x="507365" y="5635625"/>
+            <a:ext cx="11054080" cy="824230"/>
+          </a:xfrm>
+          <a:prstGeom prst="rect">
+            <a:avLst/>
+          </a:prstGeom>
+        </p:spPr>
+        <p:style>
+          <a:lnRef idx="2">
+            <a:schemeClr val="accent1">
+              <a:shade val="50000"/>
+            </a:schemeClr>
+          </a:lnRef>
+          <a:fillRef idx="1">
+            <a:schemeClr val="accent1"/>
+          </a:fillRef>
+          <a:effectRef idx="0">
+            <a:schemeClr val="accent1"/>
+          </a:effectRef>
+          <a:fontRef idx="minor">
+            <a:schemeClr val="lt1"/>
+          </a:fontRef>
+        </p:style>
+        <p:txBody>
+          <a:bodyPr rtlCol="0" anchor="ctr"/>
+          <a:p>
+            <a:pPr algn="ctr"/>
+            <a:r>
+              <a:rPr lang="zh-CN" altLang="en-US"/>
+              <a:t>数据湖泊</a:t>
+            </a:r>
+            <a:endParaRPr lang="zh-CN" altLang="en-US"/>
+          </a:p>
+        </p:txBody>
+      </p:sp>
+      <p:sp>
+        <p:nvSpPr>
+          <p:cNvPr id="5" name="矩形 4"/>
+          <p:cNvSpPr/>
+          <p:nvPr/>
+        </p:nvSpPr>
+        <p:spPr>
+          <a:xfrm>
+            <a:off x="507365" y="2941955"/>
+            <a:ext cx="11054080" cy="1208405"/>
+          </a:xfrm>
+          <a:prstGeom prst="rect">
+            <a:avLst/>
+          </a:prstGeom>
+        </p:spPr>
+        <p:style>
+          <a:lnRef idx="2">
+            <a:schemeClr val="accent1">
+              <a:shade val="50000"/>
+            </a:schemeClr>
+          </a:lnRef>
+          <a:fillRef idx="1">
+            <a:schemeClr val="accent1"/>
+          </a:fillRef>
+          <a:effectRef idx="0">
+            <a:schemeClr val="accent1"/>
+          </a:effectRef>
+          <a:fontRef idx="minor">
+            <a:schemeClr val="lt1"/>
+          </a:fontRef>
+        </p:style>
+        <p:txBody>
+          <a:bodyPr rtlCol="0" anchor="ctr"/>
+          <a:p>
+            <a:pPr algn="ctr"/>
+            <a:r>
+              <a:rPr lang="en-US" altLang="zh-CN"/>
+              <a:t>aiApp</a:t>
+            </a:r>
+            <a:endParaRPr lang="en-US" altLang="zh-CN"/>
+          </a:p>
+        </p:txBody>
+      </p:sp>
+      <p:sp>
+        <p:nvSpPr>
+          <p:cNvPr id="6" name="矩形 5"/>
+          <p:cNvSpPr/>
+          <p:nvPr/>
+        </p:nvSpPr>
+        <p:spPr>
+          <a:xfrm>
+            <a:off x="749935" y="3340100"/>
+            <a:ext cx="4093845" cy="608965"/>
+          </a:xfrm>
+          <a:prstGeom prst="rect">
+            <a:avLst/>
+          </a:prstGeom>
+        </p:spPr>
+        <p:style>
+          <a:lnRef idx="2">
+            <a:schemeClr val="accent4">
+              <a:shade val="50000"/>
+            </a:schemeClr>
+          </a:lnRef>
+          <a:fillRef idx="1">
+            <a:schemeClr val="accent4"/>
+          </a:fillRef>
+          <a:effectRef idx="0">
+            <a:schemeClr val="accent4"/>
+          </a:effectRef>
+          <a:fontRef idx="minor">
+            <a:schemeClr val="lt1"/>
+          </a:fontRef>
+        </p:style>
+        <p:txBody>
+          <a:bodyPr rtlCol="0" anchor="ctr"/>
+          <a:p>
+            <a:pPr algn="ctr"/>
+            <a:r>
+              <a:rPr lang="zh-CN" altLang="en-US"/>
+              <a:t>数据可视化</a:t>
+            </a:r>
+            <a:endParaRPr lang="zh-CN" altLang="en-US"/>
+          </a:p>
+        </p:txBody>
+      </p:sp>
+      <p:sp>
+        <p:nvSpPr>
+          <p:cNvPr id="7" name="上下箭头 6"/>
+          <p:cNvSpPr/>
+          <p:nvPr/>
+        </p:nvSpPr>
+        <p:spPr>
+          <a:xfrm>
+            <a:off x="1301115" y="4020820"/>
+            <a:ext cx="507365" cy="1203960"/>
+          </a:xfrm>
+          <a:prstGeom prst="upDownArrow">
+            <a:avLst/>
+          </a:prstGeom>
+        </p:spPr>
+        <p:style>
+          <a:lnRef idx="2">
+            <a:schemeClr val="accent1">
+              <a:shade val="50000"/>
+            </a:schemeClr>
+          </a:lnRef>
+          <a:fillRef idx="1">
+            <a:schemeClr val="accent1"/>
+          </a:fillRef>
+          <a:effectRef idx="0">
+            <a:schemeClr val="accent1"/>
+          </a:effectRef>
+          <a:fontRef idx="minor">
+            <a:schemeClr val="lt1"/>
+          </a:fontRef>
+        </p:style>
+        <p:txBody>
+          <a:bodyPr rtlCol="0" anchor="ctr"/>
+          <a:p>
+            <a:pPr algn="ctr"/>
+            <a:endParaRPr lang="zh-CN" altLang="en-US"/>
+          </a:p>
+        </p:txBody>
+      </p:sp>
+      <p:sp>
+        <p:nvSpPr>
+          <p:cNvPr id="8" name="上下箭头 7"/>
+          <p:cNvSpPr/>
+          <p:nvPr/>
+        </p:nvSpPr>
+        <p:spPr>
+          <a:xfrm>
+            <a:off x="594995" y="4033520"/>
+            <a:ext cx="532765" cy="1693545"/>
+          </a:xfrm>
+          <a:prstGeom prst="upDownArrow">
+            <a:avLst/>
+          </a:prstGeom>
+        </p:spPr>
+        <p:style>
+          <a:lnRef idx="2">
+            <a:schemeClr val="accent1">
+              <a:shade val="50000"/>
+            </a:schemeClr>
+          </a:lnRef>
+          <a:fillRef idx="1">
+            <a:schemeClr val="accent1"/>
+          </a:fillRef>
+          <a:effectRef idx="0">
+            <a:schemeClr val="accent1"/>
+          </a:effectRef>
+          <a:fontRef idx="minor">
+            <a:schemeClr val="lt1"/>
+          </a:fontRef>
+        </p:style>
+        <p:txBody>
+          <a:bodyPr rtlCol="0" anchor="ctr"/>
+          <a:p>
+            <a:pPr algn="ctr"/>
+            <a:endParaRPr lang="zh-CN" altLang="en-US"/>
+          </a:p>
+        </p:txBody>
+      </p:sp>
+      <p:sp>
+        <p:nvSpPr>
+          <p:cNvPr id="9" name="矩形 8"/>
+          <p:cNvSpPr/>
+          <p:nvPr/>
+        </p:nvSpPr>
+        <p:spPr>
+          <a:xfrm>
+            <a:off x="2346960" y="4227830"/>
+            <a:ext cx="9213850" cy="762635"/>
+          </a:xfrm>
+          <a:prstGeom prst="rect">
+            <a:avLst/>
+          </a:prstGeom>
+        </p:spPr>
+        <p:style>
+          <a:lnRef idx="2">
+            <a:schemeClr val="accent1">
+              <a:shade val="50000"/>
+            </a:schemeClr>
+          </a:lnRef>
+          <a:fillRef idx="1">
+            <a:schemeClr val="accent1"/>
+          </a:fillRef>
+          <a:effectRef idx="0">
+            <a:schemeClr val="accent1"/>
+          </a:effectRef>
+          <a:fontRef idx="minor">
+            <a:schemeClr val="lt1"/>
+          </a:fontRef>
+        </p:style>
+        <p:txBody>
+          <a:bodyPr rtlCol="0" anchor="ctr"/>
+          <a:p>
+            <a:pPr algn="ctr"/>
+            <a:r>
+              <a:rPr lang="en-US" altLang="zh-CN"/>
+              <a:t>cloudOs</a:t>
+            </a:r>
+            <a:endParaRPr lang="en-US" altLang="zh-CN"/>
+          </a:p>
+        </p:txBody>
+      </p:sp>
     </p:spTree>
     <p:custDataLst>
       <p:tags r:id="rId1"/>
@@ -6812,6 +6923,71 @@
 </file>
 
 <file path=ppt/slides/slide8.xml><?xml version="1.0" encoding="utf-8"?>
+<p:sld xmlns:a="http://schemas.openxmlformats.org/drawingml/2006/main" xmlns:r="http://schemas.openxmlformats.org/officeDocument/2006/relationships" xmlns:p="http://schemas.openxmlformats.org/presentationml/2006/main">
+  <p:cSld>
+    <p:spTree>
+      <p:nvGrpSpPr>
+        <p:cNvPr id="1" name=""/>
+        <p:cNvGrpSpPr/>
+        <p:nvPr/>
+      </p:nvGrpSpPr>
+      <p:grpSpPr>
+        <a:xfrm>
+          <a:off x="0" y="0"/>
+          <a:ext cx="0" cy="0"/>
+          <a:chOff x="0" y="0"/>
+          <a:chExt cx="0" cy="0"/>
+        </a:xfrm>
+      </p:grpSpPr>
+      <p:sp>
+        <p:nvSpPr>
+          <p:cNvPr id="2" name="文本框 1"/>
+          <p:cNvSpPr txBox="1"/>
+          <p:nvPr/>
+        </p:nvSpPr>
+        <p:spPr>
+          <a:xfrm>
+            <a:off x="428625" y="66040"/>
+            <a:ext cx="4831080" cy="829945"/>
+          </a:xfrm>
+          <a:prstGeom prst="rect">
+            <a:avLst/>
+          </a:prstGeom>
+          <a:noFill/>
+        </p:spPr>
+        <p:txBody>
+          <a:bodyPr wrap="square" rtlCol="0">
+            <a:spAutoFit/>
+          </a:bodyPr>
+          <a:p>
+            <a:r>
+              <a:rPr lang="en-US" altLang="zh-CN" sz="4800">
+                <a:solidFill>
+                  <a:schemeClr val="bg2"/>
+                </a:solidFill>
+              </a:rPr>
+              <a:t>AiApp</a:t>
+            </a:r>
+            <a:endParaRPr lang="en-US" altLang="zh-CN" sz="4800">
+              <a:solidFill>
+                <a:schemeClr val="bg2"/>
+              </a:solidFill>
+            </a:endParaRPr>
+          </a:p>
+        </p:txBody>
+      </p:sp>
+    </p:spTree>
+    <p:custDataLst>
+      <p:tags r:id="rId1"/>
+    </p:custDataLst>
+  </p:cSld>
+  <p:clrMapOvr>
+    <a:masterClrMapping/>
+  </p:clrMapOvr>
+</p:sld>
+</file>
+
+<file path=ppt/slides/slide9.xml><?xml version="1.0" encoding="utf-8"?>
 <p:sld xmlns:a="http://schemas.openxmlformats.org/drawingml/2006/main" xmlns:r="http://schemas.openxmlformats.org/officeDocument/2006/relationships" xmlns:p="http://schemas.openxmlformats.org/presentationml/2006/main">
   <p:cSld>
     <p:spTree>
@@ -7716,6 +7892,24 @@
 <p:tagLst xmlns:p="http://schemas.openxmlformats.org/presentationml/2006/main">
   <p:tag name="KSO_WM_TEMPLATE_CATEGORY" val="custom"/>
   <p:tag name="KSO_WM_TEMPLATE_INDEX" val="160510"/>
+  <p:tag name="KSO_WM_TAG_VERSION" val="1.0"/>
+  <p:tag name="KSO_WM_SLIDE_ID" val="custom160510_13"/>
+  <p:tag name="KSO_WM_SLIDE_INDEX" val="13"/>
+  <p:tag name="KSO_WM_SLIDE_ITEM_CNT" val="1"/>
+  <p:tag name="KSO_WM_SLIDE_LAYOUT" val="a_l"/>
+  <p:tag name="KSO_WM_SLIDE_LAYOUT_CNT" val="1_1"/>
+  <p:tag name="KSO_WM_SLIDE_TYPE" val="text"/>
+  <p:tag name="KSO_WM_BEAUTIFY_FLAG" val="#wm#"/>
+  <p:tag name="KSO_WM_SLIDE_POSITION" val="337*182"/>
+  <p:tag name="KSO_WM_SLIDE_SIZE" val="287*242"/>
+  <p:tag name="KSO_WM_DIAGRAM_GROUP_CODE" val="l1-2"/>
+</p:tagLst>
+</file>
+
+<file path=ppt/tags/tag11.xml><?xml version="1.0" encoding="utf-8"?>
+<p:tagLst xmlns:p="http://schemas.openxmlformats.org/presentationml/2006/main">
+  <p:tag name="KSO_WM_TEMPLATE_CATEGORY" val="custom"/>
+  <p:tag name="KSO_WM_TEMPLATE_INDEX" val="160510"/>
 </p:tagLst>
 </file>
 
@@ -7738,17 +7932,6 @@
 <p:tagLst xmlns:p="http://schemas.openxmlformats.org/presentationml/2006/main">
   <p:tag name="KSO_WM_TEMPLATE_CATEGORY" val="custom"/>
   <p:tag name="KSO_WM_TEMPLATE_INDEX" val="160510"/>
-  <p:tag name="KSO_WM_TAG_VERSION" val="1.0"/>
-  <p:tag name="KSO_WM_SLIDE_ID" val="custom160510_13"/>
-  <p:tag name="KSO_WM_SLIDE_INDEX" val="13"/>
-  <p:tag name="KSO_WM_SLIDE_ITEM_CNT" val="1"/>
-  <p:tag name="KSO_WM_SLIDE_LAYOUT" val="a_l"/>
-  <p:tag name="KSO_WM_SLIDE_LAYOUT_CNT" val="1_1"/>
-  <p:tag name="KSO_WM_SLIDE_TYPE" val="text"/>
-  <p:tag name="KSO_WM_BEAUTIFY_FLAG" val="#wm#"/>
-  <p:tag name="KSO_WM_SLIDE_POSITION" val="337*182"/>
-  <p:tag name="KSO_WM_SLIDE_SIZE" val="287*242"/>
-  <p:tag name="KSO_WM_DIAGRAM_GROUP_CODE" val="l1-2"/>
 </p:tagLst>
 </file>
 

--- a/bigCloudAi/bigCloudAi.pptx
+++ b/bigCloudAi/bigCloudAi.pptx
@@ -6549,6 +6549,706 @@
                 <a:schemeClr val="bg2"/>
               </a:solidFill>
               <a:sym typeface="+mn-ea"/>
+            </a:endParaRPr>
+          </a:p>
+        </p:txBody>
+      </p:sp>
+      <p:sp>
+        <p:nvSpPr>
+          <p:cNvPr id="3" name="文本框 2"/>
+          <p:cNvSpPr txBox="1"/>
+          <p:nvPr/>
+        </p:nvSpPr>
+        <p:spPr>
+          <a:xfrm>
+            <a:off x="675640" y="1001395"/>
+            <a:ext cx="11128375" cy="5631180"/>
+          </a:xfrm>
+          <a:prstGeom prst="rect">
+            <a:avLst/>
+          </a:prstGeom>
+          <a:noFill/>
+        </p:spPr>
+        <p:txBody>
+          <a:bodyPr wrap="square" rtlCol="0">
+            <a:spAutoFit/>
+          </a:bodyPr>
+          <a:p>
+            <a:r>
+              <a:rPr lang="en-US" altLang="zh-CN">
+                <a:solidFill>
+                  <a:srgbClr val="FF0000"/>
+                </a:solidFill>
+              </a:rPr>
+              <a:t>1</a:t>
+            </a:r>
+            <a:r>
+              <a:rPr lang="zh-CN" altLang="en-US">
+                <a:solidFill>
+                  <a:srgbClr val="FF0000"/>
+                </a:solidFill>
+              </a:rPr>
+              <a:t>。</a:t>
+            </a:r>
+            <a:r>
+              <a:rPr lang="zh-CN" altLang="en-US">
+                <a:solidFill>
+                  <a:srgbClr val="FF0000"/>
+                </a:solidFill>
+              </a:rPr>
+              <a:t>设置类</a:t>
+            </a:r>
+            <a:endParaRPr lang="zh-CN" altLang="en-US">
+              <a:solidFill>
+                <a:srgbClr val="FF0000"/>
+              </a:solidFill>
+            </a:endParaRPr>
+          </a:p>
+          <a:p>
+            <a:r>
+              <a:rPr lang="zh-CN" altLang="en-US">
+                <a:solidFill>
+                  <a:srgbClr val="FF0000"/>
+                </a:solidFill>
+              </a:rPr>
+              <a:t>     界面设置：背景，颜色主题，桌面显示类别（小图标，大图标）</a:t>
+            </a:r>
+            <a:endParaRPr lang="zh-CN" altLang="en-US">
+              <a:solidFill>
+                <a:srgbClr val="FF0000"/>
+              </a:solidFill>
+            </a:endParaRPr>
+          </a:p>
+          <a:p>
+            <a:r>
+              <a:rPr lang="zh-CN" altLang="en-US">
+                <a:solidFill>
+                  <a:srgbClr val="FF0000"/>
+                </a:solidFill>
+              </a:rPr>
+              <a:t>     用户设置：绑定当前界面设置，用户信息显示（名称，角色：管理员</a:t>
+            </a:r>
+            <a:r>
+              <a:rPr lang="en-US" altLang="zh-CN">
+                <a:solidFill>
+                  <a:srgbClr val="FF0000"/>
+                </a:solidFill>
+              </a:rPr>
+              <a:t>/</a:t>
+            </a:r>
+            <a:r>
+              <a:rPr lang="zh-CN" altLang="en-US">
+                <a:solidFill>
+                  <a:srgbClr val="FF0000"/>
+                </a:solidFill>
+              </a:rPr>
+              <a:t>租户）</a:t>
+            </a:r>
+            <a:endParaRPr lang="zh-CN" altLang="en-US">
+              <a:solidFill>
+                <a:srgbClr val="FF0000"/>
+              </a:solidFill>
+            </a:endParaRPr>
+          </a:p>
+          <a:p>
+            <a:r>
+              <a:rPr lang="zh-CN" altLang="en-US">
+                <a:solidFill>
+                  <a:srgbClr val="FF0000"/>
+                </a:solidFill>
+              </a:rPr>
+              <a:t>     资源管理：</a:t>
+            </a:r>
+            <a:endParaRPr lang="zh-CN" altLang="en-US">
+              <a:solidFill>
+                <a:srgbClr val="FF0000"/>
+              </a:solidFill>
+            </a:endParaRPr>
+          </a:p>
+          <a:p>
+            <a:r>
+              <a:rPr lang="en-US" altLang="zh-CN">
+                <a:solidFill>
+                  <a:srgbClr val="FF0000"/>
+                </a:solidFill>
+              </a:rPr>
+              <a:t>	</a:t>
+            </a:r>
+            <a:r>
+              <a:rPr lang="zh-CN" altLang="en-US">
+                <a:solidFill>
+                  <a:srgbClr val="FF0000"/>
+                </a:solidFill>
+              </a:rPr>
+              <a:t>（</a:t>
+            </a:r>
+            <a:r>
+              <a:rPr lang="en-US" altLang="zh-CN">
+                <a:solidFill>
+                  <a:srgbClr val="FF0000"/>
+                </a:solidFill>
+              </a:rPr>
+              <a:t>1</a:t>
+            </a:r>
+            <a:r>
+              <a:rPr lang="zh-CN" altLang="en-US">
+                <a:solidFill>
+                  <a:srgbClr val="FF0000"/>
+                </a:solidFill>
+              </a:rPr>
+              <a:t>）管理员：</a:t>
+            </a:r>
+            <a:endParaRPr lang="zh-CN" altLang="en-US">
+              <a:solidFill>
+                <a:srgbClr val="FF0000"/>
+              </a:solidFill>
+            </a:endParaRPr>
+          </a:p>
+          <a:p>
+            <a:r>
+              <a:rPr lang="en-US" altLang="zh-CN">
+                <a:solidFill>
+                  <a:srgbClr val="FF0000"/>
+                </a:solidFill>
+              </a:rPr>
+              <a:t>		</a:t>
+            </a:r>
+            <a:r>
+              <a:rPr lang="zh-CN" altLang="en-US">
+                <a:solidFill>
+                  <a:srgbClr val="FF0000"/>
+                </a:solidFill>
+              </a:rPr>
+              <a:t>资源类型（集群，主机，网络，端口，内存，</a:t>
+            </a:r>
+            <a:r>
+              <a:rPr lang="en-US" altLang="zh-CN">
+                <a:solidFill>
+                  <a:srgbClr val="FF0000"/>
+                </a:solidFill>
+              </a:rPr>
+              <a:t>CPU</a:t>
+            </a:r>
+            <a:r>
+              <a:rPr lang="zh-CN" altLang="en-US">
+                <a:solidFill>
+                  <a:srgbClr val="FF0000"/>
+                </a:solidFill>
+              </a:rPr>
+              <a:t>，</a:t>
+            </a:r>
+            <a:r>
+              <a:rPr lang="zh-CN" altLang="en-US">
+                <a:solidFill>
+                  <a:srgbClr val="FF0000"/>
+                </a:solidFill>
+              </a:rPr>
+              <a:t>存储）</a:t>
+            </a:r>
+            <a:endParaRPr lang="zh-CN" altLang="en-US">
+              <a:solidFill>
+                <a:srgbClr val="FF0000"/>
+              </a:solidFill>
+            </a:endParaRPr>
+          </a:p>
+          <a:p>
+            <a:r>
+              <a:rPr lang="en-US" altLang="zh-CN">
+                <a:solidFill>
+                  <a:srgbClr val="FF0000"/>
+                </a:solidFill>
+              </a:rPr>
+              <a:t>		</a:t>
+            </a:r>
+            <a:r>
+              <a:rPr lang="zh-CN" altLang="en-US">
+                <a:solidFill>
+                  <a:srgbClr val="FF0000"/>
+                </a:solidFill>
+              </a:rPr>
+              <a:t>资源使用</a:t>
+            </a:r>
+            <a:r>
+              <a:rPr lang="en-US" altLang="zh-CN">
+                <a:solidFill>
+                  <a:srgbClr val="FF0000"/>
+                </a:solidFill>
+              </a:rPr>
+              <a:t>/</a:t>
+            </a:r>
+            <a:r>
+              <a:rPr lang="zh-CN" altLang="en-US">
+                <a:solidFill>
+                  <a:srgbClr val="FF0000"/>
+                </a:solidFill>
+              </a:rPr>
+              <a:t>总量 </a:t>
+            </a:r>
+            <a:endParaRPr lang="zh-CN" altLang="en-US">
+              <a:solidFill>
+                <a:srgbClr val="FF0000"/>
+              </a:solidFill>
+            </a:endParaRPr>
+          </a:p>
+          <a:p>
+            <a:r>
+              <a:rPr lang="zh-CN" altLang="en-US">
+                <a:solidFill>
+                  <a:srgbClr val="FF0000"/>
+                </a:solidFill>
+              </a:rPr>
+              <a:t> </a:t>
+            </a:r>
+            <a:r>
+              <a:rPr lang="en-US" altLang="zh-CN">
+                <a:solidFill>
+                  <a:srgbClr val="FF0000"/>
+                </a:solidFill>
+              </a:rPr>
+              <a:t>		</a:t>
+            </a:r>
+            <a:r>
+              <a:rPr lang="zh-CN" altLang="en-US">
+                <a:solidFill>
+                  <a:srgbClr val="FF0000"/>
+                </a:solidFill>
+              </a:rPr>
+              <a:t>资源中资源集（审批）  资源集中服务</a:t>
+            </a:r>
+            <a:r>
+              <a:rPr lang="zh-CN" altLang="en-US">
+                <a:solidFill>
+                  <a:srgbClr val="FF0000"/>
+                </a:solidFill>
+              </a:rPr>
+              <a:t> </a:t>
+            </a:r>
+            <a:endParaRPr lang="zh-CN" altLang="en-US">
+              <a:solidFill>
+                <a:srgbClr val="FF0000"/>
+              </a:solidFill>
+            </a:endParaRPr>
+          </a:p>
+          <a:p>
+            <a:r>
+              <a:rPr lang="en-US" altLang="zh-CN">
+                <a:solidFill>
+                  <a:srgbClr val="FF0000"/>
+                </a:solidFill>
+              </a:rPr>
+              <a:t>	</a:t>
+            </a:r>
+            <a:r>
+              <a:rPr lang="zh-CN" altLang="en-US">
+                <a:solidFill>
+                  <a:srgbClr val="FF0000"/>
+                </a:solidFill>
+              </a:rPr>
+              <a:t>（</a:t>
+            </a:r>
+            <a:r>
+              <a:rPr lang="en-US" altLang="zh-CN">
+                <a:solidFill>
+                  <a:srgbClr val="FF0000"/>
+                </a:solidFill>
+              </a:rPr>
+              <a:t>2</a:t>
+            </a:r>
+            <a:r>
+              <a:rPr lang="zh-CN" altLang="en-US">
+                <a:solidFill>
+                  <a:srgbClr val="FF0000"/>
+                </a:solidFill>
+              </a:rPr>
+              <a:t>）租户 </a:t>
+            </a:r>
+            <a:endParaRPr lang="zh-CN" altLang="en-US">
+              <a:solidFill>
+                <a:srgbClr val="FF0000"/>
+              </a:solidFill>
+            </a:endParaRPr>
+          </a:p>
+          <a:p>
+            <a:r>
+              <a:rPr lang="en-US" altLang="zh-CN">
+                <a:solidFill>
+                  <a:srgbClr val="FF0000"/>
+                </a:solidFill>
+                <a:sym typeface="+mn-ea"/>
+              </a:rPr>
+              <a:t>		</a:t>
+            </a:r>
+            <a:r>
+              <a:rPr lang="zh-CN" altLang="en-US">
+                <a:solidFill>
+                  <a:srgbClr val="FF0000"/>
+                </a:solidFill>
+                <a:sym typeface="+mn-ea"/>
+              </a:rPr>
+              <a:t>资源类型（资源集，网络，端口，内存，</a:t>
+            </a:r>
+            <a:r>
+              <a:rPr lang="en-US" altLang="zh-CN">
+                <a:solidFill>
+                  <a:srgbClr val="FF0000"/>
+                </a:solidFill>
+                <a:sym typeface="+mn-ea"/>
+              </a:rPr>
+              <a:t>CPU</a:t>
+            </a:r>
+            <a:r>
+              <a:rPr lang="zh-CN" altLang="en-US">
+                <a:solidFill>
+                  <a:srgbClr val="FF0000"/>
+                </a:solidFill>
+                <a:sym typeface="+mn-ea"/>
+              </a:rPr>
+              <a:t>，存储）</a:t>
+            </a:r>
+            <a:endParaRPr lang="zh-CN" altLang="en-US">
+              <a:solidFill>
+                <a:srgbClr val="FF0000"/>
+              </a:solidFill>
+            </a:endParaRPr>
+          </a:p>
+          <a:p>
+            <a:r>
+              <a:rPr lang="en-US" altLang="zh-CN">
+                <a:solidFill>
+                  <a:srgbClr val="FF0000"/>
+                </a:solidFill>
+              </a:rPr>
+              <a:t>		</a:t>
+            </a:r>
+            <a:r>
+              <a:rPr lang="zh-CN" altLang="en-US">
+                <a:solidFill>
+                  <a:srgbClr val="FF0000"/>
+                </a:solidFill>
+              </a:rPr>
+              <a:t>资源集管理（申请</a:t>
+            </a:r>
+            <a:r>
+              <a:rPr lang="en-US" altLang="zh-CN">
+                <a:solidFill>
+                  <a:srgbClr val="FF0000"/>
+                </a:solidFill>
+              </a:rPr>
+              <a:t>/</a:t>
+            </a:r>
+            <a:r>
+              <a:rPr lang="zh-CN" altLang="en-US">
+                <a:solidFill>
+                  <a:srgbClr val="FF0000"/>
+                </a:solidFill>
+              </a:rPr>
+              <a:t>使用</a:t>
+            </a:r>
+            <a:r>
+              <a:rPr lang="zh-CN" altLang="en-US">
+                <a:solidFill>
+                  <a:srgbClr val="FF0000"/>
+                </a:solidFill>
+              </a:rPr>
+              <a:t>）</a:t>
+            </a:r>
+            <a:endParaRPr lang="zh-CN" altLang="en-US">
+              <a:solidFill>
+                <a:srgbClr val="FF0000"/>
+              </a:solidFill>
+            </a:endParaRPr>
+          </a:p>
+          <a:p>
+            <a:r>
+              <a:rPr lang="en-US" altLang="zh-CN">
+                <a:solidFill>
+                  <a:srgbClr val="FF0000"/>
+                </a:solidFill>
+              </a:rPr>
+              <a:t>		</a:t>
+            </a:r>
+            <a:r>
+              <a:rPr lang="zh-CN" altLang="en-US">
+                <a:solidFill>
+                  <a:srgbClr val="FF0000"/>
+                </a:solidFill>
+                <a:sym typeface="+mn-ea"/>
+              </a:rPr>
+              <a:t>资源集中服务 </a:t>
+            </a:r>
+            <a:endParaRPr lang="zh-CN" altLang="en-US">
+              <a:solidFill>
+                <a:srgbClr val="FF0000"/>
+              </a:solidFill>
+              <a:sym typeface="+mn-ea"/>
+            </a:endParaRPr>
+          </a:p>
+          <a:p>
+            <a:r>
+              <a:rPr lang="en-US" altLang="zh-CN">
+                <a:solidFill>
+                  <a:srgbClr val="FF0000"/>
+                </a:solidFill>
+                <a:sym typeface="+mn-ea"/>
+              </a:rPr>
+              <a:t>2</a:t>
+            </a:r>
+            <a:r>
+              <a:rPr lang="zh-CN" altLang="en-US">
+                <a:solidFill>
+                  <a:srgbClr val="FF0000"/>
+                </a:solidFill>
+                <a:sym typeface="+mn-ea"/>
+              </a:rPr>
+              <a:t>。</a:t>
+            </a:r>
+            <a:r>
+              <a:rPr lang="zh-CN" altLang="en-US">
+                <a:solidFill>
+                  <a:srgbClr val="FF0000"/>
+                </a:solidFill>
+                <a:sym typeface="+mn-ea"/>
+              </a:rPr>
+              <a:t>镜像市场：公有，私有管理</a:t>
+            </a:r>
+            <a:endParaRPr lang="zh-CN" altLang="en-US">
+              <a:solidFill>
+                <a:srgbClr val="FF0000"/>
+              </a:solidFill>
+              <a:sym typeface="+mn-ea"/>
+            </a:endParaRPr>
+          </a:p>
+          <a:p>
+            <a:r>
+              <a:rPr lang="zh-CN" altLang="en-US">
+                <a:solidFill>
+                  <a:srgbClr val="FF0000"/>
+                </a:solidFill>
+                <a:sym typeface="+mn-ea"/>
+              </a:rPr>
+              <a:t>                        私有在线打包</a:t>
+            </a:r>
+            <a:endParaRPr lang="zh-CN" altLang="en-US">
+              <a:solidFill>
+                <a:srgbClr val="FF0000"/>
+              </a:solidFill>
+              <a:sym typeface="+mn-ea"/>
+            </a:endParaRPr>
+          </a:p>
+          <a:p>
+            <a:r>
+              <a:rPr lang="en-US" altLang="zh-CN">
+                <a:solidFill>
+                  <a:srgbClr val="FF0000"/>
+                </a:solidFill>
+              </a:rPr>
+              <a:t>3</a:t>
+            </a:r>
+            <a:r>
+              <a:rPr lang="zh-CN" altLang="en-US">
+                <a:solidFill>
+                  <a:srgbClr val="FF0000"/>
+                </a:solidFill>
+              </a:rPr>
+              <a:t>。应用市场类</a:t>
+            </a:r>
+            <a:endParaRPr lang="zh-CN" altLang="en-US">
+              <a:solidFill>
+                <a:srgbClr val="FF0000"/>
+              </a:solidFill>
+            </a:endParaRPr>
+          </a:p>
+          <a:p>
+            <a:r>
+              <a:rPr lang="en-US" altLang="zh-CN">
+                <a:solidFill>
+                  <a:srgbClr val="FF0000"/>
+                </a:solidFill>
+              </a:rPr>
+              <a:t>	</a:t>
+            </a:r>
+            <a:r>
+              <a:rPr lang="zh-CN" altLang="en-US">
+                <a:solidFill>
+                  <a:srgbClr val="FF0000"/>
+                </a:solidFill>
+              </a:rPr>
+              <a:t>应用</a:t>
+            </a:r>
+            <a:r>
+              <a:rPr lang="en-US" altLang="zh-CN">
+                <a:solidFill>
+                  <a:srgbClr val="FF0000"/>
+                </a:solidFill>
+              </a:rPr>
+              <a:t>stack</a:t>
+            </a:r>
+            <a:r>
+              <a:rPr lang="zh-CN" altLang="en-US">
+                <a:solidFill>
+                  <a:srgbClr val="FF0000"/>
+                </a:solidFill>
+              </a:rPr>
+              <a:t>模板（</a:t>
+            </a:r>
+            <a:r>
+              <a:rPr lang="en-US" altLang="zh-CN">
+                <a:solidFill>
+                  <a:srgbClr val="FF0000"/>
+                </a:solidFill>
+              </a:rPr>
+              <a:t>storm</a:t>
+            </a:r>
+            <a:r>
+              <a:rPr lang="zh-CN" altLang="en-US">
+                <a:solidFill>
+                  <a:srgbClr val="FF0000"/>
+                </a:solidFill>
+              </a:rPr>
+              <a:t>集群，</a:t>
+            </a:r>
+            <a:r>
+              <a:rPr lang="en-US" altLang="zh-CN">
+                <a:solidFill>
+                  <a:srgbClr val="FF0000"/>
+                </a:solidFill>
+              </a:rPr>
+              <a:t>tomcat+mysql</a:t>
+            </a:r>
+            <a:r>
+              <a:rPr lang="zh-CN" altLang="en-US">
+                <a:solidFill>
+                  <a:srgbClr val="FF0000"/>
+                </a:solidFill>
+              </a:rPr>
+              <a:t>）</a:t>
+            </a:r>
+            <a:endParaRPr lang="en-US" altLang="zh-CN">
+              <a:solidFill>
+                <a:srgbClr val="FF0000"/>
+              </a:solidFill>
+            </a:endParaRPr>
+          </a:p>
+          <a:p>
+            <a:r>
+              <a:rPr lang="en-US" altLang="zh-CN">
+                <a:solidFill>
+                  <a:srgbClr val="FF0000"/>
+                </a:solidFill>
+              </a:rPr>
+              <a:t>4</a:t>
+            </a:r>
+            <a:r>
+              <a:rPr lang="zh-CN" altLang="en-US">
+                <a:solidFill>
+                  <a:srgbClr val="FF0000"/>
+                </a:solidFill>
+              </a:rPr>
+              <a:t>。应用模板类</a:t>
+            </a:r>
+            <a:endParaRPr lang="zh-CN" altLang="en-US">
+              <a:solidFill>
+                <a:srgbClr val="FF0000"/>
+              </a:solidFill>
+            </a:endParaRPr>
+          </a:p>
+          <a:p>
+            <a:r>
+              <a:rPr lang="en-US" altLang="zh-CN">
+                <a:solidFill>
+                  <a:srgbClr val="FF0000"/>
+                </a:solidFill>
+              </a:rPr>
+              <a:t>	</a:t>
+            </a:r>
+            <a:r>
+              <a:rPr lang="zh-CN" altLang="en-US">
+                <a:solidFill>
+                  <a:srgbClr val="FF0000"/>
+                </a:solidFill>
+              </a:rPr>
+              <a:t>由</a:t>
+            </a:r>
+            <a:r>
+              <a:rPr lang="zh-CN" altLang="en-US">
+                <a:solidFill>
+                  <a:srgbClr val="FF0000"/>
+                </a:solidFill>
+                <a:sym typeface="+mn-ea"/>
+              </a:rPr>
+              <a:t>应用市场类到桌面</a:t>
+            </a:r>
+            <a:r>
+              <a:rPr lang="en-US" altLang="zh-CN">
+                <a:solidFill>
+                  <a:srgbClr val="FF0000"/>
+                </a:solidFill>
+                <a:sym typeface="+mn-ea"/>
+              </a:rPr>
+              <a:t>stack</a:t>
+            </a:r>
+            <a:r>
+              <a:rPr lang="zh-CN" altLang="en-US">
+                <a:solidFill>
+                  <a:srgbClr val="FF0000"/>
+                </a:solidFill>
+                <a:sym typeface="+mn-ea"/>
+              </a:rPr>
+              <a:t>模板，自编辑</a:t>
+            </a:r>
+            <a:r>
+              <a:rPr lang="en-US" altLang="zh-CN">
+                <a:solidFill>
+                  <a:srgbClr val="FF0000"/>
+                </a:solidFill>
+                <a:sym typeface="+mn-ea"/>
+              </a:rPr>
+              <a:t>stack</a:t>
+            </a:r>
+            <a:r>
+              <a:rPr lang="zh-CN" altLang="en-US">
+                <a:solidFill>
+                  <a:srgbClr val="FF0000"/>
+                </a:solidFill>
+                <a:sym typeface="+mn-ea"/>
+              </a:rPr>
+              <a:t>模板</a:t>
+            </a:r>
+            <a:endParaRPr lang="zh-CN" altLang="en-US">
+              <a:solidFill>
+                <a:srgbClr val="FF0000"/>
+              </a:solidFill>
+              <a:sym typeface="+mn-ea"/>
+            </a:endParaRPr>
+          </a:p>
+          <a:p>
+            <a:r>
+              <a:rPr lang="en-US" altLang="zh-CN">
+                <a:solidFill>
+                  <a:srgbClr val="FF0000"/>
+                </a:solidFill>
+              </a:rPr>
+              <a:t>5</a:t>
+            </a:r>
+            <a:r>
+              <a:rPr lang="zh-CN" altLang="en-US">
+                <a:solidFill>
+                  <a:srgbClr val="FF0000"/>
+                </a:solidFill>
+              </a:rPr>
+              <a:t>。运行应用管理</a:t>
+            </a:r>
+            <a:endParaRPr lang="zh-CN" altLang="en-US">
+              <a:solidFill>
+                <a:srgbClr val="FF0000"/>
+              </a:solidFill>
+            </a:endParaRPr>
+          </a:p>
+          <a:p>
+            <a:endParaRPr lang="zh-CN" altLang="en-US">
+              <a:solidFill>
+                <a:srgbClr val="FF0000"/>
+              </a:solidFill>
             </a:endParaRPr>
           </a:p>
         </p:txBody>
